--- a/vehicle forces.pptx
+++ b/vehicle forces.pptx
@@ -18,13 +18,13 @@
     <p:sldId id="274" r:id="rId12"/>
     <p:sldId id="263" r:id="rId13"/>
     <p:sldId id="264" r:id="rId14"/>
-    <p:sldId id="275" r:id="rId15"/>
+    <p:sldId id="282" r:id="rId15"/>
     <p:sldId id="268" r:id="rId16"/>
     <p:sldId id="269" r:id="rId17"/>
-    <p:sldId id="270" r:id="rId18"/>
-    <p:sldId id="271" r:id="rId19"/>
-    <p:sldId id="272" r:id="rId20"/>
-    <p:sldId id="273" r:id="rId21"/>
+    <p:sldId id="283" r:id="rId18"/>
+    <p:sldId id="272" r:id="rId19"/>
+    <p:sldId id="273" r:id="rId20"/>
+    <p:sldId id="281" r:id="rId21"/>
   </p:sldIdLst>
   <p:sldSz cx="12192000" cy="6858000"/>
   <p:notesSz cx="6858000" cy="9144000"/>
@@ -278,7 +278,7 @@
           <a:p>
             <a:fld id="{96DFC8BC-9833-445E-8087-9E2B159065C8}" type="datetimeFigureOut">
               <a:rPr lang="en-US" smtClean="0"/>
-              <a:t>2/5/19</a:t>
+              <a:t>2/6/19</a:t>
             </a:fld>
             <a:endParaRPr lang="en-US"/>
           </a:p>
@@ -476,7 +476,7 @@
           <a:p>
             <a:fld id="{96DFC8BC-9833-445E-8087-9E2B159065C8}" type="datetimeFigureOut">
               <a:rPr lang="en-US" smtClean="0"/>
-              <a:t>2/5/19</a:t>
+              <a:t>2/6/19</a:t>
             </a:fld>
             <a:endParaRPr lang="en-US"/>
           </a:p>
@@ -684,7 +684,7 @@
           <a:p>
             <a:fld id="{96DFC8BC-9833-445E-8087-9E2B159065C8}" type="datetimeFigureOut">
               <a:rPr lang="en-US" smtClean="0"/>
-              <a:t>2/5/19</a:t>
+              <a:t>2/6/19</a:t>
             </a:fld>
             <a:endParaRPr lang="en-US"/>
           </a:p>
@@ -882,7 +882,7 @@
           <a:p>
             <a:fld id="{96DFC8BC-9833-445E-8087-9E2B159065C8}" type="datetimeFigureOut">
               <a:rPr lang="en-US" smtClean="0"/>
-              <a:t>2/5/19</a:t>
+              <a:t>2/6/19</a:t>
             </a:fld>
             <a:endParaRPr lang="en-US"/>
           </a:p>
@@ -1157,7 +1157,7 @@
           <a:p>
             <a:fld id="{96DFC8BC-9833-445E-8087-9E2B159065C8}" type="datetimeFigureOut">
               <a:rPr lang="en-US" smtClean="0"/>
-              <a:t>2/5/19</a:t>
+              <a:t>2/6/19</a:t>
             </a:fld>
             <a:endParaRPr lang="en-US"/>
           </a:p>
@@ -1422,7 +1422,7 @@
           <a:p>
             <a:fld id="{96DFC8BC-9833-445E-8087-9E2B159065C8}" type="datetimeFigureOut">
               <a:rPr lang="en-US" smtClean="0"/>
-              <a:t>2/5/19</a:t>
+              <a:t>2/6/19</a:t>
             </a:fld>
             <a:endParaRPr lang="en-US"/>
           </a:p>
@@ -1834,7 +1834,7 @@
           <a:p>
             <a:fld id="{96DFC8BC-9833-445E-8087-9E2B159065C8}" type="datetimeFigureOut">
               <a:rPr lang="en-US" smtClean="0"/>
-              <a:t>2/5/19</a:t>
+              <a:t>2/6/19</a:t>
             </a:fld>
             <a:endParaRPr lang="en-US"/>
           </a:p>
@@ -1975,7 +1975,7 @@
           <a:p>
             <a:fld id="{96DFC8BC-9833-445E-8087-9E2B159065C8}" type="datetimeFigureOut">
               <a:rPr lang="en-US" smtClean="0"/>
-              <a:t>2/5/19</a:t>
+              <a:t>2/6/19</a:t>
             </a:fld>
             <a:endParaRPr lang="en-US"/>
           </a:p>
@@ -2088,7 +2088,7 @@
           <a:p>
             <a:fld id="{96DFC8BC-9833-445E-8087-9E2B159065C8}" type="datetimeFigureOut">
               <a:rPr lang="en-US" smtClean="0"/>
-              <a:t>2/5/19</a:t>
+              <a:t>2/6/19</a:t>
             </a:fld>
             <a:endParaRPr lang="en-US"/>
           </a:p>
@@ -2399,7 +2399,7 @@
           <a:p>
             <a:fld id="{96DFC8BC-9833-445E-8087-9E2B159065C8}" type="datetimeFigureOut">
               <a:rPr lang="en-US" smtClean="0"/>
-              <a:t>2/5/19</a:t>
+              <a:t>2/6/19</a:t>
             </a:fld>
             <a:endParaRPr lang="en-US"/>
           </a:p>
@@ -2687,7 +2687,7 @@
           <a:p>
             <a:fld id="{96DFC8BC-9833-445E-8087-9E2B159065C8}" type="datetimeFigureOut">
               <a:rPr lang="en-US" smtClean="0"/>
-              <a:t>2/5/19</a:t>
+              <a:t>2/6/19</a:t>
             </a:fld>
             <a:endParaRPr lang="en-US"/>
           </a:p>
@@ -2928,7 +2928,7 @@
           <a:p>
             <a:fld id="{96DFC8BC-9833-445E-8087-9E2B159065C8}" type="datetimeFigureOut">
               <a:rPr lang="en-US" smtClean="0"/>
-              <a:t>2/5/19</a:t>
+              <a:t>2/6/19</a:t>
             </a:fld>
             <a:endParaRPr lang="en-US"/>
           </a:p>
@@ -4593,13 +4593,14 @@
           </p:cNvPr>
           <p:cNvCxnSpPr>
             <a:cxnSpLocks/>
+            <a:endCxn id="9" idx="0"/>
           </p:cNvCxnSpPr>
           <p:nvPr/>
         </p:nvCxnSpPr>
         <p:spPr>
           <a:xfrm>
             <a:off x="6971921" y="4076219"/>
-            <a:ext cx="636640" cy="367444"/>
+            <a:ext cx="716709" cy="383665"/>
           </a:xfrm>
           <a:prstGeom prst="straightConnector1">
             <a:avLst/>
@@ -4737,7 +4738,7 @@
         <p:spPr>
           <a:xfrm>
             <a:off x="321012" y="544749"/>
-            <a:ext cx="10757295" cy="2308324"/>
+            <a:ext cx="10757295" cy="2585323"/>
           </a:xfrm>
           <a:prstGeom prst="rect">
             <a:avLst/>
@@ -4829,7 +4830,15 @@
             </a:r>
             <a:r>
               <a:rPr lang="en-US" dirty="0"/>
-              <a:t> * sin (alpha-theta)* sin(alpha–theta)			-along </a:t>
+              <a:t> * sin (alpha-theta)* sin(alpha-theta)			-along positive </a:t>
+            </a:r>
+            <a:r>
+              <a:rPr lang="en-US" dirty="0" err="1"/>
+              <a:t>Xalpha</a:t>
+            </a:r>
+            <a:r>
+              <a:rPr lang="en-US" dirty="0"/>
+              <a:t> axis	</a:t>
             </a:r>
           </a:p>
           <a:p>
@@ -4846,7 +4855,15 @@
             </a:r>
             <a:r>
               <a:rPr lang="en-US" dirty="0"/>
-              <a:t> * cos (alpha-theta) * cos(beta-theta)</a:t>
+              <a:t> * cos (alpha-theta) * cos(beta-theta)			-along positive </a:t>
+            </a:r>
+            <a:r>
+              <a:rPr lang="en-US" dirty="0" err="1"/>
+              <a:t>Xbeta</a:t>
+            </a:r>
+            <a:r>
+              <a:rPr lang="en-US" dirty="0"/>
+              <a:t> axis</a:t>
             </a:r>
           </a:p>
           <a:p>
@@ -4860,7 +4877,15 @@
             </a:r>
             <a:r>
               <a:rPr lang="en-US" dirty="0"/>
-              <a:t> * cos(alpha-theta) * sin(beta-theta)</a:t>
+              <a:t> * cos(alpha-theta) * cos(90+beta-theta)			-along positive </a:t>
+            </a:r>
+            <a:r>
+              <a:rPr lang="en-US" dirty="0" err="1"/>
+              <a:t>Ybeta</a:t>
+            </a:r>
+            <a:r>
+              <a:rPr lang="en-US" dirty="0"/>
+              <a:t> axis (negative value 										into road)</a:t>
             </a:r>
           </a:p>
         </p:txBody>
@@ -5446,8 +5471,8 @@
         </p:nvSpPr>
         <p:spPr>
           <a:xfrm>
-            <a:off x="6274339" y="137041"/>
-            <a:ext cx="5849823" cy="1661993"/>
+            <a:off x="2878775" y="5643314"/>
+            <a:ext cx="9292621" cy="1138773"/>
           </a:xfrm>
           <a:prstGeom prst="rect">
             <a:avLst/>
@@ -5468,13 +5493,7 @@
           <a:p>
             <a:r>
               <a:rPr lang="en-US" dirty="0"/>
-              <a:t>1 parallel to the ground at the contact point. </a:t>
-            </a:r>
-          </a:p>
-          <a:p>
-            <a:r>
-              <a:rPr lang="en-US" dirty="0"/>
-              <a:t>1 perpendicular to the ground at the contact point.</a:t>
+              <a:t>1 parallel to the ground at the contact point.  1 perpendicular to the ground at the contact point.</a:t>
             </a:r>
           </a:p>
           <a:p>
@@ -5728,7 +5747,7 @@
         <p:spPr>
           <a:xfrm>
             <a:off x="321013" y="544749"/>
-            <a:ext cx="4565352" cy="1477328"/>
+            <a:ext cx="10538847" cy="1754326"/>
           </a:xfrm>
           <a:prstGeom prst="rect">
             <a:avLst/>
@@ -5751,7 +5770,15 @@
             </a:r>
             <a:r>
               <a:rPr lang="en-US" dirty="0"/>
-              <a:t> * sin (alpha-theta)* cos(alpha – theta)</a:t>
+              <a:t> * sin (alpha-theta)* cos(alpha – theta)			- along positive </a:t>
+            </a:r>
+            <a:r>
+              <a:rPr lang="en-US" dirty="0" err="1"/>
+              <a:t>Yalpha</a:t>
+            </a:r>
+            <a:r>
+              <a:rPr lang="en-US" dirty="0"/>
+              <a:t> axis</a:t>
             </a:r>
           </a:p>
           <a:p>
@@ -5765,7 +5792,15 @@
             </a:r>
             <a:r>
               <a:rPr lang="en-US" dirty="0"/>
-              <a:t> * sin (alpha-theta)* sin(alpha– theta)</a:t>
+              <a:t> * sin (alpha-theta)* sin(alpha– theta)			- along positive </a:t>
+            </a:r>
+            <a:r>
+              <a:rPr lang="en-US" dirty="0" err="1"/>
+              <a:t>Xalpha</a:t>
+            </a:r>
+            <a:r>
+              <a:rPr lang="en-US" dirty="0"/>
+              <a:t> axis</a:t>
             </a:r>
           </a:p>
           <a:p>
@@ -5782,7 +5817,15 @@
             </a:r>
             <a:r>
               <a:rPr lang="en-US" dirty="0"/>
-              <a:t> * cos (alpha-theta) * cos(beta-theta)</a:t>
+              <a:t> * cos (alpha-theta) * cos(beta-theta)			- along positive </a:t>
+            </a:r>
+            <a:r>
+              <a:rPr lang="en-US" dirty="0" err="1"/>
+              <a:t>Xbeta</a:t>
+            </a:r>
+            <a:r>
+              <a:rPr lang="en-US" dirty="0"/>
+              <a:t> axis</a:t>
             </a:r>
           </a:p>
           <a:p>
@@ -5796,7 +5839,21 @@
             </a:r>
             <a:r>
               <a:rPr lang="en-US" dirty="0"/>
-              <a:t> * cos(alpha-theta) * sin(beta-theta)</a:t>
+              <a:t> * cos(alpha-theta) * cos(90+beta-theta)			- along positive </a:t>
+            </a:r>
+            <a:r>
+              <a:rPr lang="en-US" dirty="0" err="1"/>
+              <a:t>Ybeta</a:t>
+            </a:r>
+            <a:r>
+              <a:rPr lang="en-US" dirty="0"/>
+              <a:t> axis (negative value</a:t>
+            </a:r>
+          </a:p>
+          <a:p>
+            <a:r>
+              <a:rPr lang="en-US" dirty="0"/>
+              <a:t>										into road)</a:t>
             </a:r>
           </a:p>
         </p:txBody>
@@ -6312,7 +6369,7 @@
         </p:nvSpPr>
         <p:spPr>
           <a:xfrm>
-            <a:off x="5454041" y="108698"/>
+            <a:off x="5397167" y="5999946"/>
             <a:ext cx="6390788" cy="584775"/>
           </a:xfrm>
           <a:prstGeom prst="rect">
@@ -6790,109 +6847,6 @@
           </a:p>
         </p:txBody>
       </p:sp>
-      <p:sp>
-        <p:nvSpPr>
-          <p:cNvPr id="25" name="TextBox 24">
-            <a:extLst>
-              <a:ext uri="{FF2B5EF4-FFF2-40B4-BE49-F238E27FC236}">
-                <a16:creationId xmlns:a16="http://schemas.microsoft.com/office/drawing/2014/main" id="{BBCEA395-B743-AA40-9453-9E429EE22C7F}"/>
-              </a:ext>
-            </a:extLst>
-          </p:cNvPr>
-          <p:cNvSpPr txBox="1"/>
-          <p:nvPr/>
-        </p:nvSpPr>
-        <p:spPr>
-          <a:xfrm>
-            <a:off x="272719" y="233178"/>
-            <a:ext cx="4565352" cy="2308324"/>
-          </a:xfrm>
-          <a:prstGeom prst="rect">
-            <a:avLst/>
-          </a:prstGeom>
-          <a:noFill/>
-        </p:spPr>
-        <p:txBody>
-          <a:bodyPr wrap="none" rtlCol="0">
-            <a:spAutoFit/>
-          </a:bodyPr>
-          <a:lstStyle/>
-          <a:p>
-            <a:r>
-              <a:rPr lang="en-US" dirty="0"/>
-              <a:t>4 = </a:t>
-            </a:r>
-            <a:r>
-              <a:rPr lang="en-US" dirty="0" err="1"/>
-              <a:t>Fout</a:t>
-            </a:r>
-            <a:r>
-              <a:rPr lang="en-US" dirty="0"/>
-              <a:t> * sin (alpha-theta)* cos(alpha – theta)</a:t>
-            </a:r>
-          </a:p>
-          <a:p>
-            <a:r>
-              <a:rPr lang="en-US" dirty="0"/>
-              <a:t>5 = </a:t>
-            </a:r>
-            <a:r>
-              <a:rPr lang="en-US" dirty="0" err="1"/>
-              <a:t>Fout</a:t>
-            </a:r>
-            <a:r>
-              <a:rPr lang="en-US" dirty="0"/>
-              <a:t> * sin (alpha-theta)* sin(alpha– theta)</a:t>
-            </a:r>
-          </a:p>
-          <a:p>
-            <a:endParaRPr lang="en-US" dirty="0"/>
-          </a:p>
-          <a:p>
-            <a:r>
-              <a:rPr lang="en-US" dirty="0"/>
-              <a:t>6 = </a:t>
-            </a:r>
-            <a:r>
-              <a:rPr lang="en-US" dirty="0" err="1"/>
-              <a:t>Fout</a:t>
-            </a:r>
-            <a:r>
-              <a:rPr lang="en-US" dirty="0"/>
-              <a:t> * cos (alpha-theta) * cos(beta-theta)</a:t>
-            </a:r>
-          </a:p>
-          <a:p>
-            <a:r>
-              <a:rPr lang="en-US" dirty="0"/>
-              <a:t>7 = </a:t>
-            </a:r>
-            <a:r>
-              <a:rPr lang="en-US" dirty="0" err="1"/>
-              <a:t>Fout</a:t>
-            </a:r>
-            <a:r>
-              <a:rPr lang="en-US" dirty="0"/>
-              <a:t> * cos(alpha-theta) * sin(beta-theta)</a:t>
-            </a:r>
-          </a:p>
-          <a:p>
-            <a:endParaRPr lang="en-US" dirty="0"/>
-          </a:p>
-          <a:p>
-            <a:r>
-              <a:rPr lang="en-US" dirty="0"/>
-              <a:t>8 = W1</a:t>
-            </a:r>
-          </a:p>
-          <a:p>
-            <a:r>
-              <a:rPr lang="en-US" dirty="0"/>
-              <a:t>9 = W2</a:t>
-            </a:r>
-          </a:p>
-        </p:txBody>
-      </p:sp>
       <p:cxnSp>
         <p:nvCxnSpPr>
           <p:cNvPr id="27" name="Straight Arrow Connector 26">
@@ -6968,6 +6922,160 @@
             <a:r>
               <a:rPr lang="en-US" dirty="0"/>
               <a:t>7</a:t>
+            </a:r>
+          </a:p>
+        </p:txBody>
+      </p:sp>
+      <p:sp>
+        <p:nvSpPr>
+          <p:cNvPr id="28" name="TextBox 27">
+            <a:extLst>
+              <a:ext uri="{FF2B5EF4-FFF2-40B4-BE49-F238E27FC236}">
+                <a16:creationId xmlns:a16="http://schemas.microsoft.com/office/drawing/2014/main" id="{1B0488D6-3857-7548-A8DC-CA88744A19C2}"/>
+              </a:ext>
+            </a:extLst>
+          </p:cNvPr>
+          <p:cNvSpPr txBox="1"/>
+          <p:nvPr/>
+        </p:nvSpPr>
+        <p:spPr>
+          <a:xfrm>
+            <a:off x="321013" y="544749"/>
+            <a:ext cx="10677923" cy="2308324"/>
+          </a:xfrm>
+          <a:prstGeom prst="rect">
+            <a:avLst/>
+          </a:prstGeom>
+          <a:noFill/>
+        </p:spPr>
+        <p:txBody>
+          <a:bodyPr wrap="none" rtlCol="0">
+            <a:spAutoFit/>
+          </a:bodyPr>
+          <a:lstStyle/>
+          <a:p>
+            <a:r>
+              <a:rPr lang="en-US" dirty="0"/>
+              <a:t>4 = </a:t>
+            </a:r>
+            <a:r>
+              <a:rPr lang="en-US" dirty="0" err="1"/>
+              <a:t>Fout</a:t>
+            </a:r>
+            <a:r>
+              <a:rPr lang="en-US" dirty="0"/>
+              <a:t> * sin (alpha-theta)* cos(alpha – theta)			- along positive </a:t>
+            </a:r>
+            <a:r>
+              <a:rPr lang="en-US" dirty="0" err="1"/>
+              <a:t>Yalpha</a:t>
+            </a:r>
+            <a:r>
+              <a:rPr lang="en-US" dirty="0"/>
+              <a:t> axis</a:t>
+            </a:r>
+          </a:p>
+          <a:p>
+            <a:r>
+              <a:rPr lang="en-US" dirty="0"/>
+              <a:t>5 = </a:t>
+            </a:r>
+            <a:r>
+              <a:rPr lang="en-US" dirty="0" err="1"/>
+              <a:t>Fout</a:t>
+            </a:r>
+            <a:r>
+              <a:rPr lang="en-US" dirty="0"/>
+              <a:t> * sin (alpha-theta)* sin(alpha– theta)			- along positive </a:t>
+            </a:r>
+            <a:r>
+              <a:rPr lang="en-US" dirty="0" err="1"/>
+              <a:t>Xalpha</a:t>
+            </a:r>
+            <a:r>
+              <a:rPr lang="en-US" dirty="0"/>
+              <a:t> axis</a:t>
+            </a:r>
+          </a:p>
+          <a:p>
+            <a:endParaRPr lang="en-US" dirty="0"/>
+          </a:p>
+          <a:p>
+            <a:r>
+              <a:rPr lang="en-US" dirty="0"/>
+              <a:t>6 = </a:t>
+            </a:r>
+            <a:r>
+              <a:rPr lang="en-US" dirty="0" err="1"/>
+              <a:t>Fout</a:t>
+            </a:r>
+            <a:r>
+              <a:rPr lang="en-US" dirty="0"/>
+              <a:t> * cos (alpha-theta) * cos(beta-theta)			- along positive </a:t>
+            </a:r>
+            <a:r>
+              <a:rPr lang="en-US" dirty="0" err="1"/>
+              <a:t>Xbeta</a:t>
+            </a:r>
+            <a:r>
+              <a:rPr lang="en-US" dirty="0"/>
+              <a:t> axis</a:t>
+            </a:r>
+          </a:p>
+          <a:p>
+            <a:r>
+              <a:rPr lang="en-US" dirty="0"/>
+              <a:t>7 = </a:t>
+            </a:r>
+            <a:r>
+              <a:rPr lang="en-US" dirty="0" err="1"/>
+              <a:t>Fout</a:t>
+            </a:r>
+            <a:r>
+              <a:rPr lang="en-US" dirty="0"/>
+              <a:t> * cos(alpha-theta) * sin(90+beta-theta)			- along positive </a:t>
+            </a:r>
+            <a:r>
+              <a:rPr lang="en-US" dirty="0" err="1"/>
+              <a:t>Ybeta</a:t>
+            </a:r>
+            <a:r>
+              <a:rPr lang="en-US" dirty="0"/>
+              <a:t> axis (negative value</a:t>
+            </a:r>
+          </a:p>
+          <a:p>
+            <a:r>
+              <a:rPr lang="en-US" dirty="0"/>
+              <a:t>										into road)</a:t>
+            </a:r>
+          </a:p>
+          <a:p>
+            <a:r>
+              <a:rPr lang="en-US" dirty="0"/>
+              <a:t>8 = W1 							(along positive </a:t>
+            </a:r>
+            <a:r>
+              <a:rPr lang="en-US" dirty="0" err="1"/>
+              <a:t>Yworld</a:t>
+            </a:r>
+            <a:r>
+              <a:rPr lang="en-US" dirty="0"/>
+              <a:t> axis (negative value)</a:t>
+            </a:r>
+          </a:p>
+          <a:p>
+            <a:r>
+              <a:rPr lang="en-US" dirty="0"/>
+              <a:t>9 = W2 							(along positive </a:t>
+            </a:r>
+            <a:r>
+              <a:rPr lang="en-US" dirty="0" err="1"/>
+              <a:t>Xworld</a:t>
+            </a:r>
+            <a:r>
+              <a:rPr lang="en-US" dirty="0"/>
+              <a:t> axis (negative value)</a:t>
             </a:r>
           </a:p>
         </p:txBody>
@@ -7343,7 +7451,7 @@
         </p:nvSpPr>
         <p:spPr>
           <a:xfrm>
-            <a:off x="7641715" y="98971"/>
+            <a:off x="161006" y="3165980"/>
             <a:ext cx="4550285" cy="800219"/>
           </a:xfrm>
           <a:prstGeom prst="rect">
@@ -7524,8 +7632,8 @@
         </p:nvCxnSpPr>
         <p:spPr>
           <a:xfrm>
-            <a:off x="4126035" y="4606591"/>
-            <a:ext cx="10455" cy="991470"/>
+            <a:off x="4126036" y="4606591"/>
+            <a:ext cx="8606" cy="815642"/>
           </a:xfrm>
           <a:prstGeom prst="straightConnector1">
             <a:avLst/>
@@ -7807,8 +7915,8 @@
         </p:nvSpPr>
         <p:spPr>
           <a:xfrm>
-            <a:off x="321013" y="544749"/>
-            <a:ext cx="4565352" cy="3970318"/>
+            <a:off x="157019" y="5016001"/>
+            <a:ext cx="8245014" cy="1754326"/>
           </a:xfrm>
           <a:prstGeom prst="rect">
             <a:avLst/>
@@ -7821,31 +7929,34 @@
           </a:bodyPr>
           <a:lstStyle/>
           <a:p>
-            <a:r>
-              <a:rPr lang="en-US" dirty="0"/>
-              <a:t>4 = </a:t>
+            <a:endParaRPr lang="en-US" dirty="0"/>
+          </a:p>
+          <a:p>
+            <a:r>
+              <a:rPr lang="en-US" dirty="0"/>
+              <a:t>10 = W1 * sin(alpha) 				- along positive </a:t>
             </a:r>
             <a:r>
               <a:rPr lang="en-US" dirty="0" err="1"/>
-              <a:t>Fout</a:t>
-            </a:r>
-            <a:r>
-              <a:rPr lang="en-US" dirty="0"/>
-              <a:t> * sin (alpha-theta)* cos(alpha – theta)</a:t>
-            </a:r>
-          </a:p>
-          <a:p>
-            <a:r>
-              <a:rPr lang="en-US" dirty="0"/>
-              <a:t>5 = </a:t>
+              <a:t>Xalpha</a:t>
+            </a:r>
+            <a:r>
+              <a:rPr lang="en-US" dirty="0"/>
+              <a:t> axis</a:t>
+            </a:r>
+          </a:p>
+          <a:p>
+            <a:r>
+              <a:rPr lang="en-US" dirty="0"/>
+              <a:t>11 = W1 * cos(alpha)				- along positive </a:t>
             </a:r>
             <a:r>
               <a:rPr lang="en-US" dirty="0" err="1"/>
-              <a:t>Fout</a:t>
-            </a:r>
-            <a:r>
-              <a:rPr lang="en-US" dirty="0"/>
-              <a:t> * sin (alpha-theta)* sin(alpha– theta)</a:t>
+              <a:t>Yalpha</a:t>
+            </a:r>
+            <a:r>
+              <a:rPr lang="en-US" dirty="0"/>
+              <a:t> axis</a:t>
             </a:r>
           </a:p>
           <a:p>
@@ -7854,74 +7965,29 @@
           <a:p>
             <a:r>
               <a:rPr lang="en-US" dirty="0"/>
-              <a:t>6 = </a:t>
+              <a:t>12 = W2 * sin(beta)				- along positive </a:t>
             </a:r>
             <a:r>
               <a:rPr lang="en-US" dirty="0" err="1"/>
-              <a:t>Fout</a:t>
-            </a:r>
-            <a:r>
-              <a:rPr lang="en-US" dirty="0"/>
-              <a:t> * cos (alpha-theta) * cos(beta-theta)</a:t>
-            </a:r>
-          </a:p>
-          <a:p>
-            <a:r>
-              <a:rPr lang="en-US" dirty="0"/>
-              <a:t>7 = </a:t>
+              <a:t>Xbeta</a:t>
+            </a:r>
+            <a:r>
+              <a:rPr lang="en-US" dirty="0"/>
+              <a:t> axis</a:t>
+            </a:r>
+          </a:p>
+          <a:p>
+            <a:r>
+              <a:rPr lang="en-US" dirty="0"/>
+              <a:t>13 = W2 * cos(beta)				- along positive </a:t>
             </a:r>
             <a:r>
               <a:rPr lang="en-US" dirty="0" err="1"/>
-              <a:t>Fout</a:t>
-            </a:r>
-            <a:r>
-              <a:rPr lang="en-US" dirty="0"/>
-              <a:t> * cos(alpha-theta) * sin(beta-theta)</a:t>
-            </a:r>
-          </a:p>
-          <a:p>
-            <a:endParaRPr lang="en-US" dirty="0"/>
-          </a:p>
-          <a:p>
-            <a:r>
-              <a:rPr lang="en-US" dirty="0"/>
-              <a:t>8 = W1</a:t>
-            </a:r>
-          </a:p>
-          <a:p>
-            <a:r>
-              <a:rPr lang="en-US" dirty="0"/>
-              <a:t>9 = W2</a:t>
-            </a:r>
-          </a:p>
-          <a:p>
-            <a:endParaRPr lang="en-US" dirty="0"/>
-          </a:p>
-          <a:p>
-            <a:r>
-              <a:rPr lang="en-US" dirty="0"/>
-              <a:t>10 = W1 * cos(90-alpha)</a:t>
-            </a:r>
-          </a:p>
-          <a:p>
-            <a:r>
-              <a:rPr lang="en-US" dirty="0"/>
-              <a:t>11 = W1 * sin(90-alpha)</a:t>
-            </a:r>
-          </a:p>
-          <a:p>
-            <a:endParaRPr lang="en-US" dirty="0"/>
-          </a:p>
-          <a:p>
-            <a:r>
-              <a:rPr lang="en-US" dirty="0"/>
-              <a:t>12 = W2 * cos(90-beta)</a:t>
-            </a:r>
-          </a:p>
-          <a:p>
-            <a:r>
-              <a:rPr lang="en-US" dirty="0"/>
-              <a:t>13 = W2 * sin(90-beta)</a:t>
+              <a:t>Ybeta</a:t>
+            </a:r>
+            <a:r>
+              <a:rPr lang="en-US" dirty="0"/>
+              <a:t> axis</a:t>
             </a:r>
           </a:p>
         </p:txBody>
@@ -8363,6 +8429,160 @@
             <a:r>
               <a:rPr lang="en-US" dirty="0"/>
               <a:t>6</a:t>
+            </a:r>
+          </a:p>
+        </p:txBody>
+      </p:sp>
+      <p:sp>
+        <p:nvSpPr>
+          <p:cNvPr id="39" name="TextBox 38">
+            <a:extLst>
+              <a:ext uri="{FF2B5EF4-FFF2-40B4-BE49-F238E27FC236}">
+                <a16:creationId xmlns:a16="http://schemas.microsoft.com/office/drawing/2014/main" id="{BBB63BB1-6A84-5D49-9902-3E32737D6685}"/>
+              </a:ext>
+            </a:extLst>
+          </p:cNvPr>
+          <p:cNvSpPr txBox="1"/>
+          <p:nvPr/>
+        </p:nvSpPr>
+        <p:spPr>
+          <a:xfrm>
+            <a:off x="321013" y="544749"/>
+            <a:ext cx="9807493" cy="2308324"/>
+          </a:xfrm>
+          <a:prstGeom prst="rect">
+            <a:avLst/>
+          </a:prstGeom>
+          <a:noFill/>
+        </p:spPr>
+        <p:txBody>
+          <a:bodyPr wrap="none" rtlCol="0">
+            <a:spAutoFit/>
+          </a:bodyPr>
+          <a:lstStyle/>
+          <a:p>
+            <a:r>
+              <a:rPr lang="en-US" dirty="0"/>
+              <a:t>4 = </a:t>
+            </a:r>
+            <a:r>
+              <a:rPr lang="en-US" dirty="0" err="1"/>
+              <a:t>Fout</a:t>
+            </a:r>
+            <a:r>
+              <a:rPr lang="en-US" dirty="0"/>
+              <a:t> * sin (alpha-theta)* cos(alpha – theta)		- along positive </a:t>
+            </a:r>
+            <a:r>
+              <a:rPr lang="en-US" dirty="0" err="1"/>
+              <a:t>Yalpha</a:t>
+            </a:r>
+            <a:r>
+              <a:rPr lang="en-US" dirty="0"/>
+              <a:t> axis</a:t>
+            </a:r>
+          </a:p>
+          <a:p>
+            <a:r>
+              <a:rPr lang="en-US" dirty="0"/>
+              <a:t>5 = </a:t>
+            </a:r>
+            <a:r>
+              <a:rPr lang="en-US" dirty="0" err="1"/>
+              <a:t>Fout</a:t>
+            </a:r>
+            <a:r>
+              <a:rPr lang="en-US" dirty="0"/>
+              <a:t> * sin (alpha-theta)* sin(alpha– theta)		- along positive </a:t>
+            </a:r>
+            <a:r>
+              <a:rPr lang="en-US" dirty="0" err="1"/>
+              <a:t>Xalpha</a:t>
+            </a:r>
+            <a:r>
+              <a:rPr lang="en-US" dirty="0"/>
+              <a:t> axis</a:t>
+            </a:r>
+          </a:p>
+          <a:p>
+            <a:endParaRPr lang="en-US" dirty="0"/>
+          </a:p>
+          <a:p>
+            <a:r>
+              <a:rPr lang="en-US" dirty="0"/>
+              <a:t>6 = </a:t>
+            </a:r>
+            <a:r>
+              <a:rPr lang="en-US" dirty="0" err="1"/>
+              <a:t>Fout</a:t>
+            </a:r>
+            <a:r>
+              <a:rPr lang="en-US" dirty="0"/>
+              <a:t> * cos (alpha-theta) * cos(beta-theta)		- along positive </a:t>
+            </a:r>
+            <a:r>
+              <a:rPr lang="en-US" dirty="0" err="1"/>
+              <a:t>Xbeta</a:t>
+            </a:r>
+            <a:r>
+              <a:rPr lang="en-US" dirty="0"/>
+              <a:t> axis</a:t>
+            </a:r>
+          </a:p>
+          <a:p>
+            <a:r>
+              <a:rPr lang="en-US" dirty="0"/>
+              <a:t>7 = </a:t>
+            </a:r>
+            <a:r>
+              <a:rPr lang="en-US" dirty="0" err="1"/>
+              <a:t>Fout</a:t>
+            </a:r>
+            <a:r>
+              <a:rPr lang="en-US" dirty="0"/>
+              <a:t> * cos(alpha-theta) * sin(90+beta-theta)		- along positive </a:t>
+            </a:r>
+            <a:r>
+              <a:rPr lang="en-US" dirty="0" err="1"/>
+              <a:t>Ybeta</a:t>
+            </a:r>
+            <a:r>
+              <a:rPr lang="en-US" dirty="0"/>
+              <a:t> axis (negative value</a:t>
+            </a:r>
+          </a:p>
+          <a:p>
+            <a:r>
+              <a:rPr lang="en-US" dirty="0"/>
+              <a:t>									into road)</a:t>
+            </a:r>
+          </a:p>
+          <a:p>
+            <a:r>
+              <a:rPr lang="en-US" dirty="0"/>
+              <a:t>8 = W1 						- along positive </a:t>
+            </a:r>
+            <a:r>
+              <a:rPr lang="en-US" dirty="0" err="1"/>
+              <a:t>Yworld</a:t>
+            </a:r>
+            <a:r>
+              <a:rPr lang="en-US" dirty="0"/>
+              <a:t> axis (negative value)</a:t>
+            </a:r>
+          </a:p>
+          <a:p>
+            <a:r>
+              <a:rPr lang="en-US" dirty="0"/>
+              <a:t>9 = W2 						- along positive </a:t>
+            </a:r>
+            <a:r>
+              <a:rPr lang="en-US" dirty="0" err="1"/>
+              <a:t>Xworld</a:t>
+            </a:r>
+            <a:r>
+              <a:rPr lang="en-US" dirty="0"/>
+              <a:t> axis (negative value)</a:t>
             </a:r>
           </a:p>
         </p:txBody>
@@ -8738,7 +8958,7 @@
         </p:nvSpPr>
         <p:spPr>
           <a:xfrm>
-            <a:off x="7641715" y="98971"/>
+            <a:off x="161006" y="3165980"/>
             <a:ext cx="4550285" cy="800219"/>
           </a:xfrm>
           <a:prstGeom prst="rect">
@@ -9110,8 +9330,8 @@
         </p:nvSpPr>
         <p:spPr>
           <a:xfrm>
-            <a:off x="321013" y="544749"/>
-            <a:ext cx="4565352" cy="3139321"/>
+            <a:off x="157019" y="5016001"/>
+            <a:ext cx="8245014" cy="1754326"/>
           </a:xfrm>
           <a:prstGeom prst="rect">
             <a:avLst/>
@@ -9124,31 +9344,34 @@
           </a:bodyPr>
           <a:lstStyle/>
           <a:p>
-            <a:r>
-              <a:rPr lang="en-US" dirty="0"/>
-              <a:t>4 = </a:t>
+            <a:endParaRPr lang="en-US" dirty="0"/>
+          </a:p>
+          <a:p>
+            <a:r>
+              <a:rPr lang="en-US" dirty="0"/>
+              <a:t>10 = W1 * sin(alpha) 				- along positive </a:t>
             </a:r>
             <a:r>
               <a:rPr lang="en-US" dirty="0" err="1"/>
-              <a:t>Fout</a:t>
-            </a:r>
-            <a:r>
-              <a:rPr lang="en-US" dirty="0"/>
-              <a:t> * sin (alpha-theta)* cos(alpha – theta)</a:t>
-            </a:r>
-          </a:p>
-          <a:p>
-            <a:r>
-              <a:rPr lang="en-US" dirty="0"/>
-              <a:t>5 = </a:t>
+              <a:t>Xalpha</a:t>
+            </a:r>
+            <a:r>
+              <a:rPr lang="en-US" dirty="0"/>
+              <a:t> axis</a:t>
+            </a:r>
+          </a:p>
+          <a:p>
+            <a:r>
+              <a:rPr lang="en-US" dirty="0"/>
+              <a:t>11 = W1 * cos(alpha)				- along positive </a:t>
             </a:r>
             <a:r>
               <a:rPr lang="en-US" dirty="0" err="1"/>
-              <a:t>Fout</a:t>
-            </a:r>
-            <a:r>
-              <a:rPr lang="en-US" dirty="0"/>
-              <a:t> * sin (alpha-theta)* sin(alpha– theta)</a:t>
+              <a:t>Yalpha</a:t>
+            </a:r>
+            <a:r>
+              <a:rPr lang="en-US" dirty="0"/>
+              <a:t> axis</a:t>
             </a:r>
           </a:p>
           <a:p>
@@ -9157,59 +9380,29 @@
           <a:p>
             <a:r>
               <a:rPr lang="en-US" dirty="0"/>
-              <a:t>6 = </a:t>
+              <a:t>12 = W2 * sin(beta)				- along positive </a:t>
             </a:r>
             <a:r>
               <a:rPr lang="en-US" dirty="0" err="1"/>
-              <a:t>Fout</a:t>
-            </a:r>
-            <a:r>
-              <a:rPr lang="en-US" dirty="0"/>
-              <a:t> * cos (alpha-theta) * cos(beta-theta)</a:t>
-            </a:r>
-          </a:p>
-          <a:p>
-            <a:r>
-              <a:rPr lang="en-US" dirty="0"/>
-              <a:t>7 = </a:t>
+              <a:t>Xbeta</a:t>
+            </a:r>
+            <a:r>
+              <a:rPr lang="en-US" dirty="0"/>
+              <a:t> axis</a:t>
+            </a:r>
+          </a:p>
+          <a:p>
+            <a:r>
+              <a:rPr lang="en-US" dirty="0"/>
+              <a:t>13 = W2 * cos(beta)				- along positive </a:t>
             </a:r>
             <a:r>
               <a:rPr lang="en-US" dirty="0" err="1"/>
-              <a:t>Fout</a:t>
-            </a:r>
-            <a:r>
-              <a:rPr lang="en-US" dirty="0"/>
-              <a:t> * cos(alpha-theta) * sin(beta-theta)</a:t>
-            </a:r>
-          </a:p>
-          <a:p>
-            <a:endParaRPr lang="en-US" dirty="0"/>
-          </a:p>
-          <a:p>
-            <a:r>
-              <a:rPr lang="en-US" dirty="0"/>
-              <a:t>10 = W1 * cos(90-alpha)</a:t>
-            </a:r>
-          </a:p>
-          <a:p>
-            <a:r>
-              <a:rPr lang="en-US" dirty="0"/>
-              <a:t>11 = W1 * sin(90-alpha)</a:t>
-            </a:r>
-          </a:p>
-          <a:p>
-            <a:endParaRPr lang="en-US" dirty="0"/>
-          </a:p>
-          <a:p>
-            <a:r>
-              <a:rPr lang="en-US" dirty="0"/>
-              <a:t>12 = W2 * cos(90-beta)</a:t>
-            </a:r>
-          </a:p>
-          <a:p>
-            <a:r>
-              <a:rPr lang="en-US" dirty="0"/>
-              <a:t>13 = W2 * sin(90-beta)</a:t>
+              <a:t>Ybeta</a:t>
+            </a:r>
+            <a:r>
+              <a:rPr lang="en-US" dirty="0"/>
+              <a:t> axis</a:t>
             </a:r>
           </a:p>
         </p:txBody>
@@ -9485,7 +9678,7 @@
           <p:cNvPr id="36" name="TextBox 35">
             <a:extLst>
               <a:ext uri="{FF2B5EF4-FFF2-40B4-BE49-F238E27FC236}">
-                <a16:creationId xmlns:a16="http://schemas.microsoft.com/office/drawing/2014/main" id="{4AADCBB0-E10B-F444-9F65-12183C7C674C}"/>
+                <a16:creationId xmlns:a16="http://schemas.microsoft.com/office/drawing/2014/main" id="{3FB19D84-51CA-824D-B5C5-C027D3C23A5D}"/>
               </a:ext>
             </a:extLst>
           </p:cNvPr>
@@ -9520,7 +9713,7 @@
           <p:cNvPr id="37" name="TextBox 36">
             <a:extLst>
               <a:ext uri="{FF2B5EF4-FFF2-40B4-BE49-F238E27FC236}">
-                <a16:creationId xmlns:a16="http://schemas.microsoft.com/office/drawing/2014/main" id="{329E1F6F-2830-0A4D-A248-9D59D3E8F098}"/>
+                <a16:creationId xmlns:a16="http://schemas.microsoft.com/office/drawing/2014/main" id="{EC33DB91-5B96-C24C-B079-8D9228108AB5}"/>
               </a:ext>
             </a:extLst>
           </p:cNvPr>
@@ -9555,7 +9748,7 @@
           <p:cNvPr id="38" name="TextBox 37">
             <a:extLst>
               <a:ext uri="{FF2B5EF4-FFF2-40B4-BE49-F238E27FC236}">
-                <a16:creationId xmlns:a16="http://schemas.microsoft.com/office/drawing/2014/main" id="{E3935950-AEA8-314D-A0F5-BE2856BC59F4}"/>
+                <a16:creationId xmlns:a16="http://schemas.microsoft.com/office/drawing/2014/main" id="{641ED7AF-2372-B54D-A9B8-9AEA3C3BAD58}"/>
               </a:ext>
             </a:extLst>
           </p:cNvPr>
@@ -9585,10 +9778,139 @@
           </a:p>
         </p:txBody>
       </p:sp>
+      <p:sp>
+        <p:nvSpPr>
+          <p:cNvPr id="39" name="TextBox 38">
+            <a:extLst>
+              <a:ext uri="{FF2B5EF4-FFF2-40B4-BE49-F238E27FC236}">
+                <a16:creationId xmlns:a16="http://schemas.microsoft.com/office/drawing/2014/main" id="{BBB63BB1-6A84-5D49-9902-3E32737D6685}"/>
+              </a:ext>
+            </a:extLst>
+          </p:cNvPr>
+          <p:cNvSpPr txBox="1"/>
+          <p:nvPr/>
+        </p:nvSpPr>
+        <p:spPr>
+          <a:xfrm>
+            <a:off x="321013" y="544749"/>
+            <a:ext cx="9615517" cy="2031325"/>
+          </a:xfrm>
+          <a:prstGeom prst="rect">
+            <a:avLst/>
+          </a:prstGeom>
+          <a:noFill/>
+        </p:spPr>
+        <p:txBody>
+          <a:bodyPr wrap="none" rtlCol="0">
+            <a:spAutoFit/>
+          </a:bodyPr>
+          <a:lstStyle/>
+          <a:p>
+            <a:r>
+              <a:rPr lang="en-US" dirty="0"/>
+              <a:t>4 = </a:t>
+            </a:r>
+            <a:r>
+              <a:rPr lang="en-US" dirty="0" err="1"/>
+              <a:t>Fout</a:t>
+            </a:r>
+            <a:r>
+              <a:rPr lang="en-US" dirty="0"/>
+              <a:t> * sin (alpha-theta)* cos(alpha – theta)		- along positive </a:t>
+            </a:r>
+            <a:r>
+              <a:rPr lang="en-US" dirty="0" err="1"/>
+              <a:t>Yalpha</a:t>
+            </a:r>
+            <a:r>
+              <a:rPr lang="en-US" dirty="0"/>
+              <a:t> axis</a:t>
+            </a:r>
+          </a:p>
+          <a:p>
+            <a:r>
+              <a:rPr lang="en-US" dirty="0"/>
+              <a:t>5 = </a:t>
+            </a:r>
+            <a:r>
+              <a:rPr lang="en-US" dirty="0" err="1"/>
+              <a:t>Fout</a:t>
+            </a:r>
+            <a:r>
+              <a:rPr lang="en-US" dirty="0"/>
+              <a:t> * sin (alpha-theta)* sin(alpha– theta)		- along positive </a:t>
+            </a:r>
+            <a:r>
+              <a:rPr lang="en-US" dirty="0" err="1"/>
+              <a:t>Xalpha</a:t>
+            </a:r>
+            <a:r>
+              <a:rPr lang="en-US" dirty="0"/>
+              <a:t> axis</a:t>
+            </a:r>
+          </a:p>
+          <a:p>
+            <a:endParaRPr lang="en-US" dirty="0"/>
+          </a:p>
+          <a:p>
+            <a:r>
+              <a:rPr lang="en-US" dirty="0"/>
+              <a:t>6 = </a:t>
+            </a:r>
+            <a:r>
+              <a:rPr lang="en-US" dirty="0" err="1"/>
+              <a:t>Fout</a:t>
+            </a:r>
+            <a:r>
+              <a:rPr lang="en-US" dirty="0"/>
+              <a:t> * cos (alpha-theta) * cos(beta-theta)		- along positive </a:t>
+            </a:r>
+            <a:r>
+              <a:rPr lang="en-US" dirty="0" err="1"/>
+              <a:t>Xbeta</a:t>
+            </a:r>
+            <a:r>
+              <a:rPr lang="en-US" dirty="0"/>
+              <a:t> axis</a:t>
+            </a:r>
+          </a:p>
+          <a:p>
+            <a:r>
+              <a:rPr lang="en-US" dirty="0"/>
+              <a:t>7 = </a:t>
+            </a:r>
+            <a:r>
+              <a:rPr lang="en-US" dirty="0" err="1"/>
+              <a:t>Fout</a:t>
+            </a:r>
+            <a:r>
+              <a:rPr lang="en-US" dirty="0"/>
+              <a:t> * cos(alpha-theta) * sin(90+beta-theta)		- along positive </a:t>
+            </a:r>
+            <a:r>
+              <a:rPr lang="en-US" dirty="0" err="1"/>
+              <a:t>Ybeta</a:t>
+            </a:r>
+            <a:r>
+              <a:rPr lang="en-US" dirty="0"/>
+              <a:t> axis (negative value</a:t>
+            </a:r>
+          </a:p>
+          <a:p>
+            <a:r>
+              <a:rPr lang="en-US" dirty="0"/>
+              <a:t>									into road)</a:t>
+            </a:r>
+          </a:p>
+          <a:p>
+            <a:endParaRPr lang="en-US" dirty="0"/>
+          </a:p>
+        </p:txBody>
+      </p:sp>
     </p:spTree>
     <p:extLst>
       <p:ext uri="{BB962C8B-B14F-4D97-AF65-F5344CB8AC3E}">
-        <p14:creationId xmlns:p14="http://schemas.microsoft.com/office/powerpoint/2010/main" val="1174978478"/>
+        <p14:creationId xmlns:p14="http://schemas.microsoft.com/office/powerpoint/2010/main" val="3380440513"/>
       </p:ext>
     </p:extLst>
   </p:cSld>
@@ -10138,8 +10460,8 @@
         </p:nvSpPr>
         <p:spPr>
           <a:xfrm>
-            <a:off x="7537787" y="278591"/>
-            <a:ext cx="4588392" cy="1477328"/>
+            <a:off x="7402843" y="4947868"/>
+            <a:ext cx="4588392" cy="1754326"/>
           </a:xfrm>
           <a:prstGeom prst="rect">
             <a:avLst/>
@@ -10154,7 +10476,7 @@
           <a:p>
             <a:r>
               <a:rPr lang="en-US" dirty="0"/>
-              <a:t>The forces at each axle can be combined to give 2 forces on each wheel</a:t>
+              <a:t>The forces at each axle can be summed to give 2 forces on each wheel</a:t>
             </a:r>
           </a:p>
           <a:p>
@@ -10163,13 +10485,7 @@
           <a:p>
             <a:r>
               <a:rPr lang="en-US" dirty="0"/>
-              <a:t>1 parallel to the ground at that wheel</a:t>
-            </a:r>
-          </a:p>
-          <a:p>
-            <a:r>
-              <a:rPr lang="en-US" dirty="0"/>
-              <a:t>1 perpendicular to the ground at that wheel</a:t>
+              <a:t>All directions are along the positive axis – negative values will indicate directions along the negative axis.</a:t>
             </a:r>
           </a:p>
         </p:txBody>
@@ -10381,7 +10697,7 @@
         <p:spPr>
           <a:xfrm>
             <a:off x="321013" y="544749"/>
-            <a:ext cx="1212191" cy="1200329"/>
+            <a:ext cx="6492098" cy="1200329"/>
           </a:xfrm>
           <a:prstGeom prst="rect">
             <a:avLst/>
@@ -10396,25 +10712,57 @@
           <a:p>
             <a:r>
               <a:rPr lang="en-US" dirty="0"/>
-              <a:t>14 = 5 - 10</a:t>
-            </a:r>
-          </a:p>
-          <a:p>
-            <a:r>
-              <a:rPr lang="en-US" dirty="0"/>
-              <a:t>15 = 4 – 11</a:t>
-            </a:r>
-          </a:p>
-          <a:p>
-            <a:r>
-              <a:rPr lang="en-US" dirty="0"/>
-              <a:t>16 = 7 + 13</a:t>
-            </a:r>
-          </a:p>
-          <a:p>
-            <a:r>
-              <a:rPr lang="en-US" dirty="0"/>
-              <a:t>17 = 6 - 12</a:t>
+              <a:t>14 = </a:t>
+            </a:r>
+            <a:r>
+              <a:rPr lang="en-US" dirty="0" err="1"/>
+              <a:t>Fout</a:t>
+            </a:r>
+            <a:r>
+              <a:rPr lang="en-US" dirty="0"/>
+              <a:t> * sin (alpha-theta)* sin(alpha– theta) +  W1 * sin(alpha) </a:t>
+            </a:r>
+          </a:p>
+          <a:p>
+            <a:r>
+              <a:rPr lang="en-US" dirty="0"/>
+              <a:t>15 = </a:t>
+            </a:r>
+            <a:r>
+              <a:rPr lang="en-US" dirty="0" err="1"/>
+              <a:t>Fout</a:t>
+            </a:r>
+            <a:r>
+              <a:rPr lang="en-US" dirty="0"/>
+              <a:t> * sin (alpha-theta)* cos(alpha – theta) + W1 * cos(alpha)</a:t>
+            </a:r>
+          </a:p>
+          <a:p>
+            <a:r>
+              <a:rPr lang="en-US" dirty="0"/>
+              <a:t>16 = </a:t>
+            </a:r>
+            <a:r>
+              <a:rPr lang="en-US" dirty="0" err="1"/>
+              <a:t>Fout</a:t>
+            </a:r>
+            <a:r>
+              <a:rPr lang="en-US" dirty="0"/>
+              <a:t> * cos(alpha-theta) * sin(90+beta-theta) + W2 * cos(beta)</a:t>
+            </a:r>
+          </a:p>
+          <a:p>
+            <a:r>
+              <a:rPr lang="en-US" dirty="0"/>
+              <a:t>17 = </a:t>
+            </a:r>
+            <a:r>
+              <a:rPr lang="en-US" dirty="0" err="1"/>
+              <a:t>Fout</a:t>
+            </a:r>
+            <a:r>
+              <a:rPr lang="en-US" dirty="0"/>
+              <a:t> * cos (alpha-theta) * cos(beta-theta) + W2 * sin(beta)</a:t>
             </a:r>
           </a:p>
         </p:txBody>
@@ -10791,9 +11139,9 @@
           <p:nvPr/>
         </p:nvCxnSpPr>
         <p:spPr>
-          <a:xfrm>
-            <a:off x="4132634" y="4616118"/>
-            <a:ext cx="201241" cy="184482"/>
+          <a:xfrm flipH="1" flipV="1">
+            <a:off x="3773595" y="4307211"/>
+            <a:ext cx="359039" cy="308907"/>
           </a:xfrm>
           <a:prstGeom prst="straightConnector1">
             <a:avLst/>
@@ -10879,9 +11227,9 @@
           <p:nvPr/>
         </p:nvCxnSpPr>
         <p:spPr>
-          <a:xfrm>
-            <a:off x="6954275" y="4067414"/>
-            <a:ext cx="335966" cy="272680"/>
+          <a:xfrm flipH="1" flipV="1">
+            <a:off x="6619067" y="3820240"/>
+            <a:ext cx="335208" cy="247174"/>
           </a:xfrm>
           <a:prstGeom prst="straightConnector1">
             <a:avLst/>
@@ -10926,9 +11274,9 @@
           <p:nvPr/>
         </p:nvCxnSpPr>
         <p:spPr>
-          <a:xfrm flipH="1">
-            <a:off x="3914775" y="4593478"/>
-            <a:ext cx="199111" cy="207122"/>
+          <a:xfrm flipV="1">
+            <a:off x="4113887" y="4340094"/>
+            <a:ext cx="219988" cy="253384"/>
           </a:xfrm>
           <a:prstGeom prst="straightConnector1">
             <a:avLst/>
@@ -10972,8 +11320,8 @@
         </p:nvSpPr>
         <p:spPr>
           <a:xfrm>
-            <a:off x="2104631" y="1085987"/>
-            <a:ext cx="7435049" cy="369332"/>
+            <a:off x="1948989" y="366140"/>
+            <a:ext cx="7382149" cy="1477328"/>
           </a:xfrm>
           <a:prstGeom prst="rect">
             <a:avLst/>
@@ -10989,6 +11337,24 @@
             <a:r>
               <a:rPr lang="en-US" dirty="0"/>
               <a:t>Any forces into the ground will be cancelled by equal/opposite normal forces</a:t>
+            </a:r>
+          </a:p>
+          <a:p>
+            <a:endParaRPr lang="en-US" dirty="0"/>
+          </a:p>
+          <a:p>
+            <a:r>
+              <a:rPr lang="en-US" dirty="0"/>
+              <a:t>Any NEGATIVE values along the Y axis should be cancelled</a:t>
+            </a:r>
+          </a:p>
+          <a:p>
+            <a:endParaRPr lang="en-US" dirty="0"/>
+          </a:p>
+          <a:p>
+            <a:r>
+              <a:rPr lang="en-US" dirty="0"/>
+              <a:t>15 and 16 must both be GREATER than 0, otherwise they must be 0.</a:t>
             </a:r>
           </a:p>
         </p:txBody>
@@ -11155,7 +11521,7 @@
         </p:nvSpPr>
         <p:spPr>
           <a:xfrm>
-            <a:off x="3575980" y="4327707"/>
+            <a:off x="4285544" y="3969185"/>
             <a:ext cx="418704" cy="369332"/>
           </a:xfrm>
           <a:prstGeom prst="rect">
@@ -11190,7 +11556,7 @@
         </p:nvSpPr>
         <p:spPr>
           <a:xfrm>
-            <a:off x="4253373" y="4499629"/>
+            <a:off x="3709466" y="4022725"/>
             <a:ext cx="418704" cy="369332"/>
           </a:xfrm>
           <a:prstGeom prst="rect">
@@ -11225,7 +11591,7 @@
         </p:nvSpPr>
         <p:spPr>
           <a:xfrm>
-            <a:off x="6762254" y="4211373"/>
+            <a:off x="6411434" y="3910822"/>
             <a:ext cx="418704" cy="369332"/>
           </a:xfrm>
           <a:prstGeom prst="rect">
@@ -11710,10 +12076,10 @@
       </p:sp>
       <p:cxnSp>
         <p:nvCxnSpPr>
-          <p:cNvPr id="31" name="Straight Arrow Connector 30">
-            <a:extLst>
-              <a:ext uri="{FF2B5EF4-FFF2-40B4-BE49-F238E27FC236}">
-                <a16:creationId xmlns:a16="http://schemas.microsoft.com/office/drawing/2014/main" id="{AD038506-55C1-4874-B057-B99FE232635B}"/>
+          <p:cNvPr id="24" name="Straight Arrow Connector 23">
+            <a:extLst>
+              <a:ext uri="{FF2B5EF4-FFF2-40B4-BE49-F238E27FC236}">
+                <a16:creationId xmlns:a16="http://schemas.microsoft.com/office/drawing/2014/main" id="{F50A586A-1E0D-4304-84D3-24073D0D449F}"/>
               </a:ext>
             </a:extLst>
           </p:cNvPr>
@@ -11723,9 +12089,9 @@
           <p:nvPr/>
         </p:nvCxnSpPr>
         <p:spPr>
-          <a:xfrm flipV="1">
-            <a:off x="6974825" y="3762375"/>
-            <a:ext cx="207025" cy="310948"/>
+          <a:xfrm flipH="1" flipV="1">
+            <a:off x="3773595" y="4307211"/>
+            <a:ext cx="359039" cy="308907"/>
           </a:xfrm>
           <a:prstGeom prst="straightConnector1">
             <a:avLst/>
@@ -11754,10 +12120,10 @@
       </p:cxnSp>
       <p:cxnSp>
         <p:nvCxnSpPr>
-          <p:cNvPr id="23" name="Straight Arrow Connector 22">
-            <a:extLst>
-              <a:ext uri="{FF2B5EF4-FFF2-40B4-BE49-F238E27FC236}">
-                <a16:creationId xmlns:a16="http://schemas.microsoft.com/office/drawing/2014/main" id="{5BEB0799-5403-4093-96E8-FC94C18849D2}"/>
+          <p:cNvPr id="31" name="Straight Arrow Connector 30">
+            <a:extLst>
+              <a:ext uri="{FF2B5EF4-FFF2-40B4-BE49-F238E27FC236}">
+                <a16:creationId xmlns:a16="http://schemas.microsoft.com/office/drawing/2014/main" id="{AD038506-55C1-4874-B057-B99FE232635B}"/>
               </a:ext>
             </a:extLst>
           </p:cNvPr>
@@ -11767,9 +12133,53 @@
           <p:nvPr/>
         </p:nvCxnSpPr>
         <p:spPr>
-          <a:xfrm flipH="1">
-            <a:off x="3914775" y="4593478"/>
-            <a:ext cx="199111" cy="207122"/>
+          <a:xfrm flipV="1">
+            <a:off x="6974825" y="3762375"/>
+            <a:ext cx="207025" cy="310948"/>
+          </a:xfrm>
+          <a:prstGeom prst="straightConnector1">
+            <a:avLst/>
+          </a:prstGeom>
+          <a:ln w="44450">
+            <a:solidFill>
+              <a:schemeClr val="accent2"/>
+            </a:solidFill>
+            <a:tailEnd type="triangle"/>
+          </a:ln>
+        </p:spPr>
+        <p:style>
+          <a:lnRef idx="1">
+            <a:schemeClr val="accent1"/>
+          </a:lnRef>
+          <a:fillRef idx="0">
+            <a:schemeClr val="accent1"/>
+          </a:fillRef>
+          <a:effectRef idx="0">
+            <a:schemeClr val="accent1"/>
+          </a:effectRef>
+          <a:fontRef idx="minor">
+            <a:schemeClr val="tx1"/>
+          </a:fontRef>
+        </p:style>
+      </p:cxnSp>
+      <p:cxnSp>
+        <p:nvCxnSpPr>
+          <p:cNvPr id="17" name="Straight Arrow Connector 16">
+            <a:extLst>
+              <a:ext uri="{FF2B5EF4-FFF2-40B4-BE49-F238E27FC236}">
+                <a16:creationId xmlns:a16="http://schemas.microsoft.com/office/drawing/2014/main" id="{1EFBF96D-D51B-4038-808B-B86FEB05F151}"/>
+              </a:ext>
+            </a:extLst>
+          </p:cNvPr>
+          <p:cNvCxnSpPr>
+            <a:cxnSpLocks/>
+          </p:cNvCxnSpPr>
+          <p:nvPr/>
+        </p:nvCxnSpPr>
+        <p:spPr>
+          <a:xfrm flipH="1" flipV="1">
+            <a:off x="6619067" y="3820240"/>
+            <a:ext cx="335208" cy="247174"/>
           </a:xfrm>
           <a:prstGeom prst="straightConnector1">
             <a:avLst/>
@@ -11799,6 +12209,53 @@
           </a:fontRef>
         </p:style>
       </p:cxnSp>
+      <p:cxnSp>
+        <p:nvCxnSpPr>
+          <p:cNvPr id="23" name="Straight Arrow Connector 22">
+            <a:extLst>
+              <a:ext uri="{FF2B5EF4-FFF2-40B4-BE49-F238E27FC236}">
+                <a16:creationId xmlns:a16="http://schemas.microsoft.com/office/drawing/2014/main" id="{5BEB0799-5403-4093-96E8-FC94C18849D2}"/>
+              </a:ext>
+            </a:extLst>
+          </p:cNvPr>
+          <p:cNvCxnSpPr>
+            <a:cxnSpLocks/>
+          </p:cNvCxnSpPr>
+          <p:nvPr/>
+        </p:nvCxnSpPr>
+        <p:spPr>
+          <a:xfrm flipV="1">
+            <a:off x="4113887" y="4340094"/>
+            <a:ext cx="219988" cy="253384"/>
+          </a:xfrm>
+          <a:prstGeom prst="straightConnector1">
+            <a:avLst/>
+          </a:prstGeom>
+          <a:ln w="44450">
+            <a:solidFill>
+              <a:schemeClr val="accent6">
+                <a:lumMod val="60000"/>
+                <a:lumOff val="40000"/>
+              </a:schemeClr>
+            </a:solidFill>
+            <a:tailEnd type="triangle"/>
+          </a:ln>
+        </p:spPr>
+        <p:style>
+          <a:lnRef idx="1">
+            <a:schemeClr val="accent1"/>
+          </a:lnRef>
+          <a:fillRef idx="0">
+            <a:schemeClr val="accent1"/>
+          </a:fillRef>
+          <a:effectRef idx="0">
+            <a:schemeClr val="accent1"/>
+          </a:effectRef>
+          <a:fontRef idx="minor">
+            <a:schemeClr val="tx1"/>
+          </a:fontRef>
+        </p:style>
+      </p:cxnSp>
       <p:sp>
         <p:nvSpPr>
           <p:cNvPr id="18" name="TextBox 17">
@@ -11813,8 +12270,8 @@
         </p:nvSpPr>
         <p:spPr>
           <a:xfrm>
-            <a:off x="2104631" y="1085987"/>
-            <a:ext cx="8934562" cy="369332"/>
+            <a:off x="217272" y="137492"/>
+            <a:ext cx="8420696" cy="2862322"/>
           </a:xfrm>
           <a:prstGeom prst="rect">
             <a:avLst/>
@@ -11822,15 +12279,128 @@
           <a:noFill/>
         </p:spPr>
         <p:txBody>
-          <a:bodyPr wrap="none" rtlCol="0">
+          <a:bodyPr wrap="square" rtlCol="0">
             <a:spAutoFit/>
           </a:bodyPr>
           <a:lstStyle/>
           <a:p>
             <a:r>
               <a:rPr lang="en-US" dirty="0"/>
-              <a:t>Any remaining forces into the ground will again be cancelled by equal/opposite normal forces</a:t>
-            </a:r>
+              <a:t>14x = (</a:t>
+            </a:r>
+            <a:r>
+              <a:rPr lang="en-US" dirty="0" err="1"/>
+              <a:t>Fout</a:t>
+            </a:r>
+            <a:r>
+              <a:rPr lang="en-US" dirty="0"/>
+              <a:t> * sin (alpha-theta)* sin(alpha– theta) +  W1 * sin(alpha))	* cos(alpha)</a:t>
+            </a:r>
+          </a:p>
+          <a:p>
+            <a:r>
+              <a:rPr lang="en-US" dirty="0"/>
+              <a:t>14y = (</a:t>
+            </a:r>
+            <a:r>
+              <a:rPr lang="en-US" dirty="0" err="1"/>
+              <a:t>Fout</a:t>
+            </a:r>
+            <a:r>
+              <a:rPr lang="en-US" dirty="0"/>
+              <a:t> * sin (alpha-theta)* sin(alpha– theta) +  W1 * sin(alpha)) 	* sin(alpha)</a:t>
+            </a:r>
+          </a:p>
+          <a:p>
+            <a:r>
+              <a:rPr lang="en-US" dirty="0"/>
+              <a:t>15x = (</a:t>
+            </a:r>
+            <a:r>
+              <a:rPr lang="en-US" dirty="0" err="1"/>
+              <a:t>Fout</a:t>
+            </a:r>
+            <a:r>
+              <a:rPr lang="en-US" dirty="0"/>
+              <a:t> * sin (alpha-theta)* cos(alpha – theta) + W1 * cos(alpha))* sin(alpha)</a:t>
+            </a:r>
+          </a:p>
+          <a:p>
+            <a:r>
+              <a:rPr lang="en-US" dirty="0"/>
+              <a:t>15y = (</a:t>
+            </a:r>
+            <a:r>
+              <a:rPr lang="en-US" dirty="0" err="1"/>
+              <a:t>Fout</a:t>
+            </a:r>
+            <a:r>
+              <a:rPr lang="en-US" dirty="0"/>
+              <a:t> * sin (alpha-theta)* cos(alpha – theta) + W1 * cos(alpha))* cos(alpha)</a:t>
+            </a:r>
+          </a:p>
+          <a:p>
+            <a:r>
+              <a:rPr lang="en-US" dirty="0"/>
+              <a:t>16x = (</a:t>
+            </a:r>
+            <a:r>
+              <a:rPr lang="en-US" dirty="0" err="1"/>
+              <a:t>Fout</a:t>
+            </a:r>
+            <a:r>
+              <a:rPr lang="en-US" dirty="0"/>
+              <a:t> * cos(alpha-theta) * sin(90+beta-theta) + W2 * cos(beta))* sin(beta)</a:t>
+            </a:r>
+          </a:p>
+          <a:p>
+            <a:r>
+              <a:rPr lang="en-US" dirty="0"/>
+              <a:t>16y = (</a:t>
+            </a:r>
+            <a:r>
+              <a:rPr lang="en-US" dirty="0" err="1"/>
+              <a:t>Fout</a:t>
+            </a:r>
+            <a:r>
+              <a:rPr lang="en-US" dirty="0"/>
+              <a:t> * cos(alpha-theta) * sin(90+beta-theta) + W2 * cos(beta))* cos(beta)</a:t>
+            </a:r>
+          </a:p>
+          <a:p>
+            <a:r>
+              <a:rPr lang="en-US" dirty="0"/>
+              <a:t>17x = (</a:t>
+            </a:r>
+            <a:r>
+              <a:rPr lang="en-US" dirty="0" err="1"/>
+              <a:t>Fout</a:t>
+            </a:r>
+            <a:r>
+              <a:rPr lang="en-US" dirty="0"/>
+              <a:t> * cos (alpha-theta) * cos(beta-theta) + W2 * sin(beta)) 	* cos(beta)</a:t>
+            </a:r>
+          </a:p>
+          <a:p>
+            <a:r>
+              <a:rPr lang="en-US" dirty="0"/>
+              <a:t>17y = (</a:t>
+            </a:r>
+            <a:r>
+              <a:rPr lang="en-US" dirty="0" err="1"/>
+              <a:t>Fout</a:t>
+            </a:r>
+            <a:r>
+              <a:rPr lang="en-US" dirty="0"/>
+              <a:t> * cos (alpha-theta) * cos(beta-theta) + W2 * sin(beta)) 	* sin(beta)</a:t>
+            </a:r>
+            <a:endParaRPr lang="en-US" b="1" dirty="0"/>
+          </a:p>
+          <a:p>
+            <a:endParaRPr lang="en-US" dirty="0"/>
+          </a:p>
+          <a:p>
+            <a:endParaRPr lang="en-US" dirty="0"/>
           </a:p>
         </p:txBody>
       </p:sp>
@@ -11839,7 +12409,7 @@
           <p:cNvPr id="20" name="Oval 19">
             <a:extLst>
               <a:ext uri="{FF2B5EF4-FFF2-40B4-BE49-F238E27FC236}">
-                <a16:creationId xmlns:a16="http://schemas.microsoft.com/office/drawing/2014/main" id="{A7BC1359-684D-42A1-AAA4-E117CA39024F}"/>
+                <a16:creationId xmlns:a16="http://schemas.microsoft.com/office/drawing/2014/main" id="{E9A72DDE-E619-409E-AA02-3D3F73CC15D5}"/>
               </a:ext>
             </a:extLst>
           </p:cNvPr>
@@ -11888,10 +12458,10 @@
       </p:sp>
       <p:sp>
         <p:nvSpPr>
-          <p:cNvPr id="13" name="TextBox 12">
-            <a:extLst>
-              <a:ext uri="{FF2B5EF4-FFF2-40B4-BE49-F238E27FC236}">
-                <a16:creationId xmlns:a16="http://schemas.microsoft.com/office/drawing/2014/main" id="{71E2ED91-654C-8641-B807-548A0BF7E113}"/>
+          <p:cNvPr id="22" name="TextBox 21">
+            <a:extLst>
+              <a:ext uri="{FF2B5EF4-FFF2-40B4-BE49-F238E27FC236}">
+                <a16:creationId xmlns:a16="http://schemas.microsoft.com/office/drawing/2014/main" id="{7699484E-5ECE-024B-8482-8D7EF5BC55F4}"/>
               </a:ext>
             </a:extLst>
           </p:cNvPr>
@@ -11900,7 +12470,7 @@
         </p:nvSpPr>
         <p:spPr>
           <a:xfrm>
-            <a:off x="3575980" y="4327707"/>
+            <a:off x="4285544" y="3969185"/>
             <a:ext cx="418704" cy="369332"/>
           </a:xfrm>
           <a:prstGeom prst="rect">
@@ -11923,10 +12493,10 @@
       </p:sp>
       <p:sp>
         <p:nvSpPr>
-          <p:cNvPr id="16" name="TextBox 15">
-            <a:extLst>
-              <a:ext uri="{FF2B5EF4-FFF2-40B4-BE49-F238E27FC236}">
-                <a16:creationId xmlns:a16="http://schemas.microsoft.com/office/drawing/2014/main" id="{5BD89D81-3D2B-C34F-ADDA-9ADC31303C6C}"/>
+          <p:cNvPr id="25" name="TextBox 24">
+            <a:extLst>
+              <a:ext uri="{FF2B5EF4-FFF2-40B4-BE49-F238E27FC236}">
+                <a16:creationId xmlns:a16="http://schemas.microsoft.com/office/drawing/2014/main" id="{3BC738D1-99BD-144B-86E2-6DB8CE9FC2D4}"/>
               </a:ext>
             </a:extLst>
           </p:cNvPr>
@@ -11935,7 +12505,7 @@
         </p:nvSpPr>
         <p:spPr>
           <a:xfrm>
-            <a:off x="6783658" y="3511034"/>
+            <a:off x="3709466" y="4022725"/>
             <a:ext cx="418704" cy="369332"/>
           </a:xfrm>
           <a:prstGeom prst="rect">
@@ -11951,7 +12521,112 @@
           <a:p>
             <a:r>
               <a:rPr lang="en-US" dirty="0"/>
+              <a:t>15</a:t>
+            </a:r>
+          </a:p>
+        </p:txBody>
+      </p:sp>
+      <p:sp>
+        <p:nvSpPr>
+          <p:cNvPr id="26" name="TextBox 25">
+            <a:extLst>
+              <a:ext uri="{FF2B5EF4-FFF2-40B4-BE49-F238E27FC236}">
+                <a16:creationId xmlns:a16="http://schemas.microsoft.com/office/drawing/2014/main" id="{0D65575D-E71B-1443-995F-AD2D2D74C099}"/>
+              </a:ext>
+            </a:extLst>
+          </p:cNvPr>
+          <p:cNvSpPr txBox="1"/>
+          <p:nvPr/>
+        </p:nvSpPr>
+        <p:spPr>
+          <a:xfrm>
+            <a:off x="6411434" y="3910822"/>
+            <a:ext cx="418704" cy="369332"/>
+          </a:xfrm>
+          <a:prstGeom prst="rect">
+            <a:avLst/>
+          </a:prstGeom>
+          <a:noFill/>
+        </p:spPr>
+        <p:txBody>
+          <a:bodyPr wrap="none" rtlCol="0">
+            <a:spAutoFit/>
+          </a:bodyPr>
+          <a:lstStyle/>
+          <a:p>
+            <a:r>
+              <a:rPr lang="en-US" dirty="0"/>
+              <a:t>16</a:t>
+            </a:r>
+          </a:p>
+        </p:txBody>
+      </p:sp>
+      <p:sp>
+        <p:nvSpPr>
+          <p:cNvPr id="27" name="TextBox 26">
+            <a:extLst>
+              <a:ext uri="{FF2B5EF4-FFF2-40B4-BE49-F238E27FC236}">
+                <a16:creationId xmlns:a16="http://schemas.microsoft.com/office/drawing/2014/main" id="{8831D832-1342-FA41-9DCC-AA9C5D356149}"/>
+              </a:ext>
+            </a:extLst>
+          </p:cNvPr>
+          <p:cNvSpPr txBox="1"/>
+          <p:nvPr/>
+        </p:nvSpPr>
+        <p:spPr>
+          <a:xfrm>
+            <a:off x="6783658" y="3511034"/>
+            <a:ext cx="418704" cy="369332"/>
+          </a:xfrm>
+          <a:prstGeom prst="rect">
+            <a:avLst/>
+          </a:prstGeom>
+          <a:noFill/>
+        </p:spPr>
+        <p:txBody>
+          <a:bodyPr wrap="none" rtlCol="0">
+            <a:spAutoFit/>
+          </a:bodyPr>
+          <a:lstStyle/>
+          <a:p>
+            <a:r>
+              <a:rPr lang="en-US" dirty="0"/>
               <a:t>17</a:t>
+            </a:r>
+          </a:p>
+        </p:txBody>
+      </p:sp>
+      <p:sp>
+        <p:nvSpPr>
+          <p:cNvPr id="30" name="TextBox 29">
+            <a:extLst>
+              <a:ext uri="{FF2B5EF4-FFF2-40B4-BE49-F238E27FC236}">
+                <a16:creationId xmlns:a16="http://schemas.microsoft.com/office/drawing/2014/main" id="{E592A4AF-29B6-544F-AF78-6C67492FD279}"/>
+              </a:ext>
+            </a:extLst>
+          </p:cNvPr>
+          <p:cNvSpPr txBox="1"/>
+          <p:nvPr/>
+        </p:nvSpPr>
+        <p:spPr>
+          <a:xfrm>
+            <a:off x="4756306" y="5864590"/>
+            <a:ext cx="5921108" cy="369332"/>
+          </a:xfrm>
+          <a:prstGeom prst="rect">
+            <a:avLst/>
+          </a:prstGeom>
+          <a:noFill/>
+        </p:spPr>
+        <p:txBody>
+          <a:bodyPr wrap="none" rtlCol="0">
+            <a:spAutoFit/>
+          </a:bodyPr>
+          <a:lstStyle/>
+          <a:p>
+            <a:r>
+              <a:rPr lang="en-US" dirty="0"/>
+              <a:t>The remaining forces can be broken into X and Y components</a:t>
             </a:r>
           </a:p>
         </p:txBody>
@@ -11959,7 +12634,7 @@
     </p:spTree>
     <p:extLst>
       <p:ext uri="{BB962C8B-B14F-4D97-AF65-F5344CB8AC3E}">
-        <p14:creationId xmlns:p14="http://schemas.microsoft.com/office/powerpoint/2010/main" val="2353451844"/>
+        <p14:creationId xmlns:p14="http://schemas.microsoft.com/office/powerpoint/2010/main" val="3025247753"/>
       </p:ext>
     </p:extLst>
   </p:cSld>
@@ -12313,12 +12988,105 @@
           </a:p>
         </p:txBody>
       </p:sp>
+      <p:sp>
+        <p:nvSpPr>
+          <p:cNvPr id="18" name="TextBox 17">
+            <a:extLst>
+              <a:ext uri="{FF2B5EF4-FFF2-40B4-BE49-F238E27FC236}">
+                <a16:creationId xmlns:a16="http://schemas.microsoft.com/office/drawing/2014/main" id="{5DCF6378-8300-424B-8E82-E506650E4F8A}"/>
+              </a:ext>
+            </a:extLst>
+          </p:cNvPr>
+          <p:cNvSpPr txBox="1"/>
+          <p:nvPr/>
+        </p:nvSpPr>
+        <p:spPr>
+          <a:xfrm>
+            <a:off x="2104631" y="1085987"/>
+            <a:ext cx="8004820" cy="646331"/>
+          </a:xfrm>
+          <a:prstGeom prst="rect">
+            <a:avLst/>
+          </a:prstGeom>
+          <a:noFill/>
+        </p:spPr>
+        <p:txBody>
+          <a:bodyPr wrap="none" rtlCol="0">
+            <a:spAutoFit/>
+          </a:bodyPr>
+          <a:lstStyle/>
+          <a:p>
+            <a:r>
+              <a:rPr lang="en-US" dirty="0"/>
+              <a:t>These forces can be relocated to the CG of the vehicle</a:t>
+            </a:r>
+          </a:p>
+          <a:p>
+            <a:r>
+              <a:rPr lang="en-US" dirty="0"/>
+              <a:t>(but we will need to add a force couple which will be calculated by the ‘lever’ arms)</a:t>
+            </a:r>
+          </a:p>
+        </p:txBody>
+      </p:sp>
+      <p:sp>
+        <p:nvSpPr>
+          <p:cNvPr id="20" name="Oval 19">
+            <a:extLst>
+              <a:ext uri="{FF2B5EF4-FFF2-40B4-BE49-F238E27FC236}">
+                <a16:creationId xmlns:a16="http://schemas.microsoft.com/office/drawing/2014/main" id="{A7BC1359-684D-42A1-AAA4-E117CA39024F}"/>
+              </a:ext>
+            </a:extLst>
+          </p:cNvPr>
+          <p:cNvSpPr/>
+          <p:nvPr/>
+        </p:nvSpPr>
+        <p:spPr>
+          <a:xfrm>
+            <a:off x="5320967" y="3609975"/>
+            <a:ext cx="152400" cy="152400"/>
+          </a:xfrm>
+          <a:prstGeom prst="ellipse">
+            <a:avLst/>
+          </a:prstGeom>
+          <a:solidFill>
+            <a:schemeClr val="accent1">
+              <a:lumMod val="60000"/>
+              <a:lumOff val="40000"/>
+            </a:schemeClr>
+          </a:solidFill>
+        </p:spPr>
+        <p:style>
+          <a:lnRef idx="2">
+            <a:schemeClr val="accent1">
+              <a:shade val="50000"/>
+            </a:schemeClr>
+          </a:lnRef>
+          <a:fillRef idx="1">
+            <a:schemeClr val="accent1"/>
+          </a:fillRef>
+          <a:effectRef idx="0">
+            <a:schemeClr val="accent1"/>
+          </a:effectRef>
+          <a:fontRef idx="minor">
+            <a:schemeClr val="lt1"/>
+          </a:fontRef>
+        </p:style>
+        <p:txBody>
+          <a:bodyPr rtlCol="0" anchor="ctr"/>
+          <a:lstStyle/>
+          <a:p>
+            <a:pPr algn="ctr"/>
+            <a:endParaRPr lang="en-US"/>
+          </a:p>
+        </p:txBody>
+      </p:sp>
       <p:cxnSp>
         <p:nvCxnSpPr>
-          <p:cNvPr id="31" name="Straight Arrow Connector 30">
-            <a:extLst>
-              <a:ext uri="{FF2B5EF4-FFF2-40B4-BE49-F238E27FC236}">
-                <a16:creationId xmlns:a16="http://schemas.microsoft.com/office/drawing/2014/main" id="{AD038506-55C1-4874-B057-B99FE232635B}"/>
+          <p:cNvPr id="13" name="Straight Arrow Connector 12">
+            <a:extLst>
+              <a:ext uri="{FF2B5EF4-FFF2-40B4-BE49-F238E27FC236}">
+                <a16:creationId xmlns:a16="http://schemas.microsoft.com/office/drawing/2014/main" id="{428D3928-A9C7-416F-B8A8-380B17739028}"/>
               </a:ext>
             </a:extLst>
           </p:cNvPr>
@@ -12328,9 +13096,9 @@
           <p:nvPr/>
         </p:nvCxnSpPr>
         <p:spPr>
-          <a:xfrm flipV="1">
-            <a:off x="6974825" y="3762375"/>
-            <a:ext cx="207025" cy="310948"/>
+          <a:xfrm flipH="1">
+            <a:off x="3886780" y="4605889"/>
+            <a:ext cx="227106" cy="0"/>
           </a:xfrm>
           <a:prstGeom prst="straightConnector1">
             <a:avLst/>
@@ -12359,10 +13127,10 @@
       </p:cxnSp>
       <p:cxnSp>
         <p:nvCxnSpPr>
-          <p:cNvPr id="23" name="Straight Arrow Connector 22">
-            <a:extLst>
-              <a:ext uri="{FF2B5EF4-FFF2-40B4-BE49-F238E27FC236}">
-                <a16:creationId xmlns:a16="http://schemas.microsoft.com/office/drawing/2014/main" id="{5BEB0799-5403-4093-96E8-FC94C18849D2}"/>
+          <p:cNvPr id="16" name="Straight Arrow Connector 15">
+            <a:extLst>
+              <a:ext uri="{FF2B5EF4-FFF2-40B4-BE49-F238E27FC236}">
+                <a16:creationId xmlns:a16="http://schemas.microsoft.com/office/drawing/2014/main" id="{F5C687FC-1CC5-48D1-896A-2D656D9D0EF0}"/>
               </a:ext>
             </a:extLst>
           </p:cNvPr>
@@ -12372,9 +13140,53 @@
           <p:nvPr/>
         </p:nvCxnSpPr>
         <p:spPr>
-          <a:xfrm flipH="1">
-            <a:off x="3914775" y="4593478"/>
-            <a:ext cx="199111" cy="207122"/>
+          <a:xfrm>
+            <a:off x="4111771" y="4598570"/>
+            <a:ext cx="0" cy="197820"/>
+          </a:xfrm>
+          <a:prstGeom prst="straightConnector1">
+            <a:avLst/>
+          </a:prstGeom>
+          <a:ln w="44450">
+            <a:solidFill>
+              <a:schemeClr val="accent2"/>
+            </a:solidFill>
+            <a:tailEnd type="triangle"/>
+          </a:ln>
+        </p:spPr>
+        <p:style>
+          <a:lnRef idx="1">
+            <a:schemeClr val="accent1"/>
+          </a:lnRef>
+          <a:fillRef idx="0">
+            <a:schemeClr val="accent1"/>
+          </a:fillRef>
+          <a:effectRef idx="0">
+            <a:schemeClr val="accent1"/>
+          </a:effectRef>
+          <a:fontRef idx="minor">
+            <a:schemeClr val="tx1"/>
+          </a:fontRef>
+        </p:style>
+      </p:cxnSp>
+      <p:cxnSp>
+        <p:nvCxnSpPr>
+          <p:cNvPr id="19" name="Straight Arrow Connector 18">
+            <a:extLst>
+              <a:ext uri="{FF2B5EF4-FFF2-40B4-BE49-F238E27FC236}">
+                <a16:creationId xmlns:a16="http://schemas.microsoft.com/office/drawing/2014/main" id="{85431B5F-3E57-487F-B438-136975A018D4}"/>
+              </a:ext>
+            </a:extLst>
+          </p:cNvPr>
+          <p:cNvCxnSpPr>
+            <a:cxnSpLocks/>
+          </p:cNvCxnSpPr>
+          <p:nvPr/>
+        </p:nvCxnSpPr>
+        <p:spPr>
+          <a:xfrm flipH="1" flipV="1">
+            <a:off x="6972302" y="3791413"/>
+            <a:ext cx="1" cy="296450"/>
           </a:xfrm>
           <a:prstGeom prst="straightConnector1">
             <a:avLst/>
@@ -12404,99 +13216,12 @@
           </a:fontRef>
         </p:style>
       </p:cxnSp>
-      <p:sp>
-        <p:nvSpPr>
-          <p:cNvPr id="18" name="TextBox 17">
-            <a:extLst>
-              <a:ext uri="{FF2B5EF4-FFF2-40B4-BE49-F238E27FC236}">
-                <a16:creationId xmlns:a16="http://schemas.microsoft.com/office/drawing/2014/main" id="{5DCF6378-8300-424B-8E82-E506650E4F8A}"/>
-              </a:ext>
-            </a:extLst>
-          </p:cNvPr>
-          <p:cNvSpPr txBox="1"/>
-          <p:nvPr/>
-        </p:nvSpPr>
-        <p:spPr>
-          <a:xfrm>
-            <a:off x="4111771" y="783960"/>
-            <a:ext cx="5921108" cy="369332"/>
-          </a:xfrm>
-          <a:prstGeom prst="rect">
-            <a:avLst/>
-          </a:prstGeom>
-          <a:noFill/>
-        </p:spPr>
-        <p:txBody>
-          <a:bodyPr wrap="none" rtlCol="0">
-            <a:spAutoFit/>
-          </a:bodyPr>
-          <a:lstStyle/>
-          <a:p>
-            <a:r>
-              <a:rPr lang="en-US" dirty="0"/>
-              <a:t>The remaining forces can be broken into X and Y components</a:t>
-            </a:r>
-          </a:p>
-        </p:txBody>
-      </p:sp>
-      <p:sp>
-        <p:nvSpPr>
-          <p:cNvPr id="20" name="Oval 19">
-            <a:extLst>
-              <a:ext uri="{FF2B5EF4-FFF2-40B4-BE49-F238E27FC236}">
-                <a16:creationId xmlns:a16="http://schemas.microsoft.com/office/drawing/2014/main" id="{A7BC1359-684D-42A1-AAA4-E117CA39024F}"/>
-              </a:ext>
-            </a:extLst>
-          </p:cNvPr>
-          <p:cNvSpPr/>
-          <p:nvPr/>
-        </p:nvSpPr>
-        <p:spPr>
-          <a:xfrm>
-            <a:off x="5320967" y="3609975"/>
-            <a:ext cx="152400" cy="152400"/>
-          </a:xfrm>
-          <a:prstGeom prst="ellipse">
-            <a:avLst/>
-          </a:prstGeom>
-          <a:solidFill>
-            <a:schemeClr val="accent1">
-              <a:lumMod val="60000"/>
-              <a:lumOff val="40000"/>
-            </a:schemeClr>
-          </a:solidFill>
-        </p:spPr>
-        <p:style>
-          <a:lnRef idx="2">
-            <a:schemeClr val="accent1">
-              <a:shade val="50000"/>
-            </a:schemeClr>
-          </a:lnRef>
-          <a:fillRef idx="1">
-            <a:schemeClr val="accent1"/>
-          </a:fillRef>
-          <a:effectRef idx="0">
-            <a:schemeClr val="accent1"/>
-          </a:effectRef>
-          <a:fontRef idx="minor">
-            <a:schemeClr val="lt1"/>
-          </a:fontRef>
-        </p:style>
-        <p:txBody>
-          <a:bodyPr rtlCol="0" anchor="ctr"/>
-          <a:lstStyle/>
-          <a:p>
-            <a:pPr algn="ctr"/>
-            <a:endParaRPr lang="en-US"/>
-          </a:p>
-        </p:txBody>
-      </p:sp>
       <p:cxnSp>
         <p:nvCxnSpPr>
-          <p:cNvPr id="13" name="Straight Arrow Connector 12">
-            <a:extLst>
-              <a:ext uri="{FF2B5EF4-FFF2-40B4-BE49-F238E27FC236}">
-                <a16:creationId xmlns:a16="http://schemas.microsoft.com/office/drawing/2014/main" id="{428D3928-A9C7-416F-B8A8-380B17739028}"/>
+          <p:cNvPr id="22" name="Straight Arrow Connector 21">
+            <a:extLst>
+              <a:ext uri="{FF2B5EF4-FFF2-40B4-BE49-F238E27FC236}">
+                <a16:creationId xmlns:a16="http://schemas.microsoft.com/office/drawing/2014/main" id="{1BDB0785-9AA5-4FFE-9FF3-ADFE93F4A0E5}"/>
               </a:ext>
             </a:extLst>
           </p:cNvPr>
@@ -12506,97 +13231,9 @@
           <p:nvPr/>
         </p:nvCxnSpPr>
         <p:spPr>
-          <a:xfrm flipH="1">
-            <a:off x="3886780" y="4605889"/>
-            <a:ext cx="227106" cy="0"/>
-          </a:xfrm>
-          <a:prstGeom prst="straightConnector1">
-            <a:avLst/>
-          </a:prstGeom>
-          <a:ln w="44450">
-            <a:solidFill>
-              <a:schemeClr val="accent2"/>
-            </a:solidFill>
-            <a:tailEnd type="triangle"/>
-          </a:ln>
-        </p:spPr>
-        <p:style>
-          <a:lnRef idx="1">
-            <a:schemeClr val="accent1"/>
-          </a:lnRef>
-          <a:fillRef idx="0">
-            <a:schemeClr val="accent1"/>
-          </a:fillRef>
-          <a:effectRef idx="0">
-            <a:schemeClr val="accent1"/>
-          </a:effectRef>
-          <a:fontRef idx="minor">
-            <a:schemeClr val="tx1"/>
-          </a:fontRef>
-        </p:style>
-      </p:cxnSp>
-      <p:cxnSp>
-        <p:nvCxnSpPr>
-          <p:cNvPr id="16" name="Straight Arrow Connector 15">
-            <a:extLst>
-              <a:ext uri="{FF2B5EF4-FFF2-40B4-BE49-F238E27FC236}">
-                <a16:creationId xmlns:a16="http://schemas.microsoft.com/office/drawing/2014/main" id="{F5C687FC-1CC5-48D1-896A-2D656D9D0EF0}"/>
-              </a:ext>
-            </a:extLst>
-          </p:cNvPr>
-          <p:cNvCxnSpPr>
-            <a:cxnSpLocks/>
-          </p:cNvCxnSpPr>
-          <p:nvPr/>
-        </p:nvCxnSpPr>
-        <p:spPr>
-          <a:xfrm>
-            <a:off x="4111771" y="4598570"/>
-            <a:ext cx="0" cy="197820"/>
-          </a:xfrm>
-          <a:prstGeom prst="straightConnector1">
-            <a:avLst/>
-          </a:prstGeom>
-          <a:ln w="44450">
-            <a:solidFill>
-              <a:schemeClr val="accent2"/>
-            </a:solidFill>
-            <a:tailEnd type="triangle"/>
-          </a:ln>
-        </p:spPr>
-        <p:style>
-          <a:lnRef idx="1">
-            <a:schemeClr val="accent1"/>
-          </a:lnRef>
-          <a:fillRef idx="0">
-            <a:schemeClr val="accent1"/>
-          </a:fillRef>
-          <a:effectRef idx="0">
-            <a:schemeClr val="accent1"/>
-          </a:effectRef>
-          <a:fontRef idx="minor">
-            <a:schemeClr val="tx1"/>
-          </a:fontRef>
-        </p:style>
-      </p:cxnSp>
-      <p:cxnSp>
-        <p:nvCxnSpPr>
-          <p:cNvPr id="19" name="Straight Arrow Connector 18">
-            <a:extLst>
-              <a:ext uri="{FF2B5EF4-FFF2-40B4-BE49-F238E27FC236}">
-                <a16:creationId xmlns:a16="http://schemas.microsoft.com/office/drawing/2014/main" id="{85431B5F-3E57-487F-B438-136975A018D4}"/>
-              </a:ext>
-            </a:extLst>
-          </p:cNvPr>
-          <p:cNvCxnSpPr>
-            <a:cxnSpLocks/>
-          </p:cNvCxnSpPr>
-          <p:nvPr/>
-        </p:nvCxnSpPr>
-        <p:spPr>
-          <a:xfrm flipH="1" flipV="1">
-            <a:off x="6972302" y="3791413"/>
-            <a:ext cx="1" cy="296450"/>
+          <a:xfrm flipV="1">
+            <a:off x="6954853" y="4036372"/>
+            <a:ext cx="235114" cy="29481"/>
           </a:xfrm>
           <a:prstGeom prst="straightConnector1">
             <a:avLst/>
@@ -12628,10 +13265,10 @@
       </p:cxnSp>
       <p:cxnSp>
         <p:nvCxnSpPr>
-          <p:cNvPr id="22" name="Straight Arrow Connector 21">
-            <a:extLst>
-              <a:ext uri="{FF2B5EF4-FFF2-40B4-BE49-F238E27FC236}">
-                <a16:creationId xmlns:a16="http://schemas.microsoft.com/office/drawing/2014/main" id="{1BDB0785-9AA5-4FFE-9FF3-ADFE93F4A0E5}"/>
+          <p:cNvPr id="3" name="Straight Connector 2">
+            <a:extLst>
+              <a:ext uri="{FF2B5EF4-FFF2-40B4-BE49-F238E27FC236}">
+                <a16:creationId xmlns:a16="http://schemas.microsoft.com/office/drawing/2014/main" id="{DF78B2C9-B06A-4141-92CB-F654B62298AB}"/>
               </a:ext>
             </a:extLst>
           </p:cNvPr>
@@ -12641,21 +13278,322 @@
           <p:nvPr/>
         </p:nvCxnSpPr>
         <p:spPr>
+          <a:xfrm flipH="1" flipV="1">
+            <a:off x="6954853" y="2600670"/>
+            <a:ext cx="70732" cy="3609630"/>
+          </a:xfrm>
+          <a:prstGeom prst="line">
+            <a:avLst/>
+          </a:prstGeom>
+          <a:ln>
+            <a:prstDash val="dash"/>
+          </a:ln>
+        </p:spPr>
+        <p:style>
+          <a:lnRef idx="1">
+            <a:schemeClr val="accent1"/>
+          </a:lnRef>
+          <a:fillRef idx="0">
+            <a:schemeClr val="accent1"/>
+          </a:fillRef>
+          <a:effectRef idx="0">
+            <a:schemeClr val="accent1"/>
+          </a:effectRef>
+          <a:fontRef idx="minor">
+            <a:schemeClr val="tx1"/>
+          </a:fontRef>
+        </p:style>
+      </p:cxnSp>
+      <p:cxnSp>
+        <p:nvCxnSpPr>
+          <p:cNvPr id="24" name="Straight Connector 23">
+            <a:extLst>
+              <a:ext uri="{FF2B5EF4-FFF2-40B4-BE49-F238E27FC236}">
+                <a16:creationId xmlns:a16="http://schemas.microsoft.com/office/drawing/2014/main" id="{6C3D62E1-71AD-491B-B46B-69C1BA562B00}"/>
+              </a:ext>
+            </a:extLst>
+          </p:cNvPr>
+          <p:cNvCxnSpPr>
+            <a:cxnSpLocks/>
+          </p:cNvCxnSpPr>
+          <p:nvPr/>
+        </p:nvCxnSpPr>
+        <p:spPr>
           <a:xfrm flipV="1">
-            <a:off x="6954853" y="4036372"/>
-            <a:ext cx="235114" cy="29481"/>
-          </a:xfrm>
-          <a:prstGeom prst="straightConnector1">
-            <a:avLst/>
-          </a:prstGeom>
-          <a:ln w="44450">
+            <a:off x="5399092" y="3625146"/>
+            <a:ext cx="1564486" cy="50247"/>
+          </a:xfrm>
+          <a:prstGeom prst="line">
+            <a:avLst/>
+          </a:prstGeom>
+          <a:ln>
             <a:solidFill>
-              <a:schemeClr val="accent6">
-                <a:lumMod val="60000"/>
-                <a:lumOff val="40000"/>
+              <a:schemeClr val="accent2">
+                <a:lumMod val="75000"/>
               </a:schemeClr>
             </a:solidFill>
-            <a:tailEnd type="triangle"/>
+            <a:prstDash val="dash"/>
+          </a:ln>
+        </p:spPr>
+        <p:style>
+          <a:lnRef idx="1">
+            <a:schemeClr val="accent1"/>
+          </a:lnRef>
+          <a:fillRef idx="0">
+            <a:schemeClr val="accent1"/>
+          </a:fillRef>
+          <a:effectRef idx="0">
+            <a:schemeClr val="accent1"/>
+          </a:effectRef>
+          <a:fontRef idx="minor">
+            <a:schemeClr val="tx1"/>
+          </a:fontRef>
+        </p:style>
+      </p:cxnSp>
+      <p:cxnSp>
+        <p:nvCxnSpPr>
+          <p:cNvPr id="25" name="Straight Connector 24">
+            <a:extLst>
+              <a:ext uri="{FF2B5EF4-FFF2-40B4-BE49-F238E27FC236}">
+                <a16:creationId xmlns:a16="http://schemas.microsoft.com/office/drawing/2014/main" id="{3AD25637-740E-4874-B3CF-881176219B86}"/>
+              </a:ext>
+            </a:extLst>
+          </p:cNvPr>
+          <p:cNvCxnSpPr>
+            <a:cxnSpLocks/>
+          </p:cNvCxnSpPr>
+          <p:nvPr/>
+        </p:nvCxnSpPr>
+        <p:spPr>
+          <a:xfrm flipV="1">
+            <a:off x="4126831" y="2447478"/>
+            <a:ext cx="0" cy="3324535"/>
+          </a:xfrm>
+          <a:prstGeom prst="line">
+            <a:avLst/>
+          </a:prstGeom>
+          <a:ln>
+            <a:prstDash val="dash"/>
+          </a:ln>
+        </p:spPr>
+        <p:style>
+          <a:lnRef idx="1">
+            <a:schemeClr val="accent1"/>
+          </a:lnRef>
+          <a:fillRef idx="0">
+            <a:schemeClr val="accent1"/>
+          </a:fillRef>
+          <a:effectRef idx="0">
+            <a:schemeClr val="accent1"/>
+          </a:effectRef>
+          <a:fontRef idx="minor">
+            <a:schemeClr val="tx1"/>
+          </a:fontRef>
+        </p:style>
+      </p:cxnSp>
+      <p:cxnSp>
+        <p:nvCxnSpPr>
+          <p:cNvPr id="28" name="Straight Connector 27">
+            <a:extLst>
+              <a:ext uri="{FF2B5EF4-FFF2-40B4-BE49-F238E27FC236}">
+                <a16:creationId xmlns:a16="http://schemas.microsoft.com/office/drawing/2014/main" id="{41419497-9769-454E-9F62-D0B9E622875E}"/>
+              </a:ext>
+            </a:extLst>
+          </p:cNvPr>
+          <p:cNvCxnSpPr>
+            <a:cxnSpLocks/>
+          </p:cNvCxnSpPr>
+          <p:nvPr/>
+        </p:nvCxnSpPr>
+        <p:spPr>
+          <a:xfrm flipV="1">
+            <a:off x="4126831" y="3675394"/>
+            <a:ext cx="1182588" cy="51891"/>
+          </a:xfrm>
+          <a:prstGeom prst="line">
+            <a:avLst/>
+          </a:prstGeom>
+          <a:ln>
+            <a:solidFill>
+              <a:schemeClr val="accent2">
+                <a:lumMod val="75000"/>
+              </a:schemeClr>
+            </a:solidFill>
+            <a:prstDash val="dash"/>
+          </a:ln>
+        </p:spPr>
+        <p:style>
+          <a:lnRef idx="1">
+            <a:schemeClr val="accent1"/>
+          </a:lnRef>
+          <a:fillRef idx="0">
+            <a:schemeClr val="accent1"/>
+          </a:fillRef>
+          <a:effectRef idx="0">
+            <a:schemeClr val="accent1"/>
+          </a:effectRef>
+          <a:fontRef idx="minor">
+            <a:schemeClr val="tx1"/>
+          </a:fontRef>
+        </p:style>
+      </p:cxnSp>
+      <p:cxnSp>
+        <p:nvCxnSpPr>
+          <p:cNvPr id="30" name="Straight Connector 29">
+            <a:extLst>
+              <a:ext uri="{FF2B5EF4-FFF2-40B4-BE49-F238E27FC236}">
+                <a16:creationId xmlns:a16="http://schemas.microsoft.com/office/drawing/2014/main" id="{77B3E91E-70B6-4923-9608-205BB7AF5DAE}"/>
+              </a:ext>
+            </a:extLst>
+          </p:cNvPr>
+          <p:cNvCxnSpPr>
+            <a:cxnSpLocks/>
+          </p:cNvCxnSpPr>
+          <p:nvPr/>
+        </p:nvCxnSpPr>
+        <p:spPr>
+          <a:xfrm flipH="1">
+            <a:off x="4000333" y="3983957"/>
+            <a:ext cx="3793277" cy="372386"/>
+          </a:xfrm>
+          <a:prstGeom prst="line">
+            <a:avLst/>
+          </a:prstGeom>
+          <a:ln>
+            <a:prstDash val="dash"/>
+          </a:ln>
+        </p:spPr>
+        <p:style>
+          <a:lnRef idx="1">
+            <a:schemeClr val="accent1"/>
+          </a:lnRef>
+          <a:fillRef idx="0">
+            <a:schemeClr val="accent1"/>
+          </a:fillRef>
+          <a:effectRef idx="0">
+            <a:schemeClr val="accent1"/>
+          </a:effectRef>
+          <a:fontRef idx="minor">
+            <a:schemeClr val="tx1"/>
+          </a:fontRef>
+        </p:style>
+      </p:cxnSp>
+      <p:cxnSp>
+        <p:nvCxnSpPr>
+          <p:cNvPr id="35" name="Straight Connector 34">
+            <a:extLst>
+              <a:ext uri="{FF2B5EF4-FFF2-40B4-BE49-F238E27FC236}">
+                <a16:creationId xmlns:a16="http://schemas.microsoft.com/office/drawing/2014/main" id="{F1036C0B-901C-45EF-84F4-1DA6003BADAA}"/>
+              </a:ext>
+            </a:extLst>
+          </p:cNvPr>
+          <p:cNvCxnSpPr>
+            <a:cxnSpLocks/>
+          </p:cNvCxnSpPr>
+          <p:nvPr/>
+        </p:nvCxnSpPr>
+        <p:spPr>
+          <a:xfrm flipH="1">
+            <a:off x="3947055" y="4251646"/>
+            <a:ext cx="3793277" cy="372386"/>
+          </a:xfrm>
+          <a:prstGeom prst="line">
+            <a:avLst/>
+          </a:prstGeom>
+          <a:ln>
+            <a:prstDash val="dash"/>
+          </a:ln>
+        </p:spPr>
+        <p:style>
+          <a:lnRef idx="1">
+            <a:schemeClr val="accent1"/>
+          </a:lnRef>
+          <a:fillRef idx="0">
+            <a:schemeClr val="accent1"/>
+          </a:fillRef>
+          <a:effectRef idx="0">
+            <a:schemeClr val="accent1"/>
+          </a:effectRef>
+          <a:fontRef idx="minor">
+            <a:schemeClr val="tx1"/>
+          </a:fontRef>
+        </p:style>
+      </p:cxnSp>
+      <p:cxnSp>
+        <p:nvCxnSpPr>
+          <p:cNvPr id="36" name="Straight Connector 35">
+            <a:extLst>
+              <a:ext uri="{FF2B5EF4-FFF2-40B4-BE49-F238E27FC236}">
+                <a16:creationId xmlns:a16="http://schemas.microsoft.com/office/drawing/2014/main" id="{34168E4E-DE58-48E8-8E66-1654358BC7C2}"/>
+              </a:ext>
+            </a:extLst>
+          </p:cNvPr>
+          <p:cNvCxnSpPr>
+            <a:cxnSpLocks/>
+          </p:cNvCxnSpPr>
+          <p:nvPr/>
+        </p:nvCxnSpPr>
+        <p:spPr>
+          <a:xfrm>
+            <a:off x="5409163" y="3675393"/>
+            <a:ext cx="42884" cy="529142"/>
+          </a:xfrm>
+          <a:prstGeom prst="line">
+            <a:avLst/>
+          </a:prstGeom>
+          <a:ln>
+            <a:solidFill>
+              <a:schemeClr val="accent2">
+                <a:lumMod val="75000"/>
+              </a:schemeClr>
+            </a:solidFill>
+            <a:prstDash val="dash"/>
+          </a:ln>
+        </p:spPr>
+        <p:style>
+          <a:lnRef idx="1">
+            <a:schemeClr val="accent1"/>
+          </a:lnRef>
+          <a:fillRef idx="0">
+            <a:schemeClr val="accent1"/>
+          </a:fillRef>
+          <a:effectRef idx="0">
+            <a:schemeClr val="accent1"/>
+          </a:effectRef>
+          <a:fontRef idx="minor">
+            <a:schemeClr val="tx1"/>
+          </a:fontRef>
+        </p:style>
+      </p:cxnSp>
+      <p:cxnSp>
+        <p:nvCxnSpPr>
+          <p:cNvPr id="39" name="Straight Connector 38">
+            <a:extLst>
+              <a:ext uri="{FF2B5EF4-FFF2-40B4-BE49-F238E27FC236}">
+                <a16:creationId xmlns:a16="http://schemas.microsoft.com/office/drawing/2014/main" id="{BD68FF15-E722-4B49-A94D-7BF943E7DCE0}"/>
+              </a:ext>
+            </a:extLst>
+          </p:cNvPr>
+          <p:cNvCxnSpPr>
+            <a:cxnSpLocks/>
+          </p:cNvCxnSpPr>
+          <p:nvPr/>
+        </p:nvCxnSpPr>
+        <p:spPr>
+          <a:xfrm>
+            <a:off x="5381385" y="3632293"/>
+            <a:ext cx="44259" cy="805546"/>
+          </a:xfrm>
+          <a:prstGeom prst="line">
+            <a:avLst/>
+          </a:prstGeom>
+          <a:ln>
+            <a:solidFill>
+              <a:schemeClr val="accent2">
+                <a:lumMod val="75000"/>
+              </a:schemeClr>
+            </a:solidFill>
+            <a:prstDash val="dash"/>
           </a:ln>
         </p:spPr>
         <p:style>
@@ -12676,7 +13614,7 @@
     </p:spTree>
     <p:extLst>
       <p:ext uri="{BB962C8B-B14F-4D97-AF65-F5344CB8AC3E}">
-        <p14:creationId xmlns:p14="http://schemas.microsoft.com/office/powerpoint/2010/main" val="2263177242"/>
+        <p14:creationId xmlns:p14="http://schemas.microsoft.com/office/powerpoint/2010/main" val="727431747"/>
       </p:ext>
     </p:extLst>
   </p:cSld>
@@ -13044,8 +13982,8 @@
         </p:nvSpPr>
         <p:spPr>
           <a:xfrm>
-            <a:off x="2104631" y="1085987"/>
-            <a:ext cx="8004820" cy="646331"/>
+            <a:off x="1087138" y="1132153"/>
+            <a:ext cx="9626994" cy="646331"/>
           </a:xfrm>
           <a:prstGeom prst="rect">
             <a:avLst/>
@@ -13060,13 +13998,45 @@
           <a:p>
             <a:r>
               <a:rPr lang="en-US" dirty="0"/>
-              <a:t>These forces can be relocated to the CG of the vehicle</a:t>
-            </a:r>
-          </a:p>
-          <a:p>
-            <a:r>
-              <a:rPr lang="en-US" dirty="0"/>
-              <a:t>(but we will need to add a force couple which will be calculated by the ‘lever’ arms)</a:t>
+              <a:t>We can now slide the object based on the remaining forces at the CG (a=f/m; v=</a:t>
+            </a:r>
+            <a:r>
+              <a:rPr lang="en-US" dirty="0" err="1"/>
+              <a:t>v+a</a:t>
+            </a:r>
+            <a:r>
+              <a:rPr lang="en-US" dirty="0"/>
+              <a:t>; p=</a:t>
+            </a:r>
+            <a:r>
+              <a:rPr lang="en-US" dirty="0" err="1"/>
+              <a:t>p+v</a:t>
+            </a:r>
+            <a:r>
+              <a:rPr lang="en-US" dirty="0"/>
+              <a:t>)</a:t>
+            </a:r>
+          </a:p>
+          <a:p>
+            <a:r>
+              <a:rPr lang="en-US" dirty="0"/>
+              <a:t>We can also rotate the object based on the total remaining moments/couples (w=m/j; o=</a:t>
+            </a:r>
+            <a:r>
+              <a:rPr lang="en-US" dirty="0" err="1"/>
+              <a:t>o+w</a:t>
+            </a:r>
+            <a:r>
+              <a:rPr lang="en-US" dirty="0"/>
+              <a:t>; a=</a:t>
+            </a:r>
+            <a:r>
+              <a:rPr lang="en-US" dirty="0" err="1"/>
+              <a:t>a+o</a:t>
+            </a:r>
+            <a:r>
+              <a:rPr lang="en-US" dirty="0"/>
+              <a:t>)</a:t>
             </a:r>
           </a:p>
         </p:txBody>
@@ -13139,7 +14109,7 @@
         </p:nvCxnSpPr>
         <p:spPr>
           <a:xfrm flipH="1">
-            <a:off x="3886780" y="4605889"/>
+            <a:off x="5172176" y="3670784"/>
             <a:ext cx="227106" cy="0"/>
           </a:xfrm>
           <a:prstGeom prst="straightConnector1">
@@ -13183,7 +14153,7 @@
         </p:nvCxnSpPr>
         <p:spPr>
           <a:xfrm>
-            <a:off x="4111771" y="4598570"/>
+            <a:off x="5397167" y="3663465"/>
             <a:ext cx="0" cy="197820"/>
           </a:xfrm>
           <a:prstGeom prst="straightConnector1">
@@ -13227,7 +14197,7 @@
         </p:nvCxnSpPr>
         <p:spPr>
           <a:xfrm flipH="1" flipV="1">
-            <a:off x="6972302" y="3791413"/>
+            <a:off x="5411103" y="3382727"/>
             <a:ext cx="1" cy="296450"/>
           </a:xfrm>
           <a:prstGeom prst="straightConnector1">
@@ -13274,7 +14244,7 @@
         </p:nvCxnSpPr>
         <p:spPr>
           <a:xfrm flipV="1">
-            <a:off x="6954853" y="4036372"/>
+            <a:off x="5393654" y="3627686"/>
             <a:ext cx="235114" cy="29481"/>
           </a:xfrm>
           <a:prstGeom prst="straightConnector1">
@@ -13305,358 +14275,110 @@
           </a:fontRef>
         </p:style>
       </p:cxnSp>
-      <p:cxnSp>
-        <p:nvCxnSpPr>
-          <p:cNvPr id="3" name="Straight Connector 2">
-            <a:extLst>
-              <a:ext uri="{FF2B5EF4-FFF2-40B4-BE49-F238E27FC236}">
-                <a16:creationId xmlns:a16="http://schemas.microsoft.com/office/drawing/2014/main" id="{DF78B2C9-B06A-4141-92CB-F654B62298AB}"/>
-              </a:ext>
-            </a:extLst>
-          </p:cNvPr>
-          <p:cNvCxnSpPr>
-            <a:cxnSpLocks/>
-          </p:cNvCxnSpPr>
-          <p:nvPr/>
-        </p:nvCxnSpPr>
-        <p:spPr>
-          <a:xfrm flipH="1" flipV="1">
-            <a:off x="6954853" y="2600670"/>
-            <a:ext cx="70732" cy="3609630"/>
-          </a:xfrm>
-          <a:prstGeom prst="line">
-            <a:avLst/>
-          </a:prstGeom>
-          <a:ln>
-            <a:prstDash val="dash"/>
-          </a:ln>
-        </p:spPr>
-        <p:style>
-          <a:lnRef idx="1">
-            <a:schemeClr val="accent1"/>
-          </a:lnRef>
-          <a:fillRef idx="0">
-            <a:schemeClr val="accent1"/>
-          </a:fillRef>
-          <a:effectRef idx="0">
-            <a:schemeClr val="accent1"/>
-          </a:effectRef>
-          <a:fontRef idx="minor">
-            <a:schemeClr val="tx1"/>
-          </a:fontRef>
-        </p:style>
-      </p:cxnSp>
-      <p:cxnSp>
-        <p:nvCxnSpPr>
-          <p:cNvPr id="24" name="Straight Connector 23">
-            <a:extLst>
-              <a:ext uri="{FF2B5EF4-FFF2-40B4-BE49-F238E27FC236}">
-                <a16:creationId xmlns:a16="http://schemas.microsoft.com/office/drawing/2014/main" id="{6C3D62E1-71AD-491B-B46B-69C1BA562B00}"/>
-              </a:ext>
-            </a:extLst>
-          </p:cNvPr>
-          <p:cNvCxnSpPr>
-            <a:cxnSpLocks/>
-          </p:cNvCxnSpPr>
-          <p:nvPr/>
-        </p:nvCxnSpPr>
-        <p:spPr>
-          <a:xfrm flipV="1">
-            <a:off x="5399092" y="3625146"/>
-            <a:ext cx="1564486" cy="50247"/>
-          </a:xfrm>
-          <a:prstGeom prst="line">
-            <a:avLst/>
-          </a:prstGeom>
-          <a:ln>
-            <a:solidFill>
-              <a:schemeClr val="accent2">
-                <a:lumMod val="75000"/>
-              </a:schemeClr>
-            </a:solidFill>
-            <a:prstDash val="dash"/>
-          </a:ln>
-        </p:spPr>
-        <p:style>
-          <a:lnRef idx="1">
-            <a:schemeClr val="accent1"/>
-          </a:lnRef>
-          <a:fillRef idx="0">
-            <a:schemeClr val="accent1"/>
-          </a:fillRef>
-          <a:effectRef idx="0">
-            <a:schemeClr val="accent1"/>
-          </a:effectRef>
-          <a:fontRef idx="minor">
-            <a:schemeClr val="tx1"/>
-          </a:fontRef>
-        </p:style>
-      </p:cxnSp>
-      <p:cxnSp>
-        <p:nvCxnSpPr>
-          <p:cNvPr id="25" name="Straight Connector 24">
-            <a:extLst>
-              <a:ext uri="{FF2B5EF4-FFF2-40B4-BE49-F238E27FC236}">
-                <a16:creationId xmlns:a16="http://schemas.microsoft.com/office/drawing/2014/main" id="{3AD25637-740E-4874-B3CF-881176219B86}"/>
-              </a:ext>
-            </a:extLst>
-          </p:cNvPr>
-          <p:cNvCxnSpPr>
-            <a:cxnSpLocks/>
-          </p:cNvCxnSpPr>
-          <p:nvPr/>
-        </p:nvCxnSpPr>
-        <p:spPr>
-          <a:xfrm flipV="1">
-            <a:off x="4126831" y="2447478"/>
-            <a:ext cx="0" cy="3324535"/>
-          </a:xfrm>
-          <a:prstGeom prst="line">
-            <a:avLst/>
-          </a:prstGeom>
-          <a:ln>
-            <a:prstDash val="dash"/>
-          </a:ln>
-        </p:spPr>
-        <p:style>
-          <a:lnRef idx="1">
-            <a:schemeClr val="accent1"/>
-          </a:lnRef>
-          <a:fillRef idx="0">
-            <a:schemeClr val="accent1"/>
-          </a:fillRef>
-          <a:effectRef idx="0">
-            <a:schemeClr val="accent1"/>
-          </a:effectRef>
-          <a:fontRef idx="minor">
-            <a:schemeClr val="tx1"/>
-          </a:fontRef>
-        </p:style>
-      </p:cxnSp>
-      <p:cxnSp>
-        <p:nvCxnSpPr>
-          <p:cNvPr id="28" name="Straight Connector 27">
-            <a:extLst>
-              <a:ext uri="{FF2B5EF4-FFF2-40B4-BE49-F238E27FC236}">
-                <a16:creationId xmlns:a16="http://schemas.microsoft.com/office/drawing/2014/main" id="{41419497-9769-454E-9F62-D0B9E622875E}"/>
-              </a:ext>
-            </a:extLst>
-          </p:cNvPr>
-          <p:cNvCxnSpPr>
-            <a:cxnSpLocks/>
-          </p:cNvCxnSpPr>
-          <p:nvPr/>
-        </p:nvCxnSpPr>
-        <p:spPr>
-          <a:xfrm flipV="1">
-            <a:off x="4126831" y="3675394"/>
-            <a:ext cx="1182588" cy="51891"/>
-          </a:xfrm>
-          <a:prstGeom prst="line">
-            <a:avLst/>
-          </a:prstGeom>
-          <a:ln>
-            <a:solidFill>
-              <a:schemeClr val="accent2">
-                <a:lumMod val="75000"/>
-              </a:schemeClr>
-            </a:solidFill>
-            <a:prstDash val="dash"/>
-          </a:ln>
-        </p:spPr>
-        <p:style>
-          <a:lnRef idx="1">
-            <a:schemeClr val="accent1"/>
-          </a:lnRef>
-          <a:fillRef idx="0">
-            <a:schemeClr val="accent1"/>
-          </a:fillRef>
-          <a:effectRef idx="0">
-            <a:schemeClr val="accent1"/>
-          </a:effectRef>
-          <a:fontRef idx="minor">
-            <a:schemeClr val="tx1"/>
-          </a:fontRef>
-        </p:style>
-      </p:cxnSp>
-      <p:cxnSp>
-        <p:nvCxnSpPr>
-          <p:cNvPr id="30" name="Straight Connector 29">
-            <a:extLst>
-              <a:ext uri="{FF2B5EF4-FFF2-40B4-BE49-F238E27FC236}">
-                <a16:creationId xmlns:a16="http://schemas.microsoft.com/office/drawing/2014/main" id="{77B3E91E-70B6-4923-9608-205BB7AF5DAE}"/>
-              </a:ext>
-            </a:extLst>
-          </p:cNvPr>
-          <p:cNvCxnSpPr>
-            <a:cxnSpLocks/>
-          </p:cNvCxnSpPr>
-          <p:nvPr/>
-        </p:nvCxnSpPr>
-        <p:spPr>
-          <a:xfrm flipH="1">
-            <a:off x="4000333" y="3983957"/>
-            <a:ext cx="3793277" cy="372386"/>
-          </a:xfrm>
-          <a:prstGeom prst="line">
-            <a:avLst/>
-          </a:prstGeom>
-          <a:ln>
-            <a:prstDash val="dash"/>
-          </a:ln>
-        </p:spPr>
-        <p:style>
-          <a:lnRef idx="1">
-            <a:schemeClr val="accent1"/>
-          </a:lnRef>
-          <a:fillRef idx="0">
-            <a:schemeClr val="accent1"/>
-          </a:fillRef>
-          <a:effectRef idx="0">
-            <a:schemeClr val="accent1"/>
-          </a:effectRef>
-          <a:fontRef idx="minor">
-            <a:schemeClr val="tx1"/>
-          </a:fontRef>
-        </p:style>
-      </p:cxnSp>
-      <p:cxnSp>
-        <p:nvCxnSpPr>
-          <p:cNvPr id="35" name="Straight Connector 34">
-            <a:extLst>
-              <a:ext uri="{FF2B5EF4-FFF2-40B4-BE49-F238E27FC236}">
-                <a16:creationId xmlns:a16="http://schemas.microsoft.com/office/drawing/2014/main" id="{F1036C0B-901C-45EF-84F4-1DA6003BADAA}"/>
-              </a:ext>
-            </a:extLst>
-          </p:cNvPr>
-          <p:cNvCxnSpPr>
-            <a:cxnSpLocks/>
-          </p:cNvCxnSpPr>
-          <p:nvPr/>
-        </p:nvCxnSpPr>
-        <p:spPr>
-          <a:xfrm flipH="1">
-            <a:off x="3947055" y="4251646"/>
-            <a:ext cx="3793277" cy="372386"/>
-          </a:xfrm>
-          <a:prstGeom prst="line">
-            <a:avLst/>
-          </a:prstGeom>
-          <a:ln>
-            <a:prstDash val="dash"/>
-          </a:ln>
-        </p:spPr>
-        <p:style>
-          <a:lnRef idx="1">
-            <a:schemeClr val="accent1"/>
-          </a:lnRef>
-          <a:fillRef idx="0">
-            <a:schemeClr val="accent1"/>
-          </a:fillRef>
-          <a:effectRef idx="0">
-            <a:schemeClr val="accent1"/>
-          </a:effectRef>
-          <a:fontRef idx="minor">
-            <a:schemeClr val="tx1"/>
-          </a:fontRef>
-        </p:style>
-      </p:cxnSp>
-      <p:cxnSp>
-        <p:nvCxnSpPr>
-          <p:cNvPr id="36" name="Straight Connector 35">
-            <a:extLst>
-              <a:ext uri="{FF2B5EF4-FFF2-40B4-BE49-F238E27FC236}">
-                <a16:creationId xmlns:a16="http://schemas.microsoft.com/office/drawing/2014/main" id="{34168E4E-DE58-48E8-8E66-1654358BC7C2}"/>
-              </a:ext>
-            </a:extLst>
-          </p:cNvPr>
-          <p:cNvCxnSpPr>
-            <a:cxnSpLocks/>
-          </p:cNvCxnSpPr>
-          <p:nvPr/>
-        </p:nvCxnSpPr>
-        <p:spPr>
-          <a:xfrm>
-            <a:off x="5409163" y="3675393"/>
-            <a:ext cx="42884" cy="529142"/>
-          </a:xfrm>
-          <a:prstGeom prst="line">
-            <a:avLst/>
-          </a:prstGeom>
-          <a:ln>
-            <a:solidFill>
-              <a:schemeClr val="accent2">
-                <a:lumMod val="75000"/>
-              </a:schemeClr>
-            </a:solidFill>
-            <a:prstDash val="dash"/>
-          </a:ln>
-        </p:spPr>
-        <p:style>
-          <a:lnRef idx="1">
-            <a:schemeClr val="accent1"/>
-          </a:lnRef>
-          <a:fillRef idx="0">
-            <a:schemeClr val="accent1"/>
-          </a:fillRef>
-          <a:effectRef idx="0">
-            <a:schemeClr val="accent1"/>
-          </a:effectRef>
-          <a:fontRef idx="minor">
-            <a:schemeClr val="tx1"/>
-          </a:fontRef>
-        </p:style>
-      </p:cxnSp>
-      <p:cxnSp>
-        <p:nvCxnSpPr>
-          <p:cNvPr id="39" name="Straight Connector 38">
-            <a:extLst>
-              <a:ext uri="{FF2B5EF4-FFF2-40B4-BE49-F238E27FC236}">
-                <a16:creationId xmlns:a16="http://schemas.microsoft.com/office/drawing/2014/main" id="{BD68FF15-E722-4B49-A94D-7BF943E7DCE0}"/>
-              </a:ext>
-            </a:extLst>
-          </p:cNvPr>
-          <p:cNvCxnSpPr>
-            <a:cxnSpLocks/>
-          </p:cNvCxnSpPr>
-          <p:nvPr/>
-        </p:nvCxnSpPr>
-        <p:spPr>
-          <a:xfrm>
-            <a:off x="5381385" y="3632293"/>
-            <a:ext cx="44259" cy="805546"/>
-          </a:xfrm>
-          <a:prstGeom prst="line">
-            <a:avLst/>
-          </a:prstGeom>
-          <a:ln>
-            <a:solidFill>
-              <a:schemeClr val="accent2">
-                <a:lumMod val="75000"/>
-              </a:schemeClr>
-            </a:solidFill>
-            <a:prstDash val="dash"/>
-          </a:ln>
-        </p:spPr>
-        <p:style>
-          <a:lnRef idx="1">
-            <a:schemeClr val="accent1"/>
-          </a:lnRef>
-          <a:fillRef idx="0">
-            <a:schemeClr val="accent1"/>
-          </a:fillRef>
-          <a:effectRef idx="0">
-            <a:schemeClr val="accent1"/>
-          </a:effectRef>
-          <a:fontRef idx="minor">
-            <a:schemeClr val="tx1"/>
-          </a:fontRef>
-        </p:style>
-      </p:cxnSp>
+      <p:sp>
+        <p:nvSpPr>
+          <p:cNvPr id="2" name="Arrow: Curved Right 1">
+            <a:extLst>
+              <a:ext uri="{FF2B5EF4-FFF2-40B4-BE49-F238E27FC236}">
+                <a16:creationId xmlns:a16="http://schemas.microsoft.com/office/drawing/2014/main" id="{EABE806A-F88E-4736-A74E-A28E8054CE48}"/>
+              </a:ext>
+            </a:extLst>
+          </p:cNvPr>
+          <p:cNvSpPr/>
+          <p:nvPr/>
+        </p:nvSpPr>
+        <p:spPr>
+          <a:xfrm>
+            <a:off x="4921227" y="3443405"/>
+            <a:ext cx="228600" cy="485540"/>
+          </a:xfrm>
+          <a:prstGeom prst="curvedRightArrow">
+            <a:avLst/>
+          </a:prstGeom>
+        </p:spPr>
+        <p:style>
+          <a:lnRef idx="2">
+            <a:schemeClr val="accent1">
+              <a:shade val="50000"/>
+            </a:schemeClr>
+          </a:lnRef>
+          <a:fillRef idx="1">
+            <a:schemeClr val="accent1"/>
+          </a:fillRef>
+          <a:effectRef idx="0">
+            <a:schemeClr val="accent1"/>
+          </a:effectRef>
+          <a:fontRef idx="minor">
+            <a:schemeClr val="lt1"/>
+          </a:fontRef>
+        </p:style>
+        <p:txBody>
+          <a:bodyPr rtlCol="0" anchor="ctr"/>
+          <a:lstStyle/>
+          <a:p>
+            <a:pPr algn="ctr"/>
+            <a:endParaRPr lang="en-US">
+              <a:solidFill>
+                <a:schemeClr val="tx1"/>
+              </a:solidFill>
+            </a:endParaRPr>
+          </a:p>
+        </p:txBody>
+      </p:sp>
+      <p:sp>
+        <p:nvSpPr>
+          <p:cNvPr id="6" name="Arrow: Curved Left 5">
+            <a:extLst>
+              <a:ext uri="{FF2B5EF4-FFF2-40B4-BE49-F238E27FC236}">
+                <a16:creationId xmlns:a16="http://schemas.microsoft.com/office/drawing/2014/main" id="{29D4C0EF-A93B-42EE-8EDD-06271083FBFB}"/>
+              </a:ext>
+            </a:extLst>
+          </p:cNvPr>
+          <p:cNvSpPr/>
+          <p:nvPr/>
+        </p:nvSpPr>
+        <p:spPr>
+          <a:xfrm>
+            <a:off x="5614319" y="3366126"/>
+            <a:ext cx="251792" cy="523120"/>
+          </a:xfrm>
+          <a:prstGeom prst="curvedLeftArrow">
+            <a:avLst/>
+          </a:prstGeom>
+        </p:spPr>
+        <p:style>
+          <a:lnRef idx="2">
+            <a:schemeClr val="accent1">
+              <a:shade val="50000"/>
+            </a:schemeClr>
+          </a:lnRef>
+          <a:fillRef idx="1">
+            <a:schemeClr val="accent1"/>
+          </a:fillRef>
+          <a:effectRef idx="0">
+            <a:schemeClr val="accent1"/>
+          </a:effectRef>
+          <a:fontRef idx="minor">
+            <a:schemeClr val="lt1"/>
+          </a:fontRef>
+        </p:style>
+        <p:txBody>
+          <a:bodyPr rtlCol="0" anchor="ctr"/>
+          <a:lstStyle/>
+          <a:p>
+            <a:pPr algn="ctr"/>
+            <a:endParaRPr lang="en-US">
+              <a:solidFill>
+                <a:schemeClr val="tx1"/>
+              </a:solidFill>
+            </a:endParaRPr>
+          </a:p>
+        </p:txBody>
+      </p:sp>
     </p:spTree>
     <p:extLst>
       <p:ext uri="{BB962C8B-B14F-4D97-AF65-F5344CB8AC3E}">
-        <p14:creationId xmlns:p14="http://schemas.microsoft.com/office/powerpoint/2010/main" val="727431747"/>
+        <p14:creationId xmlns:p14="http://schemas.microsoft.com/office/powerpoint/2010/main" val="2055049088"/>
       </p:ext>
     </p:extLst>
   </p:cSld>
@@ -14346,155 +15068,48 @@
           <a:chExt cx="0" cy="0"/>
         </a:xfrm>
       </p:grpSpPr>
-      <p:sp>
-        <p:nvSpPr>
-          <p:cNvPr id="21" name="Isosceles Triangle 20">
-            <a:extLst>
-              <a:ext uri="{FF2B5EF4-FFF2-40B4-BE49-F238E27FC236}">
-                <a16:creationId xmlns:a16="http://schemas.microsoft.com/office/drawing/2014/main" id="{E2DD208B-9ED1-4F23-8A84-898A59AFE327}"/>
-              </a:ext>
-            </a:extLst>
-          </p:cNvPr>
-          <p:cNvSpPr/>
-          <p:nvPr/>
-        </p:nvSpPr>
-        <p:spPr>
-          <a:xfrm rot="20959425">
-            <a:off x="3959243" y="2748942"/>
-            <a:ext cx="2888975" cy="1615051"/>
-          </a:xfrm>
-          <a:prstGeom prst="triangle">
-            <a:avLst/>
-          </a:prstGeom>
-          <a:solidFill>
-            <a:schemeClr val="bg2">
-              <a:lumMod val="90000"/>
-            </a:schemeClr>
-          </a:solidFill>
-        </p:spPr>
-        <p:style>
-          <a:lnRef idx="2">
-            <a:schemeClr val="accent1">
-              <a:shade val="50000"/>
-            </a:schemeClr>
-          </a:lnRef>
-          <a:fillRef idx="1">
-            <a:schemeClr val="accent1"/>
-          </a:fillRef>
-          <a:effectRef idx="0">
-            <a:schemeClr val="accent1"/>
-          </a:effectRef>
-          <a:fontRef idx="minor">
-            <a:schemeClr val="lt1"/>
-          </a:fontRef>
-        </p:style>
-        <p:txBody>
-          <a:bodyPr rtlCol="0" anchor="ctr"/>
-          <a:lstStyle/>
-          <a:p>
-            <a:pPr algn="ctr"/>
-            <a:endParaRPr lang="en-US" dirty="0"/>
-          </a:p>
-        </p:txBody>
-      </p:sp>
-      <p:sp>
-        <p:nvSpPr>
-          <p:cNvPr id="4" name="Oval 3">
-            <a:extLst>
-              <a:ext uri="{FF2B5EF4-FFF2-40B4-BE49-F238E27FC236}">
-                <a16:creationId xmlns:a16="http://schemas.microsoft.com/office/drawing/2014/main" id="{314600A2-A1FF-492F-8609-34CAF5859A52}"/>
-              </a:ext>
-            </a:extLst>
-          </p:cNvPr>
-          <p:cNvSpPr/>
-          <p:nvPr/>
-        </p:nvSpPr>
-        <p:spPr>
-          <a:xfrm>
-            <a:off x="3561347" y="4050632"/>
-            <a:ext cx="1130968" cy="1130968"/>
-          </a:xfrm>
-          <a:prstGeom prst="ellipse">
-            <a:avLst/>
-          </a:prstGeom>
-        </p:spPr>
-        <p:style>
-          <a:lnRef idx="2">
-            <a:schemeClr val="accent1">
-              <a:shade val="50000"/>
-            </a:schemeClr>
-          </a:lnRef>
-          <a:fillRef idx="1">
-            <a:schemeClr val="accent1"/>
-          </a:fillRef>
-          <a:effectRef idx="0">
-            <a:schemeClr val="accent1"/>
-          </a:effectRef>
-          <a:fontRef idx="minor">
-            <a:schemeClr val="lt1"/>
-          </a:fontRef>
-        </p:style>
-        <p:txBody>
-          <a:bodyPr rtlCol="0" anchor="ctr"/>
-          <a:lstStyle/>
-          <a:p>
-            <a:pPr algn="ctr"/>
-            <a:endParaRPr lang="en-US"/>
-          </a:p>
-        </p:txBody>
-      </p:sp>
-      <p:sp>
-        <p:nvSpPr>
-          <p:cNvPr id="5" name="Oval 4">
-            <a:extLst>
-              <a:ext uri="{FF2B5EF4-FFF2-40B4-BE49-F238E27FC236}">
-                <a16:creationId xmlns:a16="http://schemas.microsoft.com/office/drawing/2014/main" id="{ED83B1C8-4E8A-443E-8022-B13B8E29A4AE}"/>
-              </a:ext>
-            </a:extLst>
-          </p:cNvPr>
-          <p:cNvSpPr/>
-          <p:nvPr/>
-        </p:nvSpPr>
-        <p:spPr>
-          <a:xfrm>
-            <a:off x="6406819" y="3513723"/>
-            <a:ext cx="1130968" cy="1130968"/>
-          </a:xfrm>
-          <a:prstGeom prst="ellipse">
-            <a:avLst/>
-          </a:prstGeom>
-        </p:spPr>
-        <p:style>
-          <a:lnRef idx="2">
-            <a:schemeClr val="accent1">
-              <a:shade val="50000"/>
-            </a:schemeClr>
-          </a:lnRef>
-          <a:fillRef idx="1">
-            <a:schemeClr val="accent1"/>
-          </a:fillRef>
-          <a:effectRef idx="0">
-            <a:schemeClr val="accent1"/>
-          </a:effectRef>
-          <a:fontRef idx="minor">
-            <a:schemeClr val="lt1"/>
-          </a:fontRef>
-        </p:style>
-        <p:txBody>
-          <a:bodyPr rtlCol="0" anchor="ctr"/>
-          <a:lstStyle/>
-          <a:p>
-            <a:pPr algn="ctr"/>
-            <a:endParaRPr lang="en-US"/>
-          </a:p>
-        </p:txBody>
-      </p:sp>
       <p:cxnSp>
         <p:nvCxnSpPr>
-          <p:cNvPr id="8" name="Straight Connector 7">
-            <a:extLst>
-              <a:ext uri="{FF2B5EF4-FFF2-40B4-BE49-F238E27FC236}">
-                <a16:creationId xmlns:a16="http://schemas.microsoft.com/office/drawing/2014/main" id="{5E9B6128-A755-4014-AD0B-AF4BCF9C3590}"/>
+          <p:cNvPr id="5" name="Straight Connector 4">
+            <a:extLst>
+              <a:ext uri="{FF2B5EF4-FFF2-40B4-BE49-F238E27FC236}">
+                <a16:creationId xmlns:a16="http://schemas.microsoft.com/office/drawing/2014/main" id="{36C174B4-F53C-7D4A-BC68-FE7F1D058050}"/>
+              </a:ext>
+            </a:extLst>
+          </p:cNvPr>
+          <p:cNvCxnSpPr/>
+          <p:nvPr/>
+        </p:nvCxnSpPr>
+        <p:spPr>
+          <a:xfrm>
+            <a:off x="4494179" y="758757"/>
+            <a:ext cx="0" cy="5321030"/>
+          </a:xfrm>
+          <a:prstGeom prst="line">
+            <a:avLst/>
+          </a:prstGeom>
+        </p:spPr>
+        <p:style>
+          <a:lnRef idx="1">
+            <a:schemeClr val="accent1"/>
+          </a:lnRef>
+          <a:fillRef idx="0">
+            <a:schemeClr val="accent1"/>
+          </a:fillRef>
+          <a:effectRef idx="0">
+            <a:schemeClr val="accent1"/>
+          </a:effectRef>
+          <a:fontRef idx="minor">
+            <a:schemeClr val="tx1"/>
+          </a:fontRef>
+        </p:style>
+      </p:cxnSp>
+      <p:cxnSp>
+        <p:nvCxnSpPr>
+          <p:cNvPr id="6" name="Straight Connector 5">
+            <a:extLst>
+              <a:ext uri="{FF2B5EF4-FFF2-40B4-BE49-F238E27FC236}">
+                <a16:creationId xmlns:a16="http://schemas.microsoft.com/office/drawing/2014/main" id="{228B1AC0-F11E-9C48-A888-C43D0C551F12}"/>
               </a:ext>
             </a:extLst>
           </p:cNvPr>
@@ -14504,9 +15119,9 @@
           <p:nvPr/>
         </p:nvCxnSpPr>
         <p:spPr>
-          <a:xfrm flipV="1">
-            <a:off x="3617494" y="4291265"/>
-            <a:ext cx="1620253" cy="1668378"/>
+          <a:xfrm>
+            <a:off x="2110902" y="3015574"/>
+            <a:ext cx="5077838" cy="0"/>
           </a:xfrm>
           <a:prstGeom prst="line">
             <a:avLst/>
@@ -14527,563 +15142,10 @@
           </a:fontRef>
         </p:style>
       </p:cxnSp>
-      <p:cxnSp>
-        <p:nvCxnSpPr>
-          <p:cNvPr id="11" name="Straight Connector 10">
-            <a:extLst>
-              <a:ext uri="{FF2B5EF4-FFF2-40B4-BE49-F238E27FC236}">
-                <a16:creationId xmlns:a16="http://schemas.microsoft.com/office/drawing/2014/main" id="{A4B179D8-2EB4-4B0C-AA1F-00B1C3644A3D}"/>
-              </a:ext>
-            </a:extLst>
-          </p:cNvPr>
-          <p:cNvCxnSpPr>
-            <a:cxnSpLocks/>
-          </p:cNvCxnSpPr>
-          <p:nvPr/>
-        </p:nvCxnSpPr>
-        <p:spPr>
-          <a:xfrm flipV="1">
-            <a:off x="6825329" y="3541797"/>
-            <a:ext cx="1155028" cy="1860884"/>
-          </a:xfrm>
-          <a:prstGeom prst="line">
-            <a:avLst/>
-          </a:prstGeom>
-        </p:spPr>
-        <p:style>
-          <a:lnRef idx="1">
-            <a:schemeClr val="accent1"/>
-          </a:lnRef>
-          <a:fillRef idx="0">
-            <a:schemeClr val="accent1"/>
-          </a:fillRef>
-          <a:effectRef idx="0">
-            <a:schemeClr val="accent1"/>
-          </a:effectRef>
-          <a:fontRef idx="minor">
-            <a:schemeClr val="tx1"/>
-          </a:fontRef>
-        </p:style>
-      </p:cxnSp>
-      <p:sp>
-        <p:nvSpPr>
-          <p:cNvPr id="14" name="Oval 13">
-            <a:extLst>
-              <a:ext uri="{FF2B5EF4-FFF2-40B4-BE49-F238E27FC236}">
-                <a16:creationId xmlns:a16="http://schemas.microsoft.com/office/drawing/2014/main" id="{A3FB30E0-CD29-4C5E-B40F-8C0976CAE2BB}"/>
-              </a:ext>
-            </a:extLst>
-          </p:cNvPr>
-          <p:cNvSpPr/>
-          <p:nvPr/>
-        </p:nvSpPr>
-        <p:spPr>
-          <a:xfrm>
-            <a:off x="4050631" y="4547937"/>
-            <a:ext cx="152400" cy="136358"/>
-          </a:xfrm>
-          <a:prstGeom prst="ellipse">
-            <a:avLst/>
-          </a:prstGeom>
-          <a:solidFill>
-            <a:srgbClr val="FF0000"/>
-          </a:solidFill>
-          <a:ln>
-            <a:solidFill>
-              <a:srgbClr val="FF0000"/>
-            </a:solidFill>
-          </a:ln>
-        </p:spPr>
-        <p:style>
-          <a:lnRef idx="2">
-            <a:schemeClr val="accent1">
-              <a:shade val="50000"/>
-            </a:schemeClr>
-          </a:lnRef>
-          <a:fillRef idx="1">
-            <a:schemeClr val="accent1"/>
-          </a:fillRef>
-          <a:effectRef idx="0">
-            <a:schemeClr val="accent1"/>
-          </a:effectRef>
-          <a:fontRef idx="minor">
-            <a:schemeClr val="lt1"/>
-          </a:fontRef>
-        </p:style>
-        <p:txBody>
-          <a:bodyPr rtlCol="0" anchor="ctr"/>
-          <a:lstStyle/>
-          <a:p>
-            <a:pPr algn="ctr"/>
-            <a:endParaRPr lang="en-US"/>
-          </a:p>
-        </p:txBody>
-      </p:sp>
-      <p:sp>
-        <p:nvSpPr>
-          <p:cNvPr id="15" name="Oval 14">
-            <a:extLst>
-              <a:ext uri="{FF2B5EF4-FFF2-40B4-BE49-F238E27FC236}">
-                <a16:creationId xmlns:a16="http://schemas.microsoft.com/office/drawing/2014/main" id="{4E009318-9624-43B1-AA16-858CE5B68F3B}"/>
-              </a:ext>
-            </a:extLst>
-          </p:cNvPr>
-          <p:cNvSpPr/>
-          <p:nvPr/>
-        </p:nvSpPr>
-        <p:spPr>
-          <a:xfrm>
-            <a:off x="6896103" y="4011028"/>
-            <a:ext cx="152400" cy="136358"/>
-          </a:xfrm>
-          <a:prstGeom prst="ellipse">
-            <a:avLst/>
-          </a:prstGeom>
-          <a:solidFill>
-            <a:srgbClr val="FF0000"/>
-          </a:solidFill>
-          <a:ln>
-            <a:solidFill>
-              <a:srgbClr val="FF0000"/>
-            </a:solidFill>
-          </a:ln>
-        </p:spPr>
-        <p:style>
-          <a:lnRef idx="2">
-            <a:schemeClr val="accent1">
-              <a:shade val="50000"/>
-            </a:schemeClr>
-          </a:lnRef>
-          <a:fillRef idx="1">
-            <a:schemeClr val="accent1"/>
-          </a:fillRef>
-          <a:effectRef idx="0">
-            <a:schemeClr val="accent1"/>
-          </a:effectRef>
-          <a:fontRef idx="minor">
-            <a:schemeClr val="lt1"/>
-          </a:fontRef>
-        </p:style>
-        <p:txBody>
-          <a:bodyPr rtlCol="0" anchor="ctr"/>
-          <a:lstStyle/>
-          <a:p>
-            <a:pPr algn="ctr"/>
-            <a:endParaRPr lang="en-US"/>
-          </a:p>
-        </p:txBody>
-      </p:sp>
-      <p:sp>
-        <p:nvSpPr>
-          <p:cNvPr id="18" name="TextBox 17">
-            <a:extLst>
-              <a:ext uri="{FF2B5EF4-FFF2-40B4-BE49-F238E27FC236}">
-                <a16:creationId xmlns:a16="http://schemas.microsoft.com/office/drawing/2014/main" id="{5DCF6378-8300-424B-8E82-E506650E4F8A}"/>
-              </a:ext>
-            </a:extLst>
-          </p:cNvPr>
-          <p:cNvSpPr txBox="1"/>
-          <p:nvPr/>
-        </p:nvSpPr>
-        <p:spPr>
-          <a:xfrm>
-            <a:off x="1087138" y="1132153"/>
-            <a:ext cx="9626994" cy="646331"/>
-          </a:xfrm>
-          <a:prstGeom prst="rect">
-            <a:avLst/>
-          </a:prstGeom>
-          <a:noFill/>
-        </p:spPr>
-        <p:txBody>
-          <a:bodyPr wrap="none" rtlCol="0">
-            <a:spAutoFit/>
-          </a:bodyPr>
-          <a:lstStyle/>
-          <a:p>
-            <a:r>
-              <a:rPr lang="en-US" dirty="0"/>
-              <a:t>We can now slide the object based on the remaining forces at the CG (a=f/m; v=</a:t>
-            </a:r>
-            <a:r>
-              <a:rPr lang="en-US" dirty="0" err="1"/>
-              <a:t>v+a</a:t>
-            </a:r>
-            <a:r>
-              <a:rPr lang="en-US" dirty="0"/>
-              <a:t>; p=</a:t>
-            </a:r>
-            <a:r>
-              <a:rPr lang="en-US" dirty="0" err="1"/>
-              <a:t>p+v</a:t>
-            </a:r>
-            <a:r>
-              <a:rPr lang="en-US" dirty="0"/>
-              <a:t>)</a:t>
-            </a:r>
-          </a:p>
-          <a:p>
-            <a:r>
-              <a:rPr lang="en-US" dirty="0"/>
-              <a:t>We can also rotate the object based on the total remaining moments/couples (w=m/j; o=</a:t>
-            </a:r>
-            <a:r>
-              <a:rPr lang="en-US" dirty="0" err="1"/>
-              <a:t>o+w</a:t>
-            </a:r>
-            <a:r>
-              <a:rPr lang="en-US" dirty="0"/>
-              <a:t>; a=</a:t>
-            </a:r>
-            <a:r>
-              <a:rPr lang="en-US" dirty="0" err="1"/>
-              <a:t>a+o</a:t>
-            </a:r>
-            <a:r>
-              <a:rPr lang="en-US" dirty="0"/>
-              <a:t>)</a:t>
-            </a:r>
-          </a:p>
-        </p:txBody>
-      </p:sp>
-      <p:sp>
-        <p:nvSpPr>
-          <p:cNvPr id="20" name="Oval 19">
-            <a:extLst>
-              <a:ext uri="{FF2B5EF4-FFF2-40B4-BE49-F238E27FC236}">
-                <a16:creationId xmlns:a16="http://schemas.microsoft.com/office/drawing/2014/main" id="{A7BC1359-684D-42A1-AAA4-E117CA39024F}"/>
-              </a:ext>
-            </a:extLst>
-          </p:cNvPr>
-          <p:cNvSpPr/>
-          <p:nvPr/>
-        </p:nvSpPr>
-        <p:spPr>
-          <a:xfrm>
-            <a:off x="5320967" y="3609975"/>
-            <a:ext cx="152400" cy="152400"/>
-          </a:xfrm>
-          <a:prstGeom prst="ellipse">
-            <a:avLst/>
-          </a:prstGeom>
-          <a:solidFill>
-            <a:schemeClr val="accent1">
-              <a:lumMod val="60000"/>
-              <a:lumOff val="40000"/>
-            </a:schemeClr>
-          </a:solidFill>
-        </p:spPr>
-        <p:style>
-          <a:lnRef idx="2">
-            <a:schemeClr val="accent1">
-              <a:shade val="50000"/>
-            </a:schemeClr>
-          </a:lnRef>
-          <a:fillRef idx="1">
-            <a:schemeClr val="accent1"/>
-          </a:fillRef>
-          <a:effectRef idx="0">
-            <a:schemeClr val="accent1"/>
-          </a:effectRef>
-          <a:fontRef idx="minor">
-            <a:schemeClr val="lt1"/>
-          </a:fontRef>
-        </p:style>
-        <p:txBody>
-          <a:bodyPr rtlCol="0" anchor="ctr"/>
-          <a:lstStyle/>
-          <a:p>
-            <a:pPr algn="ctr"/>
-            <a:endParaRPr lang="en-US"/>
-          </a:p>
-        </p:txBody>
-      </p:sp>
-      <p:cxnSp>
-        <p:nvCxnSpPr>
-          <p:cNvPr id="13" name="Straight Arrow Connector 12">
-            <a:extLst>
-              <a:ext uri="{FF2B5EF4-FFF2-40B4-BE49-F238E27FC236}">
-                <a16:creationId xmlns:a16="http://schemas.microsoft.com/office/drawing/2014/main" id="{428D3928-A9C7-416F-B8A8-380B17739028}"/>
-              </a:ext>
-            </a:extLst>
-          </p:cNvPr>
-          <p:cNvCxnSpPr>
-            <a:cxnSpLocks/>
-          </p:cNvCxnSpPr>
-          <p:nvPr/>
-        </p:nvCxnSpPr>
-        <p:spPr>
-          <a:xfrm flipH="1">
-            <a:off x="5172176" y="3670784"/>
-            <a:ext cx="227106" cy="0"/>
-          </a:xfrm>
-          <a:prstGeom prst="straightConnector1">
-            <a:avLst/>
-          </a:prstGeom>
-          <a:ln w="44450">
-            <a:solidFill>
-              <a:schemeClr val="accent2"/>
-            </a:solidFill>
-            <a:tailEnd type="triangle"/>
-          </a:ln>
-        </p:spPr>
-        <p:style>
-          <a:lnRef idx="1">
-            <a:schemeClr val="accent1"/>
-          </a:lnRef>
-          <a:fillRef idx="0">
-            <a:schemeClr val="accent1"/>
-          </a:fillRef>
-          <a:effectRef idx="0">
-            <a:schemeClr val="accent1"/>
-          </a:effectRef>
-          <a:fontRef idx="minor">
-            <a:schemeClr val="tx1"/>
-          </a:fontRef>
-        </p:style>
-      </p:cxnSp>
-      <p:cxnSp>
-        <p:nvCxnSpPr>
-          <p:cNvPr id="16" name="Straight Arrow Connector 15">
-            <a:extLst>
-              <a:ext uri="{FF2B5EF4-FFF2-40B4-BE49-F238E27FC236}">
-                <a16:creationId xmlns:a16="http://schemas.microsoft.com/office/drawing/2014/main" id="{F5C687FC-1CC5-48D1-896A-2D656D9D0EF0}"/>
-              </a:ext>
-            </a:extLst>
-          </p:cNvPr>
-          <p:cNvCxnSpPr>
-            <a:cxnSpLocks/>
-          </p:cNvCxnSpPr>
-          <p:nvPr/>
-        </p:nvCxnSpPr>
-        <p:spPr>
-          <a:xfrm>
-            <a:off x="5397167" y="3663465"/>
-            <a:ext cx="0" cy="197820"/>
-          </a:xfrm>
-          <a:prstGeom prst="straightConnector1">
-            <a:avLst/>
-          </a:prstGeom>
-          <a:ln w="44450">
-            <a:solidFill>
-              <a:schemeClr val="accent2"/>
-            </a:solidFill>
-            <a:tailEnd type="triangle"/>
-          </a:ln>
-        </p:spPr>
-        <p:style>
-          <a:lnRef idx="1">
-            <a:schemeClr val="accent1"/>
-          </a:lnRef>
-          <a:fillRef idx="0">
-            <a:schemeClr val="accent1"/>
-          </a:fillRef>
-          <a:effectRef idx="0">
-            <a:schemeClr val="accent1"/>
-          </a:effectRef>
-          <a:fontRef idx="minor">
-            <a:schemeClr val="tx1"/>
-          </a:fontRef>
-        </p:style>
-      </p:cxnSp>
-      <p:cxnSp>
-        <p:nvCxnSpPr>
-          <p:cNvPr id="19" name="Straight Arrow Connector 18">
-            <a:extLst>
-              <a:ext uri="{FF2B5EF4-FFF2-40B4-BE49-F238E27FC236}">
-                <a16:creationId xmlns:a16="http://schemas.microsoft.com/office/drawing/2014/main" id="{85431B5F-3E57-487F-B438-136975A018D4}"/>
-              </a:ext>
-            </a:extLst>
-          </p:cNvPr>
-          <p:cNvCxnSpPr>
-            <a:cxnSpLocks/>
-          </p:cNvCxnSpPr>
-          <p:nvPr/>
-        </p:nvCxnSpPr>
-        <p:spPr>
-          <a:xfrm flipH="1" flipV="1">
-            <a:off x="5411103" y="3382727"/>
-            <a:ext cx="1" cy="296450"/>
-          </a:xfrm>
-          <a:prstGeom prst="straightConnector1">
-            <a:avLst/>
-          </a:prstGeom>
-          <a:ln w="44450">
-            <a:solidFill>
-              <a:schemeClr val="accent6">
-                <a:lumMod val="60000"/>
-                <a:lumOff val="40000"/>
-              </a:schemeClr>
-            </a:solidFill>
-            <a:tailEnd type="triangle"/>
-          </a:ln>
-        </p:spPr>
-        <p:style>
-          <a:lnRef idx="1">
-            <a:schemeClr val="accent1"/>
-          </a:lnRef>
-          <a:fillRef idx="0">
-            <a:schemeClr val="accent1"/>
-          </a:fillRef>
-          <a:effectRef idx="0">
-            <a:schemeClr val="accent1"/>
-          </a:effectRef>
-          <a:fontRef idx="minor">
-            <a:schemeClr val="tx1"/>
-          </a:fontRef>
-        </p:style>
-      </p:cxnSp>
-      <p:cxnSp>
-        <p:nvCxnSpPr>
-          <p:cNvPr id="22" name="Straight Arrow Connector 21">
-            <a:extLst>
-              <a:ext uri="{FF2B5EF4-FFF2-40B4-BE49-F238E27FC236}">
-                <a16:creationId xmlns:a16="http://schemas.microsoft.com/office/drawing/2014/main" id="{1BDB0785-9AA5-4FFE-9FF3-ADFE93F4A0E5}"/>
-              </a:ext>
-            </a:extLst>
-          </p:cNvPr>
-          <p:cNvCxnSpPr>
-            <a:cxnSpLocks/>
-          </p:cNvCxnSpPr>
-          <p:nvPr/>
-        </p:nvCxnSpPr>
-        <p:spPr>
-          <a:xfrm flipV="1">
-            <a:off x="5393654" y="3627686"/>
-            <a:ext cx="235114" cy="29481"/>
-          </a:xfrm>
-          <a:prstGeom prst="straightConnector1">
-            <a:avLst/>
-          </a:prstGeom>
-          <a:ln w="44450">
-            <a:solidFill>
-              <a:schemeClr val="accent6">
-                <a:lumMod val="60000"/>
-                <a:lumOff val="40000"/>
-              </a:schemeClr>
-            </a:solidFill>
-            <a:tailEnd type="triangle"/>
-          </a:ln>
-        </p:spPr>
-        <p:style>
-          <a:lnRef idx="1">
-            <a:schemeClr val="accent1"/>
-          </a:lnRef>
-          <a:fillRef idx="0">
-            <a:schemeClr val="accent1"/>
-          </a:fillRef>
-          <a:effectRef idx="0">
-            <a:schemeClr val="accent1"/>
-          </a:effectRef>
-          <a:fontRef idx="minor">
-            <a:schemeClr val="tx1"/>
-          </a:fontRef>
-        </p:style>
-      </p:cxnSp>
-      <p:sp>
-        <p:nvSpPr>
-          <p:cNvPr id="2" name="Arrow: Curved Right 1">
-            <a:extLst>
-              <a:ext uri="{FF2B5EF4-FFF2-40B4-BE49-F238E27FC236}">
-                <a16:creationId xmlns:a16="http://schemas.microsoft.com/office/drawing/2014/main" id="{EABE806A-F88E-4736-A74E-A28E8054CE48}"/>
-              </a:ext>
-            </a:extLst>
-          </p:cNvPr>
-          <p:cNvSpPr/>
-          <p:nvPr/>
-        </p:nvSpPr>
-        <p:spPr>
-          <a:xfrm>
-            <a:off x="4921227" y="3443405"/>
-            <a:ext cx="228600" cy="485540"/>
-          </a:xfrm>
-          <a:prstGeom prst="curvedRightArrow">
-            <a:avLst/>
-          </a:prstGeom>
-        </p:spPr>
-        <p:style>
-          <a:lnRef idx="2">
-            <a:schemeClr val="accent1">
-              <a:shade val="50000"/>
-            </a:schemeClr>
-          </a:lnRef>
-          <a:fillRef idx="1">
-            <a:schemeClr val="accent1"/>
-          </a:fillRef>
-          <a:effectRef idx="0">
-            <a:schemeClr val="accent1"/>
-          </a:effectRef>
-          <a:fontRef idx="minor">
-            <a:schemeClr val="lt1"/>
-          </a:fontRef>
-        </p:style>
-        <p:txBody>
-          <a:bodyPr rtlCol="0" anchor="ctr"/>
-          <a:lstStyle/>
-          <a:p>
-            <a:pPr algn="ctr"/>
-            <a:endParaRPr lang="en-US">
-              <a:solidFill>
-                <a:schemeClr val="tx1"/>
-              </a:solidFill>
-            </a:endParaRPr>
-          </a:p>
-        </p:txBody>
-      </p:sp>
-      <p:sp>
-        <p:nvSpPr>
-          <p:cNvPr id="6" name="Arrow: Curved Left 5">
-            <a:extLst>
-              <a:ext uri="{FF2B5EF4-FFF2-40B4-BE49-F238E27FC236}">
-                <a16:creationId xmlns:a16="http://schemas.microsoft.com/office/drawing/2014/main" id="{29D4C0EF-A93B-42EE-8EDD-06271083FBFB}"/>
-              </a:ext>
-            </a:extLst>
-          </p:cNvPr>
-          <p:cNvSpPr/>
-          <p:nvPr/>
-        </p:nvSpPr>
-        <p:spPr>
-          <a:xfrm>
-            <a:off x="5614319" y="3366126"/>
-            <a:ext cx="251792" cy="523120"/>
-          </a:xfrm>
-          <a:prstGeom prst="curvedLeftArrow">
-            <a:avLst/>
-          </a:prstGeom>
-        </p:spPr>
-        <p:style>
-          <a:lnRef idx="2">
-            <a:schemeClr val="accent1">
-              <a:shade val="50000"/>
-            </a:schemeClr>
-          </a:lnRef>
-          <a:fillRef idx="1">
-            <a:schemeClr val="accent1"/>
-          </a:fillRef>
-          <a:effectRef idx="0">
-            <a:schemeClr val="accent1"/>
-          </a:effectRef>
-          <a:fontRef idx="minor">
-            <a:schemeClr val="lt1"/>
-          </a:fontRef>
-        </p:style>
-        <p:txBody>
-          <a:bodyPr rtlCol="0" anchor="ctr"/>
-          <a:lstStyle/>
-          <a:p>
-            <a:pPr algn="ctr"/>
-            <a:endParaRPr lang="en-US">
-              <a:solidFill>
-                <a:schemeClr val="tx1"/>
-              </a:solidFill>
-            </a:endParaRPr>
-          </a:p>
-        </p:txBody>
-      </p:sp>
     </p:spTree>
     <p:extLst>
       <p:ext uri="{BB962C8B-B14F-4D97-AF65-F5344CB8AC3E}">
-        <p14:creationId xmlns:p14="http://schemas.microsoft.com/office/powerpoint/2010/main" val="2055049088"/>
+        <p14:creationId xmlns:p14="http://schemas.microsoft.com/office/powerpoint/2010/main" val="1143430906"/>
       </p:ext>
     </p:extLst>
   </p:cSld>
@@ -16779,8 +16841,8 @@
         </p:nvCxnSpPr>
         <p:spPr>
           <a:xfrm flipV="1">
-            <a:off x="3220646" y="3874065"/>
-            <a:ext cx="1709761" cy="1610511"/>
+            <a:off x="3308198" y="3920248"/>
+            <a:ext cx="1480556" cy="1603241"/>
           </a:xfrm>
           <a:prstGeom prst="straightConnector1">
             <a:avLst/>
@@ -18557,8 +18619,8 @@
         </p:nvCxnSpPr>
         <p:spPr>
           <a:xfrm flipH="1" flipV="1">
-            <a:off x="5274038" y="3225098"/>
-            <a:ext cx="517545" cy="1875114"/>
+            <a:off x="5292145" y="3225098"/>
+            <a:ext cx="445592" cy="1875114"/>
           </a:xfrm>
           <a:prstGeom prst="straightConnector1">
             <a:avLst/>
@@ -19909,7 +19971,7 @@
             </a:r>
             <a:r>
               <a:rPr lang="en-US" dirty="0"/>
-              <a:t> * sin (alpha-theta) 			– this result will be along the positive </a:t>
+              <a:t> * cos (alpha-theta)) 			– this result will be along the positive </a:t>
             </a:r>
             <a:r>
               <a:rPr lang="en-US" dirty="0" err="1"/>

--- a/vehicle forces.pptx
+++ b/vehicle forces.pptx
@@ -24,7 +24,6 @@
     <p:sldId id="283" r:id="rId18"/>
     <p:sldId id="272" r:id="rId19"/>
     <p:sldId id="273" r:id="rId20"/>
-    <p:sldId id="281" r:id="rId21"/>
   </p:sldIdLst>
   <p:sldSz cx="12192000" cy="6858000"/>
   <p:notesSz cx="6858000" cy="9144000"/>
@@ -12271,7 +12270,7 @@
         <p:spPr>
           <a:xfrm>
             <a:off x="217272" y="137492"/>
-            <a:ext cx="8420696" cy="2862322"/>
+            <a:ext cx="10249690" cy="3139321"/>
           </a:xfrm>
           <a:prstGeom prst="rect">
             <a:avLst/>
@@ -12314,7 +12313,7 @@
           <a:p>
             <a:r>
               <a:rPr lang="en-US" dirty="0"/>
-              <a:t>15x = (</a:t>
+              <a:t>15x = Max(0,(</a:t>
             </a:r>
             <a:r>
               <a:rPr lang="en-US" dirty="0" err="1"/>
@@ -12322,13 +12321,13 @@
             </a:r>
             <a:r>
               <a:rPr lang="en-US" dirty="0"/>
-              <a:t> * sin (alpha-theta)* cos(alpha – theta) + W1 * cos(alpha))* sin(alpha)</a:t>
-            </a:r>
-          </a:p>
-          <a:p>
-            <a:r>
-              <a:rPr lang="en-US" dirty="0"/>
-              <a:t>15y = (</a:t>
+              <a:t> * sin (alpha-theta)* cos(alpha – theta) + W1 * cos(alpha)),0) * sin(alpha)</a:t>
+            </a:r>
+          </a:p>
+          <a:p>
+            <a:r>
+              <a:rPr lang="en-US" dirty="0"/>
+              <a:t>15y = Max((</a:t>
             </a:r>
             <a:r>
               <a:rPr lang="en-US" dirty="0" err="1"/>
@@ -12336,13 +12335,16 @@
             </a:r>
             <a:r>
               <a:rPr lang="en-US" dirty="0"/>
-              <a:t> * sin (alpha-theta)* cos(alpha – theta) + W1 * cos(alpha))* cos(alpha)</a:t>
-            </a:r>
-          </a:p>
-          <a:p>
-            <a:r>
-              <a:rPr lang="en-US" dirty="0"/>
-              <a:t>16x = (</a:t>
+              <a:t> * sin (alpha-theta)* cos(alpha – theta) + W1 * cos(alpha)),0) * cos(alpha)</a:t>
+            </a:r>
+          </a:p>
+          <a:p>
+            <a:endParaRPr lang="en-US" dirty="0"/>
+          </a:p>
+          <a:p>
+            <a:r>
+              <a:rPr lang="en-US" dirty="0"/>
+              <a:t>16x = Max((</a:t>
             </a:r>
             <a:r>
               <a:rPr lang="en-US" dirty="0" err="1"/>
@@ -12350,13 +12352,13 @@
             </a:r>
             <a:r>
               <a:rPr lang="en-US" dirty="0"/>
-              <a:t> * cos(alpha-theta) * sin(90+beta-theta) + W2 * cos(beta))* sin(beta)</a:t>
-            </a:r>
-          </a:p>
-          <a:p>
-            <a:r>
-              <a:rPr lang="en-US" dirty="0"/>
-              <a:t>16y = (</a:t>
+              <a:t> * cos(alpha-theta) * sin(90+beta-theta) + W2 * cos(beta)),0) * sin(beta)</a:t>
+            </a:r>
+          </a:p>
+          <a:p>
+            <a:r>
+              <a:rPr lang="en-US" dirty="0"/>
+              <a:t>16y = Max((</a:t>
             </a:r>
             <a:r>
               <a:rPr lang="en-US" dirty="0" err="1"/>
@@ -12364,7 +12366,7 @@
             </a:r>
             <a:r>
               <a:rPr lang="en-US" dirty="0"/>
-              <a:t> * cos(alpha-theta) * sin(90+beta-theta) + W2 * cos(beta))* cos(beta)</a:t>
+              <a:t> * cos(alpha-theta) * sin(90+beta-theta) + W2 * cos(beta)),0) * cos(beta)</a:t>
             </a:r>
           </a:p>
           <a:p>
@@ -12378,7 +12380,7 @@
             </a:r>
             <a:r>
               <a:rPr lang="en-US" dirty="0"/>
-              <a:t> * cos (alpha-theta) * cos(beta-theta) + W2 * sin(beta)) 	* cos(beta)</a:t>
+              <a:t> * cos (alpha-theta) * cos(beta-theta) + W2 * sin(beta)) * cos(beta)</a:t>
             </a:r>
           </a:p>
           <a:p>
@@ -12392,7 +12394,7 @@
             </a:r>
             <a:r>
               <a:rPr lang="en-US" dirty="0"/>
-              <a:t> * cos (alpha-theta) * cos(beta-theta) + W2 * sin(beta)) 	* sin(beta)</a:t>
+              <a:t> * cos (alpha-theta) * cos(beta-theta) + W2 * sin(beta)) * sin(beta)</a:t>
             </a:r>
             <a:endParaRPr lang="en-US" b="1" dirty="0"/>
           </a:p>
@@ -12990,47 +12992,6 @@
       </p:sp>
       <p:sp>
         <p:nvSpPr>
-          <p:cNvPr id="18" name="TextBox 17">
-            <a:extLst>
-              <a:ext uri="{FF2B5EF4-FFF2-40B4-BE49-F238E27FC236}">
-                <a16:creationId xmlns:a16="http://schemas.microsoft.com/office/drawing/2014/main" id="{5DCF6378-8300-424B-8E82-E506650E4F8A}"/>
-              </a:ext>
-            </a:extLst>
-          </p:cNvPr>
-          <p:cNvSpPr txBox="1"/>
-          <p:nvPr/>
-        </p:nvSpPr>
-        <p:spPr>
-          <a:xfrm>
-            <a:off x="2104631" y="1085987"/>
-            <a:ext cx="8004820" cy="646331"/>
-          </a:xfrm>
-          <a:prstGeom prst="rect">
-            <a:avLst/>
-          </a:prstGeom>
-          <a:noFill/>
-        </p:spPr>
-        <p:txBody>
-          <a:bodyPr wrap="none" rtlCol="0">
-            <a:spAutoFit/>
-          </a:bodyPr>
-          <a:lstStyle/>
-          <a:p>
-            <a:r>
-              <a:rPr lang="en-US" dirty="0"/>
-              <a:t>These forces can be relocated to the CG of the vehicle</a:t>
-            </a:r>
-          </a:p>
-          <a:p>
-            <a:r>
-              <a:rPr lang="en-US" dirty="0"/>
-              <a:t>(but we will need to add a force couple which will be calculated by the ‘lever’ arms)</a:t>
-            </a:r>
-          </a:p>
-        </p:txBody>
-      </p:sp>
-      <p:sp>
-        <p:nvSpPr>
           <p:cNvPr id="20" name="Oval 19">
             <a:extLst>
               <a:ext uri="{FF2B5EF4-FFF2-40B4-BE49-F238E27FC236}">
@@ -13611,6 +13572,210 @@
           </a:fontRef>
         </p:style>
       </p:cxnSp>
+      <p:sp>
+        <p:nvSpPr>
+          <p:cNvPr id="23" name="TextBox 22">
+            <a:extLst>
+              <a:ext uri="{FF2B5EF4-FFF2-40B4-BE49-F238E27FC236}">
+                <a16:creationId xmlns:a16="http://schemas.microsoft.com/office/drawing/2014/main" id="{3338068C-1E0B-D148-A6E9-11D0345BE971}"/>
+              </a:ext>
+            </a:extLst>
+          </p:cNvPr>
+          <p:cNvSpPr txBox="1"/>
+          <p:nvPr/>
+        </p:nvSpPr>
+        <p:spPr>
+          <a:xfrm>
+            <a:off x="217272" y="137492"/>
+            <a:ext cx="10249690" cy="3139321"/>
+          </a:xfrm>
+          <a:prstGeom prst="rect">
+            <a:avLst/>
+          </a:prstGeom>
+          <a:noFill/>
+        </p:spPr>
+        <p:txBody>
+          <a:bodyPr wrap="square" rtlCol="0">
+            <a:spAutoFit/>
+          </a:bodyPr>
+          <a:lstStyle/>
+          <a:p>
+            <a:r>
+              <a:rPr lang="en-US" dirty="0"/>
+              <a:t>14x = (</a:t>
+            </a:r>
+            <a:r>
+              <a:rPr lang="en-US" dirty="0" err="1"/>
+              <a:t>Fout</a:t>
+            </a:r>
+            <a:r>
+              <a:rPr lang="en-US" dirty="0"/>
+              <a:t> * sin (alpha-theta)* sin(alpha– theta) +  W1 * sin(alpha))	* cos(alpha)</a:t>
+            </a:r>
+          </a:p>
+          <a:p>
+            <a:r>
+              <a:rPr lang="en-US" dirty="0"/>
+              <a:t>15x = Max(0,(</a:t>
+            </a:r>
+            <a:r>
+              <a:rPr lang="en-US" dirty="0" err="1"/>
+              <a:t>Fout</a:t>
+            </a:r>
+            <a:r>
+              <a:rPr lang="en-US" dirty="0"/>
+              <a:t> * sin (alpha-theta)* cos(alpha – theta) + W1 * cos(alpha)),0) * sin(alpha)</a:t>
+            </a:r>
+          </a:p>
+          <a:p>
+            <a:r>
+              <a:rPr lang="en-US" dirty="0"/>
+              <a:t>16x = Max((</a:t>
+            </a:r>
+            <a:r>
+              <a:rPr lang="en-US" dirty="0" err="1"/>
+              <a:t>Fout</a:t>
+            </a:r>
+            <a:r>
+              <a:rPr lang="en-US" dirty="0"/>
+              <a:t> * cos(alpha-theta) * sin(90+beta-theta) + W2 * cos(beta)),0) * sin(beta)</a:t>
+            </a:r>
+          </a:p>
+          <a:p>
+            <a:r>
+              <a:rPr lang="en-US" dirty="0"/>
+              <a:t>17x = (</a:t>
+            </a:r>
+            <a:r>
+              <a:rPr lang="en-US" dirty="0" err="1"/>
+              <a:t>Fout</a:t>
+            </a:r>
+            <a:r>
+              <a:rPr lang="en-US" dirty="0"/>
+              <a:t> * cos (alpha-theta) * cos(beta-theta) + W2 * sin(beta)) * cos(beta)</a:t>
+            </a:r>
+          </a:p>
+          <a:p>
+            <a:endParaRPr lang="en-US" dirty="0"/>
+          </a:p>
+          <a:p>
+            <a:r>
+              <a:rPr lang="en-US" dirty="0"/>
+              <a:t>14y = (</a:t>
+            </a:r>
+            <a:r>
+              <a:rPr lang="en-US" dirty="0" err="1"/>
+              <a:t>Fout</a:t>
+            </a:r>
+            <a:r>
+              <a:rPr lang="en-US" dirty="0"/>
+              <a:t> * sin (alpha-theta)* sin(alpha– theta) +  W1 * sin(alpha)) 	* sin(alpha)</a:t>
+            </a:r>
+          </a:p>
+          <a:p>
+            <a:r>
+              <a:rPr lang="en-US" dirty="0"/>
+              <a:t>15y = Max((</a:t>
+            </a:r>
+            <a:r>
+              <a:rPr lang="en-US" dirty="0" err="1"/>
+              <a:t>Fout</a:t>
+            </a:r>
+            <a:r>
+              <a:rPr lang="en-US" dirty="0"/>
+              <a:t> * sin (alpha-theta)* cos(alpha – theta) + W1 * cos(alpha)),0) * cos(alpha)</a:t>
+            </a:r>
+          </a:p>
+          <a:p>
+            <a:r>
+              <a:rPr lang="en-US" dirty="0"/>
+              <a:t>16y = Max((</a:t>
+            </a:r>
+            <a:r>
+              <a:rPr lang="en-US" dirty="0" err="1"/>
+              <a:t>Fout</a:t>
+            </a:r>
+            <a:r>
+              <a:rPr lang="en-US" dirty="0"/>
+              <a:t> * cos(alpha-theta) * sin(90+beta-theta) + W2 * cos(beta)),0) * cos(beta)</a:t>
+            </a:r>
+          </a:p>
+          <a:p>
+            <a:r>
+              <a:rPr lang="en-US" dirty="0"/>
+              <a:t>17y = (</a:t>
+            </a:r>
+            <a:r>
+              <a:rPr lang="en-US" dirty="0" err="1"/>
+              <a:t>Fout</a:t>
+            </a:r>
+            <a:r>
+              <a:rPr lang="en-US" dirty="0"/>
+              <a:t> * cos (alpha-theta) * cos(beta-theta) + W2 * sin(beta)) * sin(beta)</a:t>
+            </a:r>
+            <a:endParaRPr lang="en-US" b="1" dirty="0"/>
+          </a:p>
+          <a:p>
+            <a:endParaRPr lang="en-US" dirty="0"/>
+          </a:p>
+          <a:p>
+            <a:endParaRPr lang="en-US" dirty="0"/>
+          </a:p>
+        </p:txBody>
+      </p:sp>
+      <p:sp>
+        <p:nvSpPr>
+          <p:cNvPr id="2" name="TextBox 1">
+            <a:extLst>
+              <a:ext uri="{FF2B5EF4-FFF2-40B4-BE49-F238E27FC236}">
+                <a16:creationId xmlns:a16="http://schemas.microsoft.com/office/drawing/2014/main" id="{798C3D4E-C712-A549-9D48-4427170FCB2B}"/>
+              </a:ext>
+            </a:extLst>
+          </p:cNvPr>
+          <p:cNvSpPr txBox="1"/>
+          <p:nvPr/>
+        </p:nvSpPr>
+        <p:spPr>
+          <a:xfrm>
+            <a:off x="8117746" y="5016428"/>
+            <a:ext cx="3471720" cy="1200329"/>
+          </a:xfrm>
+          <a:prstGeom prst="rect">
+            <a:avLst/>
+          </a:prstGeom>
+          <a:noFill/>
+        </p:spPr>
+        <p:txBody>
+          <a:bodyPr wrap="none" rtlCol="0">
+            <a:spAutoFit/>
+          </a:bodyPr>
+          <a:lstStyle/>
+          <a:p>
+            <a:r>
+              <a:rPr lang="en-US" dirty="0"/>
+              <a:t>Sum the X direction forces</a:t>
+            </a:r>
+          </a:p>
+          <a:p>
+            <a:r>
+              <a:rPr lang="en-US" dirty="0"/>
+              <a:t>Sum the Y direction forces</a:t>
+            </a:r>
+          </a:p>
+          <a:p>
+            <a:r>
+              <a:rPr lang="en-US" dirty="0"/>
+              <a:t>Sum the clockwise torques</a:t>
+            </a:r>
+          </a:p>
+          <a:p>
+            <a:r>
+              <a:rPr lang="en-US" dirty="0"/>
+              <a:t>Sum the counter clockwise torques</a:t>
+            </a:r>
+          </a:p>
+        </p:txBody>
+      </p:sp>
     </p:spTree>
     <p:extLst>
       <p:ext uri="{BB962C8B-B14F-4D97-AF65-F5344CB8AC3E}">
@@ -13982,7 +14147,7 @@
         </p:nvSpPr>
         <p:spPr>
           <a:xfrm>
-            <a:off x="1087138" y="1132153"/>
+            <a:off x="424250" y="392851"/>
             <a:ext cx="9626994" cy="646331"/>
           </a:xfrm>
           <a:prstGeom prst="rect">
@@ -14372,6 +14537,61 @@
                 <a:schemeClr val="tx1"/>
               </a:solidFill>
             </a:endParaRPr>
+          </a:p>
+        </p:txBody>
+      </p:sp>
+      <p:sp>
+        <p:nvSpPr>
+          <p:cNvPr id="17" name="TextBox 16">
+            <a:extLst>
+              <a:ext uri="{FF2B5EF4-FFF2-40B4-BE49-F238E27FC236}">
+                <a16:creationId xmlns:a16="http://schemas.microsoft.com/office/drawing/2014/main" id="{1E29AF97-C8CF-374C-8C0C-815305074C77}"/>
+              </a:ext>
+            </a:extLst>
+          </p:cNvPr>
+          <p:cNvSpPr txBox="1"/>
+          <p:nvPr/>
+        </p:nvSpPr>
+        <p:spPr>
+          <a:xfrm>
+            <a:off x="1528324" y="1423801"/>
+            <a:ext cx="8423781" cy="923330"/>
+          </a:xfrm>
+          <a:prstGeom prst="rect">
+            <a:avLst/>
+          </a:prstGeom>
+          <a:noFill/>
+        </p:spPr>
+        <p:txBody>
+          <a:bodyPr wrap="none" rtlCol="0">
+            <a:spAutoFit/>
+          </a:bodyPr>
+          <a:lstStyle/>
+          <a:p>
+            <a:r>
+              <a:rPr lang="en-US" dirty="0"/>
+              <a:t>Use sum of X forces to calculate x component of linear acceleration</a:t>
+            </a:r>
+          </a:p>
+          <a:p>
+            <a:r>
+              <a:rPr lang="en-US" dirty="0"/>
+              <a:t>Use sum of Y forces to </a:t>
+            </a:r>
+            <a:r>
+              <a:rPr lang="en-US" dirty="0" err="1"/>
+              <a:t>calcualate</a:t>
+            </a:r>
+            <a:r>
+              <a:rPr lang="en-US" dirty="0"/>
+              <a:t> y components of linear acceleration</a:t>
+            </a:r>
+          </a:p>
+          <a:p>
+            <a:r>
+              <a:rPr lang="en-US" dirty="0"/>
+              <a:t>Use clockwise-counter clockwise torques to calculate the clockwise angular acceleration</a:t>
+            </a:r>
           </a:p>
         </p:txBody>
       </p:sp>
@@ -15042,110 +15262,6 @@
     <p:extLst>
       <p:ext uri="{BB962C8B-B14F-4D97-AF65-F5344CB8AC3E}">
         <p14:creationId xmlns:p14="http://schemas.microsoft.com/office/powerpoint/2010/main" val="3265621994"/>
-      </p:ext>
-    </p:extLst>
-  </p:cSld>
-  <p:clrMapOvr>
-    <a:masterClrMapping/>
-  </p:clrMapOvr>
-</p:sld>
-</file>
-
-<file path=ppt/slides/slide20.xml><?xml version="1.0" encoding="utf-8"?>
-<p:sld xmlns:a="http://schemas.openxmlformats.org/drawingml/2006/main" xmlns:r="http://schemas.openxmlformats.org/officeDocument/2006/relationships" xmlns:p="http://schemas.openxmlformats.org/presentationml/2006/main">
-  <p:cSld>
-    <p:spTree>
-      <p:nvGrpSpPr>
-        <p:cNvPr id="1" name=""/>
-        <p:cNvGrpSpPr/>
-        <p:nvPr/>
-      </p:nvGrpSpPr>
-      <p:grpSpPr>
-        <a:xfrm>
-          <a:off x="0" y="0"/>
-          <a:ext cx="0" cy="0"/>
-          <a:chOff x="0" y="0"/>
-          <a:chExt cx="0" cy="0"/>
-        </a:xfrm>
-      </p:grpSpPr>
-      <p:cxnSp>
-        <p:nvCxnSpPr>
-          <p:cNvPr id="5" name="Straight Connector 4">
-            <a:extLst>
-              <a:ext uri="{FF2B5EF4-FFF2-40B4-BE49-F238E27FC236}">
-                <a16:creationId xmlns:a16="http://schemas.microsoft.com/office/drawing/2014/main" id="{36C174B4-F53C-7D4A-BC68-FE7F1D058050}"/>
-              </a:ext>
-            </a:extLst>
-          </p:cNvPr>
-          <p:cNvCxnSpPr/>
-          <p:nvPr/>
-        </p:nvCxnSpPr>
-        <p:spPr>
-          <a:xfrm>
-            <a:off x="4494179" y="758757"/>
-            <a:ext cx="0" cy="5321030"/>
-          </a:xfrm>
-          <a:prstGeom prst="line">
-            <a:avLst/>
-          </a:prstGeom>
-        </p:spPr>
-        <p:style>
-          <a:lnRef idx="1">
-            <a:schemeClr val="accent1"/>
-          </a:lnRef>
-          <a:fillRef idx="0">
-            <a:schemeClr val="accent1"/>
-          </a:fillRef>
-          <a:effectRef idx="0">
-            <a:schemeClr val="accent1"/>
-          </a:effectRef>
-          <a:fontRef idx="minor">
-            <a:schemeClr val="tx1"/>
-          </a:fontRef>
-        </p:style>
-      </p:cxnSp>
-      <p:cxnSp>
-        <p:nvCxnSpPr>
-          <p:cNvPr id="6" name="Straight Connector 5">
-            <a:extLst>
-              <a:ext uri="{FF2B5EF4-FFF2-40B4-BE49-F238E27FC236}">
-                <a16:creationId xmlns:a16="http://schemas.microsoft.com/office/drawing/2014/main" id="{228B1AC0-F11E-9C48-A888-C43D0C551F12}"/>
-              </a:ext>
-            </a:extLst>
-          </p:cNvPr>
-          <p:cNvCxnSpPr>
-            <a:cxnSpLocks/>
-          </p:cNvCxnSpPr>
-          <p:nvPr/>
-        </p:nvCxnSpPr>
-        <p:spPr>
-          <a:xfrm>
-            <a:off x="2110902" y="3015574"/>
-            <a:ext cx="5077838" cy="0"/>
-          </a:xfrm>
-          <a:prstGeom prst="line">
-            <a:avLst/>
-          </a:prstGeom>
-        </p:spPr>
-        <p:style>
-          <a:lnRef idx="1">
-            <a:schemeClr val="accent1"/>
-          </a:lnRef>
-          <a:fillRef idx="0">
-            <a:schemeClr val="accent1"/>
-          </a:fillRef>
-          <a:effectRef idx="0">
-            <a:schemeClr val="accent1"/>
-          </a:effectRef>
-          <a:fontRef idx="minor">
-            <a:schemeClr val="tx1"/>
-          </a:fontRef>
-        </p:style>
-      </p:cxnSp>
-    </p:spTree>
-    <p:extLst>
-      <p:ext uri="{BB962C8B-B14F-4D97-AF65-F5344CB8AC3E}">
-        <p14:creationId xmlns:p14="http://schemas.microsoft.com/office/powerpoint/2010/main" val="1143430906"/>
       </p:ext>
     </p:extLst>
   </p:cSld>

--- a/vehicle forces.pptx
+++ b/vehicle forces.pptx
@@ -11,19 +11,20 @@
     <p:sldId id="278" r:id="rId5"/>
     <p:sldId id="279" r:id="rId6"/>
     <p:sldId id="280" r:id="rId7"/>
-    <p:sldId id="257" r:id="rId8"/>
-    <p:sldId id="258" r:id="rId9"/>
-    <p:sldId id="259" r:id="rId10"/>
-    <p:sldId id="260" r:id="rId11"/>
-    <p:sldId id="274" r:id="rId12"/>
-    <p:sldId id="263" r:id="rId13"/>
-    <p:sldId id="264" r:id="rId14"/>
-    <p:sldId id="282" r:id="rId15"/>
-    <p:sldId id="268" r:id="rId16"/>
-    <p:sldId id="269" r:id="rId17"/>
-    <p:sldId id="283" r:id="rId18"/>
-    <p:sldId id="272" r:id="rId19"/>
-    <p:sldId id="273" r:id="rId20"/>
+    <p:sldId id="284" r:id="rId8"/>
+    <p:sldId id="257" r:id="rId9"/>
+    <p:sldId id="258" r:id="rId10"/>
+    <p:sldId id="259" r:id="rId11"/>
+    <p:sldId id="260" r:id="rId12"/>
+    <p:sldId id="274" r:id="rId13"/>
+    <p:sldId id="263" r:id="rId14"/>
+    <p:sldId id="264" r:id="rId15"/>
+    <p:sldId id="282" r:id="rId16"/>
+    <p:sldId id="268" r:id="rId17"/>
+    <p:sldId id="269" r:id="rId18"/>
+    <p:sldId id="283" r:id="rId19"/>
+    <p:sldId id="272" r:id="rId20"/>
+    <p:sldId id="273" r:id="rId21"/>
   </p:sldIdLst>
   <p:sldSz cx="12192000" cy="6858000"/>
   <p:notesSz cx="6858000" cy="9144000"/>
@@ -277,7 +278,7 @@
           <a:p>
             <a:fld id="{96DFC8BC-9833-445E-8087-9E2B159065C8}" type="datetimeFigureOut">
               <a:rPr lang="en-US" smtClean="0"/>
-              <a:t>2/6/19</a:t>
+              <a:t>2/7/19</a:t>
             </a:fld>
             <a:endParaRPr lang="en-US"/>
           </a:p>
@@ -475,7 +476,7 @@
           <a:p>
             <a:fld id="{96DFC8BC-9833-445E-8087-9E2B159065C8}" type="datetimeFigureOut">
               <a:rPr lang="en-US" smtClean="0"/>
-              <a:t>2/6/19</a:t>
+              <a:t>2/7/19</a:t>
             </a:fld>
             <a:endParaRPr lang="en-US"/>
           </a:p>
@@ -683,7 +684,7 @@
           <a:p>
             <a:fld id="{96DFC8BC-9833-445E-8087-9E2B159065C8}" type="datetimeFigureOut">
               <a:rPr lang="en-US" smtClean="0"/>
-              <a:t>2/6/19</a:t>
+              <a:t>2/7/19</a:t>
             </a:fld>
             <a:endParaRPr lang="en-US"/>
           </a:p>
@@ -881,7 +882,7 @@
           <a:p>
             <a:fld id="{96DFC8BC-9833-445E-8087-9E2B159065C8}" type="datetimeFigureOut">
               <a:rPr lang="en-US" smtClean="0"/>
-              <a:t>2/6/19</a:t>
+              <a:t>2/7/19</a:t>
             </a:fld>
             <a:endParaRPr lang="en-US"/>
           </a:p>
@@ -1156,7 +1157,7 @@
           <a:p>
             <a:fld id="{96DFC8BC-9833-445E-8087-9E2B159065C8}" type="datetimeFigureOut">
               <a:rPr lang="en-US" smtClean="0"/>
-              <a:t>2/6/19</a:t>
+              <a:t>2/7/19</a:t>
             </a:fld>
             <a:endParaRPr lang="en-US"/>
           </a:p>
@@ -1421,7 +1422,7 @@
           <a:p>
             <a:fld id="{96DFC8BC-9833-445E-8087-9E2B159065C8}" type="datetimeFigureOut">
               <a:rPr lang="en-US" smtClean="0"/>
-              <a:t>2/6/19</a:t>
+              <a:t>2/7/19</a:t>
             </a:fld>
             <a:endParaRPr lang="en-US"/>
           </a:p>
@@ -1833,7 +1834,7 @@
           <a:p>
             <a:fld id="{96DFC8BC-9833-445E-8087-9E2B159065C8}" type="datetimeFigureOut">
               <a:rPr lang="en-US" smtClean="0"/>
-              <a:t>2/6/19</a:t>
+              <a:t>2/7/19</a:t>
             </a:fld>
             <a:endParaRPr lang="en-US"/>
           </a:p>
@@ -1974,7 +1975,7 @@
           <a:p>
             <a:fld id="{96DFC8BC-9833-445E-8087-9E2B159065C8}" type="datetimeFigureOut">
               <a:rPr lang="en-US" smtClean="0"/>
-              <a:t>2/6/19</a:t>
+              <a:t>2/7/19</a:t>
             </a:fld>
             <a:endParaRPr lang="en-US"/>
           </a:p>
@@ -2087,7 +2088,7 @@
           <a:p>
             <a:fld id="{96DFC8BC-9833-445E-8087-9E2B159065C8}" type="datetimeFigureOut">
               <a:rPr lang="en-US" smtClean="0"/>
-              <a:t>2/6/19</a:t>
+              <a:t>2/7/19</a:t>
             </a:fld>
             <a:endParaRPr lang="en-US"/>
           </a:p>
@@ -2398,7 +2399,7 @@
           <a:p>
             <a:fld id="{96DFC8BC-9833-445E-8087-9E2B159065C8}" type="datetimeFigureOut">
               <a:rPr lang="en-US" smtClean="0"/>
-              <a:t>2/6/19</a:t>
+              <a:t>2/7/19</a:t>
             </a:fld>
             <a:endParaRPr lang="en-US"/>
           </a:p>
@@ -2686,7 +2687,7 @@
           <a:p>
             <a:fld id="{96DFC8BC-9833-445E-8087-9E2B159065C8}" type="datetimeFigureOut">
               <a:rPr lang="en-US" smtClean="0"/>
-              <a:t>2/6/19</a:t>
+              <a:t>2/7/19</a:t>
             </a:fld>
             <a:endParaRPr lang="en-US"/>
           </a:p>
@@ -2927,7 +2928,7 @@
           <a:p>
             <a:fld id="{96DFC8BC-9833-445E-8087-9E2B159065C8}" type="datetimeFigureOut">
               <a:rPr lang="en-US" smtClean="0"/>
-              <a:t>2/6/19</a:t>
+              <a:t>2/7/19</a:t>
             </a:fld>
             <a:endParaRPr lang="en-US"/>
           </a:p>
@@ -3942,59 +3943,6 @@
           </a:p>
         </p:txBody>
       </p:sp>
-      <p:sp>
-        <p:nvSpPr>
-          <p:cNvPr id="17" name="TextBox 16">
-            <a:extLst>
-              <a:ext uri="{FF2B5EF4-FFF2-40B4-BE49-F238E27FC236}">
-                <a16:creationId xmlns:a16="http://schemas.microsoft.com/office/drawing/2014/main" id="{AC787FDB-2D6A-0946-AF3D-348952272B33}"/>
-              </a:ext>
-            </a:extLst>
-          </p:cNvPr>
-          <p:cNvSpPr txBox="1"/>
-          <p:nvPr/>
-        </p:nvSpPr>
-        <p:spPr>
-          <a:xfrm>
-            <a:off x="6702552" y="850392"/>
-            <a:ext cx="3864456" cy="1200329"/>
-          </a:xfrm>
-          <a:prstGeom prst="rect">
-            <a:avLst/>
-          </a:prstGeom>
-          <a:noFill/>
-        </p:spPr>
-        <p:txBody>
-          <a:bodyPr wrap="none" rtlCol="0">
-            <a:spAutoFit/>
-          </a:bodyPr>
-          <a:lstStyle/>
-          <a:p>
-            <a:r>
-              <a:rPr lang="en-US" i="1" dirty="0"/>
-              <a:t>NOTE: We need to consider</a:t>
-            </a:r>
-          </a:p>
-          <a:p>
-            <a:r>
-              <a:rPr lang="en-US" i="1" dirty="0"/>
-              <a:t>The effect of the angles on the ‘signs’</a:t>
-            </a:r>
-          </a:p>
-          <a:p>
-            <a:r>
-              <a:rPr lang="en-US" i="1" dirty="0"/>
-              <a:t>Of of the forces – when should we add,</a:t>
-            </a:r>
-          </a:p>
-          <a:p>
-            <a:r>
-              <a:rPr lang="en-US" i="1" dirty="0"/>
-              <a:t>When should we subtract???</a:t>
-            </a:r>
-          </a:p>
-        </p:txBody>
-      </p:sp>
     </p:spTree>
     <p:extLst>
       <p:ext uri="{BB962C8B-B14F-4D97-AF65-F5344CB8AC3E}">
@@ -4118,7 +4066,7 @@
           <a:lstStyle/>
           <a:p>
             <a:pPr algn="ctr"/>
-            <a:endParaRPr lang="en-US" dirty="0"/>
+            <a:endParaRPr lang="en-US"/>
           </a:p>
         </p:txBody>
       </p:sp>
@@ -4368,8 +4316,8 @@
         </p:nvCxnSpPr>
         <p:spPr>
           <a:xfrm flipH="1" flipV="1">
-            <a:off x="4037107" y="4011028"/>
-            <a:ext cx="89724" cy="597069"/>
+            <a:off x="4050631" y="3914775"/>
+            <a:ext cx="76200" cy="693321"/>
           </a:xfrm>
           <a:prstGeom prst="straightConnector1">
             <a:avLst/>
@@ -4454,8 +4402,8 @@
         </p:nvSpPr>
         <p:spPr>
           <a:xfrm>
-            <a:off x="6384793" y="5181600"/>
-            <a:ext cx="5807207" cy="1661993"/>
+            <a:off x="3297491" y="1655749"/>
+            <a:ext cx="8480591" cy="369332"/>
           </a:xfrm>
           <a:prstGeom prst="rect">
             <a:avLst/>
@@ -4463,219 +4411,24 @@
           <a:noFill/>
         </p:spPr>
         <p:txBody>
-          <a:bodyPr wrap="square" rtlCol="0">
+          <a:bodyPr wrap="none" rtlCol="0">
             <a:spAutoFit/>
           </a:bodyPr>
           <a:lstStyle/>
           <a:p>
             <a:r>
               <a:rPr lang="en-US" dirty="0"/>
-              <a:t>Both of these forces can then be broken into 2 components</a:t>
-            </a:r>
-          </a:p>
-          <a:p>
-            <a:r>
-              <a:rPr lang="en-US" dirty="0"/>
-              <a:t>1 parallel to the ground at the contact point. </a:t>
-            </a:r>
-          </a:p>
-          <a:p>
-            <a:r>
-              <a:rPr lang="en-US" dirty="0"/>
-              <a:t>1 perpendicular to the ground at the contact point.</a:t>
-            </a:r>
-          </a:p>
-          <a:p>
-            <a:r>
-              <a:rPr lang="en-US" sz="1600" dirty="0"/>
-              <a:t>(note the angle of the ground may be different at each wheel the forces on each axle should match the angle of the ground for the wheel attached to that axle)</a:t>
-            </a:r>
-          </a:p>
-        </p:txBody>
-      </p:sp>
-      <p:cxnSp>
-        <p:nvCxnSpPr>
-          <p:cNvPr id="24" name="Straight Arrow Connector 23">
-            <a:extLst>
-              <a:ext uri="{FF2B5EF4-FFF2-40B4-BE49-F238E27FC236}">
-                <a16:creationId xmlns:a16="http://schemas.microsoft.com/office/drawing/2014/main" id="{F50A586A-1E0D-4304-84D3-24073D0D449F}"/>
-              </a:ext>
-            </a:extLst>
-          </p:cNvPr>
-          <p:cNvCxnSpPr>
-            <a:cxnSpLocks/>
-          </p:cNvCxnSpPr>
-          <p:nvPr/>
-        </p:nvCxnSpPr>
-        <p:spPr>
-          <a:xfrm flipH="1" flipV="1">
-            <a:off x="3617494" y="4147386"/>
-            <a:ext cx="515139" cy="468732"/>
-          </a:xfrm>
-          <a:prstGeom prst="straightConnector1">
-            <a:avLst/>
-          </a:prstGeom>
-          <a:ln w="44450">
-            <a:solidFill>
-              <a:schemeClr val="accent2"/>
-            </a:solidFill>
-            <a:tailEnd type="triangle"/>
-          </a:ln>
-        </p:spPr>
-        <p:style>
-          <a:lnRef idx="1">
-            <a:schemeClr val="accent1"/>
-          </a:lnRef>
-          <a:fillRef idx="0">
-            <a:schemeClr val="accent1"/>
-          </a:fillRef>
-          <a:effectRef idx="0">
-            <a:schemeClr val="accent1"/>
-          </a:effectRef>
-          <a:fontRef idx="minor">
-            <a:schemeClr val="tx1"/>
-          </a:fontRef>
-        </p:style>
-      </p:cxnSp>
-      <p:cxnSp>
-        <p:nvCxnSpPr>
-          <p:cNvPr id="26" name="Straight Arrow Connector 25">
-            <a:extLst>
-              <a:ext uri="{FF2B5EF4-FFF2-40B4-BE49-F238E27FC236}">
-                <a16:creationId xmlns:a16="http://schemas.microsoft.com/office/drawing/2014/main" id="{13F14664-F20C-4C4B-9589-A38B833D7D0A}"/>
-              </a:ext>
-            </a:extLst>
-          </p:cNvPr>
-          <p:cNvCxnSpPr>
-            <a:cxnSpLocks/>
-          </p:cNvCxnSpPr>
-          <p:nvPr/>
-        </p:nvCxnSpPr>
-        <p:spPr>
-          <a:xfrm flipV="1">
-            <a:off x="4116376" y="4284436"/>
-            <a:ext cx="298742" cy="331680"/>
-          </a:xfrm>
-          <a:prstGeom prst="straightConnector1">
-            <a:avLst/>
-          </a:prstGeom>
-          <a:ln w="44450">
-            <a:solidFill>
-              <a:schemeClr val="accent2"/>
-            </a:solidFill>
-            <a:tailEnd type="triangle"/>
-          </a:ln>
-        </p:spPr>
-        <p:style>
-          <a:lnRef idx="1">
-            <a:schemeClr val="accent1"/>
-          </a:lnRef>
-          <a:fillRef idx="0">
-            <a:schemeClr val="accent1"/>
-          </a:fillRef>
-          <a:effectRef idx="0">
-            <a:schemeClr val="accent1"/>
-          </a:effectRef>
-          <a:fontRef idx="minor">
-            <a:schemeClr val="tx1"/>
-          </a:fontRef>
-        </p:style>
-      </p:cxnSp>
-      <p:cxnSp>
-        <p:nvCxnSpPr>
-          <p:cNvPr id="29" name="Straight Arrow Connector 28">
-            <a:extLst>
-              <a:ext uri="{FF2B5EF4-FFF2-40B4-BE49-F238E27FC236}">
-                <a16:creationId xmlns:a16="http://schemas.microsoft.com/office/drawing/2014/main" id="{A36411CA-398C-4747-92A6-88A63F72493B}"/>
-              </a:ext>
-            </a:extLst>
-          </p:cNvPr>
-          <p:cNvCxnSpPr>
-            <a:cxnSpLocks/>
-            <a:endCxn id="9" idx="0"/>
-          </p:cNvCxnSpPr>
-          <p:nvPr/>
-        </p:nvCxnSpPr>
-        <p:spPr>
-          <a:xfrm>
-            <a:off x="6971921" y="4076219"/>
-            <a:ext cx="716709" cy="383665"/>
-          </a:xfrm>
-          <a:prstGeom prst="straightConnector1">
-            <a:avLst/>
-          </a:prstGeom>
-          <a:ln w="44450">
-            <a:solidFill>
-              <a:schemeClr val="accent2"/>
-            </a:solidFill>
-            <a:tailEnd type="triangle"/>
-          </a:ln>
-        </p:spPr>
-        <p:style>
-          <a:lnRef idx="1">
-            <a:schemeClr val="accent1"/>
-          </a:lnRef>
-          <a:fillRef idx="0">
-            <a:schemeClr val="accent1"/>
-          </a:fillRef>
-          <a:effectRef idx="0">
-            <a:schemeClr val="accent1"/>
-          </a:effectRef>
-          <a:fontRef idx="minor">
-            <a:schemeClr val="tx1"/>
-          </a:fontRef>
-        </p:style>
-      </p:cxnSp>
-      <p:cxnSp>
-        <p:nvCxnSpPr>
-          <p:cNvPr id="31" name="Straight Arrow Connector 30">
-            <a:extLst>
-              <a:ext uri="{FF2B5EF4-FFF2-40B4-BE49-F238E27FC236}">
-                <a16:creationId xmlns:a16="http://schemas.microsoft.com/office/drawing/2014/main" id="{AD038506-55C1-4874-B057-B99FE232635B}"/>
-              </a:ext>
-            </a:extLst>
-          </p:cNvPr>
-          <p:cNvCxnSpPr>
-            <a:cxnSpLocks/>
-          </p:cNvCxnSpPr>
-          <p:nvPr/>
-        </p:nvCxnSpPr>
-        <p:spPr>
-          <a:xfrm flipV="1">
-            <a:off x="6974825" y="3556467"/>
-            <a:ext cx="315416" cy="516856"/>
-          </a:xfrm>
-          <a:prstGeom prst="straightConnector1">
-            <a:avLst/>
-          </a:prstGeom>
-          <a:ln w="44450">
-            <a:solidFill>
-              <a:schemeClr val="accent2"/>
-            </a:solidFill>
-            <a:tailEnd type="triangle"/>
-          </a:ln>
-        </p:spPr>
-        <p:style>
-          <a:lnRef idx="1">
-            <a:schemeClr val="accent1"/>
-          </a:lnRef>
-          <a:fillRef idx="0">
-            <a:schemeClr val="accent1"/>
-          </a:fillRef>
-          <a:effectRef idx="0">
-            <a:schemeClr val="accent1"/>
-          </a:effectRef>
-          <a:fontRef idx="minor">
-            <a:schemeClr val="tx1"/>
-          </a:fontRef>
-        </p:style>
-      </p:cxnSp>
-      <p:sp>
-        <p:nvSpPr>
-          <p:cNvPr id="34" name="Oval 33">
-            <a:extLst>
-              <a:ext uri="{FF2B5EF4-FFF2-40B4-BE49-F238E27FC236}">
-                <a16:creationId xmlns:a16="http://schemas.microsoft.com/office/drawing/2014/main" id="{D410BB44-5312-4F99-B672-A6A153CEAB17}"/>
+              <a:t>The force pointing at the front axle can be relocated (along it’s line of action) to that axle</a:t>
+            </a:r>
+          </a:p>
+        </p:txBody>
+      </p:sp>
+      <p:sp>
+        <p:nvSpPr>
+          <p:cNvPr id="13" name="Oval 12">
+            <a:extLst>
+              <a:ext uri="{FF2B5EF4-FFF2-40B4-BE49-F238E27FC236}">
+                <a16:creationId xmlns:a16="http://schemas.microsoft.com/office/drawing/2014/main" id="{CA3FF197-3B69-4EAD-AA3F-1AE490DBFD1B}"/>
               </a:ext>
             </a:extLst>
           </p:cNvPr>
@@ -4727,7 +4480,7 @@
           <p:cNvPr id="17" name="TextBox 16">
             <a:extLst>
               <a:ext uri="{FF2B5EF4-FFF2-40B4-BE49-F238E27FC236}">
-                <a16:creationId xmlns:a16="http://schemas.microsoft.com/office/drawing/2014/main" id="{7B3937AB-B6D4-5C4A-9CB1-CC2CC41B5C8D}"/>
+                <a16:creationId xmlns:a16="http://schemas.microsoft.com/office/drawing/2014/main" id="{74E50AFA-DD04-B64A-9EB2-FF4C4EEA3FA6}"/>
               </a:ext>
             </a:extLst>
           </p:cNvPr>
@@ -4736,175 +4489,8 @@
         </p:nvSpPr>
         <p:spPr>
           <a:xfrm>
-            <a:off x="321012" y="544749"/>
-            <a:ext cx="10757295" cy="2585323"/>
-          </a:xfrm>
-          <a:prstGeom prst="rect">
-            <a:avLst/>
-          </a:prstGeom>
-          <a:noFill/>
-        </p:spPr>
-        <p:txBody>
-          <a:bodyPr wrap="square" rtlCol="0">
-            <a:spAutoFit/>
-          </a:bodyPr>
-          <a:lstStyle/>
-          <a:p>
-            <a:r>
-              <a:rPr lang="en-US" dirty="0"/>
-              <a:t>2 = </a:t>
-            </a:r>
-            <a:r>
-              <a:rPr lang="en-US" dirty="0" err="1"/>
-              <a:t>Fout</a:t>
-            </a:r>
-            <a:r>
-              <a:rPr lang="en-US" dirty="0"/>
-              <a:t> * sin (alpha-theta)					- along the positive </a:t>
-            </a:r>
-            <a:r>
-              <a:rPr lang="en-US" dirty="0" err="1"/>
-              <a:t>Ywheelbase</a:t>
-            </a:r>
-            <a:r>
-              <a:rPr lang="en-US" dirty="0"/>
-              <a:t> axis</a:t>
-            </a:r>
-          </a:p>
-          <a:p>
-            <a:r>
-              <a:rPr lang="en-US" dirty="0"/>
-              <a:t>3b = </a:t>
-            </a:r>
-            <a:r>
-              <a:rPr lang="en-US" dirty="0" err="1"/>
-              <a:t>Fout</a:t>
-            </a:r>
-            <a:r>
-              <a:rPr lang="en-US" dirty="0"/>
-              <a:t> * cos (alpha-theta)					- along the positive </a:t>
-            </a:r>
-            <a:r>
-              <a:rPr lang="en-US" dirty="0" err="1"/>
-              <a:t>Xwheelbase</a:t>
-            </a:r>
-            <a:r>
-              <a:rPr lang="en-US" dirty="0"/>
-              <a:t> axis</a:t>
-            </a:r>
-          </a:p>
-          <a:p>
-            <a:endParaRPr lang="en-US" dirty="0"/>
-          </a:p>
-          <a:p>
-            <a:r>
-              <a:rPr lang="en-US" dirty="0"/>
-              <a:t>4 = </a:t>
-            </a:r>
-            <a:r>
-              <a:rPr lang="en-US" dirty="0" err="1"/>
-              <a:t>Fout</a:t>
-            </a:r>
-            <a:r>
-              <a:rPr lang="en-US" dirty="0"/>
-              <a:t> * sin (alpha-theta)* cos(alpha–theta)			-along positive </a:t>
-            </a:r>
-            <a:r>
-              <a:rPr lang="en-US" dirty="0" err="1"/>
-              <a:t>Yalpha</a:t>
-            </a:r>
-            <a:r>
-              <a:rPr lang="en-US" dirty="0"/>
-              <a:t> axis</a:t>
-            </a:r>
-          </a:p>
-          <a:p>
-            <a:r>
-              <a:rPr lang="en-US" dirty="0"/>
-              <a:t>5 = </a:t>
-            </a:r>
-            <a:r>
-              <a:rPr lang="en-US" dirty="0" err="1"/>
-              <a:t>Fout</a:t>
-            </a:r>
-            <a:r>
-              <a:rPr lang="en-US" dirty="0"/>
-              <a:t> * sin (alpha-theta)* sin(alpha-theta)			-along positive </a:t>
-            </a:r>
-            <a:r>
-              <a:rPr lang="en-US" dirty="0" err="1"/>
-              <a:t>Xalpha</a:t>
-            </a:r>
-            <a:r>
-              <a:rPr lang="en-US" dirty="0"/>
-              <a:t> axis	</a:t>
-            </a:r>
-          </a:p>
-          <a:p>
-            <a:endParaRPr lang="en-US" dirty="0"/>
-          </a:p>
-          <a:p>
-            <a:r>
-              <a:rPr lang="en-US" dirty="0"/>
-              <a:t>6 = </a:t>
-            </a:r>
-            <a:r>
-              <a:rPr lang="en-US" dirty="0" err="1"/>
-              <a:t>Fout</a:t>
-            </a:r>
-            <a:r>
-              <a:rPr lang="en-US" dirty="0"/>
-              <a:t> * cos (alpha-theta) * cos(beta-theta)			-along positive </a:t>
-            </a:r>
-            <a:r>
-              <a:rPr lang="en-US" dirty="0" err="1"/>
-              <a:t>Xbeta</a:t>
-            </a:r>
-            <a:r>
-              <a:rPr lang="en-US" dirty="0"/>
-              <a:t> axis</a:t>
-            </a:r>
-          </a:p>
-          <a:p>
-            <a:r>
-              <a:rPr lang="en-US" dirty="0"/>
-              <a:t>7 = </a:t>
-            </a:r>
-            <a:r>
-              <a:rPr lang="en-US" dirty="0" err="1"/>
-              <a:t>Fout</a:t>
-            </a:r>
-            <a:r>
-              <a:rPr lang="en-US" dirty="0"/>
-              <a:t> * cos(alpha-theta) * cos(90+beta-theta)			-along positive </a:t>
-            </a:r>
-            <a:r>
-              <a:rPr lang="en-US" dirty="0" err="1"/>
-              <a:t>Ybeta</a:t>
-            </a:r>
-            <a:r>
-              <a:rPr lang="en-US" dirty="0"/>
-              <a:t> axis (negative value 										into road)</a:t>
-            </a:r>
-          </a:p>
-        </p:txBody>
-      </p:sp>
-      <p:sp>
-        <p:nvSpPr>
-          <p:cNvPr id="2" name="TextBox 1">
-            <a:extLst>
-              <a:ext uri="{FF2B5EF4-FFF2-40B4-BE49-F238E27FC236}">
-                <a16:creationId xmlns:a16="http://schemas.microsoft.com/office/drawing/2014/main" id="{BC82E129-44D1-B24F-B5A8-1E2D89C0A13C}"/>
-              </a:ext>
-            </a:extLst>
-          </p:cNvPr>
-          <p:cNvSpPr txBox="1"/>
-          <p:nvPr/>
-        </p:nvSpPr>
-        <p:spPr>
-          <a:xfrm>
-            <a:off x="3326860" y="4147386"/>
-            <a:ext cx="301686" cy="369332"/>
+            <a:off x="321013" y="544749"/>
+            <a:ext cx="10010946" cy="646331"/>
           </a:xfrm>
           <a:prstGeom prst="rect">
             <a:avLst/>
@@ -4919,17 +4505,55 @@
           <a:p>
             <a:r>
               <a:rPr lang="en-US" dirty="0"/>
-              <a:t>4</a:t>
-            </a:r>
-          </a:p>
-        </p:txBody>
-      </p:sp>
-      <p:sp>
-        <p:nvSpPr>
-          <p:cNvPr id="3" name="TextBox 2">
-            <a:extLst>
-              <a:ext uri="{FF2B5EF4-FFF2-40B4-BE49-F238E27FC236}">
-                <a16:creationId xmlns:a16="http://schemas.microsoft.com/office/drawing/2014/main" id="{6D981DDA-9099-6F4E-8FA7-DCD7320CF0BF}"/>
+              <a:t>2 = </a:t>
+            </a:r>
+            <a:r>
+              <a:rPr lang="en-US" dirty="0" err="1"/>
+              <a:t>Fout</a:t>
+            </a:r>
+            <a:r>
+              <a:rPr lang="en-US" dirty="0"/>
+              <a:t> * sin (alpha-theta)					- along the positive </a:t>
+            </a:r>
+            <a:r>
+              <a:rPr lang="en-US" dirty="0" err="1"/>
+              <a:t>Ywheelbase</a:t>
+            </a:r>
+            <a:r>
+              <a:rPr lang="en-US" dirty="0"/>
+              <a:t> axis</a:t>
+            </a:r>
+          </a:p>
+          <a:p>
+            <a:r>
+              <a:rPr lang="en-US" dirty="0"/>
+              <a:t>3b = </a:t>
+            </a:r>
+            <a:r>
+              <a:rPr lang="en-US" dirty="0" err="1"/>
+              <a:t>Fout</a:t>
+            </a:r>
+            <a:r>
+              <a:rPr lang="en-US" dirty="0"/>
+              <a:t> * cos (alpha-theta)					- along the positive </a:t>
+            </a:r>
+            <a:r>
+              <a:rPr lang="en-US" dirty="0" err="1"/>
+              <a:t>Xwheelbase</a:t>
+            </a:r>
+            <a:r>
+              <a:rPr lang="en-US" dirty="0"/>
+              <a:t> axis</a:t>
+            </a:r>
+          </a:p>
+        </p:txBody>
+      </p:sp>
+      <p:sp>
+        <p:nvSpPr>
+          <p:cNvPr id="2" name="TextBox 1">
+            <a:extLst>
+              <a:ext uri="{FF2B5EF4-FFF2-40B4-BE49-F238E27FC236}">
+                <a16:creationId xmlns:a16="http://schemas.microsoft.com/office/drawing/2014/main" id="{D3468A0B-0F21-DE43-AFC3-2476DB3C160C}"/>
               </a:ext>
             </a:extLst>
           </p:cNvPr>
@@ -4938,7 +4562,7 @@
         </p:nvSpPr>
         <p:spPr>
           <a:xfrm>
-            <a:off x="4360655" y="4147386"/>
+            <a:off x="3735421" y="3686175"/>
             <a:ext cx="301686" cy="369332"/>
           </a:xfrm>
           <a:prstGeom prst="rect">
@@ -4954,17 +4578,17 @@
           <a:p>
             <a:r>
               <a:rPr lang="en-US" dirty="0"/>
-              <a:t>5</a:t>
-            </a:r>
-          </a:p>
-        </p:txBody>
-      </p:sp>
-      <p:sp>
-        <p:nvSpPr>
-          <p:cNvPr id="7" name="TextBox 6">
-            <a:extLst>
-              <a:ext uri="{FF2B5EF4-FFF2-40B4-BE49-F238E27FC236}">
-                <a16:creationId xmlns:a16="http://schemas.microsoft.com/office/drawing/2014/main" id="{7F54ADC1-18D4-974D-8ED4-D4C9E91A17CA}"/>
+              <a:t>2</a:t>
+            </a:r>
+          </a:p>
+        </p:txBody>
+      </p:sp>
+      <p:sp>
+        <p:nvSpPr>
+          <p:cNvPr id="3" name="TextBox 2">
+            <a:extLst>
+              <a:ext uri="{FF2B5EF4-FFF2-40B4-BE49-F238E27FC236}">
+                <a16:creationId xmlns:a16="http://schemas.microsoft.com/office/drawing/2014/main" id="{E0D124FE-A325-7842-88E3-B9B5AF2CD302}"/>
               </a:ext>
             </a:extLst>
           </p:cNvPr>
@@ -4973,8 +4597,8 @@
         </p:nvSpPr>
         <p:spPr>
           <a:xfrm>
-            <a:off x="7236101" y="3240643"/>
-            <a:ext cx="301686" cy="369332"/>
+            <a:off x="7980357" y="4011028"/>
+            <a:ext cx="423514" cy="369332"/>
           </a:xfrm>
           <a:prstGeom prst="rect">
             <a:avLst/>
@@ -4989,111 +4613,6 @@
           <a:p>
             <a:r>
               <a:rPr lang="en-US" dirty="0"/>
-              <a:t>6</a:t>
-            </a:r>
-          </a:p>
-        </p:txBody>
-      </p:sp>
-      <p:sp>
-        <p:nvSpPr>
-          <p:cNvPr id="9" name="TextBox 8">
-            <a:extLst>
-              <a:ext uri="{FF2B5EF4-FFF2-40B4-BE49-F238E27FC236}">
-                <a16:creationId xmlns:a16="http://schemas.microsoft.com/office/drawing/2014/main" id="{A2901233-311E-7F43-A6B4-CA69512395CC}"/>
-              </a:ext>
-            </a:extLst>
-          </p:cNvPr>
-          <p:cNvSpPr txBox="1"/>
-          <p:nvPr/>
-        </p:nvSpPr>
-        <p:spPr>
-          <a:xfrm>
-            <a:off x="7537787" y="4459884"/>
-            <a:ext cx="301686" cy="369332"/>
-          </a:xfrm>
-          <a:prstGeom prst="rect">
-            <a:avLst/>
-          </a:prstGeom>
-          <a:noFill/>
-        </p:spPr>
-        <p:txBody>
-          <a:bodyPr wrap="none" rtlCol="0">
-            <a:spAutoFit/>
-          </a:bodyPr>
-          <a:lstStyle/>
-          <a:p>
-            <a:r>
-              <a:rPr lang="en-US" dirty="0"/>
-              <a:t>7</a:t>
-            </a:r>
-          </a:p>
-        </p:txBody>
-      </p:sp>
-      <p:sp>
-        <p:nvSpPr>
-          <p:cNvPr id="27" name="TextBox 26">
-            <a:extLst>
-              <a:ext uri="{FF2B5EF4-FFF2-40B4-BE49-F238E27FC236}">
-                <a16:creationId xmlns:a16="http://schemas.microsoft.com/office/drawing/2014/main" id="{4B8266B0-2A86-EB45-8079-863309275867}"/>
-              </a:ext>
-            </a:extLst>
-          </p:cNvPr>
-          <p:cNvSpPr txBox="1"/>
-          <p:nvPr/>
-        </p:nvSpPr>
-        <p:spPr>
-          <a:xfrm>
-            <a:off x="3735421" y="3686175"/>
-            <a:ext cx="301686" cy="369332"/>
-          </a:xfrm>
-          <a:prstGeom prst="rect">
-            <a:avLst/>
-          </a:prstGeom>
-          <a:noFill/>
-        </p:spPr>
-        <p:txBody>
-          <a:bodyPr wrap="none" rtlCol="0">
-            <a:spAutoFit/>
-          </a:bodyPr>
-          <a:lstStyle/>
-          <a:p>
-            <a:r>
-              <a:rPr lang="en-US" dirty="0"/>
-              <a:t>2</a:t>
-            </a:r>
-          </a:p>
-        </p:txBody>
-      </p:sp>
-      <p:sp>
-        <p:nvSpPr>
-          <p:cNvPr id="28" name="TextBox 27">
-            <a:extLst>
-              <a:ext uri="{FF2B5EF4-FFF2-40B4-BE49-F238E27FC236}">
-                <a16:creationId xmlns:a16="http://schemas.microsoft.com/office/drawing/2014/main" id="{3FD35A40-0279-7543-BEE3-5E87FC4A4BAC}"/>
-              </a:ext>
-            </a:extLst>
-          </p:cNvPr>
-          <p:cNvSpPr txBox="1"/>
-          <p:nvPr/>
-        </p:nvSpPr>
-        <p:spPr>
-          <a:xfrm>
-            <a:off x="7980357" y="4011028"/>
-            <a:ext cx="423514" cy="369332"/>
-          </a:xfrm>
-          <a:prstGeom prst="rect">
-            <a:avLst/>
-          </a:prstGeom>
-          <a:noFill/>
-        </p:spPr>
-        <p:txBody>
-          <a:bodyPr wrap="none" rtlCol="0">
-            <a:spAutoFit/>
-          </a:bodyPr>
-          <a:lstStyle/>
-          <a:p>
-            <a:r>
-              <a:rPr lang="en-US" dirty="0"/>
               <a:t>3b</a:t>
             </a:r>
           </a:p>
@@ -5102,7 +4621,7 @@
     </p:spTree>
     <p:extLst>
       <p:ext uri="{BB962C8B-B14F-4D97-AF65-F5344CB8AC3E}">
-        <p14:creationId xmlns:p14="http://schemas.microsoft.com/office/powerpoint/2010/main" val="2159225398"/>
+        <p14:creationId xmlns:p14="http://schemas.microsoft.com/office/powerpoint/2010/main" val="3352911079"/>
       </p:ext>
     </p:extLst>
   </p:cSld>
@@ -5456,6 +4975,94 @@
           </a:p>
         </p:txBody>
       </p:sp>
+      <p:cxnSp>
+        <p:nvCxnSpPr>
+          <p:cNvPr id="6" name="Straight Arrow Connector 5">
+            <a:extLst>
+              <a:ext uri="{FF2B5EF4-FFF2-40B4-BE49-F238E27FC236}">
+                <a16:creationId xmlns:a16="http://schemas.microsoft.com/office/drawing/2014/main" id="{65A398B2-885E-423B-B222-F74D9E166BDA}"/>
+              </a:ext>
+            </a:extLst>
+          </p:cNvPr>
+          <p:cNvCxnSpPr>
+            <a:cxnSpLocks/>
+          </p:cNvCxnSpPr>
+          <p:nvPr/>
+        </p:nvCxnSpPr>
+        <p:spPr>
+          <a:xfrm flipH="1" flipV="1">
+            <a:off x="4037107" y="4011028"/>
+            <a:ext cx="89724" cy="597069"/>
+          </a:xfrm>
+          <a:prstGeom prst="straightConnector1">
+            <a:avLst/>
+          </a:prstGeom>
+          <a:ln w="41275">
+            <a:solidFill>
+              <a:srgbClr val="00B050"/>
+            </a:solidFill>
+            <a:tailEnd type="triangle"/>
+          </a:ln>
+        </p:spPr>
+        <p:style>
+          <a:lnRef idx="1">
+            <a:schemeClr val="accent1"/>
+          </a:lnRef>
+          <a:fillRef idx="0">
+            <a:schemeClr val="accent1"/>
+          </a:fillRef>
+          <a:effectRef idx="0">
+            <a:schemeClr val="accent1"/>
+          </a:effectRef>
+          <a:fontRef idx="minor">
+            <a:schemeClr val="tx1"/>
+          </a:fontRef>
+        </p:style>
+      </p:cxnSp>
+      <p:cxnSp>
+        <p:nvCxnSpPr>
+          <p:cNvPr id="16" name="Straight Arrow Connector 15">
+            <a:extLst>
+              <a:ext uri="{FF2B5EF4-FFF2-40B4-BE49-F238E27FC236}">
+                <a16:creationId xmlns:a16="http://schemas.microsoft.com/office/drawing/2014/main" id="{64188244-E086-4F34-86B3-90CE3D00D6C5}"/>
+              </a:ext>
+            </a:extLst>
+          </p:cNvPr>
+          <p:cNvCxnSpPr>
+            <a:cxnSpLocks/>
+          </p:cNvCxnSpPr>
+          <p:nvPr/>
+        </p:nvCxnSpPr>
+        <p:spPr>
+          <a:xfrm flipV="1">
+            <a:off x="6972303" y="3891694"/>
+            <a:ext cx="931232" cy="184525"/>
+          </a:xfrm>
+          <a:prstGeom prst="straightConnector1">
+            <a:avLst/>
+          </a:prstGeom>
+          <a:ln w="41275">
+            <a:solidFill>
+              <a:srgbClr val="00B050"/>
+            </a:solidFill>
+            <a:tailEnd type="triangle"/>
+          </a:ln>
+        </p:spPr>
+        <p:style>
+          <a:lnRef idx="1">
+            <a:schemeClr val="accent1"/>
+          </a:lnRef>
+          <a:fillRef idx="0">
+            <a:schemeClr val="accent1"/>
+          </a:fillRef>
+          <a:effectRef idx="0">
+            <a:schemeClr val="accent1"/>
+          </a:effectRef>
+          <a:fontRef idx="minor">
+            <a:schemeClr val="tx1"/>
+          </a:fontRef>
+        </p:style>
+      </p:cxnSp>
       <p:sp>
         <p:nvSpPr>
           <p:cNvPr id="22" name="TextBox 21">
@@ -5470,8 +5077,8 @@
         </p:nvSpPr>
         <p:spPr>
           <a:xfrm>
-            <a:off x="2878775" y="5643314"/>
-            <a:ext cx="9292621" cy="1138773"/>
+            <a:off x="6384793" y="5181600"/>
+            <a:ext cx="5807207" cy="1661993"/>
           </a:xfrm>
           <a:prstGeom prst="rect">
             <a:avLst/>
@@ -5492,7 +5099,13 @@
           <a:p>
             <a:r>
               <a:rPr lang="en-US" dirty="0"/>
-              <a:t>1 parallel to the ground at the contact point.  1 perpendicular to the ground at the contact point.</a:t>
+              <a:t>1 parallel to the ground at the contact point. </a:t>
+            </a:r>
+          </a:p>
+          <a:p>
+            <a:r>
+              <a:rPr lang="en-US" dirty="0"/>
+              <a:t>1 perpendicular to the ground at the contact point.</a:t>
             </a:r>
           </a:p>
           <a:p>
@@ -5602,13 +5215,14 @@
           </p:cNvPr>
           <p:cNvCxnSpPr>
             <a:cxnSpLocks/>
+            <a:endCxn id="9" idx="0"/>
           </p:cNvCxnSpPr>
           <p:nvPr/>
         </p:nvCxnSpPr>
         <p:spPr>
           <a:xfrm>
             <a:off x="6971921" y="4076219"/>
-            <a:ext cx="636640" cy="367444"/>
+            <a:ext cx="716709" cy="383665"/>
           </a:xfrm>
           <a:prstGeom prst="straightConnector1">
             <a:avLst/>
@@ -5745,8 +5359,175 @@
         </p:nvSpPr>
         <p:spPr>
           <a:xfrm>
-            <a:off x="321013" y="544749"/>
-            <a:ext cx="10538847" cy="1754326"/>
+            <a:off x="321012" y="544749"/>
+            <a:ext cx="10757295" cy="2585323"/>
+          </a:xfrm>
+          <a:prstGeom prst="rect">
+            <a:avLst/>
+          </a:prstGeom>
+          <a:noFill/>
+        </p:spPr>
+        <p:txBody>
+          <a:bodyPr wrap="square" rtlCol="0">
+            <a:spAutoFit/>
+          </a:bodyPr>
+          <a:lstStyle/>
+          <a:p>
+            <a:r>
+              <a:rPr lang="en-US" dirty="0"/>
+              <a:t>2 = </a:t>
+            </a:r>
+            <a:r>
+              <a:rPr lang="en-US" dirty="0" err="1"/>
+              <a:t>Fout</a:t>
+            </a:r>
+            <a:r>
+              <a:rPr lang="en-US" dirty="0"/>
+              <a:t> * sin (alpha-theta)					- along the positive </a:t>
+            </a:r>
+            <a:r>
+              <a:rPr lang="en-US" dirty="0" err="1"/>
+              <a:t>Ywheelbase</a:t>
+            </a:r>
+            <a:r>
+              <a:rPr lang="en-US" dirty="0"/>
+              <a:t> axis</a:t>
+            </a:r>
+          </a:p>
+          <a:p>
+            <a:r>
+              <a:rPr lang="en-US" dirty="0"/>
+              <a:t>3b = </a:t>
+            </a:r>
+            <a:r>
+              <a:rPr lang="en-US" dirty="0" err="1"/>
+              <a:t>Fout</a:t>
+            </a:r>
+            <a:r>
+              <a:rPr lang="en-US" dirty="0"/>
+              <a:t> * cos (alpha-theta)					- along the positive </a:t>
+            </a:r>
+            <a:r>
+              <a:rPr lang="en-US" dirty="0" err="1"/>
+              <a:t>Xwheelbase</a:t>
+            </a:r>
+            <a:r>
+              <a:rPr lang="en-US" dirty="0"/>
+              <a:t> axis</a:t>
+            </a:r>
+          </a:p>
+          <a:p>
+            <a:endParaRPr lang="en-US" dirty="0"/>
+          </a:p>
+          <a:p>
+            <a:r>
+              <a:rPr lang="en-US" dirty="0"/>
+              <a:t>4 = </a:t>
+            </a:r>
+            <a:r>
+              <a:rPr lang="en-US" dirty="0" err="1"/>
+              <a:t>Fout</a:t>
+            </a:r>
+            <a:r>
+              <a:rPr lang="en-US" dirty="0"/>
+              <a:t> * sin (alpha-theta)* cos(alpha–theta)			-along positive </a:t>
+            </a:r>
+            <a:r>
+              <a:rPr lang="en-US" dirty="0" err="1"/>
+              <a:t>Yalpha</a:t>
+            </a:r>
+            <a:r>
+              <a:rPr lang="en-US" dirty="0"/>
+              <a:t> axis</a:t>
+            </a:r>
+          </a:p>
+          <a:p>
+            <a:r>
+              <a:rPr lang="en-US" dirty="0"/>
+              <a:t>5 = </a:t>
+            </a:r>
+            <a:r>
+              <a:rPr lang="en-US" dirty="0" err="1"/>
+              <a:t>Fout</a:t>
+            </a:r>
+            <a:r>
+              <a:rPr lang="en-US" dirty="0"/>
+              <a:t> * sin (alpha-theta)* sin(alpha-theta)			-along positive </a:t>
+            </a:r>
+            <a:r>
+              <a:rPr lang="en-US" dirty="0" err="1"/>
+              <a:t>Xalpha</a:t>
+            </a:r>
+            <a:r>
+              <a:rPr lang="en-US" dirty="0"/>
+              <a:t> axis	</a:t>
+            </a:r>
+          </a:p>
+          <a:p>
+            <a:endParaRPr lang="en-US" dirty="0"/>
+          </a:p>
+          <a:p>
+            <a:r>
+              <a:rPr lang="en-US" dirty="0"/>
+              <a:t>6 = </a:t>
+            </a:r>
+            <a:r>
+              <a:rPr lang="en-US" dirty="0" err="1"/>
+              <a:t>Fout</a:t>
+            </a:r>
+            <a:r>
+              <a:rPr lang="en-US" dirty="0"/>
+              <a:t> * cos (alpha-theta) * cos(beta-theta)			-along positive </a:t>
+            </a:r>
+            <a:r>
+              <a:rPr lang="en-US" dirty="0" err="1"/>
+              <a:t>Xbeta</a:t>
+            </a:r>
+            <a:r>
+              <a:rPr lang="en-US" dirty="0"/>
+              <a:t> axis</a:t>
+            </a:r>
+          </a:p>
+          <a:p>
+            <a:r>
+              <a:rPr lang="en-US" dirty="0"/>
+              <a:t>7 = </a:t>
+            </a:r>
+            <a:r>
+              <a:rPr lang="en-US" dirty="0" err="1"/>
+              <a:t>Fout</a:t>
+            </a:r>
+            <a:r>
+              <a:rPr lang="en-US" dirty="0"/>
+              <a:t> * cos(alpha-theta) * cos(90+beta-theta)			-along positive </a:t>
+            </a:r>
+            <a:r>
+              <a:rPr lang="en-US" dirty="0" err="1"/>
+              <a:t>Ybeta</a:t>
+            </a:r>
+            <a:r>
+              <a:rPr lang="en-US" dirty="0"/>
+              <a:t> axis (negative value 										into road)</a:t>
+            </a:r>
+          </a:p>
+        </p:txBody>
+      </p:sp>
+      <p:sp>
+        <p:nvSpPr>
+          <p:cNvPr id="2" name="TextBox 1">
+            <a:extLst>
+              <a:ext uri="{FF2B5EF4-FFF2-40B4-BE49-F238E27FC236}">
+                <a16:creationId xmlns:a16="http://schemas.microsoft.com/office/drawing/2014/main" id="{BC82E129-44D1-B24F-B5A8-1E2D89C0A13C}"/>
+              </a:ext>
+            </a:extLst>
+          </p:cNvPr>
+          <p:cNvSpPr txBox="1"/>
+          <p:nvPr/>
+        </p:nvSpPr>
+        <p:spPr>
+          <a:xfrm>
+            <a:off x="3326860" y="4147386"/>
+            <a:ext cx="301686" cy="369332"/>
           </a:xfrm>
           <a:prstGeom prst="rect">
             <a:avLst/>
@@ -5761,108 +5542,17 @@
           <a:p>
             <a:r>
               <a:rPr lang="en-US" dirty="0"/>
-              <a:t>4 = </a:t>
-            </a:r>
-            <a:r>
-              <a:rPr lang="en-US" dirty="0" err="1"/>
-              <a:t>Fout</a:t>
-            </a:r>
-            <a:r>
-              <a:rPr lang="en-US" dirty="0"/>
-              <a:t> * sin (alpha-theta)* cos(alpha – theta)			- along positive </a:t>
-            </a:r>
-            <a:r>
-              <a:rPr lang="en-US" dirty="0" err="1"/>
-              <a:t>Yalpha</a:t>
-            </a:r>
-            <a:r>
-              <a:rPr lang="en-US" dirty="0"/>
-              <a:t> axis</a:t>
-            </a:r>
-          </a:p>
-          <a:p>
-            <a:r>
-              <a:rPr lang="en-US" dirty="0"/>
-              <a:t>5 = </a:t>
-            </a:r>
-            <a:r>
-              <a:rPr lang="en-US" dirty="0" err="1"/>
-              <a:t>Fout</a:t>
-            </a:r>
-            <a:r>
-              <a:rPr lang="en-US" dirty="0"/>
-              <a:t> * sin (alpha-theta)* sin(alpha– theta)			- along positive </a:t>
-            </a:r>
-            <a:r>
-              <a:rPr lang="en-US" dirty="0" err="1"/>
-              <a:t>Xalpha</a:t>
-            </a:r>
-            <a:r>
-              <a:rPr lang="en-US" dirty="0"/>
-              <a:t> axis</a:t>
-            </a:r>
-          </a:p>
-          <a:p>
-            <a:endParaRPr lang="en-US" dirty="0"/>
-          </a:p>
-          <a:p>
-            <a:r>
-              <a:rPr lang="en-US" dirty="0"/>
-              <a:t>6 = </a:t>
-            </a:r>
-            <a:r>
-              <a:rPr lang="en-US" dirty="0" err="1"/>
-              <a:t>Fout</a:t>
-            </a:r>
-            <a:r>
-              <a:rPr lang="en-US" dirty="0"/>
-              <a:t> * cos (alpha-theta) * cos(beta-theta)			- along positive </a:t>
-            </a:r>
-            <a:r>
-              <a:rPr lang="en-US" dirty="0" err="1"/>
-              <a:t>Xbeta</a:t>
-            </a:r>
-            <a:r>
-              <a:rPr lang="en-US" dirty="0"/>
-              <a:t> axis</a:t>
-            </a:r>
-          </a:p>
-          <a:p>
-            <a:r>
-              <a:rPr lang="en-US" dirty="0"/>
-              <a:t>7 = </a:t>
-            </a:r>
-            <a:r>
-              <a:rPr lang="en-US" dirty="0" err="1"/>
-              <a:t>Fout</a:t>
-            </a:r>
-            <a:r>
-              <a:rPr lang="en-US" dirty="0"/>
-              <a:t> * cos(alpha-theta) * cos(90+beta-theta)			- along positive </a:t>
-            </a:r>
-            <a:r>
-              <a:rPr lang="en-US" dirty="0" err="1"/>
-              <a:t>Ybeta</a:t>
-            </a:r>
-            <a:r>
-              <a:rPr lang="en-US" dirty="0"/>
-              <a:t> axis (negative value</a:t>
-            </a:r>
-          </a:p>
-          <a:p>
-            <a:r>
-              <a:rPr lang="en-US" dirty="0"/>
-              <a:t>										into road)</a:t>
-            </a:r>
-          </a:p>
-        </p:txBody>
-      </p:sp>
-      <p:sp>
-        <p:nvSpPr>
-          <p:cNvPr id="2" name="TextBox 1">
-            <a:extLst>
-              <a:ext uri="{FF2B5EF4-FFF2-40B4-BE49-F238E27FC236}">
-                <a16:creationId xmlns:a16="http://schemas.microsoft.com/office/drawing/2014/main" id="{BC82E129-44D1-B24F-B5A8-1E2D89C0A13C}"/>
+              <a:t>4</a:t>
+            </a:r>
+          </a:p>
+        </p:txBody>
+      </p:sp>
+      <p:sp>
+        <p:nvSpPr>
+          <p:cNvPr id="3" name="TextBox 2">
+            <a:extLst>
+              <a:ext uri="{FF2B5EF4-FFF2-40B4-BE49-F238E27FC236}">
+                <a16:creationId xmlns:a16="http://schemas.microsoft.com/office/drawing/2014/main" id="{6D981DDA-9099-6F4E-8FA7-DCD7320CF0BF}"/>
               </a:ext>
             </a:extLst>
           </p:cNvPr>
@@ -5871,7 +5561,7 @@
         </p:nvSpPr>
         <p:spPr>
           <a:xfrm>
-            <a:off x="3326860" y="4147386"/>
+            <a:off x="4360655" y="4147386"/>
             <a:ext cx="301686" cy="369332"/>
           </a:xfrm>
           <a:prstGeom prst="rect">
@@ -5887,17 +5577,17 @@
           <a:p>
             <a:r>
               <a:rPr lang="en-US" dirty="0"/>
-              <a:t>4</a:t>
-            </a:r>
-          </a:p>
-        </p:txBody>
-      </p:sp>
-      <p:sp>
-        <p:nvSpPr>
-          <p:cNvPr id="3" name="TextBox 2">
-            <a:extLst>
-              <a:ext uri="{FF2B5EF4-FFF2-40B4-BE49-F238E27FC236}">
-                <a16:creationId xmlns:a16="http://schemas.microsoft.com/office/drawing/2014/main" id="{6D981DDA-9099-6F4E-8FA7-DCD7320CF0BF}"/>
+              <a:t>5</a:t>
+            </a:r>
+          </a:p>
+        </p:txBody>
+      </p:sp>
+      <p:sp>
+        <p:nvSpPr>
+          <p:cNvPr id="7" name="TextBox 6">
+            <a:extLst>
+              <a:ext uri="{FF2B5EF4-FFF2-40B4-BE49-F238E27FC236}">
+                <a16:creationId xmlns:a16="http://schemas.microsoft.com/office/drawing/2014/main" id="{7F54ADC1-18D4-974D-8ED4-D4C9E91A17CA}"/>
               </a:ext>
             </a:extLst>
           </p:cNvPr>
@@ -5906,7 +5596,7 @@
         </p:nvSpPr>
         <p:spPr>
           <a:xfrm>
-            <a:off x="4360655" y="4147386"/>
+            <a:off x="7236101" y="3240643"/>
             <a:ext cx="301686" cy="369332"/>
           </a:xfrm>
           <a:prstGeom prst="rect">
@@ -5922,17 +5612,17 @@
           <a:p>
             <a:r>
               <a:rPr lang="en-US" dirty="0"/>
-              <a:t>5</a:t>
-            </a:r>
-          </a:p>
-        </p:txBody>
-      </p:sp>
-      <p:sp>
-        <p:nvSpPr>
-          <p:cNvPr id="7" name="TextBox 6">
-            <a:extLst>
-              <a:ext uri="{FF2B5EF4-FFF2-40B4-BE49-F238E27FC236}">
-                <a16:creationId xmlns:a16="http://schemas.microsoft.com/office/drawing/2014/main" id="{7F54ADC1-18D4-974D-8ED4-D4C9E91A17CA}"/>
+              <a:t>6</a:t>
+            </a:r>
+          </a:p>
+        </p:txBody>
+      </p:sp>
+      <p:sp>
+        <p:nvSpPr>
+          <p:cNvPr id="9" name="TextBox 8">
+            <a:extLst>
+              <a:ext uri="{FF2B5EF4-FFF2-40B4-BE49-F238E27FC236}">
+                <a16:creationId xmlns:a16="http://schemas.microsoft.com/office/drawing/2014/main" id="{A2901233-311E-7F43-A6B4-CA69512395CC}"/>
               </a:ext>
             </a:extLst>
           </p:cNvPr>
@@ -5941,7 +5631,7 @@
         </p:nvSpPr>
         <p:spPr>
           <a:xfrm>
-            <a:off x="7236101" y="3240643"/>
+            <a:off x="7537787" y="4459884"/>
             <a:ext cx="301686" cy="369332"/>
           </a:xfrm>
           <a:prstGeom prst="rect">
@@ -5957,17 +5647,17 @@
           <a:p>
             <a:r>
               <a:rPr lang="en-US" dirty="0"/>
-              <a:t>6</a:t>
-            </a:r>
-          </a:p>
-        </p:txBody>
-      </p:sp>
-      <p:sp>
-        <p:nvSpPr>
-          <p:cNvPr id="9" name="TextBox 8">
-            <a:extLst>
-              <a:ext uri="{FF2B5EF4-FFF2-40B4-BE49-F238E27FC236}">
-                <a16:creationId xmlns:a16="http://schemas.microsoft.com/office/drawing/2014/main" id="{A2901233-311E-7F43-A6B4-CA69512395CC}"/>
+              <a:t>7</a:t>
+            </a:r>
+          </a:p>
+        </p:txBody>
+      </p:sp>
+      <p:sp>
+        <p:nvSpPr>
+          <p:cNvPr id="27" name="TextBox 26">
+            <a:extLst>
+              <a:ext uri="{FF2B5EF4-FFF2-40B4-BE49-F238E27FC236}">
+                <a16:creationId xmlns:a16="http://schemas.microsoft.com/office/drawing/2014/main" id="{4B8266B0-2A86-EB45-8079-863309275867}"/>
               </a:ext>
             </a:extLst>
           </p:cNvPr>
@@ -5976,7 +5666,7 @@
         </p:nvSpPr>
         <p:spPr>
           <a:xfrm>
-            <a:off x="7537787" y="4459884"/>
+            <a:off x="3735421" y="3686175"/>
             <a:ext cx="301686" cy="369332"/>
           </a:xfrm>
           <a:prstGeom prst="rect">
@@ -5992,7 +5682,42 @@
           <a:p>
             <a:r>
               <a:rPr lang="en-US" dirty="0"/>
-              <a:t>7</a:t>
+              <a:t>2</a:t>
+            </a:r>
+          </a:p>
+        </p:txBody>
+      </p:sp>
+      <p:sp>
+        <p:nvSpPr>
+          <p:cNvPr id="28" name="TextBox 27">
+            <a:extLst>
+              <a:ext uri="{FF2B5EF4-FFF2-40B4-BE49-F238E27FC236}">
+                <a16:creationId xmlns:a16="http://schemas.microsoft.com/office/drawing/2014/main" id="{3FD35A40-0279-7543-BEE3-5E87FC4A4BAC}"/>
+              </a:ext>
+            </a:extLst>
+          </p:cNvPr>
+          <p:cNvSpPr txBox="1"/>
+          <p:nvPr/>
+        </p:nvSpPr>
+        <p:spPr>
+          <a:xfrm>
+            <a:off x="7980357" y="4011028"/>
+            <a:ext cx="423514" cy="369332"/>
+          </a:xfrm>
+          <a:prstGeom prst="rect">
+            <a:avLst/>
+          </a:prstGeom>
+          <a:noFill/>
+        </p:spPr>
+        <p:txBody>
+          <a:bodyPr wrap="none" rtlCol="0">
+            <a:spAutoFit/>
+          </a:bodyPr>
+          <a:lstStyle/>
+          <a:p>
+            <a:r>
+              <a:rPr lang="en-US" dirty="0"/>
+              <a:t>3b</a:t>
             </a:r>
           </a:p>
         </p:txBody>
@@ -6000,7 +5725,7 @@
     </p:spTree>
     <p:extLst>
       <p:ext uri="{BB962C8B-B14F-4D97-AF65-F5344CB8AC3E}">
-        <p14:creationId xmlns:p14="http://schemas.microsoft.com/office/powerpoint/2010/main" val="2064682653"/>
+        <p14:creationId xmlns:p14="http://schemas.microsoft.com/office/powerpoint/2010/main" val="2159225398"/>
       </p:ext>
     </p:extLst>
   </p:cSld>
@@ -6120,7 +5845,7 @@
           <a:lstStyle/>
           <a:p>
             <a:pPr algn="ctr"/>
-            <a:endParaRPr lang="en-US"/>
+            <a:endParaRPr lang="en-US" dirty="0"/>
           </a:p>
         </p:txBody>
       </p:sp>
@@ -6368,8 +6093,8 @@
         </p:nvSpPr>
         <p:spPr>
           <a:xfrm>
-            <a:off x="5397167" y="5999946"/>
-            <a:ext cx="6390788" cy="584775"/>
+            <a:off x="2878775" y="5643314"/>
+            <a:ext cx="9292621" cy="1138773"/>
           </a:xfrm>
           <a:prstGeom prst="rect">
             <a:avLst/>
@@ -6377,20 +6102,26 @@
           <a:noFill/>
         </p:spPr>
         <p:txBody>
-          <a:bodyPr wrap="none" rtlCol="0">
+          <a:bodyPr wrap="square" rtlCol="0">
             <a:spAutoFit/>
           </a:bodyPr>
           <a:lstStyle/>
           <a:p>
             <a:r>
               <a:rPr lang="en-US" dirty="0"/>
-              <a:t>Each axle also experiences a force due to the weight of the vehicle</a:t>
-            </a:r>
-          </a:p>
-          <a:p>
-            <a:r>
-              <a:rPr lang="en-US" sz="1400" i="1" dirty="0"/>
-              <a:t>(these forces should sum to the total weight – but may not always be equal)</a:t>
+              <a:t>Both of these forces can then be broken into 2 components</a:t>
+            </a:r>
+          </a:p>
+          <a:p>
+            <a:r>
+              <a:rPr lang="en-US" dirty="0"/>
+              <a:t>1 parallel to the ground at the contact point.  1 perpendicular to the ground at the contact point.</a:t>
+            </a:r>
+          </a:p>
+          <a:p>
+            <a:r>
+              <a:rPr lang="en-US" sz="1600" dirty="0"/>
+              <a:t>(note the angle of the ground may be different at each wheel the forces on each axle should match the angle of the ground for the wheel attached to that axle)</a:t>
             </a:r>
           </a:p>
         </p:txBody>
@@ -6485,10 +6216,10 @@
       </p:cxnSp>
       <p:cxnSp>
         <p:nvCxnSpPr>
-          <p:cNvPr id="31" name="Straight Arrow Connector 30">
-            <a:extLst>
-              <a:ext uri="{FF2B5EF4-FFF2-40B4-BE49-F238E27FC236}">
-                <a16:creationId xmlns:a16="http://schemas.microsoft.com/office/drawing/2014/main" id="{AD038506-55C1-4874-B057-B99FE232635B}"/>
+          <p:cNvPr id="29" name="Straight Arrow Connector 28">
+            <a:extLst>
+              <a:ext uri="{FF2B5EF4-FFF2-40B4-BE49-F238E27FC236}">
+                <a16:creationId xmlns:a16="http://schemas.microsoft.com/office/drawing/2014/main" id="{A36411CA-398C-4747-92A6-88A63F72493B}"/>
               </a:ext>
             </a:extLst>
           </p:cNvPr>
@@ -6498,9 +6229,9 @@
           <p:nvPr/>
         </p:nvCxnSpPr>
         <p:spPr>
-          <a:xfrm flipV="1">
-            <a:off x="6974825" y="3556467"/>
-            <a:ext cx="315416" cy="516856"/>
+          <a:xfrm>
+            <a:off x="6971921" y="4076219"/>
+            <a:ext cx="636640" cy="367444"/>
           </a:xfrm>
           <a:prstGeom prst="straightConnector1">
             <a:avLst/>
@@ -6529,10 +6260,10 @@
       </p:cxnSp>
       <p:cxnSp>
         <p:nvCxnSpPr>
-          <p:cNvPr id="3" name="Straight Arrow Connector 2">
-            <a:extLst>
-              <a:ext uri="{FF2B5EF4-FFF2-40B4-BE49-F238E27FC236}">
-                <a16:creationId xmlns:a16="http://schemas.microsoft.com/office/drawing/2014/main" id="{C83E022E-D38E-4410-B151-0DD3D3CABA47}"/>
+          <p:cNvPr id="31" name="Straight Arrow Connector 30">
+            <a:extLst>
+              <a:ext uri="{FF2B5EF4-FFF2-40B4-BE49-F238E27FC236}">
+                <a16:creationId xmlns:a16="http://schemas.microsoft.com/office/drawing/2014/main" id="{AD038506-55C1-4874-B057-B99FE232635B}"/>
               </a:ext>
             </a:extLst>
           </p:cNvPr>
@@ -6542,18 +6273,16 @@
           <p:nvPr/>
         </p:nvCxnSpPr>
         <p:spPr>
-          <a:xfrm>
-            <a:off x="4137932" y="4616116"/>
-            <a:ext cx="10455" cy="991470"/>
+          <a:xfrm flipV="1">
+            <a:off x="6974825" y="3556467"/>
+            <a:ext cx="315416" cy="516856"/>
           </a:xfrm>
           <a:prstGeom prst="straightConnector1">
             <a:avLst/>
           </a:prstGeom>
-          <a:ln w="53975">
+          <a:ln w="44450">
             <a:solidFill>
-              <a:schemeClr val="accent6">
-                <a:lumMod val="75000"/>
-              </a:schemeClr>
+              <a:schemeClr val="accent2"/>
             </a:solidFill>
             <a:tailEnd type="triangle"/>
           </a:ln>
@@ -6573,58 +6302,12 @@
           </a:fontRef>
         </p:style>
       </p:cxnSp>
-      <p:cxnSp>
-        <p:nvCxnSpPr>
-          <p:cNvPr id="16" name="Straight Arrow Connector 15">
-            <a:extLst>
-              <a:ext uri="{FF2B5EF4-FFF2-40B4-BE49-F238E27FC236}">
-                <a16:creationId xmlns:a16="http://schemas.microsoft.com/office/drawing/2014/main" id="{1DD19D85-6AEE-419A-8BAF-9BA5A9C3FDDB}"/>
-              </a:ext>
-            </a:extLst>
-          </p:cNvPr>
-          <p:cNvCxnSpPr>
-            <a:cxnSpLocks/>
-          </p:cNvCxnSpPr>
-          <p:nvPr/>
-        </p:nvCxnSpPr>
-        <p:spPr>
-          <a:xfrm>
-            <a:off x="6971370" y="4085091"/>
-            <a:ext cx="6745" cy="559600"/>
-          </a:xfrm>
-          <a:prstGeom prst="straightConnector1">
-            <a:avLst/>
-          </a:prstGeom>
-          <a:ln w="53975">
-            <a:solidFill>
-              <a:schemeClr val="accent6">
-                <a:lumMod val="75000"/>
-              </a:schemeClr>
-            </a:solidFill>
-            <a:tailEnd type="triangle"/>
-          </a:ln>
-        </p:spPr>
-        <p:style>
-          <a:lnRef idx="1">
-            <a:schemeClr val="accent1"/>
-          </a:lnRef>
-          <a:fillRef idx="0">
-            <a:schemeClr val="accent1"/>
-          </a:fillRef>
-          <a:effectRef idx="0">
-            <a:schemeClr val="accent1"/>
-          </a:effectRef>
-          <a:fontRef idx="minor">
-            <a:schemeClr val="tx1"/>
-          </a:fontRef>
-        </p:style>
-      </p:cxnSp>
-      <p:sp>
-        <p:nvSpPr>
-          <p:cNvPr id="17" name="Oval 16">
-            <a:extLst>
-              <a:ext uri="{FF2B5EF4-FFF2-40B4-BE49-F238E27FC236}">
-                <a16:creationId xmlns:a16="http://schemas.microsoft.com/office/drawing/2014/main" id="{55DC34CE-A79F-475B-BC71-A877DEBB9437}"/>
+      <p:sp>
+        <p:nvSpPr>
+          <p:cNvPr id="34" name="Oval 33">
+            <a:extLst>
+              <a:ext uri="{FF2B5EF4-FFF2-40B4-BE49-F238E27FC236}">
+                <a16:creationId xmlns:a16="http://schemas.microsoft.com/office/drawing/2014/main" id="{D410BB44-5312-4F99-B672-A6A153CEAB17}"/>
               </a:ext>
             </a:extLst>
           </p:cNvPr>
@@ -6673,10 +6356,10 @@
       </p:sp>
       <p:sp>
         <p:nvSpPr>
-          <p:cNvPr id="18" name="TextBox 17">
-            <a:extLst>
-              <a:ext uri="{FF2B5EF4-FFF2-40B4-BE49-F238E27FC236}">
-                <a16:creationId xmlns:a16="http://schemas.microsoft.com/office/drawing/2014/main" id="{84EF5D0F-7666-4E40-B5E9-17E7A60CC5CD}"/>
+          <p:cNvPr id="17" name="TextBox 16">
+            <a:extLst>
+              <a:ext uri="{FF2B5EF4-FFF2-40B4-BE49-F238E27FC236}">
+                <a16:creationId xmlns:a16="http://schemas.microsoft.com/office/drawing/2014/main" id="{7B3937AB-B6D4-5C4A-9CB1-CC2CC41B5C8D}"/>
               </a:ext>
             </a:extLst>
           </p:cNvPr>
@@ -6685,8 +6368,8 @@
         </p:nvSpPr>
         <p:spPr>
           <a:xfrm>
-            <a:off x="3326860" y="4147386"/>
-            <a:ext cx="301686" cy="369332"/>
+            <a:off x="321013" y="544749"/>
+            <a:ext cx="10538847" cy="1754326"/>
           </a:xfrm>
           <a:prstGeom prst="rect">
             <a:avLst/>
@@ -6701,17 +6384,108 @@
           <a:p>
             <a:r>
               <a:rPr lang="en-US" dirty="0"/>
-              <a:t>4</a:t>
-            </a:r>
-          </a:p>
-        </p:txBody>
-      </p:sp>
-      <p:sp>
-        <p:nvSpPr>
-          <p:cNvPr id="19" name="TextBox 18">
-            <a:extLst>
-              <a:ext uri="{FF2B5EF4-FFF2-40B4-BE49-F238E27FC236}">
-                <a16:creationId xmlns:a16="http://schemas.microsoft.com/office/drawing/2014/main" id="{0C19F9AE-2A12-494B-A31A-B78AF18AB8B9}"/>
+              <a:t>4 = </a:t>
+            </a:r>
+            <a:r>
+              <a:rPr lang="en-US" dirty="0" err="1"/>
+              <a:t>Fout</a:t>
+            </a:r>
+            <a:r>
+              <a:rPr lang="en-US" dirty="0"/>
+              <a:t> * sin (alpha-theta)* cos(alpha – theta)			- along positive </a:t>
+            </a:r>
+            <a:r>
+              <a:rPr lang="en-US" dirty="0" err="1"/>
+              <a:t>Yalpha</a:t>
+            </a:r>
+            <a:r>
+              <a:rPr lang="en-US" dirty="0"/>
+              <a:t> axis</a:t>
+            </a:r>
+          </a:p>
+          <a:p>
+            <a:r>
+              <a:rPr lang="en-US" dirty="0"/>
+              <a:t>5 = </a:t>
+            </a:r>
+            <a:r>
+              <a:rPr lang="en-US" dirty="0" err="1"/>
+              <a:t>Fout</a:t>
+            </a:r>
+            <a:r>
+              <a:rPr lang="en-US" dirty="0"/>
+              <a:t> * sin (alpha-theta)* sin(alpha– theta)			- along positive </a:t>
+            </a:r>
+            <a:r>
+              <a:rPr lang="en-US" dirty="0" err="1"/>
+              <a:t>Xalpha</a:t>
+            </a:r>
+            <a:r>
+              <a:rPr lang="en-US" dirty="0"/>
+              <a:t> axis</a:t>
+            </a:r>
+          </a:p>
+          <a:p>
+            <a:endParaRPr lang="en-US" dirty="0"/>
+          </a:p>
+          <a:p>
+            <a:r>
+              <a:rPr lang="en-US" dirty="0"/>
+              <a:t>6 = </a:t>
+            </a:r>
+            <a:r>
+              <a:rPr lang="en-US" dirty="0" err="1"/>
+              <a:t>Fout</a:t>
+            </a:r>
+            <a:r>
+              <a:rPr lang="en-US" dirty="0"/>
+              <a:t> * cos (alpha-theta) * cos(beta-theta)			- along positive </a:t>
+            </a:r>
+            <a:r>
+              <a:rPr lang="en-US" dirty="0" err="1"/>
+              <a:t>Xbeta</a:t>
+            </a:r>
+            <a:r>
+              <a:rPr lang="en-US" dirty="0"/>
+              <a:t> axis</a:t>
+            </a:r>
+          </a:p>
+          <a:p>
+            <a:r>
+              <a:rPr lang="en-US" dirty="0"/>
+              <a:t>7 = </a:t>
+            </a:r>
+            <a:r>
+              <a:rPr lang="en-US" dirty="0" err="1"/>
+              <a:t>Fout</a:t>
+            </a:r>
+            <a:r>
+              <a:rPr lang="en-US" dirty="0"/>
+              <a:t> * cos(alpha-theta) * cos(90+beta-theta)			- along positive </a:t>
+            </a:r>
+            <a:r>
+              <a:rPr lang="en-US" dirty="0" err="1"/>
+              <a:t>Ybeta</a:t>
+            </a:r>
+            <a:r>
+              <a:rPr lang="en-US" dirty="0"/>
+              <a:t> axis (negative value</a:t>
+            </a:r>
+          </a:p>
+          <a:p>
+            <a:r>
+              <a:rPr lang="en-US" dirty="0"/>
+              <a:t>										into road)</a:t>
+            </a:r>
+          </a:p>
+        </p:txBody>
+      </p:sp>
+      <p:sp>
+        <p:nvSpPr>
+          <p:cNvPr id="2" name="TextBox 1">
+            <a:extLst>
+              <a:ext uri="{FF2B5EF4-FFF2-40B4-BE49-F238E27FC236}">
+                <a16:creationId xmlns:a16="http://schemas.microsoft.com/office/drawing/2014/main" id="{BC82E129-44D1-B24F-B5A8-1E2D89C0A13C}"/>
               </a:ext>
             </a:extLst>
           </p:cNvPr>
@@ -6720,7 +6494,7 @@
         </p:nvSpPr>
         <p:spPr>
           <a:xfrm>
-            <a:off x="4360655" y="4147386"/>
+            <a:off x="3326860" y="4147386"/>
             <a:ext cx="301686" cy="369332"/>
           </a:xfrm>
           <a:prstGeom prst="rect">
@@ -6736,17 +6510,17 @@
           <a:p>
             <a:r>
               <a:rPr lang="en-US" dirty="0"/>
-              <a:t>5</a:t>
-            </a:r>
-          </a:p>
-        </p:txBody>
-      </p:sp>
-      <p:sp>
-        <p:nvSpPr>
-          <p:cNvPr id="20" name="TextBox 19">
-            <a:extLst>
-              <a:ext uri="{FF2B5EF4-FFF2-40B4-BE49-F238E27FC236}">
-                <a16:creationId xmlns:a16="http://schemas.microsoft.com/office/drawing/2014/main" id="{1D045A21-53A4-4841-8163-0CD4F1B63420}"/>
+              <a:t>4</a:t>
+            </a:r>
+          </a:p>
+        </p:txBody>
+      </p:sp>
+      <p:sp>
+        <p:nvSpPr>
+          <p:cNvPr id="3" name="TextBox 2">
+            <a:extLst>
+              <a:ext uri="{FF2B5EF4-FFF2-40B4-BE49-F238E27FC236}">
+                <a16:creationId xmlns:a16="http://schemas.microsoft.com/office/drawing/2014/main" id="{6D981DDA-9099-6F4E-8FA7-DCD7320CF0BF}"/>
               </a:ext>
             </a:extLst>
           </p:cNvPr>
@@ -6755,7 +6529,7 @@
         </p:nvSpPr>
         <p:spPr>
           <a:xfrm>
-            <a:off x="7236101" y="3240643"/>
+            <a:off x="4360655" y="4147386"/>
             <a:ext cx="301686" cy="369332"/>
           </a:xfrm>
           <a:prstGeom prst="rect">
@@ -6771,17 +6545,17 @@
           <a:p>
             <a:r>
               <a:rPr lang="en-US" dirty="0"/>
-              <a:t>6</a:t>
-            </a:r>
-          </a:p>
-        </p:txBody>
-      </p:sp>
-      <p:sp>
-        <p:nvSpPr>
-          <p:cNvPr id="2" name="TextBox 1">
-            <a:extLst>
-              <a:ext uri="{FF2B5EF4-FFF2-40B4-BE49-F238E27FC236}">
-                <a16:creationId xmlns:a16="http://schemas.microsoft.com/office/drawing/2014/main" id="{D8CE3D9A-DFE0-1C42-99A1-CB12A8A5A07F}"/>
+              <a:t>5</a:t>
+            </a:r>
+          </a:p>
+        </p:txBody>
+      </p:sp>
+      <p:sp>
+        <p:nvSpPr>
+          <p:cNvPr id="7" name="TextBox 6">
+            <a:extLst>
+              <a:ext uri="{FF2B5EF4-FFF2-40B4-BE49-F238E27FC236}">
+                <a16:creationId xmlns:a16="http://schemas.microsoft.com/office/drawing/2014/main" id="{7F54ADC1-18D4-974D-8ED4-D4C9E91A17CA}"/>
               </a:ext>
             </a:extLst>
           </p:cNvPr>
@@ -6790,7 +6564,7 @@
         </p:nvSpPr>
         <p:spPr>
           <a:xfrm>
-            <a:off x="4148387" y="5543973"/>
+            <a:off x="7236101" y="3240643"/>
             <a:ext cx="301686" cy="369332"/>
           </a:xfrm>
           <a:prstGeom prst="rect">
@@ -6806,17 +6580,17 @@
           <a:p>
             <a:r>
               <a:rPr lang="en-US" dirty="0"/>
-              <a:t>8</a:t>
-            </a:r>
-          </a:p>
-        </p:txBody>
-      </p:sp>
-      <p:sp>
-        <p:nvSpPr>
-          <p:cNvPr id="6" name="TextBox 5">
-            <a:extLst>
-              <a:ext uri="{FF2B5EF4-FFF2-40B4-BE49-F238E27FC236}">
-                <a16:creationId xmlns:a16="http://schemas.microsoft.com/office/drawing/2014/main" id="{9378CF90-EF24-174F-8AAC-27445787ABA5}"/>
+              <a:t>6</a:t>
+            </a:r>
+          </a:p>
+        </p:txBody>
+      </p:sp>
+      <p:sp>
+        <p:nvSpPr>
+          <p:cNvPr id="9" name="TextBox 8">
+            <a:extLst>
+              <a:ext uri="{FF2B5EF4-FFF2-40B4-BE49-F238E27FC236}">
+                <a16:creationId xmlns:a16="http://schemas.microsoft.com/office/drawing/2014/main" id="{A2901233-311E-7F43-A6B4-CA69512395CC}"/>
               </a:ext>
             </a:extLst>
           </p:cNvPr>
@@ -6825,7 +6599,7 @@
         </p:nvSpPr>
         <p:spPr>
           <a:xfrm>
-            <a:off x="6745260" y="4697819"/>
+            <a:off x="7537787" y="4459884"/>
             <a:ext cx="301686" cy="369332"/>
           </a:xfrm>
           <a:prstGeom prst="rect">
@@ -6841,240 +6615,7 @@
           <a:p>
             <a:r>
               <a:rPr lang="en-US" dirty="0"/>
-              <a:t>9</a:t>
-            </a:r>
-          </a:p>
-        </p:txBody>
-      </p:sp>
-      <p:cxnSp>
-        <p:nvCxnSpPr>
-          <p:cNvPr id="27" name="Straight Arrow Connector 26">
-            <a:extLst>
-              <a:ext uri="{FF2B5EF4-FFF2-40B4-BE49-F238E27FC236}">
-                <a16:creationId xmlns:a16="http://schemas.microsoft.com/office/drawing/2014/main" id="{9E30E49D-3334-D849-A7D6-DC68E57FFF51}"/>
-              </a:ext>
-            </a:extLst>
-          </p:cNvPr>
-          <p:cNvCxnSpPr>
-            <a:cxnSpLocks/>
-          </p:cNvCxnSpPr>
-          <p:nvPr/>
-        </p:nvCxnSpPr>
-        <p:spPr>
-          <a:xfrm>
-            <a:off x="6971921" y="4076219"/>
-            <a:ext cx="636640" cy="367444"/>
-          </a:xfrm>
-          <a:prstGeom prst="straightConnector1">
-            <a:avLst/>
-          </a:prstGeom>
-          <a:ln w="44450">
-            <a:solidFill>
-              <a:schemeClr val="accent2"/>
-            </a:solidFill>
-            <a:tailEnd type="triangle"/>
-          </a:ln>
-        </p:spPr>
-        <p:style>
-          <a:lnRef idx="1">
-            <a:schemeClr val="accent1"/>
-          </a:lnRef>
-          <a:fillRef idx="0">
-            <a:schemeClr val="accent1"/>
-          </a:fillRef>
-          <a:effectRef idx="0">
-            <a:schemeClr val="accent1"/>
-          </a:effectRef>
-          <a:fontRef idx="minor">
-            <a:schemeClr val="tx1"/>
-          </a:fontRef>
-        </p:style>
-      </p:cxnSp>
-      <p:sp>
-        <p:nvSpPr>
-          <p:cNvPr id="7" name="TextBox 6">
-            <a:extLst>
-              <a:ext uri="{FF2B5EF4-FFF2-40B4-BE49-F238E27FC236}">
-                <a16:creationId xmlns:a16="http://schemas.microsoft.com/office/drawing/2014/main" id="{01C850B9-3A8F-6447-AE0E-C638574B92BF}"/>
-              </a:ext>
-            </a:extLst>
-          </p:cNvPr>
-          <p:cNvSpPr txBox="1"/>
-          <p:nvPr/>
-        </p:nvSpPr>
-        <p:spPr>
-          <a:xfrm>
-            <a:off x="7605874" y="4431450"/>
-            <a:ext cx="301686" cy="369332"/>
-          </a:xfrm>
-          <a:prstGeom prst="rect">
-            <a:avLst/>
-          </a:prstGeom>
-          <a:noFill/>
-        </p:spPr>
-        <p:txBody>
-          <a:bodyPr wrap="none" rtlCol="0">
-            <a:spAutoFit/>
-          </a:bodyPr>
-          <a:lstStyle/>
-          <a:p>
-            <a:r>
-              <a:rPr lang="en-US" dirty="0"/>
               <a:t>7</a:t>
-            </a:r>
-          </a:p>
-        </p:txBody>
-      </p:sp>
-      <p:sp>
-        <p:nvSpPr>
-          <p:cNvPr id="28" name="TextBox 27">
-            <a:extLst>
-              <a:ext uri="{FF2B5EF4-FFF2-40B4-BE49-F238E27FC236}">
-                <a16:creationId xmlns:a16="http://schemas.microsoft.com/office/drawing/2014/main" id="{1B0488D6-3857-7548-A8DC-CA88744A19C2}"/>
-              </a:ext>
-            </a:extLst>
-          </p:cNvPr>
-          <p:cNvSpPr txBox="1"/>
-          <p:nvPr/>
-        </p:nvSpPr>
-        <p:spPr>
-          <a:xfrm>
-            <a:off x="321013" y="544749"/>
-            <a:ext cx="10677923" cy="2308324"/>
-          </a:xfrm>
-          <a:prstGeom prst="rect">
-            <a:avLst/>
-          </a:prstGeom>
-          <a:noFill/>
-        </p:spPr>
-        <p:txBody>
-          <a:bodyPr wrap="none" rtlCol="0">
-            <a:spAutoFit/>
-          </a:bodyPr>
-          <a:lstStyle/>
-          <a:p>
-            <a:r>
-              <a:rPr lang="en-US" dirty="0"/>
-              <a:t>4 = </a:t>
-            </a:r>
-            <a:r>
-              <a:rPr lang="en-US" dirty="0" err="1"/>
-              <a:t>Fout</a:t>
-            </a:r>
-            <a:r>
-              <a:rPr lang="en-US" dirty="0"/>
-              <a:t> * sin (alpha-theta)* cos(alpha – theta)			- along positive </a:t>
-            </a:r>
-            <a:r>
-              <a:rPr lang="en-US" dirty="0" err="1"/>
-              <a:t>Yalpha</a:t>
-            </a:r>
-            <a:r>
-              <a:rPr lang="en-US" dirty="0"/>
-              <a:t> axis</a:t>
-            </a:r>
-          </a:p>
-          <a:p>
-            <a:r>
-              <a:rPr lang="en-US" dirty="0"/>
-              <a:t>5 = </a:t>
-            </a:r>
-            <a:r>
-              <a:rPr lang="en-US" dirty="0" err="1"/>
-              <a:t>Fout</a:t>
-            </a:r>
-            <a:r>
-              <a:rPr lang="en-US" dirty="0"/>
-              <a:t> * sin (alpha-theta)* sin(alpha– theta)			- along positive </a:t>
-            </a:r>
-            <a:r>
-              <a:rPr lang="en-US" dirty="0" err="1"/>
-              <a:t>Xalpha</a:t>
-            </a:r>
-            <a:r>
-              <a:rPr lang="en-US" dirty="0"/>
-              <a:t> axis</a:t>
-            </a:r>
-          </a:p>
-          <a:p>
-            <a:endParaRPr lang="en-US" dirty="0"/>
-          </a:p>
-          <a:p>
-            <a:r>
-              <a:rPr lang="en-US" dirty="0"/>
-              <a:t>6 = </a:t>
-            </a:r>
-            <a:r>
-              <a:rPr lang="en-US" dirty="0" err="1"/>
-              <a:t>Fout</a:t>
-            </a:r>
-            <a:r>
-              <a:rPr lang="en-US" dirty="0"/>
-              <a:t> * cos (alpha-theta) * cos(beta-theta)			- along positive </a:t>
-            </a:r>
-            <a:r>
-              <a:rPr lang="en-US" dirty="0" err="1"/>
-              <a:t>Xbeta</a:t>
-            </a:r>
-            <a:r>
-              <a:rPr lang="en-US" dirty="0"/>
-              <a:t> axis</a:t>
-            </a:r>
-          </a:p>
-          <a:p>
-            <a:r>
-              <a:rPr lang="en-US" dirty="0"/>
-              <a:t>7 = </a:t>
-            </a:r>
-            <a:r>
-              <a:rPr lang="en-US" dirty="0" err="1"/>
-              <a:t>Fout</a:t>
-            </a:r>
-            <a:r>
-              <a:rPr lang="en-US" dirty="0"/>
-              <a:t> * cos(alpha-theta) * sin(90+beta-theta)			- along positive </a:t>
-            </a:r>
-            <a:r>
-              <a:rPr lang="en-US" dirty="0" err="1"/>
-              <a:t>Ybeta</a:t>
-            </a:r>
-            <a:r>
-              <a:rPr lang="en-US" dirty="0"/>
-              <a:t> axis (negative value</a:t>
-            </a:r>
-          </a:p>
-          <a:p>
-            <a:r>
-              <a:rPr lang="en-US" dirty="0"/>
-              <a:t>										into road)</a:t>
-            </a:r>
-          </a:p>
-          <a:p>
-            <a:r>
-              <a:rPr lang="en-US" dirty="0"/>
-              <a:t>8 = W1 							(along positive </a:t>
-            </a:r>
-            <a:r>
-              <a:rPr lang="en-US" dirty="0" err="1"/>
-              <a:t>Yworld</a:t>
-            </a:r>
-            <a:r>
-              <a:rPr lang="en-US" dirty="0"/>
-              <a:t> axis (negative value)</a:t>
-            </a:r>
-          </a:p>
-          <a:p>
-            <a:r>
-              <a:rPr lang="en-US" dirty="0"/>
-              <a:t>9 = W2 							(along positive </a:t>
-            </a:r>
-            <a:r>
-              <a:rPr lang="en-US" dirty="0" err="1"/>
-              <a:t>Xworld</a:t>
-            </a:r>
-            <a:r>
-              <a:rPr lang="en-US" dirty="0"/>
-              <a:t> axis (negative value)</a:t>
             </a:r>
           </a:p>
         </p:txBody>
@@ -7082,7 +6623,7 @@
     </p:spTree>
     <p:extLst>
       <p:ext uri="{BB962C8B-B14F-4D97-AF65-F5344CB8AC3E}">
-        <p14:creationId xmlns:p14="http://schemas.microsoft.com/office/powerpoint/2010/main" val="2619946284"/>
+        <p14:creationId xmlns:p14="http://schemas.microsoft.com/office/powerpoint/2010/main" val="2064682653"/>
       </p:ext>
     </p:extLst>
   </p:cSld>
@@ -7450,8 +6991,8 @@
         </p:nvSpPr>
         <p:spPr>
           <a:xfrm>
-            <a:off x="161006" y="3165980"/>
-            <a:ext cx="4550285" cy="800219"/>
+            <a:off x="5397167" y="5999946"/>
+            <a:ext cx="6390788" cy="584775"/>
           </a:xfrm>
           <a:prstGeom prst="rect">
             <a:avLst/>
@@ -7466,19 +7007,13 @@
           <a:p>
             <a:r>
               <a:rPr lang="en-US" dirty="0"/>
-              <a:t>These forces can also be split into components</a:t>
+              <a:t>Each axle also experiences a force due to the weight of the vehicle</a:t>
             </a:r>
           </a:p>
           <a:p>
             <a:r>
               <a:rPr lang="en-US" sz="1400" i="1" dirty="0"/>
-              <a:t>1 parallel to the ground</a:t>
-            </a:r>
-          </a:p>
-          <a:p>
-            <a:r>
-              <a:rPr lang="en-US" sz="1400" i="1" dirty="0"/>
-              <a:t>1 perpendicular to it</a:t>
+              <a:t>(these forces should sum to the total weight – but may not always be equal)</a:t>
             </a:r>
           </a:p>
         </p:txBody>
@@ -7631,8 +7166,8 @@
         </p:nvCxnSpPr>
         <p:spPr>
           <a:xfrm>
-            <a:off x="4126036" y="4606591"/>
-            <a:ext cx="8606" cy="815642"/>
+            <a:off x="4137932" y="4616116"/>
+            <a:ext cx="10455" cy="991470"/>
           </a:xfrm>
           <a:prstGeom prst="straightConnector1">
             <a:avLst/>
@@ -7677,7 +7212,7 @@
         </p:nvCxnSpPr>
         <p:spPr>
           <a:xfrm>
-            <a:off x="6972225" y="4063469"/>
+            <a:off x="6971370" y="4085091"/>
             <a:ext cx="6745" cy="559600"/>
           </a:xfrm>
           <a:prstGeom prst="straightConnector1">
@@ -7707,153 +7242,12 @@
           </a:fontRef>
         </p:style>
       </p:cxnSp>
-      <p:cxnSp>
-        <p:nvCxnSpPr>
-          <p:cNvPr id="19" name="Straight Arrow Connector 18">
-            <a:extLst>
-              <a:ext uri="{FF2B5EF4-FFF2-40B4-BE49-F238E27FC236}">
-                <a16:creationId xmlns:a16="http://schemas.microsoft.com/office/drawing/2014/main" id="{AD3E50A1-B81A-4EFC-9CB5-B78C1121160F}"/>
-              </a:ext>
-            </a:extLst>
-          </p:cNvPr>
-          <p:cNvCxnSpPr>
-            <a:cxnSpLocks/>
-          </p:cNvCxnSpPr>
-          <p:nvPr/>
-        </p:nvCxnSpPr>
-        <p:spPr>
-          <a:xfrm flipH="1">
-            <a:off x="6714258" y="4088429"/>
-            <a:ext cx="248993" cy="392082"/>
-          </a:xfrm>
-          <a:prstGeom prst="straightConnector1">
-            <a:avLst/>
-          </a:prstGeom>
-          <a:ln w="44450">
-            <a:solidFill>
-              <a:schemeClr val="accent6">
-                <a:lumMod val="60000"/>
-                <a:lumOff val="40000"/>
-              </a:schemeClr>
-            </a:solidFill>
-            <a:tailEnd type="triangle"/>
-          </a:ln>
-        </p:spPr>
-        <p:style>
-          <a:lnRef idx="1">
-            <a:schemeClr val="accent1"/>
-          </a:lnRef>
-          <a:fillRef idx="0">
-            <a:schemeClr val="accent1"/>
-          </a:fillRef>
-          <a:effectRef idx="0">
-            <a:schemeClr val="accent1"/>
-          </a:effectRef>
-          <a:fontRef idx="minor">
-            <a:schemeClr val="tx1"/>
-          </a:fontRef>
-        </p:style>
-      </p:cxnSp>
-      <p:cxnSp>
-        <p:nvCxnSpPr>
-          <p:cNvPr id="23" name="Straight Arrow Connector 22">
-            <a:extLst>
-              <a:ext uri="{FF2B5EF4-FFF2-40B4-BE49-F238E27FC236}">
-                <a16:creationId xmlns:a16="http://schemas.microsoft.com/office/drawing/2014/main" id="{5BEB0799-5403-4093-96E8-FC94C18849D2}"/>
-              </a:ext>
-            </a:extLst>
-          </p:cNvPr>
-          <p:cNvCxnSpPr>
-            <a:cxnSpLocks/>
-          </p:cNvCxnSpPr>
-          <p:nvPr/>
-        </p:nvCxnSpPr>
-        <p:spPr>
-          <a:xfrm flipH="1">
-            <a:off x="3617494" y="4593478"/>
-            <a:ext cx="496392" cy="483905"/>
-          </a:xfrm>
-          <a:prstGeom prst="straightConnector1">
-            <a:avLst/>
-          </a:prstGeom>
-          <a:ln w="44450">
-            <a:solidFill>
-              <a:schemeClr val="accent6">
-                <a:lumMod val="60000"/>
-                <a:lumOff val="40000"/>
-              </a:schemeClr>
-            </a:solidFill>
-            <a:tailEnd type="triangle"/>
-          </a:ln>
-        </p:spPr>
-        <p:style>
-          <a:lnRef idx="1">
-            <a:schemeClr val="accent1"/>
-          </a:lnRef>
-          <a:fillRef idx="0">
-            <a:schemeClr val="accent1"/>
-          </a:fillRef>
-          <a:effectRef idx="0">
-            <a:schemeClr val="accent1"/>
-          </a:effectRef>
-          <a:fontRef idx="minor">
-            <a:schemeClr val="tx1"/>
-          </a:fontRef>
-        </p:style>
-      </p:cxnSp>
-      <p:cxnSp>
-        <p:nvCxnSpPr>
-          <p:cNvPr id="25" name="Straight Arrow Connector 24">
-            <a:extLst>
-              <a:ext uri="{FF2B5EF4-FFF2-40B4-BE49-F238E27FC236}">
-                <a16:creationId xmlns:a16="http://schemas.microsoft.com/office/drawing/2014/main" id="{3FC25260-6E3E-4384-99A6-C2A0B1402D08}"/>
-              </a:ext>
-            </a:extLst>
-          </p:cNvPr>
-          <p:cNvCxnSpPr>
-            <a:cxnSpLocks/>
-          </p:cNvCxnSpPr>
-          <p:nvPr/>
-        </p:nvCxnSpPr>
-        <p:spPr>
-          <a:xfrm>
-            <a:off x="4113885" y="4582522"/>
-            <a:ext cx="477165" cy="494861"/>
-          </a:xfrm>
-          <a:prstGeom prst="straightConnector1">
-            <a:avLst/>
-          </a:prstGeom>
-          <a:ln w="44450">
-            <a:solidFill>
-              <a:schemeClr val="accent6">
-                <a:lumMod val="60000"/>
-                <a:lumOff val="40000"/>
-              </a:schemeClr>
-            </a:solidFill>
-            <a:tailEnd type="triangle"/>
-          </a:ln>
-        </p:spPr>
-        <p:style>
-          <a:lnRef idx="1">
-            <a:schemeClr val="accent1"/>
-          </a:lnRef>
-          <a:fillRef idx="0">
-            <a:schemeClr val="accent1"/>
-          </a:fillRef>
-          <a:effectRef idx="0">
-            <a:schemeClr val="accent1"/>
-          </a:effectRef>
-          <a:fontRef idx="minor">
-            <a:schemeClr val="tx1"/>
-          </a:fontRef>
-        </p:style>
-      </p:cxnSp>
-      <p:sp>
-        <p:nvSpPr>
-          <p:cNvPr id="29" name="Oval 28">
-            <a:extLst>
-              <a:ext uri="{FF2B5EF4-FFF2-40B4-BE49-F238E27FC236}">
-                <a16:creationId xmlns:a16="http://schemas.microsoft.com/office/drawing/2014/main" id="{B8C1CBB5-793E-4E2F-9D55-BB46F5393147}"/>
+      <p:sp>
+        <p:nvSpPr>
+          <p:cNvPr id="17" name="Oval 16">
+            <a:extLst>
+              <a:ext uri="{FF2B5EF4-FFF2-40B4-BE49-F238E27FC236}">
+                <a16:creationId xmlns:a16="http://schemas.microsoft.com/office/drawing/2014/main" id="{55DC34CE-A79F-475B-BC71-A877DEBB9437}"/>
               </a:ext>
             </a:extLst>
           </p:cNvPr>
@@ -7902,10 +7296,10 @@
       </p:sp>
       <p:sp>
         <p:nvSpPr>
-          <p:cNvPr id="20" name="TextBox 19">
-            <a:extLst>
-              <a:ext uri="{FF2B5EF4-FFF2-40B4-BE49-F238E27FC236}">
-                <a16:creationId xmlns:a16="http://schemas.microsoft.com/office/drawing/2014/main" id="{0403D055-2A9D-E949-81FF-4AA3D6351A31}"/>
+          <p:cNvPr id="18" name="TextBox 17">
+            <a:extLst>
+              <a:ext uri="{FF2B5EF4-FFF2-40B4-BE49-F238E27FC236}">
+                <a16:creationId xmlns:a16="http://schemas.microsoft.com/office/drawing/2014/main" id="{84EF5D0F-7666-4E40-B5E9-17E7A60CC5CD}"/>
               </a:ext>
             </a:extLst>
           </p:cNvPr>
@@ -7914,8 +7308,8 @@
         </p:nvSpPr>
         <p:spPr>
           <a:xfrm>
-            <a:off x="157019" y="5016001"/>
-            <a:ext cx="8245014" cy="1754326"/>
+            <a:off x="3326860" y="4147386"/>
+            <a:ext cx="301686" cy="369332"/>
           </a:xfrm>
           <a:prstGeom prst="rect">
             <a:avLst/>
@@ -7928,75 +7322,19 @@
           </a:bodyPr>
           <a:lstStyle/>
           <a:p>
-            <a:endParaRPr lang="en-US" dirty="0"/>
-          </a:p>
-          <a:p>
-            <a:r>
-              <a:rPr lang="en-US" dirty="0"/>
-              <a:t>10 = W1 * sin(alpha) 				- along positive </a:t>
-            </a:r>
-            <a:r>
-              <a:rPr lang="en-US" dirty="0" err="1"/>
-              <a:t>Xalpha</a:t>
-            </a:r>
-            <a:r>
-              <a:rPr lang="en-US" dirty="0"/>
-              <a:t> axis</a:t>
-            </a:r>
-          </a:p>
-          <a:p>
-            <a:r>
-              <a:rPr lang="en-US" dirty="0"/>
-              <a:t>11 = W1 * cos(alpha)				- along positive </a:t>
-            </a:r>
-            <a:r>
-              <a:rPr lang="en-US" dirty="0" err="1"/>
-              <a:t>Yalpha</a:t>
-            </a:r>
-            <a:r>
-              <a:rPr lang="en-US" dirty="0"/>
-              <a:t> axis</a:t>
-            </a:r>
-          </a:p>
-          <a:p>
-            <a:endParaRPr lang="en-US" dirty="0"/>
-          </a:p>
-          <a:p>
-            <a:r>
-              <a:rPr lang="en-US" dirty="0"/>
-              <a:t>12 = W2 * sin(beta)				- along positive </a:t>
-            </a:r>
-            <a:r>
-              <a:rPr lang="en-US" dirty="0" err="1"/>
-              <a:t>Xbeta</a:t>
-            </a:r>
-            <a:r>
-              <a:rPr lang="en-US" dirty="0"/>
-              <a:t> axis</a:t>
-            </a:r>
-          </a:p>
-          <a:p>
-            <a:r>
-              <a:rPr lang="en-US" dirty="0"/>
-              <a:t>13 = W2 * cos(beta)				- along positive </a:t>
-            </a:r>
-            <a:r>
-              <a:rPr lang="en-US" dirty="0" err="1"/>
-              <a:t>Ybeta</a:t>
-            </a:r>
-            <a:r>
-              <a:rPr lang="en-US" dirty="0"/>
-              <a:t> axis</a:t>
-            </a:r>
-          </a:p>
-        </p:txBody>
-      </p:sp>
-      <p:sp>
-        <p:nvSpPr>
-          <p:cNvPr id="2" name="TextBox 1">
-            <a:extLst>
-              <a:ext uri="{FF2B5EF4-FFF2-40B4-BE49-F238E27FC236}">
-                <a16:creationId xmlns:a16="http://schemas.microsoft.com/office/drawing/2014/main" id="{CF9E42D5-517C-2C41-825D-997825AF1717}"/>
+            <a:r>
+              <a:rPr lang="en-US" dirty="0"/>
+              <a:t>4</a:t>
+            </a:r>
+          </a:p>
+        </p:txBody>
+      </p:sp>
+      <p:sp>
+        <p:nvSpPr>
+          <p:cNvPr id="19" name="TextBox 18">
+            <a:extLst>
+              <a:ext uri="{FF2B5EF4-FFF2-40B4-BE49-F238E27FC236}">
+                <a16:creationId xmlns:a16="http://schemas.microsoft.com/office/drawing/2014/main" id="{0C19F9AE-2A12-494B-A31A-B78AF18AB8B9}"/>
               </a:ext>
             </a:extLst>
           </p:cNvPr>
@@ -8005,8 +7343,8 @@
         </p:nvSpPr>
         <p:spPr>
           <a:xfrm>
-            <a:off x="3278917" y="5077383"/>
-            <a:ext cx="418704" cy="369332"/>
+            <a:off x="4360655" y="4147386"/>
+            <a:ext cx="301686" cy="369332"/>
           </a:xfrm>
           <a:prstGeom prst="rect">
             <a:avLst/>
@@ -8021,17 +7359,17 @@
           <a:p>
             <a:r>
               <a:rPr lang="en-US" dirty="0"/>
-              <a:t>10</a:t>
-            </a:r>
-          </a:p>
-        </p:txBody>
-      </p:sp>
-      <p:sp>
-        <p:nvSpPr>
-          <p:cNvPr id="27" name="TextBox 26">
-            <a:extLst>
-              <a:ext uri="{FF2B5EF4-FFF2-40B4-BE49-F238E27FC236}">
-                <a16:creationId xmlns:a16="http://schemas.microsoft.com/office/drawing/2014/main" id="{F4192716-D4C8-5944-8B59-9D8841B2092D}"/>
+              <a:t>5</a:t>
+            </a:r>
+          </a:p>
+        </p:txBody>
+      </p:sp>
+      <p:sp>
+        <p:nvSpPr>
+          <p:cNvPr id="20" name="TextBox 19">
+            <a:extLst>
+              <a:ext uri="{FF2B5EF4-FFF2-40B4-BE49-F238E27FC236}">
+                <a16:creationId xmlns:a16="http://schemas.microsoft.com/office/drawing/2014/main" id="{1D045A21-53A4-4841-8163-0CD4F1B63420}"/>
               </a:ext>
             </a:extLst>
           </p:cNvPr>
@@ -8040,8 +7378,8 @@
         </p:nvSpPr>
         <p:spPr>
           <a:xfrm>
-            <a:off x="4555000" y="5021131"/>
-            <a:ext cx="418704" cy="369332"/>
+            <a:off x="7236101" y="3240643"/>
+            <a:ext cx="301686" cy="369332"/>
           </a:xfrm>
           <a:prstGeom prst="rect">
             <a:avLst/>
@@ -8056,17 +7394,17 @@
           <a:p>
             <a:r>
               <a:rPr lang="en-US" dirty="0"/>
-              <a:t>11</a:t>
-            </a:r>
-          </a:p>
-        </p:txBody>
-      </p:sp>
-      <p:sp>
-        <p:nvSpPr>
-          <p:cNvPr id="28" name="TextBox 27">
-            <a:extLst>
-              <a:ext uri="{FF2B5EF4-FFF2-40B4-BE49-F238E27FC236}">
-                <a16:creationId xmlns:a16="http://schemas.microsoft.com/office/drawing/2014/main" id="{B5B1FDD5-5BF9-5446-8A56-12D16E44A2E2}"/>
+              <a:t>6</a:t>
+            </a:r>
+          </a:p>
+        </p:txBody>
+      </p:sp>
+      <p:sp>
+        <p:nvSpPr>
+          <p:cNvPr id="2" name="TextBox 1">
+            <a:extLst>
+              <a:ext uri="{FF2B5EF4-FFF2-40B4-BE49-F238E27FC236}">
+                <a16:creationId xmlns:a16="http://schemas.microsoft.com/office/drawing/2014/main" id="{D8CE3D9A-DFE0-1C42-99A1-CB12A8A5A07F}"/>
               </a:ext>
             </a:extLst>
           </p:cNvPr>
@@ -8075,8 +7413,8 @@
         </p:nvSpPr>
         <p:spPr>
           <a:xfrm>
-            <a:off x="6295554" y="4547937"/>
-            <a:ext cx="418704" cy="369332"/>
+            <a:off x="4148387" y="5543973"/>
+            <a:ext cx="301686" cy="369332"/>
           </a:xfrm>
           <a:prstGeom prst="rect">
             <a:avLst/>
@@ -8091,17 +7429,17 @@
           <a:p>
             <a:r>
               <a:rPr lang="en-US" dirty="0"/>
-              <a:t>12</a:t>
-            </a:r>
-          </a:p>
-        </p:txBody>
-      </p:sp>
-      <p:sp>
-        <p:nvSpPr>
-          <p:cNvPr id="30" name="TextBox 29">
-            <a:extLst>
-              <a:ext uri="{FF2B5EF4-FFF2-40B4-BE49-F238E27FC236}">
-                <a16:creationId xmlns:a16="http://schemas.microsoft.com/office/drawing/2014/main" id="{633C722F-4DA4-CE4A-A4E3-F57AEB8F2282}"/>
+              <a:t>8</a:t>
+            </a:r>
+          </a:p>
+        </p:txBody>
+      </p:sp>
+      <p:sp>
+        <p:nvSpPr>
+          <p:cNvPr id="6" name="TextBox 5">
+            <a:extLst>
+              <a:ext uri="{FF2B5EF4-FFF2-40B4-BE49-F238E27FC236}">
+                <a16:creationId xmlns:a16="http://schemas.microsoft.com/office/drawing/2014/main" id="{9378CF90-EF24-174F-8AAC-27445787ABA5}"/>
               </a:ext>
             </a:extLst>
           </p:cNvPr>
@@ -8110,8 +7448,8 @@
         </p:nvSpPr>
         <p:spPr>
           <a:xfrm>
-            <a:off x="7156707" y="3941785"/>
-            <a:ext cx="418704" cy="369332"/>
+            <a:off x="6745260" y="4697819"/>
+            <a:ext cx="301686" cy="369332"/>
           </a:xfrm>
           <a:prstGeom prst="rect">
             <a:avLst/>
@@ -8126,76 +7464,6 @@
           <a:p>
             <a:r>
               <a:rPr lang="en-US" dirty="0"/>
-              <a:t>13</a:t>
-            </a:r>
-          </a:p>
-        </p:txBody>
-      </p:sp>
-      <p:sp>
-        <p:nvSpPr>
-          <p:cNvPr id="32" name="TextBox 31">
-            <a:extLst>
-              <a:ext uri="{FF2B5EF4-FFF2-40B4-BE49-F238E27FC236}">
-                <a16:creationId xmlns:a16="http://schemas.microsoft.com/office/drawing/2014/main" id="{61A78D7E-4330-9E4E-A592-8DF88F56C278}"/>
-              </a:ext>
-            </a:extLst>
-          </p:cNvPr>
-          <p:cNvSpPr txBox="1"/>
-          <p:nvPr/>
-        </p:nvSpPr>
-        <p:spPr>
-          <a:xfrm>
-            <a:off x="4148387" y="5543973"/>
-            <a:ext cx="301686" cy="369332"/>
-          </a:xfrm>
-          <a:prstGeom prst="rect">
-            <a:avLst/>
-          </a:prstGeom>
-          <a:noFill/>
-        </p:spPr>
-        <p:txBody>
-          <a:bodyPr wrap="none" rtlCol="0">
-            <a:spAutoFit/>
-          </a:bodyPr>
-          <a:lstStyle/>
-          <a:p>
-            <a:r>
-              <a:rPr lang="en-US" dirty="0"/>
-              <a:t>8</a:t>
-            </a:r>
-          </a:p>
-        </p:txBody>
-      </p:sp>
-      <p:sp>
-        <p:nvSpPr>
-          <p:cNvPr id="33" name="TextBox 32">
-            <a:extLst>
-              <a:ext uri="{FF2B5EF4-FFF2-40B4-BE49-F238E27FC236}">
-                <a16:creationId xmlns:a16="http://schemas.microsoft.com/office/drawing/2014/main" id="{1EE4D8F2-27EC-8749-AD54-09AA8104B51B}"/>
-              </a:ext>
-            </a:extLst>
-          </p:cNvPr>
-          <p:cNvSpPr txBox="1"/>
-          <p:nvPr/>
-        </p:nvSpPr>
-        <p:spPr>
-          <a:xfrm>
-            <a:off x="6745260" y="4697819"/>
-            <a:ext cx="301686" cy="369332"/>
-          </a:xfrm>
-          <a:prstGeom prst="rect">
-            <a:avLst/>
-          </a:prstGeom>
-          <a:noFill/>
-        </p:spPr>
-        <p:txBody>
-          <a:bodyPr wrap="none" rtlCol="0">
-            <a:spAutoFit/>
-          </a:bodyPr>
-          <a:lstStyle/>
-          <a:p>
-            <a:r>
-              <a:rPr lang="en-US" dirty="0"/>
               <a:t>9</a:t>
             </a:r>
           </a:p>
@@ -8203,10 +7471,10 @@
       </p:sp>
       <p:cxnSp>
         <p:nvCxnSpPr>
-          <p:cNvPr id="34" name="Straight Arrow Connector 33">
-            <a:extLst>
-              <a:ext uri="{FF2B5EF4-FFF2-40B4-BE49-F238E27FC236}">
-                <a16:creationId xmlns:a16="http://schemas.microsoft.com/office/drawing/2014/main" id="{3B6B31AB-B38E-FF41-A6EF-B1C81ED1405A}"/>
+          <p:cNvPr id="27" name="Straight Arrow Connector 26">
+            <a:extLst>
+              <a:ext uri="{FF2B5EF4-FFF2-40B4-BE49-F238E27FC236}">
+                <a16:creationId xmlns:a16="http://schemas.microsoft.com/office/drawing/2014/main" id="{9E30E49D-3334-D849-A7D6-DC68E57FFF51}"/>
               </a:ext>
             </a:extLst>
           </p:cNvPr>
@@ -8245,59 +7513,12 @@
           </a:fontRef>
         </p:style>
       </p:cxnSp>
-      <p:cxnSp>
-        <p:nvCxnSpPr>
-          <p:cNvPr id="17" name="Straight Arrow Connector 16">
-            <a:extLst>
-              <a:ext uri="{FF2B5EF4-FFF2-40B4-BE49-F238E27FC236}">
-                <a16:creationId xmlns:a16="http://schemas.microsoft.com/office/drawing/2014/main" id="{1EFBF96D-D51B-4038-808B-B86FEB05F151}"/>
-              </a:ext>
-            </a:extLst>
-          </p:cNvPr>
-          <p:cNvCxnSpPr>
-            <a:cxnSpLocks/>
-          </p:cNvCxnSpPr>
-          <p:nvPr/>
-        </p:nvCxnSpPr>
-        <p:spPr>
-          <a:xfrm>
-            <a:off x="6952251" y="4066807"/>
-            <a:ext cx="365224" cy="261073"/>
-          </a:xfrm>
-          <a:prstGeom prst="straightConnector1">
-            <a:avLst/>
-          </a:prstGeom>
-          <a:ln w="44450">
-            <a:solidFill>
-              <a:schemeClr val="accent6">
-                <a:lumMod val="60000"/>
-                <a:lumOff val="40000"/>
-              </a:schemeClr>
-            </a:solidFill>
-            <a:tailEnd type="triangle"/>
-          </a:ln>
-        </p:spPr>
-        <p:style>
-          <a:lnRef idx="1">
-            <a:schemeClr val="accent1"/>
-          </a:lnRef>
-          <a:fillRef idx="0">
-            <a:schemeClr val="accent1"/>
-          </a:fillRef>
-          <a:effectRef idx="0">
-            <a:schemeClr val="accent1"/>
-          </a:effectRef>
-          <a:fontRef idx="minor">
-            <a:schemeClr val="tx1"/>
-          </a:fontRef>
-        </p:style>
-      </p:cxnSp>
-      <p:sp>
-        <p:nvSpPr>
-          <p:cNvPr id="35" name="TextBox 34">
-            <a:extLst>
-              <a:ext uri="{FF2B5EF4-FFF2-40B4-BE49-F238E27FC236}">
-                <a16:creationId xmlns:a16="http://schemas.microsoft.com/office/drawing/2014/main" id="{AA8B2251-F4B7-AE4C-9D2D-D0CBB544BD58}"/>
+      <p:sp>
+        <p:nvSpPr>
+          <p:cNvPr id="7" name="TextBox 6">
+            <a:extLst>
+              <a:ext uri="{FF2B5EF4-FFF2-40B4-BE49-F238E27FC236}">
+                <a16:creationId xmlns:a16="http://schemas.microsoft.com/office/drawing/2014/main" id="{01C850B9-3A8F-6447-AE0E-C638574B92BF}"/>
               </a:ext>
             </a:extLst>
           </p:cNvPr>
@@ -8306,42 +7527,7 @@
         </p:nvSpPr>
         <p:spPr>
           <a:xfrm>
-            <a:off x="7546457" y="4329656"/>
-            <a:ext cx="477191" cy="369332"/>
-          </a:xfrm>
-          <a:prstGeom prst="rect">
-            <a:avLst/>
-          </a:prstGeom>
-          <a:noFill/>
-        </p:spPr>
-        <p:txBody>
-          <a:bodyPr wrap="square" rtlCol="0">
-            <a:spAutoFit/>
-          </a:bodyPr>
-          <a:lstStyle/>
-          <a:p>
-            <a:r>
-              <a:rPr lang="en-US" dirty="0"/>
-              <a:t>7</a:t>
-            </a:r>
-          </a:p>
-        </p:txBody>
-      </p:sp>
-      <p:sp>
-        <p:nvSpPr>
-          <p:cNvPr id="36" name="TextBox 35">
-            <a:extLst>
-              <a:ext uri="{FF2B5EF4-FFF2-40B4-BE49-F238E27FC236}">
-                <a16:creationId xmlns:a16="http://schemas.microsoft.com/office/drawing/2014/main" id="{3FB19D84-51CA-824D-B5C5-C027D3C23A5D}"/>
-              </a:ext>
-            </a:extLst>
-          </p:cNvPr>
-          <p:cNvSpPr txBox="1"/>
-          <p:nvPr/>
-        </p:nvSpPr>
-        <p:spPr>
-          <a:xfrm>
-            <a:off x="3326860" y="4147386"/>
+            <a:off x="7605874" y="4431450"/>
             <a:ext cx="301686" cy="369332"/>
           </a:xfrm>
           <a:prstGeom prst="rect">
@@ -8357,17 +7543,17 @@
           <a:p>
             <a:r>
               <a:rPr lang="en-US" dirty="0"/>
-              <a:t>4</a:t>
-            </a:r>
-          </a:p>
-        </p:txBody>
-      </p:sp>
-      <p:sp>
-        <p:nvSpPr>
-          <p:cNvPr id="37" name="TextBox 36">
-            <a:extLst>
-              <a:ext uri="{FF2B5EF4-FFF2-40B4-BE49-F238E27FC236}">
-                <a16:creationId xmlns:a16="http://schemas.microsoft.com/office/drawing/2014/main" id="{EC33DB91-5B96-C24C-B079-8D9228108AB5}"/>
+              <a:t>7</a:t>
+            </a:r>
+          </a:p>
+        </p:txBody>
+      </p:sp>
+      <p:sp>
+        <p:nvSpPr>
+          <p:cNvPr id="28" name="TextBox 27">
+            <a:extLst>
+              <a:ext uri="{FF2B5EF4-FFF2-40B4-BE49-F238E27FC236}">
+                <a16:creationId xmlns:a16="http://schemas.microsoft.com/office/drawing/2014/main" id="{1B0488D6-3857-7548-A8DC-CA88744A19C2}"/>
               </a:ext>
             </a:extLst>
           </p:cNvPr>
@@ -8376,8 +7562,8 @@
         </p:nvSpPr>
         <p:spPr>
           <a:xfrm>
-            <a:off x="4360655" y="4147386"/>
-            <a:ext cx="301686" cy="369332"/>
+            <a:off x="321013" y="544749"/>
+            <a:ext cx="10677923" cy="2308324"/>
           </a:xfrm>
           <a:prstGeom prst="rect">
             <a:avLst/>
@@ -8392,76 +7578,6 @@
           <a:p>
             <a:r>
               <a:rPr lang="en-US" dirty="0"/>
-              <a:t>5</a:t>
-            </a:r>
-          </a:p>
-        </p:txBody>
-      </p:sp>
-      <p:sp>
-        <p:nvSpPr>
-          <p:cNvPr id="38" name="TextBox 37">
-            <a:extLst>
-              <a:ext uri="{FF2B5EF4-FFF2-40B4-BE49-F238E27FC236}">
-                <a16:creationId xmlns:a16="http://schemas.microsoft.com/office/drawing/2014/main" id="{641ED7AF-2372-B54D-A9B8-9AEA3C3BAD58}"/>
-              </a:ext>
-            </a:extLst>
-          </p:cNvPr>
-          <p:cNvSpPr txBox="1"/>
-          <p:nvPr/>
-        </p:nvSpPr>
-        <p:spPr>
-          <a:xfrm>
-            <a:off x="7236101" y="3240643"/>
-            <a:ext cx="301686" cy="369332"/>
-          </a:xfrm>
-          <a:prstGeom prst="rect">
-            <a:avLst/>
-          </a:prstGeom>
-          <a:noFill/>
-        </p:spPr>
-        <p:txBody>
-          <a:bodyPr wrap="none" rtlCol="0">
-            <a:spAutoFit/>
-          </a:bodyPr>
-          <a:lstStyle/>
-          <a:p>
-            <a:r>
-              <a:rPr lang="en-US" dirty="0"/>
-              <a:t>6</a:t>
-            </a:r>
-          </a:p>
-        </p:txBody>
-      </p:sp>
-      <p:sp>
-        <p:nvSpPr>
-          <p:cNvPr id="39" name="TextBox 38">
-            <a:extLst>
-              <a:ext uri="{FF2B5EF4-FFF2-40B4-BE49-F238E27FC236}">
-                <a16:creationId xmlns:a16="http://schemas.microsoft.com/office/drawing/2014/main" id="{BBB63BB1-6A84-5D49-9902-3E32737D6685}"/>
-              </a:ext>
-            </a:extLst>
-          </p:cNvPr>
-          <p:cNvSpPr txBox="1"/>
-          <p:nvPr/>
-        </p:nvSpPr>
-        <p:spPr>
-          <a:xfrm>
-            <a:off x="321013" y="544749"/>
-            <a:ext cx="9807493" cy="2308324"/>
-          </a:xfrm>
-          <a:prstGeom prst="rect">
-            <a:avLst/>
-          </a:prstGeom>
-          <a:noFill/>
-        </p:spPr>
-        <p:txBody>
-          <a:bodyPr wrap="none" rtlCol="0">
-            <a:spAutoFit/>
-          </a:bodyPr>
-          <a:lstStyle/>
-          <a:p>
-            <a:r>
-              <a:rPr lang="en-US" dirty="0"/>
               <a:t>4 = </a:t>
             </a:r>
             <a:r>
@@ -8470,7 +7586,7 @@
             </a:r>
             <a:r>
               <a:rPr lang="en-US" dirty="0"/>
-              <a:t> * sin (alpha-theta)* cos(alpha – theta)		- along positive </a:t>
+              <a:t> * sin (alpha-theta)* cos(alpha – theta)			- along positive </a:t>
             </a:r>
             <a:r>
               <a:rPr lang="en-US" dirty="0" err="1"/>
@@ -8492,7 +7608,7 @@
             </a:r>
             <a:r>
               <a:rPr lang="en-US" dirty="0"/>
-              <a:t> * sin (alpha-theta)* sin(alpha– theta)		- along positive </a:t>
+              <a:t> * sin (alpha-theta)* sin(alpha– theta)			- along positive </a:t>
             </a:r>
             <a:r>
               <a:rPr lang="en-US" dirty="0" err="1"/>
@@ -8517,7 +7633,7 @@
             </a:r>
             <a:r>
               <a:rPr lang="en-US" dirty="0"/>
-              <a:t> * cos (alpha-theta) * cos(beta-theta)		- along positive </a:t>
+              <a:t> * cos (alpha-theta) * cos(beta-theta)			- along positive </a:t>
             </a:r>
             <a:r>
               <a:rPr lang="en-US" dirty="0" err="1"/>
@@ -8539,7 +7655,7 @@
             </a:r>
             <a:r>
               <a:rPr lang="en-US" dirty="0"/>
-              <a:t> * cos(alpha-theta) * sin(90+beta-theta)		- along positive </a:t>
+              <a:t> * cos(alpha-theta) * sin(90+beta-theta)			- along positive </a:t>
             </a:r>
             <a:r>
               <a:rPr lang="en-US" dirty="0" err="1"/>
@@ -8553,13 +7669,13 @@
           <a:p>
             <a:r>
               <a:rPr lang="en-US" dirty="0"/>
-              <a:t>									into road)</a:t>
-            </a:r>
-          </a:p>
-          <a:p>
-            <a:r>
-              <a:rPr lang="en-US" dirty="0"/>
-              <a:t>8 = W1 						- along positive </a:t>
+              <a:t>										into road)</a:t>
+            </a:r>
+          </a:p>
+          <a:p>
+            <a:r>
+              <a:rPr lang="en-US" dirty="0"/>
+              <a:t>8 = W1 							(along positive </a:t>
             </a:r>
             <a:r>
               <a:rPr lang="en-US" dirty="0" err="1"/>
@@ -8573,7 +7689,7 @@
           <a:p>
             <a:r>
               <a:rPr lang="en-US" dirty="0"/>
-              <a:t>9 = W2 						- along positive </a:t>
+              <a:t>9 = W2 							(along positive </a:t>
             </a:r>
             <a:r>
               <a:rPr lang="en-US" dirty="0" err="1"/>
@@ -8589,7 +7705,7 @@
     </p:spTree>
     <p:extLst>
       <p:ext uri="{BB962C8B-B14F-4D97-AF65-F5344CB8AC3E}">
-        <p14:creationId xmlns:p14="http://schemas.microsoft.com/office/powerpoint/2010/main" val="764676390"/>
+        <p14:creationId xmlns:p14="http://schemas.microsoft.com/office/powerpoint/2010/main" val="2619946284"/>
       </p:ext>
     </p:extLst>
   </p:cSld>
@@ -9124,6 +8240,98 @@
       </p:cxnSp>
       <p:cxnSp>
         <p:nvCxnSpPr>
+          <p:cNvPr id="3" name="Straight Arrow Connector 2">
+            <a:extLst>
+              <a:ext uri="{FF2B5EF4-FFF2-40B4-BE49-F238E27FC236}">
+                <a16:creationId xmlns:a16="http://schemas.microsoft.com/office/drawing/2014/main" id="{C83E022E-D38E-4410-B151-0DD3D3CABA47}"/>
+              </a:ext>
+            </a:extLst>
+          </p:cNvPr>
+          <p:cNvCxnSpPr>
+            <a:cxnSpLocks/>
+          </p:cNvCxnSpPr>
+          <p:nvPr/>
+        </p:nvCxnSpPr>
+        <p:spPr>
+          <a:xfrm>
+            <a:off x="4126036" y="4606591"/>
+            <a:ext cx="8606" cy="815642"/>
+          </a:xfrm>
+          <a:prstGeom prst="straightConnector1">
+            <a:avLst/>
+          </a:prstGeom>
+          <a:ln w="53975">
+            <a:solidFill>
+              <a:schemeClr val="accent6">
+                <a:lumMod val="75000"/>
+              </a:schemeClr>
+            </a:solidFill>
+            <a:tailEnd type="triangle"/>
+          </a:ln>
+        </p:spPr>
+        <p:style>
+          <a:lnRef idx="1">
+            <a:schemeClr val="accent1"/>
+          </a:lnRef>
+          <a:fillRef idx="0">
+            <a:schemeClr val="accent1"/>
+          </a:fillRef>
+          <a:effectRef idx="0">
+            <a:schemeClr val="accent1"/>
+          </a:effectRef>
+          <a:fontRef idx="minor">
+            <a:schemeClr val="tx1"/>
+          </a:fontRef>
+        </p:style>
+      </p:cxnSp>
+      <p:cxnSp>
+        <p:nvCxnSpPr>
+          <p:cNvPr id="16" name="Straight Arrow Connector 15">
+            <a:extLst>
+              <a:ext uri="{FF2B5EF4-FFF2-40B4-BE49-F238E27FC236}">
+                <a16:creationId xmlns:a16="http://schemas.microsoft.com/office/drawing/2014/main" id="{1DD19D85-6AEE-419A-8BAF-9BA5A9C3FDDB}"/>
+              </a:ext>
+            </a:extLst>
+          </p:cNvPr>
+          <p:cNvCxnSpPr>
+            <a:cxnSpLocks/>
+          </p:cNvCxnSpPr>
+          <p:nvPr/>
+        </p:nvCxnSpPr>
+        <p:spPr>
+          <a:xfrm>
+            <a:off x="6972225" y="4063469"/>
+            <a:ext cx="6745" cy="559600"/>
+          </a:xfrm>
+          <a:prstGeom prst="straightConnector1">
+            <a:avLst/>
+          </a:prstGeom>
+          <a:ln w="53975">
+            <a:solidFill>
+              <a:schemeClr val="accent6">
+                <a:lumMod val="75000"/>
+              </a:schemeClr>
+            </a:solidFill>
+            <a:tailEnd type="triangle"/>
+          </a:ln>
+        </p:spPr>
+        <p:style>
+          <a:lnRef idx="1">
+            <a:schemeClr val="accent1"/>
+          </a:lnRef>
+          <a:fillRef idx="0">
+            <a:schemeClr val="accent1"/>
+          </a:fillRef>
+          <a:effectRef idx="0">
+            <a:schemeClr val="accent1"/>
+          </a:effectRef>
+          <a:fontRef idx="minor">
+            <a:schemeClr val="tx1"/>
+          </a:fontRef>
+        </p:style>
+      </p:cxnSp>
+      <p:cxnSp>
+        <p:nvCxnSpPr>
           <p:cNvPr id="19" name="Straight Arrow Connector 18">
             <a:extLst>
               <a:ext uri="{FF2B5EF4-FFF2-40B4-BE49-F238E27FC236}">
@@ -9546,6 +8754,76 @@
           </a:p>
         </p:txBody>
       </p:sp>
+      <p:sp>
+        <p:nvSpPr>
+          <p:cNvPr id="32" name="TextBox 31">
+            <a:extLst>
+              <a:ext uri="{FF2B5EF4-FFF2-40B4-BE49-F238E27FC236}">
+                <a16:creationId xmlns:a16="http://schemas.microsoft.com/office/drawing/2014/main" id="{61A78D7E-4330-9E4E-A592-8DF88F56C278}"/>
+              </a:ext>
+            </a:extLst>
+          </p:cNvPr>
+          <p:cNvSpPr txBox="1"/>
+          <p:nvPr/>
+        </p:nvSpPr>
+        <p:spPr>
+          <a:xfrm>
+            <a:off x="4148387" y="5543973"/>
+            <a:ext cx="301686" cy="369332"/>
+          </a:xfrm>
+          <a:prstGeom prst="rect">
+            <a:avLst/>
+          </a:prstGeom>
+          <a:noFill/>
+        </p:spPr>
+        <p:txBody>
+          <a:bodyPr wrap="none" rtlCol="0">
+            <a:spAutoFit/>
+          </a:bodyPr>
+          <a:lstStyle/>
+          <a:p>
+            <a:r>
+              <a:rPr lang="en-US" dirty="0"/>
+              <a:t>8</a:t>
+            </a:r>
+          </a:p>
+        </p:txBody>
+      </p:sp>
+      <p:sp>
+        <p:nvSpPr>
+          <p:cNvPr id="33" name="TextBox 32">
+            <a:extLst>
+              <a:ext uri="{FF2B5EF4-FFF2-40B4-BE49-F238E27FC236}">
+                <a16:creationId xmlns:a16="http://schemas.microsoft.com/office/drawing/2014/main" id="{1EE4D8F2-27EC-8749-AD54-09AA8104B51B}"/>
+              </a:ext>
+            </a:extLst>
+          </p:cNvPr>
+          <p:cNvSpPr txBox="1"/>
+          <p:nvPr/>
+        </p:nvSpPr>
+        <p:spPr>
+          <a:xfrm>
+            <a:off x="6745260" y="4697819"/>
+            <a:ext cx="301686" cy="369332"/>
+          </a:xfrm>
+          <a:prstGeom prst="rect">
+            <a:avLst/>
+          </a:prstGeom>
+          <a:noFill/>
+        </p:spPr>
+        <p:txBody>
+          <a:bodyPr wrap="none" rtlCol="0">
+            <a:spAutoFit/>
+          </a:bodyPr>
+          <a:lstStyle/>
+          <a:p>
+            <a:r>
+              <a:rPr lang="en-US" dirty="0"/>
+              <a:t>9</a:t>
+            </a:r>
+          </a:p>
+        </p:txBody>
+      </p:sp>
       <p:cxnSp>
         <p:nvCxnSpPr>
           <p:cNvPr id="34" name="Straight Arrow Connector 33">
@@ -9792,7 +9070,7 @@
         <p:spPr>
           <a:xfrm>
             <a:off x="321013" y="544749"/>
-            <a:ext cx="9615517" cy="2031325"/>
+            <a:ext cx="9807493" cy="2308324"/>
           </a:xfrm>
           <a:prstGeom prst="rect">
             <a:avLst/>
@@ -9902,14 +9180,39 @@
             </a:r>
           </a:p>
           <a:p>
-            <a:endParaRPr lang="en-US" dirty="0"/>
+            <a:r>
+              <a:rPr lang="en-US" dirty="0"/>
+              <a:t>8 = W1 						- along positive </a:t>
+            </a:r>
+            <a:r>
+              <a:rPr lang="en-US" dirty="0" err="1"/>
+              <a:t>Yworld</a:t>
+            </a:r>
+            <a:r>
+              <a:rPr lang="en-US" dirty="0"/>
+              <a:t> axis (negative value)</a:t>
+            </a:r>
+          </a:p>
+          <a:p>
+            <a:r>
+              <a:rPr lang="en-US" dirty="0"/>
+              <a:t>9 = W2 						- along positive </a:t>
+            </a:r>
+            <a:r>
+              <a:rPr lang="en-US" dirty="0" err="1"/>
+              <a:t>Xworld</a:t>
+            </a:r>
+            <a:r>
+              <a:rPr lang="en-US" dirty="0"/>
+              <a:t> axis (negative value)</a:t>
+            </a:r>
           </a:p>
         </p:txBody>
       </p:sp>
     </p:spTree>
     <p:extLst>
       <p:ext uri="{BB962C8B-B14F-4D97-AF65-F5344CB8AC3E}">
-        <p14:creationId xmlns:p14="http://schemas.microsoft.com/office/powerpoint/2010/main" val="3380440513"/>
+        <p14:creationId xmlns:p14="http://schemas.microsoft.com/office/powerpoint/2010/main" val="764676390"/>
       </p:ext>
     </p:extLst>
   </p:cSld>
@@ -10029,7 +9332,7 @@
           <a:lstStyle/>
           <a:p>
             <a:pPr algn="ctr"/>
-            <a:endParaRPr lang="en-US" dirty="0"/>
+            <a:endParaRPr lang="en-US"/>
           </a:p>
         </p:txBody>
       </p:sp>
@@ -10075,7 +9378,7 @@
           <a:lstStyle/>
           <a:p>
             <a:pPr algn="ctr"/>
-            <a:endParaRPr lang="en-US" dirty="0"/>
+            <a:endParaRPr lang="en-US"/>
           </a:p>
         </p:txBody>
       </p:sp>
@@ -10263,6 +9566,53 @@
           </a:p>
         </p:txBody>
       </p:sp>
+      <p:sp>
+        <p:nvSpPr>
+          <p:cNvPr id="22" name="TextBox 21">
+            <a:extLst>
+              <a:ext uri="{FF2B5EF4-FFF2-40B4-BE49-F238E27FC236}">
+                <a16:creationId xmlns:a16="http://schemas.microsoft.com/office/drawing/2014/main" id="{E451AE19-3966-40F9-B2EA-A0E2DEFD7742}"/>
+              </a:ext>
+            </a:extLst>
+          </p:cNvPr>
+          <p:cNvSpPr txBox="1"/>
+          <p:nvPr/>
+        </p:nvSpPr>
+        <p:spPr>
+          <a:xfrm>
+            <a:off x="161006" y="3165980"/>
+            <a:ext cx="4550285" cy="800219"/>
+          </a:xfrm>
+          <a:prstGeom prst="rect">
+            <a:avLst/>
+          </a:prstGeom>
+          <a:noFill/>
+        </p:spPr>
+        <p:txBody>
+          <a:bodyPr wrap="none" rtlCol="0">
+            <a:spAutoFit/>
+          </a:bodyPr>
+          <a:lstStyle/>
+          <a:p>
+            <a:r>
+              <a:rPr lang="en-US" dirty="0"/>
+              <a:t>These forces can also be split into components</a:t>
+            </a:r>
+          </a:p>
+          <a:p>
+            <a:r>
+              <a:rPr lang="en-US" sz="1400" i="1" dirty="0"/>
+              <a:t>1 parallel to the ground</a:t>
+            </a:r>
+          </a:p>
+          <a:p>
+            <a:r>
+              <a:rPr lang="en-US" sz="1400" i="1" dirty="0"/>
+              <a:t>1 perpendicular to it</a:t>
+            </a:r>
+          </a:p>
+        </p:txBody>
+      </p:sp>
       <p:cxnSp>
         <p:nvCxnSpPr>
           <p:cNvPr id="24" name="Straight Arrow Connector 23">
@@ -10278,9 +9628,9 @@
           <p:nvPr/>
         </p:nvCxnSpPr>
         <p:spPr>
-          <a:xfrm>
-            <a:off x="4132634" y="4616118"/>
-            <a:ext cx="201241" cy="184482"/>
+          <a:xfrm flipH="1" flipV="1">
+            <a:off x="3617494" y="4147386"/>
+            <a:ext cx="515139" cy="468732"/>
           </a:xfrm>
           <a:prstGeom prst="straightConnector1">
             <a:avLst/>
@@ -10309,10 +9659,10 @@
       </p:cxnSp>
       <p:cxnSp>
         <p:nvCxnSpPr>
-          <p:cNvPr id="31" name="Straight Arrow Connector 30">
-            <a:extLst>
-              <a:ext uri="{FF2B5EF4-FFF2-40B4-BE49-F238E27FC236}">
-                <a16:creationId xmlns:a16="http://schemas.microsoft.com/office/drawing/2014/main" id="{AD038506-55C1-4874-B057-B99FE232635B}"/>
+          <p:cNvPr id="26" name="Straight Arrow Connector 25">
+            <a:extLst>
+              <a:ext uri="{FF2B5EF4-FFF2-40B4-BE49-F238E27FC236}">
+                <a16:creationId xmlns:a16="http://schemas.microsoft.com/office/drawing/2014/main" id="{13F14664-F20C-4C4B-9589-A38B833D7D0A}"/>
               </a:ext>
             </a:extLst>
           </p:cNvPr>
@@ -10323,8 +9673,8 @@
         </p:nvCxnSpPr>
         <p:spPr>
           <a:xfrm flipV="1">
-            <a:off x="6974825" y="3762375"/>
-            <a:ext cx="207025" cy="310948"/>
+            <a:off x="4116376" y="4284436"/>
+            <a:ext cx="298742" cy="331680"/>
           </a:xfrm>
           <a:prstGeom prst="straightConnector1">
             <a:avLst/>
@@ -10353,10 +9703,10 @@
       </p:cxnSp>
       <p:cxnSp>
         <p:nvCxnSpPr>
-          <p:cNvPr id="17" name="Straight Arrow Connector 16">
-            <a:extLst>
-              <a:ext uri="{FF2B5EF4-FFF2-40B4-BE49-F238E27FC236}">
-                <a16:creationId xmlns:a16="http://schemas.microsoft.com/office/drawing/2014/main" id="{1EFBF96D-D51B-4038-808B-B86FEB05F151}"/>
+          <p:cNvPr id="31" name="Straight Arrow Connector 30">
+            <a:extLst>
+              <a:ext uri="{FF2B5EF4-FFF2-40B4-BE49-F238E27FC236}">
+                <a16:creationId xmlns:a16="http://schemas.microsoft.com/office/drawing/2014/main" id="{AD038506-55C1-4874-B057-B99FE232635B}"/>
               </a:ext>
             </a:extLst>
           </p:cNvPr>
@@ -10366,9 +9716,53 @@
           <p:nvPr/>
         </p:nvCxnSpPr>
         <p:spPr>
-          <a:xfrm>
-            <a:off x="6954275" y="4067414"/>
-            <a:ext cx="335966" cy="272680"/>
+          <a:xfrm flipV="1">
+            <a:off x="6974825" y="3556467"/>
+            <a:ext cx="315416" cy="516856"/>
+          </a:xfrm>
+          <a:prstGeom prst="straightConnector1">
+            <a:avLst/>
+          </a:prstGeom>
+          <a:ln w="44450">
+            <a:solidFill>
+              <a:schemeClr val="accent2"/>
+            </a:solidFill>
+            <a:tailEnd type="triangle"/>
+          </a:ln>
+        </p:spPr>
+        <p:style>
+          <a:lnRef idx="1">
+            <a:schemeClr val="accent1"/>
+          </a:lnRef>
+          <a:fillRef idx="0">
+            <a:schemeClr val="accent1"/>
+          </a:fillRef>
+          <a:effectRef idx="0">
+            <a:schemeClr val="accent1"/>
+          </a:effectRef>
+          <a:fontRef idx="minor">
+            <a:schemeClr val="tx1"/>
+          </a:fontRef>
+        </p:style>
+      </p:cxnSp>
+      <p:cxnSp>
+        <p:nvCxnSpPr>
+          <p:cNvPr id="19" name="Straight Arrow Connector 18">
+            <a:extLst>
+              <a:ext uri="{FF2B5EF4-FFF2-40B4-BE49-F238E27FC236}">
+                <a16:creationId xmlns:a16="http://schemas.microsoft.com/office/drawing/2014/main" id="{AD3E50A1-B81A-4EFC-9CB5-B78C1121160F}"/>
+              </a:ext>
+            </a:extLst>
+          </p:cNvPr>
+          <p:cNvCxnSpPr>
+            <a:cxnSpLocks/>
+          </p:cNvCxnSpPr>
+          <p:nvPr/>
+        </p:nvCxnSpPr>
+        <p:spPr>
+          <a:xfrm flipH="1">
+            <a:off x="6714258" y="4088429"/>
+            <a:ext cx="248993" cy="392082"/>
           </a:xfrm>
           <a:prstGeom prst="straightConnector1">
             <a:avLst/>
@@ -10414,8 +9808,8 @@
         </p:nvCxnSpPr>
         <p:spPr>
           <a:xfrm flipH="1">
-            <a:off x="3914775" y="4593478"/>
-            <a:ext cx="199111" cy="207122"/>
+            <a:off x="3617494" y="4593478"/>
+            <a:ext cx="496392" cy="483905"/>
           </a:xfrm>
           <a:prstGeom prst="straightConnector1">
             <a:avLst/>
@@ -10445,56 +9839,59 @@
           </a:fontRef>
         </p:style>
       </p:cxnSp>
-      <p:sp>
-        <p:nvSpPr>
-          <p:cNvPr id="18" name="TextBox 17">
-            <a:extLst>
-              <a:ext uri="{FF2B5EF4-FFF2-40B4-BE49-F238E27FC236}">
-                <a16:creationId xmlns:a16="http://schemas.microsoft.com/office/drawing/2014/main" id="{5DCF6378-8300-424B-8E82-E506650E4F8A}"/>
-              </a:ext>
-            </a:extLst>
-          </p:cNvPr>
-          <p:cNvSpPr txBox="1"/>
-          <p:nvPr/>
-        </p:nvSpPr>
-        <p:spPr>
-          <a:xfrm>
-            <a:off x="7402843" y="4947868"/>
-            <a:ext cx="4588392" cy="1754326"/>
-          </a:xfrm>
-          <a:prstGeom prst="rect">
-            <a:avLst/>
-          </a:prstGeom>
-          <a:noFill/>
-        </p:spPr>
-        <p:txBody>
-          <a:bodyPr wrap="square" rtlCol="0">
-            <a:spAutoFit/>
-          </a:bodyPr>
-          <a:lstStyle/>
-          <a:p>
-            <a:r>
-              <a:rPr lang="en-US" dirty="0"/>
-              <a:t>The forces at each axle can be summed to give 2 forces on each wheel</a:t>
-            </a:r>
-          </a:p>
-          <a:p>
-            <a:endParaRPr lang="en-US" dirty="0"/>
-          </a:p>
-          <a:p>
-            <a:r>
-              <a:rPr lang="en-US" dirty="0"/>
-              <a:t>All directions are along the positive axis – negative values will indicate directions along the negative axis.</a:t>
-            </a:r>
-          </a:p>
-        </p:txBody>
-      </p:sp>
-      <p:sp>
-        <p:nvSpPr>
-          <p:cNvPr id="22" name="Oval 21">
-            <a:extLst>
-              <a:ext uri="{FF2B5EF4-FFF2-40B4-BE49-F238E27FC236}">
-                <a16:creationId xmlns:a16="http://schemas.microsoft.com/office/drawing/2014/main" id="{E77AC8F4-0964-4350-A37F-64EEDFD59AE0}"/>
+      <p:cxnSp>
+        <p:nvCxnSpPr>
+          <p:cNvPr id="25" name="Straight Arrow Connector 24">
+            <a:extLst>
+              <a:ext uri="{FF2B5EF4-FFF2-40B4-BE49-F238E27FC236}">
+                <a16:creationId xmlns:a16="http://schemas.microsoft.com/office/drawing/2014/main" id="{3FC25260-6E3E-4384-99A6-C2A0B1402D08}"/>
+              </a:ext>
+            </a:extLst>
+          </p:cNvPr>
+          <p:cNvCxnSpPr>
+            <a:cxnSpLocks/>
+          </p:cNvCxnSpPr>
+          <p:nvPr/>
+        </p:nvCxnSpPr>
+        <p:spPr>
+          <a:xfrm>
+            <a:off x="4113885" y="4582522"/>
+            <a:ext cx="477165" cy="494861"/>
+          </a:xfrm>
+          <a:prstGeom prst="straightConnector1">
+            <a:avLst/>
+          </a:prstGeom>
+          <a:ln w="44450">
+            <a:solidFill>
+              <a:schemeClr val="accent6">
+                <a:lumMod val="60000"/>
+                <a:lumOff val="40000"/>
+              </a:schemeClr>
+            </a:solidFill>
+            <a:tailEnd type="triangle"/>
+          </a:ln>
+        </p:spPr>
+        <p:style>
+          <a:lnRef idx="1">
+            <a:schemeClr val="accent1"/>
+          </a:lnRef>
+          <a:fillRef idx="0">
+            <a:schemeClr val="accent1"/>
+          </a:fillRef>
+          <a:effectRef idx="0">
+            <a:schemeClr val="accent1"/>
+          </a:effectRef>
+          <a:fontRef idx="minor">
+            <a:schemeClr val="tx1"/>
+          </a:fontRef>
+        </p:style>
+      </p:cxnSp>
+      <p:sp>
+        <p:nvSpPr>
+          <p:cNvPr id="29" name="Oval 28">
+            <a:extLst>
+              <a:ext uri="{FF2B5EF4-FFF2-40B4-BE49-F238E27FC236}">
+                <a16:creationId xmlns:a16="http://schemas.microsoft.com/office/drawing/2014/main" id="{B8C1CBB5-793E-4E2F-9D55-BB46F5393147}"/>
               </a:ext>
             </a:extLst>
           </p:cNvPr>
@@ -10543,10 +9940,10 @@
       </p:sp>
       <p:sp>
         <p:nvSpPr>
-          <p:cNvPr id="2" name="TextBox 1">
-            <a:extLst>
-              <a:ext uri="{FF2B5EF4-FFF2-40B4-BE49-F238E27FC236}">
-                <a16:creationId xmlns:a16="http://schemas.microsoft.com/office/drawing/2014/main" id="{D9EFA16B-71DF-EA4B-8C89-375AB6F84631}"/>
+          <p:cNvPr id="20" name="TextBox 19">
+            <a:extLst>
+              <a:ext uri="{FF2B5EF4-FFF2-40B4-BE49-F238E27FC236}">
+                <a16:creationId xmlns:a16="http://schemas.microsoft.com/office/drawing/2014/main" id="{0403D055-2A9D-E949-81FF-4AA3D6351A31}"/>
               </a:ext>
             </a:extLst>
           </p:cNvPr>
@@ -10555,8 +9952,8 @@
         </p:nvSpPr>
         <p:spPr>
           <a:xfrm>
-            <a:off x="3575980" y="4327707"/>
-            <a:ext cx="418704" cy="369332"/>
+            <a:off x="157019" y="5016001"/>
+            <a:ext cx="8245014" cy="1754326"/>
           </a:xfrm>
           <a:prstGeom prst="rect">
             <a:avLst/>
@@ -10569,19 +9966,75 @@
           </a:bodyPr>
           <a:lstStyle/>
           <a:p>
-            <a:r>
-              <a:rPr lang="en-US" dirty="0"/>
-              <a:t>14</a:t>
-            </a:r>
-          </a:p>
-        </p:txBody>
-      </p:sp>
-      <p:sp>
-        <p:nvSpPr>
-          <p:cNvPr id="3" name="TextBox 2">
-            <a:extLst>
-              <a:ext uri="{FF2B5EF4-FFF2-40B4-BE49-F238E27FC236}">
-                <a16:creationId xmlns:a16="http://schemas.microsoft.com/office/drawing/2014/main" id="{5B802FD8-DD26-2D44-8061-09C48194E986}"/>
+            <a:endParaRPr lang="en-US" dirty="0"/>
+          </a:p>
+          <a:p>
+            <a:r>
+              <a:rPr lang="en-US" dirty="0"/>
+              <a:t>10 = W1 * sin(alpha) 				- along positive </a:t>
+            </a:r>
+            <a:r>
+              <a:rPr lang="en-US" dirty="0" err="1"/>
+              <a:t>Xalpha</a:t>
+            </a:r>
+            <a:r>
+              <a:rPr lang="en-US" dirty="0"/>
+              <a:t> axis</a:t>
+            </a:r>
+          </a:p>
+          <a:p>
+            <a:r>
+              <a:rPr lang="en-US" dirty="0"/>
+              <a:t>11 = W1 * cos(alpha)				- along positive </a:t>
+            </a:r>
+            <a:r>
+              <a:rPr lang="en-US" dirty="0" err="1"/>
+              <a:t>Yalpha</a:t>
+            </a:r>
+            <a:r>
+              <a:rPr lang="en-US" dirty="0"/>
+              <a:t> axis</a:t>
+            </a:r>
+          </a:p>
+          <a:p>
+            <a:endParaRPr lang="en-US" dirty="0"/>
+          </a:p>
+          <a:p>
+            <a:r>
+              <a:rPr lang="en-US" dirty="0"/>
+              <a:t>12 = W2 * sin(beta)				- along positive </a:t>
+            </a:r>
+            <a:r>
+              <a:rPr lang="en-US" dirty="0" err="1"/>
+              <a:t>Xbeta</a:t>
+            </a:r>
+            <a:r>
+              <a:rPr lang="en-US" dirty="0"/>
+              <a:t> axis</a:t>
+            </a:r>
+          </a:p>
+          <a:p>
+            <a:r>
+              <a:rPr lang="en-US" dirty="0"/>
+              <a:t>13 = W2 * cos(beta)				- along positive </a:t>
+            </a:r>
+            <a:r>
+              <a:rPr lang="en-US" dirty="0" err="1"/>
+              <a:t>Ybeta</a:t>
+            </a:r>
+            <a:r>
+              <a:rPr lang="en-US" dirty="0"/>
+              <a:t> axis</a:t>
+            </a:r>
+          </a:p>
+        </p:txBody>
+      </p:sp>
+      <p:sp>
+        <p:nvSpPr>
+          <p:cNvPr id="2" name="TextBox 1">
+            <a:extLst>
+              <a:ext uri="{FF2B5EF4-FFF2-40B4-BE49-F238E27FC236}">
+                <a16:creationId xmlns:a16="http://schemas.microsoft.com/office/drawing/2014/main" id="{CF9E42D5-517C-2C41-825D-997825AF1717}"/>
               </a:ext>
             </a:extLst>
           </p:cNvPr>
@@ -10590,7 +10043,7 @@
         </p:nvSpPr>
         <p:spPr>
           <a:xfrm>
-            <a:off x="4253373" y="4499629"/>
+            <a:off x="3278917" y="5077383"/>
             <a:ext cx="418704" cy="369332"/>
           </a:xfrm>
           <a:prstGeom prst="rect">
@@ -10606,17 +10059,17 @@
           <a:p>
             <a:r>
               <a:rPr lang="en-US" dirty="0"/>
-              <a:t>15</a:t>
-            </a:r>
-          </a:p>
-        </p:txBody>
-      </p:sp>
-      <p:sp>
-        <p:nvSpPr>
-          <p:cNvPr id="6" name="TextBox 5">
-            <a:extLst>
-              <a:ext uri="{FF2B5EF4-FFF2-40B4-BE49-F238E27FC236}">
-                <a16:creationId xmlns:a16="http://schemas.microsoft.com/office/drawing/2014/main" id="{9B3E45F5-7BC8-2243-9463-EFC852359A49}"/>
+              <a:t>10</a:t>
+            </a:r>
+          </a:p>
+        </p:txBody>
+      </p:sp>
+      <p:sp>
+        <p:nvSpPr>
+          <p:cNvPr id="27" name="TextBox 26">
+            <a:extLst>
+              <a:ext uri="{FF2B5EF4-FFF2-40B4-BE49-F238E27FC236}">
+                <a16:creationId xmlns:a16="http://schemas.microsoft.com/office/drawing/2014/main" id="{F4192716-D4C8-5944-8B59-9D8841B2092D}"/>
               </a:ext>
             </a:extLst>
           </p:cNvPr>
@@ -10625,7 +10078,7 @@
         </p:nvSpPr>
         <p:spPr>
           <a:xfrm>
-            <a:off x="6762254" y="4211373"/>
+            <a:off x="4555000" y="5021131"/>
             <a:ext cx="418704" cy="369332"/>
           </a:xfrm>
           <a:prstGeom prst="rect">
@@ -10641,17 +10094,17 @@
           <a:p>
             <a:r>
               <a:rPr lang="en-US" dirty="0"/>
-              <a:t>16</a:t>
-            </a:r>
-          </a:p>
-        </p:txBody>
-      </p:sp>
-      <p:sp>
-        <p:nvSpPr>
-          <p:cNvPr id="7" name="TextBox 6">
-            <a:extLst>
-              <a:ext uri="{FF2B5EF4-FFF2-40B4-BE49-F238E27FC236}">
-                <a16:creationId xmlns:a16="http://schemas.microsoft.com/office/drawing/2014/main" id="{5A4F4B14-6CDC-2B4C-9601-62E124F4994C}"/>
+              <a:t>11</a:t>
+            </a:r>
+          </a:p>
+        </p:txBody>
+      </p:sp>
+      <p:sp>
+        <p:nvSpPr>
+          <p:cNvPr id="28" name="TextBox 27">
+            <a:extLst>
+              <a:ext uri="{FF2B5EF4-FFF2-40B4-BE49-F238E27FC236}">
+                <a16:creationId xmlns:a16="http://schemas.microsoft.com/office/drawing/2014/main" id="{B5B1FDD5-5BF9-5446-8A56-12D16E44A2E2}"/>
               </a:ext>
             </a:extLst>
           </p:cNvPr>
@@ -10660,7 +10113,7 @@
         </p:nvSpPr>
         <p:spPr>
           <a:xfrm>
-            <a:off x="6783658" y="3511034"/>
+            <a:off x="6295554" y="4547937"/>
             <a:ext cx="418704" cy="369332"/>
           </a:xfrm>
           <a:prstGeom prst="rect">
@@ -10676,17 +10129,17 @@
           <a:p>
             <a:r>
               <a:rPr lang="en-US" dirty="0"/>
-              <a:t>17</a:t>
-            </a:r>
-          </a:p>
-        </p:txBody>
-      </p:sp>
-      <p:sp>
-        <p:nvSpPr>
-          <p:cNvPr id="19" name="TextBox 18">
-            <a:extLst>
-              <a:ext uri="{FF2B5EF4-FFF2-40B4-BE49-F238E27FC236}">
-                <a16:creationId xmlns:a16="http://schemas.microsoft.com/office/drawing/2014/main" id="{5F251183-76F8-A340-86F8-7044AB9249DC}"/>
+              <a:t>12</a:t>
+            </a:r>
+          </a:p>
+        </p:txBody>
+      </p:sp>
+      <p:sp>
+        <p:nvSpPr>
+          <p:cNvPr id="30" name="TextBox 29">
+            <a:extLst>
+              <a:ext uri="{FF2B5EF4-FFF2-40B4-BE49-F238E27FC236}">
+                <a16:creationId xmlns:a16="http://schemas.microsoft.com/office/drawing/2014/main" id="{633C722F-4DA4-CE4A-A4E3-F57AEB8F2282}"/>
               </a:ext>
             </a:extLst>
           </p:cNvPr>
@@ -10695,8 +10148,8 @@
         </p:nvSpPr>
         <p:spPr>
           <a:xfrm>
-            <a:off x="321013" y="544749"/>
-            <a:ext cx="6492098" cy="1200329"/>
+            <a:off x="7156707" y="3941785"/>
+            <a:ext cx="418704" cy="369332"/>
           </a:xfrm>
           <a:prstGeom prst="rect">
             <a:avLst/>
@@ -10711,7 +10164,273 @@
           <a:p>
             <a:r>
               <a:rPr lang="en-US" dirty="0"/>
-              <a:t>14 = </a:t>
+              <a:t>13</a:t>
+            </a:r>
+          </a:p>
+        </p:txBody>
+      </p:sp>
+      <p:cxnSp>
+        <p:nvCxnSpPr>
+          <p:cNvPr id="34" name="Straight Arrow Connector 33">
+            <a:extLst>
+              <a:ext uri="{FF2B5EF4-FFF2-40B4-BE49-F238E27FC236}">
+                <a16:creationId xmlns:a16="http://schemas.microsoft.com/office/drawing/2014/main" id="{3B6B31AB-B38E-FF41-A6EF-B1C81ED1405A}"/>
+              </a:ext>
+            </a:extLst>
+          </p:cNvPr>
+          <p:cNvCxnSpPr>
+            <a:cxnSpLocks/>
+          </p:cNvCxnSpPr>
+          <p:nvPr/>
+        </p:nvCxnSpPr>
+        <p:spPr>
+          <a:xfrm>
+            <a:off x="6971921" y="4076219"/>
+            <a:ext cx="636640" cy="367444"/>
+          </a:xfrm>
+          <a:prstGeom prst="straightConnector1">
+            <a:avLst/>
+          </a:prstGeom>
+          <a:ln w="44450">
+            <a:solidFill>
+              <a:schemeClr val="accent2"/>
+            </a:solidFill>
+            <a:tailEnd type="triangle"/>
+          </a:ln>
+        </p:spPr>
+        <p:style>
+          <a:lnRef idx="1">
+            <a:schemeClr val="accent1"/>
+          </a:lnRef>
+          <a:fillRef idx="0">
+            <a:schemeClr val="accent1"/>
+          </a:fillRef>
+          <a:effectRef idx="0">
+            <a:schemeClr val="accent1"/>
+          </a:effectRef>
+          <a:fontRef idx="minor">
+            <a:schemeClr val="tx1"/>
+          </a:fontRef>
+        </p:style>
+      </p:cxnSp>
+      <p:cxnSp>
+        <p:nvCxnSpPr>
+          <p:cNvPr id="17" name="Straight Arrow Connector 16">
+            <a:extLst>
+              <a:ext uri="{FF2B5EF4-FFF2-40B4-BE49-F238E27FC236}">
+                <a16:creationId xmlns:a16="http://schemas.microsoft.com/office/drawing/2014/main" id="{1EFBF96D-D51B-4038-808B-B86FEB05F151}"/>
+              </a:ext>
+            </a:extLst>
+          </p:cNvPr>
+          <p:cNvCxnSpPr>
+            <a:cxnSpLocks/>
+          </p:cNvCxnSpPr>
+          <p:nvPr/>
+        </p:nvCxnSpPr>
+        <p:spPr>
+          <a:xfrm>
+            <a:off x="6952251" y="4066807"/>
+            <a:ext cx="365224" cy="261073"/>
+          </a:xfrm>
+          <a:prstGeom prst="straightConnector1">
+            <a:avLst/>
+          </a:prstGeom>
+          <a:ln w="44450">
+            <a:solidFill>
+              <a:schemeClr val="accent6">
+                <a:lumMod val="60000"/>
+                <a:lumOff val="40000"/>
+              </a:schemeClr>
+            </a:solidFill>
+            <a:tailEnd type="triangle"/>
+          </a:ln>
+        </p:spPr>
+        <p:style>
+          <a:lnRef idx="1">
+            <a:schemeClr val="accent1"/>
+          </a:lnRef>
+          <a:fillRef idx="0">
+            <a:schemeClr val="accent1"/>
+          </a:fillRef>
+          <a:effectRef idx="0">
+            <a:schemeClr val="accent1"/>
+          </a:effectRef>
+          <a:fontRef idx="minor">
+            <a:schemeClr val="tx1"/>
+          </a:fontRef>
+        </p:style>
+      </p:cxnSp>
+      <p:sp>
+        <p:nvSpPr>
+          <p:cNvPr id="35" name="TextBox 34">
+            <a:extLst>
+              <a:ext uri="{FF2B5EF4-FFF2-40B4-BE49-F238E27FC236}">
+                <a16:creationId xmlns:a16="http://schemas.microsoft.com/office/drawing/2014/main" id="{AA8B2251-F4B7-AE4C-9D2D-D0CBB544BD58}"/>
+              </a:ext>
+            </a:extLst>
+          </p:cNvPr>
+          <p:cNvSpPr txBox="1"/>
+          <p:nvPr/>
+        </p:nvSpPr>
+        <p:spPr>
+          <a:xfrm>
+            <a:off x="7546457" y="4329656"/>
+            <a:ext cx="477191" cy="369332"/>
+          </a:xfrm>
+          <a:prstGeom prst="rect">
+            <a:avLst/>
+          </a:prstGeom>
+          <a:noFill/>
+        </p:spPr>
+        <p:txBody>
+          <a:bodyPr wrap="square" rtlCol="0">
+            <a:spAutoFit/>
+          </a:bodyPr>
+          <a:lstStyle/>
+          <a:p>
+            <a:r>
+              <a:rPr lang="en-US" dirty="0"/>
+              <a:t>7</a:t>
+            </a:r>
+          </a:p>
+        </p:txBody>
+      </p:sp>
+      <p:sp>
+        <p:nvSpPr>
+          <p:cNvPr id="36" name="TextBox 35">
+            <a:extLst>
+              <a:ext uri="{FF2B5EF4-FFF2-40B4-BE49-F238E27FC236}">
+                <a16:creationId xmlns:a16="http://schemas.microsoft.com/office/drawing/2014/main" id="{3FB19D84-51CA-824D-B5C5-C027D3C23A5D}"/>
+              </a:ext>
+            </a:extLst>
+          </p:cNvPr>
+          <p:cNvSpPr txBox="1"/>
+          <p:nvPr/>
+        </p:nvSpPr>
+        <p:spPr>
+          <a:xfrm>
+            <a:off x="3326860" y="4147386"/>
+            <a:ext cx="301686" cy="369332"/>
+          </a:xfrm>
+          <a:prstGeom prst="rect">
+            <a:avLst/>
+          </a:prstGeom>
+          <a:noFill/>
+        </p:spPr>
+        <p:txBody>
+          <a:bodyPr wrap="none" rtlCol="0">
+            <a:spAutoFit/>
+          </a:bodyPr>
+          <a:lstStyle/>
+          <a:p>
+            <a:r>
+              <a:rPr lang="en-US" dirty="0"/>
+              <a:t>4</a:t>
+            </a:r>
+          </a:p>
+        </p:txBody>
+      </p:sp>
+      <p:sp>
+        <p:nvSpPr>
+          <p:cNvPr id="37" name="TextBox 36">
+            <a:extLst>
+              <a:ext uri="{FF2B5EF4-FFF2-40B4-BE49-F238E27FC236}">
+                <a16:creationId xmlns:a16="http://schemas.microsoft.com/office/drawing/2014/main" id="{EC33DB91-5B96-C24C-B079-8D9228108AB5}"/>
+              </a:ext>
+            </a:extLst>
+          </p:cNvPr>
+          <p:cNvSpPr txBox="1"/>
+          <p:nvPr/>
+        </p:nvSpPr>
+        <p:spPr>
+          <a:xfrm>
+            <a:off x="4360655" y="4147386"/>
+            <a:ext cx="301686" cy="369332"/>
+          </a:xfrm>
+          <a:prstGeom prst="rect">
+            <a:avLst/>
+          </a:prstGeom>
+          <a:noFill/>
+        </p:spPr>
+        <p:txBody>
+          <a:bodyPr wrap="none" rtlCol="0">
+            <a:spAutoFit/>
+          </a:bodyPr>
+          <a:lstStyle/>
+          <a:p>
+            <a:r>
+              <a:rPr lang="en-US" dirty="0"/>
+              <a:t>5</a:t>
+            </a:r>
+          </a:p>
+        </p:txBody>
+      </p:sp>
+      <p:sp>
+        <p:nvSpPr>
+          <p:cNvPr id="38" name="TextBox 37">
+            <a:extLst>
+              <a:ext uri="{FF2B5EF4-FFF2-40B4-BE49-F238E27FC236}">
+                <a16:creationId xmlns:a16="http://schemas.microsoft.com/office/drawing/2014/main" id="{641ED7AF-2372-B54D-A9B8-9AEA3C3BAD58}"/>
+              </a:ext>
+            </a:extLst>
+          </p:cNvPr>
+          <p:cNvSpPr txBox="1"/>
+          <p:nvPr/>
+        </p:nvSpPr>
+        <p:spPr>
+          <a:xfrm>
+            <a:off x="7236101" y="3240643"/>
+            <a:ext cx="301686" cy="369332"/>
+          </a:xfrm>
+          <a:prstGeom prst="rect">
+            <a:avLst/>
+          </a:prstGeom>
+          <a:noFill/>
+        </p:spPr>
+        <p:txBody>
+          <a:bodyPr wrap="none" rtlCol="0">
+            <a:spAutoFit/>
+          </a:bodyPr>
+          <a:lstStyle/>
+          <a:p>
+            <a:r>
+              <a:rPr lang="en-US" dirty="0"/>
+              <a:t>6</a:t>
+            </a:r>
+          </a:p>
+        </p:txBody>
+      </p:sp>
+      <p:sp>
+        <p:nvSpPr>
+          <p:cNvPr id="39" name="TextBox 38">
+            <a:extLst>
+              <a:ext uri="{FF2B5EF4-FFF2-40B4-BE49-F238E27FC236}">
+                <a16:creationId xmlns:a16="http://schemas.microsoft.com/office/drawing/2014/main" id="{BBB63BB1-6A84-5D49-9902-3E32737D6685}"/>
+              </a:ext>
+            </a:extLst>
+          </p:cNvPr>
+          <p:cNvSpPr txBox="1"/>
+          <p:nvPr/>
+        </p:nvSpPr>
+        <p:spPr>
+          <a:xfrm>
+            <a:off x="321013" y="544749"/>
+            <a:ext cx="9615517" cy="2031325"/>
+          </a:xfrm>
+          <a:prstGeom prst="rect">
+            <a:avLst/>
+          </a:prstGeom>
+          <a:noFill/>
+        </p:spPr>
+        <p:txBody>
+          <a:bodyPr wrap="none" rtlCol="0">
+            <a:spAutoFit/>
+          </a:bodyPr>
+          <a:lstStyle/>
+          <a:p>
+            <a:r>
+              <a:rPr lang="en-US" dirty="0"/>
+              <a:t>4 = </a:t>
             </a:r>
             <a:r>
               <a:rPr lang="en-US" dirty="0" err="1"/>
@@ -10719,13 +10438,21 @@
             </a:r>
             <a:r>
               <a:rPr lang="en-US" dirty="0"/>
-              <a:t> * sin (alpha-theta)* sin(alpha– theta) +  W1 * sin(alpha) </a:t>
-            </a:r>
-          </a:p>
-          <a:p>
-            <a:r>
-              <a:rPr lang="en-US" dirty="0"/>
-              <a:t>15 = </a:t>
+              <a:t> * sin (alpha-theta)* cos(alpha – theta)		- along positive </a:t>
+            </a:r>
+            <a:r>
+              <a:rPr lang="en-US" dirty="0" err="1"/>
+              <a:t>Yalpha</a:t>
+            </a:r>
+            <a:r>
+              <a:rPr lang="en-US" dirty="0"/>
+              <a:t> axis</a:t>
+            </a:r>
+          </a:p>
+          <a:p>
+            <a:r>
+              <a:rPr lang="en-US" dirty="0"/>
+              <a:t>5 = </a:t>
             </a:r>
             <a:r>
               <a:rPr lang="en-US" dirty="0" err="1"/>
@@ -10733,13 +10460,24 @@
             </a:r>
             <a:r>
               <a:rPr lang="en-US" dirty="0"/>
-              <a:t> * sin (alpha-theta)* cos(alpha – theta) + W1 * cos(alpha)</a:t>
-            </a:r>
-          </a:p>
-          <a:p>
-            <a:r>
-              <a:rPr lang="en-US" dirty="0"/>
-              <a:t>16 = </a:t>
+              <a:t> * sin (alpha-theta)* sin(alpha– theta)		- along positive </a:t>
+            </a:r>
+            <a:r>
+              <a:rPr lang="en-US" dirty="0" err="1"/>
+              <a:t>Xalpha</a:t>
+            </a:r>
+            <a:r>
+              <a:rPr lang="en-US" dirty="0"/>
+              <a:t> axis</a:t>
+            </a:r>
+          </a:p>
+          <a:p>
+            <a:endParaRPr lang="en-US" dirty="0"/>
+          </a:p>
+          <a:p>
+            <a:r>
+              <a:rPr lang="en-US" dirty="0"/>
+              <a:t>6 = </a:t>
             </a:r>
             <a:r>
               <a:rPr lang="en-US" dirty="0" err="1"/>
@@ -10747,13 +10485,21 @@
             </a:r>
             <a:r>
               <a:rPr lang="en-US" dirty="0"/>
-              <a:t> * cos(alpha-theta) * sin(90+beta-theta) + W2 * cos(beta)</a:t>
-            </a:r>
-          </a:p>
-          <a:p>
-            <a:r>
-              <a:rPr lang="en-US" dirty="0"/>
-              <a:t>17 = </a:t>
+              <a:t> * cos (alpha-theta) * cos(beta-theta)		- along positive </a:t>
+            </a:r>
+            <a:r>
+              <a:rPr lang="en-US" dirty="0" err="1"/>
+              <a:t>Xbeta</a:t>
+            </a:r>
+            <a:r>
+              <a:rPr lang="en-US" dirty="0"/>
+              <a:t> axis</a:t>
+            </a:r>
+          </a:p>
+          <a:p>
+            <a:r>
+              <a:rPr lang="en-US" dirty="0"/>
+              <a:t>7 = </a:t>
             </a:r>
             <a:r>
               <a:rPr lang="en-US" dirty="0" err="1"/>
@@ -10761,15 +10507,32 @@
             </a:r>
             <a:r>
               <a:rPr lang="en-US" dirty="0"/>
-              <a:t> * cos (alpha-theta) * cos(beta-theta) + W2 * sin(beta)</a:t>
-            </a:r>
+              <a:t> * cos(alpha-theta) * sin(90+beta-theta)		- along positive </a:t>
+            </a:r>
+            <a:r>
+              <a:rPr lang="en-US" dirty="0" err="1"/>
+              <a:t>Ybeta</a:t>
+            </a:r>
+            <a:r>
+              <a:rPr lang="en-US" dirty="0"/>
+              <a:t> axis (negative value</a:t>
+            </a:r>
+          </a:p>
+          <a:p>
+            <a:r>
+              <a:rPr lang="en-US" dirty="0"/>
+              <a:t>									into road)</a:t>
+            </a:r>
+          </a:p>
+          <a:p>
+            <a:endParaRPr lang="en-US" dirty="0"/>
           </a:p>
         </p:txBody>
       </p:sp>
     </p:spTree>
     <p:extLst>
       <p:ext uri="{BB962C8B-B14F-4D97-AF65-F5344CB8AC3E}">
-        <p14:creationId xmlns:p14="http://schemas.microsoft.com/office/powerpoint/2010/main" val="3602684028"/>
+        <p14:creationId xmlns:p14="http://schemas.microsoft.com/office/powerpoint/2010/main" val="3380440513"/>
       </p:ext>
     </p:extLst>
   </p:cSld>
@@ -10889,7 +10652,7 @@
           <a:lstStyle/>
           <a:p>
             <a:pPr algn="ctr"/>
-            <a:endParaRPr lang="en-US"/>
+            <a:endParaRPr lang="en-US" dirty="0"/>
           </a:p>
         </p:txBody>
       </p:sp>
@@ -10935,7 +10698,7 @@
           <a:lstStyle/>
           <a:p>
             <a:pPr algn="ctr"/>
-            <a:endParaRPr lang="en-US"/>
+            <a:endParaRPr lang="en-US" dirty="0"/>
           </a:p>
         </p:txBody>
       </p:sp>
@@ -11138,9 +10901,9 @@
           <p:nvPr/>
         </p:nvCxnSpPr>
         <p:spPr>
-          <a:xfrm flipH="1" flipV="1">
-            <a:off x="3773595" y="4307211"/>
-            <a:ext cx="359039" cy="308907"/>
+          <a:xfrm>
+            <a:off x="4132634" y="4616118"/>
+            <a:ext cx="201241" cy="184482"/>
           </a:xfrm>
           <a:prstGeom prst="straightConnector1">
             <a:avLst/>
@@ -11226,9 +10989,9 @@
           <p:nvPr/>
         </p:nvCxnSpPr>
         <p:spPr>
-          <a:xfrm flipH="1" flipV="1">
-            <a:off x="6619067" y="3820240"/>
-            <a:ext cx="335208" cy="247174"/>
+          <a:xfrm>
+            <a:off x="6954275" y="4067414"/>
+            <a:ext cx="335966" cy="272680"/>
           </a:xfrm>
           <a:prstGeom prst="straightConnector1">
             <a:avLst/>
@@ -11273,9 +11036,9 @@
           <p:nvPr/>
         </p:nvCxnSpPr>
         <p:spPr>
-          <a:xfrm flipV="1">
-            <a:off x="4113887" y="4340094"/>
-            <a:ext cx="219988" cy="253384"/>
+          <a:xfrm flipH="1">
+            <a:off x="3914775" y="4593478"/>
+            <a:ext cx="199111" cy="207122"/>
           </a:xfrm>
           <a:prstGeom prst="straightConnector1">
             <a:avLst/>
@@ -11319,8 +11082,8 @@
         </p:nvSpPr>
         <p:spPr>
           <a:xfrm>
-            <a:off x="1948989" y="366140"/>
-            <a:ext cx="7382149" cy="1477328"/>
+            <a:off x="7402843" y="4947868"/>
+            <a:ext cx="4588392" cy="1754326"/>
           </a:xfrm>
           <a:prstGeom prst="rect">
             <a:avLst/>
@@ -11328,14 +11091,14 @@
           <a:noFill/>
         </p:spPr>
         <p:txBody>
-          <a:bodyPr wrap="none" rtlCol="0">
+          <a:bodyPr wrap="square" rtlCol="0">
             <a:spAutoFit/>
           </a:bodyPr>
           <a:lstStyle/>
           <a:p>
             <a:r>
               <a:rPr lang="en-US" dirty="0"/>
-              <a:t>Any forces into the ground will be cancelled by equal/opposite normal forces</a:t>
+              <a:t>The forces at each axle can be summed to give 2 forces on each wheel</a:t>
             </a:r>
           </a:p>
           <a:p>
@@ -11344,122 +11107,17 @@
           <a:p>
             <a:r>
               <a:rPr lang="en-US" dirty="0"/>
-              <a:t>Any NEGATIVE values along the Y axis should be cancelled</a:t>
-            </a:r>
-          </a:p>
-          <a:p>
-            <a:endParaRPr lang="en-US" dirty="0"/>
-          </a:p>
-          <a:p>
-            <a:r>
-              <a:rPr lang="en-US" dirty="0"/>
-              <a:t>15 and 16 must both be GREATER than 0, otherwise they must be 0.</a:t>
-            </a:r>
-          </a:p>
-        </p:txBody>
-      </p:sp>
-      <p:cxnSp>
-        <p:nvCxnSpPr>
-          <p:cNvPr id="16" name="Straight Arrow Connector 15">
-            <a:extLst>
-              <a:ext uri="{FF2B5EF4-FFF2-40B4-BE49-F238E27FC236}">
-                <a16:creationId xmlns:a16="http://schemas.microsoft.com/office/drawing/2014/main" id="{6D86B0A2-EDBE-4BA6-88A2-88C73D88C6E1}"/>
-              </a:ext>
-            </a:extLst>
-          </p:cNvPr>
-          <p:cNvCxnSpPr>
-            <a:cxnSpLocks/>
-          </p:cNvCxnSpPr>
-          <p:nvPr/>
-        </p:nvCxnSpPr>
-        <p:spPr>
-          <a:xfrm>
-            <a:off x="4547221" y="5011908"/>
-            <a:ext cx="201241" cy="184482"/>
-          </a:xfrm>
-          <a:prstGeom prst="straightConnector1">
-            <a:avLst/>
-          </a:prstGeom>
-          <a:ln w="44450">
-            <a:solidFill>
-              <a:schemeClr val="accent2">
-                <a:lumMod val="60000"/>
-                <a:lumOff val="40000"/>
-              </a:schemeClr>
-            </a:solidFill>
-            <a:headEnd type="triangle"/>
-            <a:tailEnd type="none"/>
-          </a:ln>
-        </p:spPr>
-        <p:style>
-          <a:lnRef idx="1">
-            <a:schemeClr val="accent1"/>
-          </a:lnRef>
-          <a:fillRef idx="0">
-            <a:schemeClr val="accent1"/>
-          </a:fillRef>
-          <a:effectRef idx="0">
-            <a:schemeClr val="accent1"/>
-          </a:effectRef>
-          <a:fontRef idx="minor">
-            <a:schemeClr val="tx1"/>
-          </a:fontRef>
-        </p:style>
-      </p:cxnSp>
-      <p:cxnSp>
-        <p:nvCxnSpPr>
-          <p:cNvPr id="19" name="Straight Arrow Connector 18">
-            <a:extLst>
-              <a:ext uri="{FF2B5EF4-FFF2-40B4-BE49-F238E27FC236}">
-                <a16:creationId xmlns:a16="http://schemas.microsoft.com/office/drawing/2014/main" id="{F738DC1A-8134-45D1-BDBA-7D1562BC79A4}"/>
-              </a:ext>
-            </a:extLst>
-          </p:cNvPr>
-          <p:cNvCxnSpPr>
-            <a:cxnSpLocks/>
-          </p:cNvCxnSpPr>
-          <p:nvPr/>
-        </p:nvCxnSpPr>
-        <p:spPr>
-          <a:xfrm>
-            <a:off x="7423106" y="4438806"/>
-            <a:ext cx="335966" cy="272680"/>
-          </a:xfrm>
-          <a:prstGeom prst="straightConnector1">
-            <a:avLst/>
-          </a:prstGeom>
-          <a:ln w="44450">
-            <a:solidFill>
-              <a:schemeClr val="accent6">
-                <a:lumMod val="40000"/>
-                <a:lumOff val="60000"/>
-              </a:schemeClr>
-            </a:solidFill>
-            <a:headEnd type="triangle"/>
-            <a:tailEnd type="none"/>
-          </a:ln>
-        </p:spPr>
-        <p:style>
-          <a:lnRef idx="1">
-            <a:schemeClr val="accent1"/>
-          </a:lnRef>
-          <a:fillRef idx="0">
-            <a:schemeClr val="accent1"/>
-          </a:fillRef>
-          <a:effectRef idx="0">
-            <a:schemeClr val="accent1"/>
-          </a:effectRef>
-          <a:fontRef idx="minor">
-            <a:schemeClr val="tx1"/>
-          </a:fontRef>
-        </p:style>
-      </p:cxnSp>
-      <p:sp>
-        <p:nvSpPr>
-          <p:cNvPr id="20" name="Oval 19">
-            <a:extLst>
-              <a:ext uri="{FF2B5EF4-FFF2-40B4-BE49-F238E27FC236}">
-                <a16:creationId xmlns:a16="http://schemas.microsoft.com/office/drawing/2014/main" id="{E9A72DDE-E619-409E-AA02-3D3F73CC15D5}"/>
+              <a:t>All directions are along the positive axis – negative values will indicate directions along the negative axis.</a:t>
+            </a:r>
+          </a:p>
+        </p:txBody>
+      </p:sp>
+      <p:sp>
+        <p:nvSpPr>
+          <p:cNvPr id="22" name="Oval 21">
+            <a:extLst>
+              <a:ext uri="{FF2B5EF4-FFF2-40B4-BE49-F238E27FC236}">
+                <a16:creationId xmlns:a16="http://schemas.microsoft.com/office/drawing/2014/main" id="{E77AC8F4-0964-4350-A37F-64EEDFD59AE0}"/>
               </a:ext>
             </a:extLst>
           </p:cNvPr>
@@ -11508,10 +11166,10 @@
       </p:sp>
       <p:sp>
         <p:nvSpPr>
-          <p:cNvPr id="22" name="TextBox 21">
-            <a:extLst>
-              <a:ext uri="{FF2B5EF4-FFF2-40B4-BE49-F238E27FC236}">
-                <a16:creationId xmlns:a16="http://schemas.microsoft.com/office/drawing/2014/main" id="{7699484E-5ECE-024B-8482-8D7EF5BC55F4}"/>
+          <p:cNvPr id="2" name="TextBox 1">
+            <a:extLst>
+              <a:ext uri="{FF2B5EF4-FFF2-40B4-BE49-F238E27FC236}">
+                <a16:creationId xmlns:a16="http://schemas.microsoft.com/office/drawing/2014/main" id="{D9EFA16B-71DF-EA4B-8C89-375AB6F84631}"/>
               </a:ext>
             </a:extLst>
           </p:cNvPr>
@@ -11520,7 +11178,7 @@
         </p:nvSpPr>
         <p:spPr>
           <a:xfrm>
-            <a:off x="4285544" y="3969185"/>
+            <a:off x="3575980" y="4327707"/>
             <a:ext cx="418704" cy="369332"/>
           </a:xfrm>
           <a:prstGeom prst="rect">
@@ -11543,10 +11201,10 @@
       </p:sp>
       <p:sp>
         <p:nvSpPr>
-          <p:cNvPr id="25" name="TextBox 24">
-            <a:extLst>
-              <a:ext uri="{FF2B5EF4-FFF2-40B4-BE49-F238E27FC236}">
-                <a16:creationId xmlns:a16="http://schemas.microsoft.com/office/drawing/2014/main" id="{3BC738D1-99BD-144B-86E2-6DB8CE9FC2D4}"/>
+          <p:cNvPr id="3" name="TextBox 2">
+            <a:extLst>
+              <a:ext uri="{FF2B5EF4-FFF2-40B4-BE49-F238E27FC236}">
+                <a16:creationId xmlns:a16="http://schemas.microsoft.com/office/drawing/2014/main" id="{5B802FD8-DD26-2D44-8061-09C48194E986}"/>
               </a:ext>
             </a:extLst>
           </p:cNvPr>
@@ -11555,7 +11213,7 @@
         </p:nvSpPr>
         <p:spPr>
           <a:xfrm>
-            <a:off x="3709466" y="4022725"/>
+            <a:off x="4253373" y="4499629"/>
             <a:ext cx="418704" cy="369332"/>
           </a:xfrm>
           <a:prstGeom prst="rect">
@@ -11578,10 +11236,10 @@
       </p:sp>
       <p:sp>
         <p:nvSpPr>
-          <p:cNvPr id="26" name="TextBox 25">
-            <a:extLst>
-              <a:ext uri="{FF2B5EF4-FFF2-40B4-BE49-F238E27FC236}">
-                <a16:creationId xmlns:a16="http://schemas.microsoft.com/office/drawing/2014/main" id="{0D65575D-E71B-1443-995F-AD2D2D74C099}"/>
+          <p:cNvPr id="6" name="TextBox 5">
+            <a:extLst>
+              <a:ext uri="{FF2B5EF4-FFF2-40B4-BE49-F238E27FC236}">
+                <a16:creationId xmlns:a16="http://schemas.microsoft.com/office/drawing/2014/main" id="{9B3E45F5-7BC8-2243-9463-EFC852359A49}"/>
               </a:ext>
             </a:extLst>
           </p:cNvPr>
@@ -11590,7 +11248,7 @@
         </p:nvSpPr>
         <p:spPr>
           <a:xfrm>
-            <a:off x="6411434" y="3910822"/>
+            <a:off x="6762254" y="4211373"/>
             <a:ext cx="418704" cy="369332"/>
           </a:xfrm>
           <a:prstGeom prst="rect">
@@ -11613,10 +11271,10 @@
       </p:sp>
       <p:sp>
         <p:nvSpPr>
-          <p:cNvPr id="27" name="TextBox 26">
-            <a:extLst>
-              <a:ext uri="{FF2B5EF4-FFF2-40B4-BE49-F238E27FC236}">
-                <a16:creationId xmlns:a16="http://schemas.microsoft.com/office/drawing/2014/main" id="{8831D832-1342-FA41-9DCC-AA9C5D356149}"/>
+          <p:cNvPr id="7" name="TextBox 6">
+            <a:extLst>
+              <a:ext uri="{FF2B5EF4-FFF2-40B4-BE49-F238E27FC236}">
+                <a16:creationId xmlns:a16="http://schemas.microsoft.com/office/drawing/2014/main" id="{5A4F4B14-6CDC-2B4C-9601-62E124F4994C}"/>
               </a:ext>
             </a:extLst>
           </p:cNvPr>
@@ -11648,10 +11306,10 @@
       </p:sp>
       <p:sp>
         <p:nvSpPr>
-          <p:cNvPr id="28" name="TextBox 27">
-            <a:extLst>
-              <a:ext uri="{FF2B5EF4-FFF2-40B4-BE49-F238E27FC236}">
-                <a16:creationId xmlns:a16="http://schemas.microsoft.com/office/drawing/2014/main" id="{ADD9AABF-CDBB-444C-B133-6F15FC8A4BCC}"/>
+          <p:cNvPr id="19" name="TextBox 18">
+            <a:extLst>
+              <a:ext uri="{FF2B5EF4-FFF2-40B4-BE49-F238E27FC236}">
+                <a16:creationId xmlns:a16="http://schemas.microsoft.com/office/drawing/2014/main" id="{5F251183-76F8-A340-86F8-7044AB9249DC}"/>
               </a:ext>
             </a:extLst>
           </p:cNvPr>
@@ -11660,8 +11318,8 @@
         </p:nvSpPr>
         <p:spPr>
           <a:xfrm>
-            <a:off x="4672077" y="5008753"/>
-            <a:ext cx="540533" cy="369332"/>
+            <a:off x="321013" y="544749"/>
+            <a:ext cx="6492098" cy="1200329"/>
           </a:xfrm>
           <a:prstGeom prst="rect">
             <a:avLst/>
@@ -11676,42 +11334,57 @@
           <a:p>
             <a:r>
               <a:rPr lang="en-US" dirty="0"/>
-              <a:t>15b</a:t>
-            </a:r>
-          </a:p>
-        </p:txBody>
-      </p:sp>
-      <p:sp>
-        <p:nvSpPr>
-          <p:cNvPr id="29" name="TextBox 28">
-            <a:extLst>
-              <a:ext uri="{FF2B5EF4-FFF2-40B4-BE49-F238E27FC236}">
-                <a16:creationId xmlns:a16="http://schemas.microsoft.com/office/drawing/2014/main" id="{7C4DF9D7-796A-B440-BC3A-70C9A7AC21D2}"/>
-              </a:ext>
-            </a:extLst>
-          </p:cNvPr>
-          <p:cNvSpPr txBox="1"/>
-          <p:nvPr/>
-        </p:nvSpPr>
-        <p:spPr>
-          <a:xfrm>
-            <a:off x="7716860" y="4616116"/>
-            <a:ext cx="540533" cy="369332"/>
-          </a:xfrm>
-          <a:prstGeom prst="rect">
-            <a:avLst/>
-          </a:prstGeom>
-          <a:noFill/>
-        </p:spPr>
-        <p:txBody>
-          <a:bodyPr wrap="none" rtlCol="0">
-            <a:spAutoFit/>
-          </a:bodyPr>
-          <a:lstStyle/>
-          <a:p>
-            <a:r>
-              <a:rPr lang="en-US" dirty="0"/>
-              <a:t>16b</a:t>
+              <a:t>14 = </a:t>
+            </a:r>
+            <a:r>
+              <a:rPr lang="en-US" dirty="0" err="1"/>
+              <a:t>Fout</a:t>
+            </a:r>
+            <a:r>
+              <a:rPr lang="en-US" dirty="0"/>
+              <a:t> * sin (alpha-theta)* sin(alpha– theta) +  W1 * sin(alpha) </a:t>
+            </a:r>
+          </a:p>
+          <a:p>
+            <a:r>
+              <a:rPr lang="en-US" dirty="0"/>
+              <a:t>15 = </a:t>
+            </a:r>
+            <a:r>
+              <a:rPr lang="en-US" dirty="0" err="1"/>
+              <a:t>Fout</a:t>
+            </a:r>
+            <a:r>
+              <a:rPr lang="en-US" dirty="0"/>
+              <a:t> * sin (alpha-theta)* cos(alpha – theta) + W1 * cos(alpha)</a:t>
+            </a:r>
+          </a:p>
+          <a:p>
+            <a:r>
+              <a:rPr lang="en-US" dirty="0"/>
+              <a:t>16 = </a:t>
+            </a:r>
+            <a:r>
+              <a:rPr lang="en-US" dirty="0" err="1"/>
+              <a:t>Fout</a:t>
+            </a:r>
+            <a:r>
+              <a:rPr lang="en-US" dirty="0"/>
+              <a:t> * cos(alpha-theta) * sin(90+beta-theta) + W2 * cos(beta)</a:t>
+            </a:r>
+          </a:p>
+          <a:p>
+            <a:r>
+              <a:rPr lang="en-US" dirty="0"/>
+              <a:t>17 = </a:t>
+            </a:r>
+            <a:r>
+              <a:rPr lang="en-US" dirty="0" err="1"/>
+              <a:t>Fout</a:t>
+            </a:r>
+            <a:r>
+              <a:rPr lang="en-US" dirty="0"/>
+              <a:t> * cos (alpha-theta) * cos(beta-theta) + W2 * sin(beta)</a:t>
             </a:r>
           </a:p>
         </p:txBody>
@@ -11719,7 +11392,7 @@
     </p:spTree>
     <p:extLst>
       <p:ext uri="{BB962C8B-B14F-4D97-AF65-F5344CB8AC3E}">
-        <p14:creationId xmlns:p14="http://schemas.microsoft.com/office/powerpoint/2010/main" val="750612493"/>
+        <p14:creationId xmlns:p14="http://schemas.microsoft.com/office/powerpoint/2010/main" val="3602684028"/>
       </p:ext>
     </p:extLst>
   </p:cSld>
@@ -12269,8 +11942,8 @@
         </p:nvSpPr>
         <p:spPr>
           <a:xfrm>
-            <a:off x="217272" y="137492"/>
-            <a:ext cx="10249690" cy="3139321"/>
+            <a:off x="1948989" y="366140"/>
+            <a:ext cx="7382149" cy="1477328"/>
           </a:xfrm>
           <a:prstGeom prst="rect">
             <a:avLst/>
@@ -12278,64 +11951,14 @@
           <a:noFill/>
         </p:spPr>
         <p:txBody>
-          <a:bodyPr wrap="square" rtlCol="0">
+          <a:bodyPr wrap="none" rtlCol="0">
             <a:spAutoFit/>
           </a:bodyPr>
           <a:lstStyle/>
           <a:p>
             <a:r>
               <a:rPr lang="en-US" dirty="0"/>
-              <a:t>14x = (</a:t>
-            </a:r>
-            <a:r>
-              <a:rPr lang="en-US" dirty="0" err="1"/>
-              <a:t>Fout</a:t>
-            </a:r>
-            <a:r>
-              <a:rPr lang="en-US" dirty="0"/>
-              <a:t> * sin (alpha-theta)* sin(alpha– theta) +  W1 * sin(alpha))	* cos(alpha)</a:t>
-            </a:r>
-          </a:p>
-          <a:p>
-            <a:r>
-              <a:rPr lang="en-US" dirty="0"/>
-              <a:t>14y = (</a:t>
-            </a:r>
-            <a:r>
-              <a:rPr lang="en-US" dirty="0" err="1"/>
-              <a:t>Fout</a:t>
-            </a:r>
-            <a:r>
-              <a:rPr lang="en-US" dirty="0"/>
-              <a:t> * sin (alpha-theta)* sin(alpha– theta) +  W1 * sin(alpha)) 	* sin(alpha)</a:t>
-            </a:r>
-          </a:p>
-          <a:p>
-            <a:r>
-              <a:rPr lang="en-US" dirty="0"/>
-              <a:t>15x = Max(0,(</a:t>
-            </a:r>
-            <a:r>
-              <a:rPr lang="en-US" dirty="0" err="1"/>
-              <a:t>Fout</a:t>
-            </a:r>
-            <a:r>
-              <a:rPr lang="en-US" dirty="0"/>
-              <a:t> * sin (alpha-theta)* cos(alpha – theta) + W1 * cos(alpha)),0) * sin(alpha)</a:t>
-            </a:r>
-          </a:p>
-          <a:p>
-            <a:r>
-              <a:rPr lang="en-US" dirty="0"/>
-              <a:t>15y = Max((</a:t>
-            </a:r>
-            <a:r>
-              <a:rPr lang="en-US" dirty="0" err="1"/>
-              <a:t>Fout</a:t>
-            </a:r>
-            <a:r>
-              <a:rPr lang="en-US" dirty="0"/>
-              <a:t> * sin (alpha-theta)* cos(alpha – theta) + W1 * cos(alpha)),0) * cos(alpha)</a:t>
+              <a:t>Any forces into the ground will be cancelled by equal/opposite normal forces</a:t>
             </a:r>
           </a:p>
           <a:p>
@@ -12344,68 +11967,116 @@
           <a:p>
             <a:r>
               <a:rPr lang="en-US" dirty="0"/>
-              <a:t>16x = Max((</a:t>
-            </a:r>
-            <a:r>
-              <a:rPr lang="en-US" dirty="0" err="1"/>
-              <a:t>Fout</a:t>
-            </a:r>
-            <a:r>
-              <a:rPr lang="en-US" dirty="0"/>
-              <a:t> * cos(alpha-theta) * sin(90+beta-theta) + W2 * cos(beta)),0) * sin(beta)</a:t>
-            </a:r>
-          </a:p>
-          <a:p>
-            <a:r>
-              <a:rPr lang="en-US" dirty="0"/>
-              <a:t>16y = Max((</a:t>
-            </a:r>
-            <a:r>
-              <a:rPr lang="en-US" dirty="0" err="1"/>
-              <a:t>Fout</a:t>
-            </a:r>
-            <a:r>
-              <a:rPr lang="en-US" dirty="0"/>
-              <a:t> * cos(alpha-theta) * sin(90+beta-theta) + W2 * cos(beta)),0) * cos(beta)</a:t>
-            </a:r>
-          </a:p>
-          <a:p>
-            <a:r>
-              <a:rPr lang="en-US" dirty="0"/>
-              <a:t>17x = (</a:t>
-            </a:r>
-            <a:r>
-              <a:rPr lang="en-US" dirty="0" err="1"/>
-              <a:t>Fout</a:t>
-            </a:r>
-            <a:r>
-              <a:rPr lang="en-US" dirty="0"/>
-              <a:t> * cos (alpha-theta) * cos(beta-theta) + W2 * sin(beta)) * cos(beta)</a:t>
-            </a:r>
-          </a:p>
-          <a:p>
-            <a:r>
-              <a:rPr lang="en-US" dirty="0"/>
-              <a:t>17y = (</a:t>
-            </a:r>
-            <a:r>
-              <a:rPr lang="en-US" dirty="0" err="1"/>
-              <a:t>Fout</a:t>
-            </a:r>
-            <a:r>
-              <a:rPr lang="en-US" dirty="0"/>
-              <a:t> * cos (alpha-theta) * cos(beta-theta) + W2 * sin(beta)) * sin(beta)</a:t>
-            </a:r>
-            <a:endParaRPr lang="en-US" b="1" dirty="0"/>
+              <a:t>Any NEGATIVE values along the Y axis should be cancelled</a:t>
+            </a:r>
           </a:p>
           <a:p>
             <a:endParaRPr lang="en-US" dirty="0"/>
           </a:p>
           <a:p>
-            <a:endParaRPr lang="en-US" dirty="0"/>
-          </a:p>
-        </p:txBody>
-      </p:sp>
+            <a:r>
+              <a:rPr lang="en-US" dirty="0"/>
+              <a:t>15 and 16 must both be GREATER than 0, otherwise they must be 0.</a:t>
+            </a:r>
+          </a:p>
+        </p:txBody>
+      </p:sp>
+      <p:cxnSp>
+        <p:nvCxnSpPr>
+          <p:cNvPr id="16" name="Straight Arrow Connector 15">
+            <a:extLst>
+              <a:ext uri="{FF2B5EF4-FFF2-40B4-BE49-F238E27FC236}">
+                <a16:creationId xmlns:a16="http://schemas.microsoft.com/office/drawing/2014/main" id="{6D86B0A2-EDBE-4BA6-88A2-88C73D88C6E1}"/>
+              </a:ext>
+            </a:extLst>
+          </p:cNvPr>
+          <p:cNvCxnSpPr>
+            <a:cxnSpLocks/>
+          </p:cNvCxnSpPr>
+          <p:nvPr/>
+        </p:nvCxnSpPr>
+        <p:spPr>
+          <a:xfrm>
+            <a:off x="4547221" y="5011908"/>
+            <a:ext cx="201241" cy="184482"/>
+          </a:xfrm>
+          <a:prstGeom prst="straightConnector1">
+            <a:avLst/>
+          </a:prstGeom>
+          <a:ln w="44450">
+            <a:solidFill>
+              <a:schemeClr val="accent2">
+                <a:lumMod val="60000"/>
+                <a:lumOff val="40000"/>
+              </a:schemeClr>
+            </a:solidFill>
+            <a:headEnd type="triangle"/>
+            <a:tailEnd type="none"/>
+          </a:ln>
+        </p:spPr>
+        <p:style>
+          <a:lnRef idx="1">
+            <a:schemeClr val="accent1"/>
+          </a:lnRef>
+          <a:fillRef idx="0">
+            <a:schemeClr val="accent1"/>
+          </a:fillRef>
+          <a:effectRef idx="0">
+            <a:schemeClr val="accent1"/>
+          </a:effectRef>
+          <a:fontRef idx="minor">
+            <a:schemeClr val="tx1"/>
+          </a:fontRef>
+        </p:style>
+      </p:cxnSp>
+      <p:cxnSp>
+        <p:nvCxnSpPr>
+          <p:cNvPr id="19" name="Straight Arrow Connector 18">
+            <a:extLst>
+              <a:ext uri="{FF2B5EF4-FFF2-40B4-BE49-F238E27FC236}">
+                <a16:creationId xmlns:a16="http://schemas.microsoft.com/office/drawing/2014/main" id="{F738DC1A-8134-45D1-BDBA-7D1562BC79A4}"/>
+              </a:ext>
+            </a:extLst>
+          </p:cNvPr>
+          <p:cNvCxnSpPr>
+            <a:cxnSpLocks/>
+          </p:cNvCxnSpPr>
+          <p:nvPr/>
+        </p:nvCxnSpPr>
+        <p:spPr>
+          <a:xfrm>
+            <a:off x="7423106" y="4438806"/>
+            <a:ext cx="335966" cy="272680"/>
+          </a:xfrm>
+          <a:prstGeom prst="straightConnector1">
+            <a:avLst/>
+          </a:prstGeom>
+          <a:ln w="44450">
+            <a:solidFill>
+              <a:schemeClr val="accent6">
+                <a:lumMod val="40000"/>
+                <a:lumOff val="60000"/>
+              </a:schemeClr>
+            </a:solidFill>
+            <a:headEnd type="triangle"/>
+            <a:tailEnd type="none"/>
+          </a:ln>
+        </p:spPr>
+        <p:style>
+          <a:lnRef idx="1">
+            <a:schemeClr val="accent1"/>
+          </a:lnRef>
+          <a:fillRef idx="0">
+            <a:schemeClr val="accent1"/>
+          </a:fillRef>
+          <a:effectRef idx="0">
+            <a:schemeClr val="accent1"/>
+          </a:effectRef>
+          <a:fontRef idx="minor">
+            <a:schemeClr val="tx1"/>
+          </a:fontRef>
+        </p:style>
+      </p:cxnSp>
       <p:sp>
         <p:nvSpPr>
           <p:cNvPr id="20" name="Oval 19">
@@ -12600,10 +12271,10 @@
       </p:sp>
       <p:sp>
         <p:nvSpPr>
-          <p:cNvPr id="30" name="TextBox 29">
-            <a:extLst>
-              <a:ext uri="{FF2B5EF4-FFF2-40B4-BE49-F238E27FC236}">
-                <a16:creationId xmlns:a16="http://schemas.microsoft.com/office/drawing/2014/main" id="{E592A4AF-29B6-544F-AF78-6C67492FD279}"/>
+          <p:cNvPr id="28" name="TextBox 27">
+            <a:extLst>
+              <a:ext uri="{FF2B5EF4-FFF2-40B4-BE49-F238E27FC236}">
+                <a16:creationId xmlns:a16="http://schemas.microsoft.com/office/drawing/2014/main" id="{ADD9AABF-CDBB-444C-B133-6F15FC8A4BCC}"/>
               </a:ext>
             </a:extLst>
           </p:cNvPr>
@@ -12612,8 +12283,8 @@
         </p:nvSpPr>
         <p:spPr>
           <a:xfrm>
-            <a:off x="4756306" y="5864590"/>
-            <a:ext cx="5921108" cy="369332"/>
+            <a:off x="4672077" y="5008753"/>
+            <a:ext cx="540533" cy="369332"/>
           </a:xfrm>
           <a:prstGeom prst="rect">
             <a:avLst/>
@@ -12628,7 +12299,42 @@
           <a:p>
             <a:r>
               <a:rPr lang="en-US" dirty="0"/>
-              <a:t>The remaining forces can be broken into X and Y components</a:t>
+              <a:t>15b</a:t>
+            </a:r>
+          </a:p>
+        </p:txBody>
+      </p:sp>
+      <p:sp>
+        <p:nvSpPr>
+          <p:cNvPr id="29" name="TextBox 28">
+            <a:extLst>
+              <a:ext uri="{FF2B5EF4-FFF2-40B4-BE49-F238E27FC236}">
+                <a16:creationId xmlns:a16="http://schemas.microsoft.com/office/drawing/2014/main" id="{7C4DF9D7-796A-B440-BC3A-70C9A7AC21D2}"/>
+              </a:ext>
+            </a:extLst>
+          </p:cNvPr>
+          <p:cNvSpPr txBox="1"/>
+          <p:nvPr/>
+        </p:nvSpPr>
+        <p:spPr>
+          <a:xfrm>
+            <a:off x="7716860" y="4616116"/>
+            <a:ext cx="540533" cy="369332"/>
+          </a:xfrm>
+          <a:prstGeom prst="rect">
+            <a:avLst/>
+          </a:prstGeom>
+          <a:noFill/>
+        </p:spPr>
+        <p:txBody>
+          <a:bodyPr wrap="none" rtlCol="0">
+            <a:spAutoFit/>
+          </a:bodyPr>
+          <a:lstStyle/>
+          <a:p>
+            <a:r>
+              <a:rPr lang="en-US" dirty="0"/>
+              <a:t>16b</a:t>
             </a:r>
           </a:p>
         </p:txBody>
@@ -12636,7 +12342,7 @@
     </p:spTree>
     <p:extLst>
       <p:ext uri="{BB962C8B-B14F-4D97-AF65-F5344CB8AC3E}">
-        <p14:creationId xmlns:p14="http://schemas.microsoft.com/office/powerpoint/2010/main" val="3025247753"/>
+        <p14:creationId xmlns:p14="http://schemas.microsoft.com/office/powerpoint/2010/main" val="750612493"/>
       </p:ext>
     </p:extLst>
   </p:cSld>
@@ -12990,64 +12696,12 @@
           </a:p>
         </p:txBody>
       </p:sp>
-      <p:sp>
-        <p:nvSpPr>
-          <p:cNvPr id="20" name="Oval 19">
-            <a:extLst>
-              <a:ext uri="{FF2B5EF4-FFF2-40B4-BE49-F238E27FC236}">
-                <a16:creationId xmlns:a16="http://schemas.microsoft.com/office/drawing/2014/main" id="{A7BC1359-684D-42A1-AAA4-E117CA39024F}"/>
-              </a:ext>
-            </a:extLst>
-          </p:cNvPr>
-          <p:cNvSpPr/>
-          <p:nvPr/>
-        </p:nvSpPr>
-        <p:spPr>
-          <a:xfrm>
-            <a:off x="5320967" y="3609975"/>
-            <a:ext cx="152400" cy="152400"/>
-          </a:xfrm>
-          <a:prstGeom prst="ellipse">
-            <a:avLst/>
-          </a:prstGeom>
-          <a:solidFill>
-            <a:schemeClr val="accent1">
-              <a:lumMod val="60000"/>
-              <a:lumOff val="40000"/>
-            </a:schemeClr>
-          </a:solidFill>
-        </p:spPr>
-        <p:style>
-          <a:lnRef idx="2">
-            <a:schemeClr val="accent1">
-              <a:shade val="50000"/>
-            </a:schemeClr>
-          </a:lnRef>
-          <a:fillRef idx="1">
-            <a:schemeClr val="accent1"/>
-          </a:fillRef>
-          <a:effectRef idx="0">
-            <a:schemeClr val="accent1"/>
-          </a:effectRef>
-          <a:fontRef idx="minor">
-            <a:schemeClr val="lt1"/>
-          </a:fontRef>
-        </p:style>
-        <p:txBody>
-          <a:bodyPr rtlCol="0" anchor="ctr"/>
-          <a:lstStyle/>
-          <a:p>
-            <a:pPr algn="ctr"/>
-            <a:endParaRPr lang="en-US"/>
-          </a:p>
-        </p:txBody>
-      </p:sp>
       <p:cxnSp>
         <p:nvCxnSpPr>
-          <p:cNvPr id="13" name="Straight Arrow Connector 12">
-            <a:extLst>
-              <a:ext uri="{FF2B5EF4-FFF2-40B4-BE49-F238E27FC236}">
-                <a16:creationId xmlns:a16="http://schemas.microsoft.com/office/drawing/2014/main" id="{428D3928-A9C7-416F-B8A8-380B17739028}"/>
+          <p:cNvPr id="24" name="Straight Arrow Connector 23">
+            <a:extLst>
+              <a:ext uri="{FF2B5EF4-FFF2-40B4-BE49-F238E27FC236}">
+                <a16:creationId xmlns:a16="http://schemas.microsoft.com/office/drawing/2014/main" id="{F50A586A-1E0D-4304-84D3-24073D0D449F}"/>
               </a:ext>
             </a:extLst>
           </p:cNvPr>
@@ -13057,9 +12711,9 @@
           <p:nvPr/>
         </p:nvCxnSpPr>
         <p:spPr>
-          <a:xfrm flipH="1">
-            <a:off x="3886780" y="4605889"/>
-            <a:ext cx="227106" cy="0"/>
+          <a:xfrm flipH="1" flipV="1">
+            <a:off x="3773595" y="4307211"/>
+            <a:ext cx="359039" cy="308907"/>
           </a:xfrm>
           <a:prstGeom prst="straightConnector1">
             <a:avLst/>
@@ -13088,10 +12742,10 @@
       </p:cxnSp>
       <p:cxnSp>
         <p:nvCxnSpPr>
-          <p:cNvPr id="16" name="Straight Arrow Connector 15">
-            <a:extLst>
-              <a:ext uri="{FF2B5EF4-FFF2-40B4-BE49-F238E27FC236}">
-                <a16:creationId xmlns:a16="http://schemas.microsoft.com/office/drawing/2014/main" id="{F5C687FC-1CC5-48D1-896A-2D656D9D0EF0}"/>
+          <p:cNvPr id="31" name="Straight Arrow Connector 30">
+            <a:extLst>
+              <a:ext uri="{FF2B5EF4-FFF2-40B4-BE49-F238E27FC236}">
+                <a16:creationId xmlns:a16="http://schemas.microsoft.com/office/drawing/2014/main" id="{AD038506-55C1-4874-B057-B99FE232635B}"/>
               </a:ext>
             </a:extLst>
           </p:cNvPr>
@@ -13101,9 +12755,9 @@
           <p:nvPr/>
         </p:nvCxnSpPr>
         <p:spPr>
-          <a:xfrm>
-            <a:off x="4111771" y="4598570"/>
-            <a:ext cx="0" cy="197820"/>
+          <a:xfrm flipV="1">
+            <a:off x="6974825" y="3762375"/>
+            <a:ext cx="207025" cy="310948"/>
           </a:xfrm>
           <a:prstGeom prst="straightConnector1">
             <a:avLst/>
@@ -13132,10 +12786,10 @@
       </p:cxnSp>
       <p:cxnSp>
         <p:nvCxnSpPr>
-          <p:cNvPr id="19" name="Straight Arrow Connector 18">
-            <a:extLst>
-              <a:ext uri="{FF2B5EF4-FFF2-40B4-BE49-F238E27FC236}">
-                <a16:creationId xmlns:a16="http://schemas.microsoft.com/office/drawing/2014/main" id="{85431B5F-3E57-487F-B438-136975A018D4}"/>
+          <p:cNvPr id="17" name="Straight Arrow Connector 16">
+            <a:extLst>
+              <a:ext uri="{FF2B5EF4-FFF2-40B4-BE49-F238E27FC236}">
+                <a16:creationId xmlns:a16="http://schemas.microsoft.com/office/drawing/2014/main" id="{1EFBF96D-D51B-4038-808B-B86FEB05F151}"/>
               </a:ext>
             </a:extLst>
           </p:cNvPr>
@@ -13146,8 +12800,8 @@
         </p:nvCxnSpPr>
         <p:spPr>
           <a:xfrm flipH="1" flipV="1">
-            <a:off x="6972302" y="3791413"/>
-            <a:ext cx="1" cy="296450"/>
+            <a:off x="6619067" y="3820240"/>
+            <a:ext cx="335208" cy="247174"/>
           </a:xfrm>
           <a:prstGeom prst="straightConnector1">
             <a:avLst/>
@@ -13179,10 +12833,10 @@
       </p:cxnSp>
       <p:cxnSp>
         <p:nvCxnSpPr>
-          <p:cNvPr id="22" name="Straight Arrow Connector 21">
-            <a:extLst>
-              <a:ext uri="{FF2B5EF4-FFF2-40B4-BE49-F238E27FC236}">
-                <a16:creationId xmlns:a16="http://schemas.microsoft.com/office/drawing/2014/main" id="{1BDB0785-9AA5-4FFE-9FF3-ADFE93F4A0E5}"/>
+          <p:cNvPr id="23" name="Straight Arrow Connector 22">
+            <a:extLst>
+              <a:ext uri="{FF2B5EF4-FFF2-40B4-BE49-F238E27FC236}">
+                <a16:creationId xmlns:a16="http://schemas.microsoft.com/office/drawing/2014/main" id="{5BEB0799-5403-4093-96E8-FC94C18849D2}"/>
               </a:ext>
             </a:extLst>
           </p:cNvPr>
@@ -13193,8 +12847,8 @@
         </p:nvCxnSpPr>
         <p:spPr>
           <a:xfrm flipV="1">
-            <a:off x="6954853" y="4036372"/>
-            <a:ext cx="235114" cy="29481"/>
+            <a:off x="4113887" y="4340094"/>
+            <a:ext cx="219988" cy="253384"/>
           </a:xfrm>
           <a:prstGeom prst="straightConnector1">
             <a:avLst/>
@@ -13224,360 +12878,12 @@
           </a:fontRef>
         </p:style>
       </p:cxnSp>
-      <p:cxnSp>
-        <p:nvCxnSpPr>
-          <p:cNvPr id="3" name="Straight Connector 2">
-            <a:extLst>
-              <a:ext uri="{FF2B5EF4-FFF2-40B4-BE49-F238E27FC236}">
-                <a16:creationId xmlns:a16="http://schemas.microsoft.com/office/drawing/2014/main" id="{DF78B2C9-B06A-4141-92CB-F654B62298AB}"/>
-              </a:ext>
-            </a:extLst>
-          </p:cNvPr>
-          <p:cNvCxnSpPr>
-            <a:cxnSpLocks/>
-          </p:cNvCxnSpPr>
-          <p:nvPr/>
-        </p:nvCxnSpPr>
-        <p:spPr>
-          <a:xfrm flipH="1" flipV="1">
-            <a:off x="6954853" y="2600670"/>
-            <a:ext cx="70732" cy="3609630"/>
-          </a:xfrm>
-          <a:prstGeom prst="line">
-            <a:avLst/>
-          </a:prstGeom>
-          <a:ln>
-            <a:prstDash val="dash"/>
-          </a:ln>
-        </p:spPr>
-        <p:style>
-          <a:lnRef idx="1">
-            <a:schemeClr val="accent1"/>
-          </a:lnRef>
-          <a:fillRef idx="0">
-            <a:schemeClr val="accent1"/>
-          </a:fillRef>
-          <a:effectRef idx="0">
-            <a:schemeClr val="accent1"/>
-          </a:effectRef>
-          <a:fontRef idx="minor">
-            <a:schemeClr val="tx1"/>
-          </a:fontRef>
-        </p:style>
-      </p:cxnSp>
-      <p:cxnSp>
-        <p:nvCxnSpPr>
-          <p:cNvPr id="24" name="Straight Connector 23">
-            <a:extLst>
-              <a:ext uri="{FF2B5EF4-FFF2-40B4-BE49-F238E27FC236}">
-                <a16:creationId xmlns:a16="http://schemas.microsoft.com/office/drawing/2014/main" id="{6C3D62E1-71AD-491B-B46B-69C1BA562B00}"/>
-              </a:ext>
-            </a:extLst>
-          </p:cNvPr>
-          <p:cNvCxnSpPr>
-            <a:cxnSpLocks/>
-          </p:cNvCxnSpPr>
-          <p:nvPr/>
-        </p:nvCxnSpPr>
-        <p:spPr>
-          <a:xfrm flipV="1">
-            <a:off x="5399092" y="3625146"/>
-            <a:ext cx="1564486" cy="50247"/>
-          </a:xfrm>
-          <a:prstGeom prst="line">
-            <a:avLst/>
-          </a:prstGeom>
-          <a:ln>
-            <a:solidFill>
-              <a:schemeClr val="accent2">
-                <a:lumMod val="75000"/>
-              </a:schemeClr>
-            </a:solidFill>
-            <a:prstDash val="dash"/>
-          </a:ln>
-        </p:spPr>
-        <p:style>
-          <a:lnRef idx="1">
-            <a:schemeClr val="accent1"/>
-          </a:lnRef>
-          <a:fillRef idx="0">
-            <a:schemeClr val="accent1"/>
-          </a:fillRef>
-          <a:effectRef idx="0">
-            <a:schemeClr val="accent1"/>
-          </a:effectRef>
-          <a:fontRef idx="minor">
-            <a:schemeClr val="tx1"/>
-          </a:fontRef>
-        </p:style>
-      </p:cxnSp>
-      <p:cxnSp>
-        <p:nvCxnSpPr>
-          <p:cNvPr id="25" name="Straight Connector 24">
-            <a:extLst>
-              <a:ext uri="{FF2B5EF4-FFF2-40B4-BE49-F238E27FC236}">
-                <a16:creationId xmlns:a16="http://schemas.microsoft.com/office/drawing/2014/main" id="{3AD25637-740E-4874-B3CF-881176219B86}"/>
-              </a:ext>
-            </a:extLst>
-          </p:cNvPr>
-          <p:cNvCxnSpPr>
-            <a:cxnSpLocks/>
-          </p:cNvCxnSpPr>
-          <p:nvPr/>
-        </p:nvCxnSpPr>
-        <p:spPr>
-          <a:xfrm flipV="1">
-            <a:off x="4126831" y="2447478"/>
-            <a:ext cx="0" cy="3324535"/>
-          </a:xfrm>
-          <a:prstGeom prst="line">
-            <a:avLst/>
-          </a:prstGeom>
-          <a:ln>
-            <a:prstDash val="dash"/>
-          </a:ln>
-        </p:spPr>
-        <p:style>
-          <a:lnRef idx="1">
-            <a:schemeClr val="accent1"/>
-          </a:lnRef>
-          <a:fillRef idx="0">
-            <a:schemeClr val="accent1"/>
-          </a:fillRef>
-          <a:effectRef idx="0">
-            <a:schemeClr val="accent1"/>
-          </a:effectRef>
-          <a:fontRef idx="minor">
-            <a:schemeClr val="tx1"/>
-          </a:fontRef>
-        </p:style>
-      </p:cxnSp>
-      <p:cxnSp>
-        <p:nvCxnSpPr>
-          <p:cNvPr id="28" name="Straight Connector 27">
-            <a:extLst>
-              <a:ext uri="{FF2B5EF4-FFF2-40B4-BE49-F238E27FC236}">
-                <a16:creationId xmlns:a16="http://schemas.microsoft.com/office/drawing/2014/main" id="{41419497-9769-454E-9F62-D0B9E622875E}"/>
-              </a:ext>
-            </a:extLst>
-          </p:cNvPr>
-          <p:cNvCxnSpPr>
-            <a:cxnSpLocks/>
-          </p:cNvCxnSpPr>
-          <p:nvPr/>
-        </p:nvCxnSpPr>
-        <p:spPr>
-          <a:xfrm flipV="1">
-            <a:off x="4126831" y="3675394"/>
-            <a:ext cx="1182588" cy="51891"/>
-          </a:xfrm>
-          <a:prstGeom prst="line">
-            <a:avLst/>
-          </a:prstGeom>
-          <a:ln>
-            <a:solidFill>
-              <a:schemeClr val="accent2">
-                <a:lumMod val="75000"/>
-              </a:schemeClr>
-            </a:solidFill>
-            <a:prstDash val="dash"/>
-          </a:ln>
-        </p:spPr>
-        <p:style>
-          <a:lnRef idx="1">
-            <a:schemeClr val="accent1"/>
-          </a:lnRef>
-          <a:fillRef idx="0">
-            <a:schemeClr val="accent1"/>
-          </a:fillRef>
-          <a:effectRef idx="0">
-            <a:schemeClr val="accent1"/>
-          </a:effectRef>
-          <a:fontRef idx="minor">
-            <a:schemeClr val="tx1"/>
-          </a:fontRef>
-        </p:style>
-      </p:cxnSp>
-      <p:cxnSp>
-        <p:nvCxnSpPr>
-          <p:cNvPr id="30" name="Straight Connector 29">
-            <a:extLst>
-              <a:ext uri="{FF2B5EF4-FFF2-40B4-BE49-F238E27FC236}">
-                <a16:creationId xmlns:a16="http://schemas.microsoft.com/office/drawing/2014/main" id="{77B3E91E-70B6-4923-9608-205BB7AF5DAE}"/>
-              </a:ext>
-            </a:extLst>
-          </p:cNvPr>
-          <p:cNvCxnSpPr>
-            <a:cxnSpLocks/>
-          </p:cNvCxnSpPr>
-          <p:nvPr/>
-        </p:nvCxnSpPr>
-        <p:spPr>
-          <a:xfrm flipH="1">
-            <a:off x="4000333" y="3983957"/>
-            <a:ext cx="3793277" cy="372386"/>
-          </a:xfrm>
-          <a:prstGeom prst="line">
-            <a:avLst/>
-          </a:prstGeom>
-          <a:ln>
-            <a:prstDash val="dash"/>
-          </a:ln>
-        </p:spPr>
-        <p:style>
-          <a:lnRef idx="1">
-            <a:schemeClr val="accent1"/>
-          </a:lnRef>
-          <a:fillRef idx="0">
-            <a:schemeClr val="accent1"/>
-          </a:fillRef>
-          <a:effectRef idx="0">
-            <a:schemeClr val="accent1"/>
-          </a:effectRef>
-          <a:fontRef idx="minor">
-            <a:schemeClr val="tx1"/>
-          </a:fontRef>
-        </p:style>
-      </p:cxnSp>
-      <p:cxnSp>
-        <p:nvCxnSpPr>
-          <p:cNvPr id="35" name="Straight Connector 34">
-            <a:extLst>
-              <a:ext uri="{FF2B5EF4-FFF2-40B4-BE49-F238E27FC236}">
-                <a16:creationId xmlns:a16="http://schemas.microsoft.com/office/drawing/2014/main" id="{F1036C0B-901C-45EF-84F4-1DA6003BADAA}"/>
-              </a:ext>
-            </a:extLst>
-          </p:cNvPr>
-          <p:cNvCxnSpPr>
-            <a:cxnSpLocks/>
-          </p:cNvCxnSpPr>
-          <p:nvPr/>
-        </p:nvCxnSpPr>
-        <p:spPr>
-          <a:xfrm flipH="1">
-            <a:off x="3947055" y="4251646"/>
-            <a:ext cx="3793277" cy="372386"/>
-          </a:xfrm>
-          <a:prstGeom prst="line">
-            <a:avLst/>
-          </a:prstGeom>
-          <a:ln>
-            <a:prstDash val="dash"/>
-          </a:ln>
-        </p:spPr>
-        <p:style>
-          <a:lnRef idx="1">
-            <a:schemeClr val="accent1"/>
-          </a:lnRef>
-          <a:fillRef idx="0">
-            <a:schemeClr val="accent1"/>
-          </a:fillRef>
-          <a:effectRef idx="0">
-            <a:schemeClr val="accent1"/>
-          </a:effectRef>
-          <a:fontRef idx="minor">
-            <a:schemeClr val="tx1"/>
-          </a:fontRef>
-        </p:style>
-      </p:cxnSp>
-      <p:cxnSp>
-        <p:nvCxnSpPr>
-          <p:cNvPr id="36" name="Straight Connector 35">
-            <a:extLst>
-              <a:ext uri="{FF2B5EF4-FFF2-40B4-BE49-F238E27FC236}">
-                <a16:creationId xmlns:a16="http://schemas.microsoft.com/office/drawing/2014/main" id="{34168E4E-DE58-48E8-8E66-1654358BC7C2}"/>
-              </a:ext>
-            </a:extLst>
-          </p:cNvPr>
-          <p:cNvCxnSpPr>
-            <a:cxnSpLocks/>
-          </p:cNvCxnSpPr>
-          <p:nvPr/>
-        </p:nvCxnSpPr>
-        <p:spPr>
-          <a:xfrm>
-            <a:off x="5409163" y="3675393"/>
-            <a:ext cx="42884" cy="529142"/>
-          </a:xfrm>
-          <a:prstGeom prst="line">
-            <a:avLst/>
-          </a:prstGeom>
-          <a:ln>
-            <a:solidFill>
-              <a:schemeClr val="accent2">
-                <a:lumMod val="75000"/>
-              </a:schemeClr>
-            </a:solidFill>
-            <a:prstDash val="dash"/>
-          </a:ln>
-        </p:spPr>
-        <p:style>
-          <a:lnRef idx="1">
-            <a:schemeClr val="accent1"/>
-          </a:lnRef>
-          <a:fillRef idx="0">
-            <a:schemeClr val="accent1"/>
-          </a:fillRef>
-          <a:effectRef idx="0">
-            <a:schemeClr val="accent1"/>
-          </a:effectRef>
-          <a:fontRef idx="minor">
-            <a:schemeClr val="tx1"/>
-          </a:fontRef>
-        </p:style>
-      </p:cxnSp>
-      <p:cxnSp>
-        <p:nvCxnSpPr>
-          <p:cNvPr id="39" name="Straight Connector 38">
-            <a:extLst>
-              <a:ext uri="{FF2B5EF4-FFF2-40B4-BE49-F238E27FC236}">
-                <a16:creationId xmlns:a16="http://schemas.microsoft.com/office/drawing/2014/main" id="{BD68FF15-E722-4B49-A94D-7BF943E7DCE0}"/>
-              </a:ext>
-            </a:extLst>
-          </p:cNvPr>
-          <p:cNvCxnSpPr>
-            <a:cxnSpLocks/>
-          </p:cNvCxnSpPr>
-          <p:nvPr/>
-        </p:nvCxnSpPr>
-        <p:spPr>
-          <a:xfrm>
-            <a:off x="5381385" y="3632293"/>
-            <a:ext cx="44259" cy="805546"/>
-          </a:xfrm>
-          <a:prstGeom prst="line">
-            <a:avLst/>
-          </a:prstGeom>
-          <a:ln>
-            <a:solidFill>
-              <a:schemeClr val="accent2">
-                <a:lumMod val="75000"/>
-              </a:schemeClr>
-            </a:solidFill>
-            <a:prstDash val="dash"/>
-          </a:ln>
-        </p:spPr>
-        <p:style>
-          <a:lnRef idx="1">
-            <a:schemeClr val="accent1"/>
-          </a:lnRef>
-          <a:fillRef idx="0">
-            <a:schemeClr val="accent1"/>
-          </a:fillRef>
-          <a:effectRef idx="0">
-            <a:schemeClr val="accent1"/>
-          </a:effectRef>
-          <a:fontRef idx="minor">
-            <a:schemeClr val="tx1"/>
-          </a:fontRef>
-        </p:style>
-      </p:cxnSp>
-      <p:sp>
-        <p:nvSpPr>
-          <p:cNvPr id="23" name="TextBox 22">
-            <a:extLst>
-              <a:ext uri="{FF2B5EF4-FFF2-40B4-BE49-F238E27FC236}">
-                <a16:creationId xmlns:a16="http://schemas.microsoft.com/office/drawing/2014/main" id="{3338068C-1E0B-D148-A6E9-11D0345BE971}"/>
+      <p:sp>
+        <p:nvSpPr>
+          <p:cNvPr id="18" name="TextBox 17">
+            <a:extLst>
+              <a:ext uri="{FF2B5EF4-FFF2-40B4-BE49-F238E27FC236}">
+                <a16:creationId xmlns:a16="http://schemas.microsoft.com/office/drawing/2014/main" id="{5DCF6378-8300-424B-8E82-E506650E4F8A}"/>
               </a:ext>
             </a:extLst>
           </p:cNvPr>
@@ -13616,7 +12922,7 @@
           <a:p>
             <a:r>
               <a:rPr lang="en-US" dirty="0"/>
-              <a:t>15x = Max(0,(</a:t>
+              <a:t>14y = (</a:t>
             </a:r>
             <a:r>
               <a:rPr lang="en-US" dirty="0" err="1"/>
@@ -13624,13 +12930,13 @@
             </a:r>
             <a:r>
               <a:rPr lang="en-US" dirty="0"/>
-              <a:t> * sin (alpha-theta)* cos(alpha – theta) + W1 * cos(alpha)),0) * sin(alpha)</a:t>
-            </a:r>
-          </a:p>
-          <a:p>
-            <a:r>
-              <a:rPr lang="en-US" dirty="0"/>
-              <a:t>16x = Max((</a:t>
+              <a:t> * sin (alpha-theta)* sin(alpha– theta) +  W1 * sin(alpha)) 	* sin(alpha)</a:t>
+            </a:r>
+          </a:p>
+          <a:p>
+            <a:r>
+              <a:rPr lang="en-US" dirty="0"/>
+              <a:t>15x = Max(0,(</a:t>
             </a:r>
             <a:r>
               <a:rPr lang="en-US" dirty="0" err="1"/>
@@ -13638,13 +12944,13 @@
             </a:r>
             <a:r>
               <a:rPr lang="en-US" dirty="0"/>
-              <a:t> * cos(alpha-theta) * sin(90+beta-theta) + W2 * cos(beta)),0) * sin(beta)</a:t>
-            </a:r>
-          </a:p>
-          <a:p>
-            <a:r>
-              <a:rPr lang="en-US" dirty="0"/>
-              <a:t>17x = (</a:t>
+              <a:t> * sin (alpha-theta)* cos(alpha – theta) + W1 * cos(alpha)),0) * sin(alpha)</a:t>
+            </a:r>
+          </a:p>
+          <a:p>
+            <a:r>
+              <a:rPr lang="en-US" dirty="0"/>
+              <a:t>15y = Max((</a:t>
             </a:r>
             <a:r>
               <a:rPr lang="en-US" dirty="0" err="1"/>
@@ -13652,7 +12958,7 @@
             </a:r>
             <a:r>
               <a:rPr lang="en-US" dirty="0"/>
-              <a:t> * cos (alpha-theta) * cos(beta-theta) + W2 * sin(beta)) * cos(beta)</a:t>
+              <a:t> * sin (alpha-theta)* cos(alpha – theta) + W1 * cos(alpha)),0) * cos(alpha)</a:t>
             </a:r>
           </a:p>
           <a:p>
@@ -13661,7 +12967,7 @@
           <a:p>
             <a:r>
               <a:rPr lang="en-US" dirty="0"/>
-              <a:t>14y = (</a:t>
+              <a:t>16x = Max((</a:t>
             </a:r>
             <a:r>
               <a:rPr lang="en-US" dirty="0" err="1"/>
@@ -13669,13 +12975,13 @@
             </a:r>
             <a:r>
               <a:rPr lang="en-US" dirty="0"/>
-              <a:t> * sin (alpha-theta)* sin(alpha– theta) +  W1 * sin(alpha)) 	* sin(alpha)</a:t>
-            </a:r>
-          </a:p>
-          <a:p>
-            <a:r>
-              <a:rPr lang="en-US" dirty="0"/>
-              <a:t>15y = Max((</a:t>
+              <a:t> * cos(alpha-theta) * sin(90+beta-theta) + W2 * cos(beta)),0) * sin(beta)</a:t>
+            </a:r>
+          </a:p>
+          <a:p>
+            <a:r>
+              <a:rPr lang="en-US" dirty="0"/>
+              <a:t>16y = Max((</a:t>
             </a:r>
             <a:r>
               <a:rPr lang="en-US" dirty="0" err="1"/>
@@ -13683,13 +12989,13 @@
             </a:r>
             <a:r>
               <a:rPr lang="en-US" dirty="0"/>
-              <a:t> * sin (alpha-theta)* cos(alpha – theta) + W1 * cos(alpha)),0) * cos(alpha)</a:t>
-            </a:r>
-          </a:p>
-          <a:p>
-            <a:r>
-              <a:rPr lang="en-US" dirty="0"/>
-              <a:t>16y = Max((</a:t>
+              <a:t> * cos(alpha-theta) * sin(90+beta-theta) + W2 * cos(beta)),0) * cos(beta)</a:t>
+            </a:r>
+          </a:p>
+          <a:p>
+            <a:r>
+              <a:rPr lang="en-US" dirty="0"/>
+              <a:t>17x = (</a:t>
             </a:r>
             <a:r>
               <a:rPr lang="en-US" dirty="0" err="1"/>
@@ -13697,7 +13003,7 @@
             </a:r>
             <a:r>
               <a:rPr lang="en-US" dirty="0"/>
-              <a:t> * cos(alpha-theta) * sin(90+beta-theta) + W2 * cos(beta)),0) * cos(beta)</a:t>
+              <a:t> * cos (alpha-theta) * cos(beta-theta) + W2 * sin(beta)) * cos(beta)</a:t>
             </a:r>
           </a:p>
           <a:p>
@@ -13725,10 +13031,62 @@
       </p:sp>
       <p:sp>
         <p:nvSpPr>
-          <p:cNvPr id="2" name="TextBox 1">
-            <a:extLst>
-              <a:ext uri="{FF2B5EF4-FFF2-40B4-BE49-F238E27FC236}">
-                <a16:creationId xmlns:a16="http://schemas.microsoft.com/office/drawing/2014/main" id="{798C3D4E-C712-A549-9D48-4427170FCB2B}"/>
+          <p:cNvPr id="20" name="Oval 19">
+            <a:extLst>
+              <a:ext uri="{FF2B5EF4-FFF2-40B4-BE49-F238E27FC236}">
+                <a16:creationId xmlns:a16="http://schemas.microsoft.com/office/drawing/2014/main" id="{E9A72DDE-E619-409E-AA02-3D3F73CC15D5}"/>
+              </a:ext>
+            </a:extLst>
+          </p:cNvPr>
+          <p:cNvSpPr/>
+          <p:nvPr/>
+        </p:nvSpPr>
+        <p:spPr>
+          <a:xfrm>
+            <a:off x="5320967" y="3609975"/>
+            <a:ext cx="152400" cy="152400"/>
+          </a:xfrm>
+          <a:prstGeom prst="ellipse">
+            <a:avLst/>
+          </a:prstGeom>
+          <a:solidFill>
+            <a:schemeClr val="accent1">
+              <a:lumMod val="60000"/>
+              <a:lumOff val="40000"/>
+            </a:schemeClr>
+          </a:solidFill>
+        </p:spPr>
+        <p:style>
+          <a:lnRef idx="2">
+            <a:schemeClr val="accent1">
+              <a:shade val="50000"/>
+            </a:schemeClr>
+          </a:lnRef>
+          <a:fillRef idx="1">
+            <a:schemeClr val="accent1"/>
+          </a:fillRef>
+          <a:effectRef idx="0">
+            <a:schemeClr val="accent1"/>
+          </a:effectRef>
+          <a:fontRef idx="minor">
+            <a:schemeClr val="lt1"/>
+          </a:fontRef>
+        </p:style>
+        <p:txBody>
+          <a:bodyPr rtlCol="0" anchor="ctr"/>
+          <a:lstStyle/>
+          <a:p>
+            <a:pPr algn="ctr"/>
+            <a:endParaRPr lang="en-US"/>
+          </a:p>
+        </p:txBody>
+      </p:sp>
+      <p:sp>
+        <p:nvSpPr>
+          <p:cNvPr id="22" name="TextBox 21">
+            <a:extLst>
+              <a:ext uri="{FF2B5EF4-FFF2-40B4-BE49-F238E27FC236}">
+                <a16:creationId xmlns:a16="http://schemas.microsoft.com/office/drawing/2014/main" id="{7699484E-5ECE-024B-8482-8D7EF5BC55F4}"/>
               </a:ext>
             </a:extLst>
           </p:cNvPr>
@@ -13737,8 +13095,8 @@
         </p:nvSpPr>
         <p:spPr>
           <a:xfrm>
-            <a:off x="8117746" y="5016428"/>
-            <a:ext cx="3471720" cy="1200329"/>
+            <a:off x="4285544" y="3969185"/>
+            <a:ext cx="418704" cy="369332"/>
           </a:xfrm>
           <a:prstGeom prst="rect">
             <a:avLst/>
@@ -13753,25 +13111,147 @@
           <a:p>
             <a:r>
               <a:rPr lang="en-US" dirty="0"/>
-              <a:t>Sum the X direction forces</a:t>
-            </a:r>
-          </a:p>
-          <a:p>
-            <a:r>
-              <a:rPr lang="en-US" dirty="0"/>
-              <a:t>Sum the Y direction forces</a:t>
-            </a:r>
-          </a:p>
-          <a:p>
-            <a:r>
-              <a:rPr lang="en-US" dirty="0"/>
-              <a:t>Sum the clockwise torques</a:t>
-            </a:r>
-          </a:p>
-          <a:p>
-            <a:r>
-              <a:rPr lang="en-US" dirty="0"/>
-              <a:t>Sum the counter clockwise torques</a:t>
+              <a:t>14</a:t>
+            </a:r>
+          </a:p>
+        </p:txBody>
+      </p:sp>
+      <p:sp>
+        <p:nvSpPr>
+          <p:cNvPr id="25" name="TextBox 24">
+            <a:extLst>
+              <a:ext uri="{FF2B5EF4-FFF2-40B4-BE49-F238E27FC236}">
+                <a16:creationId xmlns:a16="http://schemas.microsoft.com/office/drawing/2014/main" id="{3BC738D1-99BD-144B-86E2-6DB8CE9FC2D4}"/>
+              </a:ext>
+            </a:extLst>
+          </p:cNvPr>
+          <p:cNvSpPr txBox="1"/>
+          <p:nvPr/>
+        </p:nvSpPr>
+        <p:spPr>
+          <a:xfrm>
+            <a:off x="3709466" y="4022725"/>
+            <a:ext cx="418704" cy="369332"/>
+          </a:xfrm>
+          <a:prstGeom prst="rect">
+            <a:avLst/>
+          </a:prstGeom>
+          <a:noFill/>
+        </p:spPr>
+        <p:txBody>
+          <a:bodyPr wrap="none" rtlCol="0">
+            <a:spAutoFit/>
+          </a:bodyPr>
+          <a:lstStyle/>
+          <a:p>
+            <a:r>
+              <a:rPr lang="en-US" dirty="0"/>
+              <a:t>15</a:t>
+            </a:r>
+          </a:p>
+        </p:txBody>
+      </p:sp>
+      <p:sp>
+        <p:nvSpPr>
+          <p:cNvPr id="26" name="TextBox 25">
+            <a:extLst>
+              <a:ext uri="{FF2B5EF4-FFF2-40B4-BE49-F238E27FC236}">
+                <a16:creationId xmlns:a16="http://schemas.microsoft.com/office/drawing/2014/main" id="{0D65575D-E71B-1443-995F-AD2D2D74C099}"/>
+              </a:ext>
+            </a:extLst>
+          </p:cNvPr>
+          <p:cNvSpPr txBox="1"/>
+          <p:nvPr/>
+        </p:nvSpPr>
+        <p:spPr>
+          <a:xfrm>
+            <a:off x="6411434" y="3910822"/>
+            <a:ext cx="418704" cy="369332"/>
+          </a:xfrm>
+          <a:prstGeom prst="rect">
+            <a:avLst/>
+          </a:prstGeom>
+          <a:noFill/>
+        </p:spPr>
+        <p:txBody>
+          <a:bodyPr wrap="none" rtlCol="0">
+            <a:spAutoFit/>
+          </a:bodyPr>
+          <a:lstStyle/>
+          <a:p>
+            <a:r>
+              <a:rPr lang="en-US" dirty="0"/>
+              <a:t>16</a:t>
+            </a:r>
+          </a:p>
+        </p:txBody>
+      </p:sp>
+      <p:sp>
+        <p:nvSpPr>
+          <p:cNvPr id="27" name="TextBox 26">
+            <a:extLst>
+              <a:ext uri="{FF2B5EF4-FFF2-40B4-BE49-F238E27FC236}">
+                <a16:creationId xmlns:a16="http://schemas.microsoft.com/office/drawing/2014/main" id="{8831D832-1342-FA41-9DCC-AA9C5D356149}"/>
+              </a:ext>
+            </a:extLst>
+          </p:cNvPr>
+          <p:cNvSpPr txBox="1"/>
+          <p:nvPr/>
+        </p:nvSpPr>
+        <p:spPr>
+          <a:xfrm>
+            <a:off x="6783658" y="3511034"/>
+            <a:ext cx="418704" cy="369332"/>
+          </a:xfrm>
+          <a:prstGeom prst="rect">
+            <a:avLst/>
+          </a:prstGeom>
+          <a:noFill/>
+        </p:spPr>
+        <p:txBody>
+          <a:bodyPr wrap="none" rtlCol="0">
+            <a:spAutoFit/>
+          </a:bodyPr>
+          <a:lstStyle/>
+          <a:p>
+            <a:r>
+              <a:rPr lang="en-US" dirty="0"/>
+              <a:t>17</a:t>
+            </a:r>
+          </a:p>
+        </p:txBody>
+      </p:sp>
+      <p:sp>
+        <p:nvSpPr>
+          <p:cNvPr id="30" name="TextBox 29">
+            <a:extLst>
+              <a:ext uri="{FF2B5EF4-FFF2-40B4-BE49-F238E27FC236}">
+                <a16:creationId xmlns:a16="http://schemas.microsoft.com/office/drawing/2014/main" id="{E592A4AF-29B6-544F-AF78-6C67492FD279}"/>
+              </a:ext>
+            </a:extLst>
+          </p:cNvPr>
+          <p:cNvSpPr txBox="1"/>
+          <p:nvPr/>
+        </p:nvSpPr>
+        <p:spPr>
+          <a:xfrm>
+            <a:off x="4756306" y="5864590"/>
+            <a:ext cx="5921108" cy="369332"/>
+          </a:xfrm>
+          <a:prstGeom prst="rect">
+            <a:avLst/>
+          </a:prstGeom>
+          <a:noFill/>
+        </p:spPr>
+        <p:txBody>
+          <a:bodyPr wrap="none" rtlCol="0">
+            <a:spAutoFit/>
+          </a:bodyPr>
+          <a:lstStyle/>
+          <a:p>
+            <a:r>
+              <a:rPr lang="en-US" dirty="0"/>
+              <a:t>The remaining forces can be broken into X and Y components</a:t>
             </a:r>
           </a:p>
         </p:txBody>
@@ -13779,7 +13259,7 @@
     </p:spTree>
     <p:extLst>
       <p:ext uri="{BB962C8B-B14F-4D97-AF65-F5344CB8AC3E}">
-        <p14:creationId xmlns:p14="http://schemas.microsoft.com/office/powerpoint/2010/main" val="727431747"/>
+        <p14:creationId xmlns:p14="http://schemas.microsoft.com/office/powerpoint/2010/main" val="3025247753"/>
       </p:ext>
     </p:extLst>
   </p:cSld>
@@ -14135,79 +13615,6 @@
       </p:sp>
       <p:sp>
         <p:nvSpPr>
-          <p:cNvPr id="18" name="TextBox 17">
-            <a:extLst>
-              <a:ext uri="{FF2B5EF4-FFF2-40B4-BE49-F238E27FC236}">
-                <a16:creationId xmlns:a16="http://schemas.microsoft.com/office/drawing/2014/main" id="{5DCF6378-8300-424B-8E82-E506650E4F8A}"/>
-              </a:ext>
-            </a:extLst>
-          </p:cNvPr>
-          <p:cNvSpPr txBox="1"/>
-          <p:nvPr/>
-        </p:nvSpPr>
-        <p:spPr>
-          <a:xfrm>
-            <a:off x="424250" y="392851"/>
-            <a:ext cx="9626994" cy="646331"/>
-          </a:xfrm>
-          <a:prstGeom prst="rect">
-            <a:avLst/>
-          </a:prstGeom>
-          <a:noFill/>
-        </p:spPr>
-        <p:txBody>
-          <a:bodyPr wrap="none" rtlCol="0">
-            <a:spAutoFit/>
-          </a:bodyPr>
-          <a:lstStyle/>
-          <a:p>
-            <a:r>
-              <a:rPr lang="en-US" dirty="0"/>
-              <a:t>We can now slide the object based on the remaining forces at the CG (a=f/m; v=</a:t>
-            </a:r>
-            <a:r>
-              <a:rPr lang="en-US" dirty="0" err="1"/>
-              <a:t>v+a</a:t>
-            </a:r>
-            <a:r>
-              <a:rPr lang="en-US" dirty="0"/>
-              <a:t>; p=</a:t>
-            </a:r>
-            <a:r>
-              <a:rPr lang="en-US" dirty="0" err="1"/>
-              <a:t>p+v</a:t>
-            </a:r>
-            <a:r>
-              <a:rPr lang="en-US" dirty="0"/>
-              <a:t>)</a:t>
-            </a:r>
-          </a:p>
-          <a:p>
-            <a:r>
-              <a:rPr lang="en-US" dirty="0"/>
-              <a:t>We can also rotate the object based on the total remaining moments/couples (w=m/j; o=</a:t>
-            </a:r>
-            <a:r>
-              <a:rPr lang="en-US" dirty="0" err="1"/>
-              <a:t>o+w</a:t>
-            </a:r>
-            <a:r>
-              <a:rPr lang="en-US" dirty="0"/>
-              <a:t>; a=</a:t>
-            </a:r>
-            <a:r>
-              <a:rPr lang="en-US" dirty="0" err="1"/>
-              <a:t>a+o</a:t>
-            </a:r>
-            <a:r>
-              <a:rPr lang="en-US" dirty="0"/>
-              <a:t>)</a:t>
-            </a:r>
-          </a:p>
-        </p:txBody>
-      </p:sp>
-      <p:sp>
-        <p:nvSpPr>
           <p:cNvPr id="20" name="Oval 19">
             <a:extLst>
               <a:ext uri="{FF2B5EF4-FFF2-40B4-BE49-F238E27FC236}">
@@ -14274,7 +13681,7 @@
         </p:nvCxnSpPr>
         <p:spPr>
           <a:xfrm flipH="1">
-            <a:off x="5172176" y="3670784"/>
+            <a:off x="3886780" y="4605889"/>
             <a:ext cx="227106" cy="0"/>
           </a:xfrm>
           <a:prstGeom prst="straightConnector1">
@@ -14318,7 +13725,7 @@
         </p:nvCxnSpPr>
         <p:spPr>
           <a:xfrm>
-            <a:off x="5397167" y="3663465"/>
+            <a:off x="4111771" y="4598570"/>
             <a:ext cx="0" cy="197820"/>
           </a:xfrm>
           <a:prstGeom prst="straightConnector1">
@@ -14362,7 +13769,7 @@
         </p:nvCxnSpPr>
         <p:spPr>
           <a:xfrm flipH="1" flipV="1">
-            <a:off x="5411103" y="3382727"/>
+            <a:off x="6972302" y="3791413"/>
             <a:ext cx="1" cy="296450"/>
           </a:xfrm>
           <a:prstGeom prst="straightConnector1">
@@ -14409,7 +13816,7 @@
         </p:nvCxnSpPr>
         <p:spPr>
           <a:xfrm flipV="1">
-            <a:off x="5393654" y="3627686"/>
+            <a:off x="6954853" y="4036372"/>
             <a:ext cx="235114" cy="29481"/>
           </a:xfrm>
           <a:prstGeom prst="straightConnector1">
@@ -14440,112 +13847,360 @@
           </a:fontRef>
         </p:style>
       </p:cxnSp>
-      <p:sp>
-        <p:nvSpPr>
-          <p:cNvPr id="2" name="Arrow: Curved Right 1">
-            <a:extLst>
-              <a:ext uri="{FF2B5EF4-FFF2-40B4-BE49-F238E27FC236}">
-                <a16:creationId xmlns:a16="http://schemas.microsoft.com/office/drawing/2014/main" id="{EABE806A-F88E-4736-A74E-A28E8054CE48}"/>
-              </a:ext>
-            </a:extLst>
-          </p:cNvPr>
-          <p:cNvSpPr/>
-          <p:nvPr/>
-        </p:nvSpPr>
-        <p:spPr>
-          <a:xfrm>
-            <a:off x="4921227" y="3443405"/>
-            <a:ext cx="228600" cy="485540"/>
-          </a:xfrm>
-          <a:prstGeom prst="curvedRightArrow">
-            <a:avLst/>
-          </a:prstGeom>
-        </p:spPr>
-        <p:style>
-          <a:lnRef idx="2">
-            <a:schemeClr val="accent1">
-              <a:shade val="50000"/>
-            </a:schemeClr>
-          </a:lnRef>
-          <a:fillRef idx="1">
-            <a:schemeClr val="accent1"/>
-          </a:fillRef>
-          <a:effectRef idx="0">
-            <a:schemeClr val="accent1"/>
-          </a:effectRef>
-          <a:fontRef idx="minor">
-            <a:schemeClr val="lt1"/>
-          </a:fontRef>
-        </p:style>
-        <p:txBody>
-          <a:bodyPr rtlCol="0" anchor="ctr"/>
-          <a:lstStyle/>
-          <a:p>
-            <a:pPr algn="ctr"/>
-            <a:endParaRPr lang="en-US">
-              <a:solidFill>
-                <a:schemeClr val="tx1"/>
-              </a:solidFill>
-            </a:endParaRPr>
-          </a:p>
-        </p:txBody>
-      </p:sp>
-      <p:sp>
-        <p:nvSpPr>
-          <p:cNvPr id="6" name="Arrow: Curved Left 5">
-            <a:extLst>
-              <a:ext uri="{FF2B5EF4-FFF2-40B4-BE49-F238E27FC236}">
-                <a16:creationId xmlns:a16="http://schemas.microsoft.com/office/drawing/2014/main" id="{29D4C0EF-A93B-42EE-8EDD-06271083FBFB}"/>
-              </a:ext>
-            </a:extLst>
-          </p:cNvPr>
-          <p:cNvSpPr/>
-          <p:nvPr/>
-        </p:nvSpPr>
-        <p:spPr>
-          <a:xfrm>
-            <a:off x="5614319" y="3366126"/>
-            <a:ext cx="251792" cy="523120"/>
-          </a:xfrm>
-          <a:prstGeom prst="curvedLeftArrow">
-            <a:avLst/>
-          </a:prstGeom>
-        </p:spPr>
-        <p:style>
-          <a:lnRef idx="2">
-            <a:schemeClr val="accent1">
-              <a:shade val="50000"/>
-            </a:schemeClr>
-          </a:lnRef>
-          <a:fillRef idx="1">
-            <a:schemeClr val="accent1"/>
-          </a:fillRef>
-          <a:effectRef idx="0">
-            <a:schemeClr val="accent1"/>
-          </a:effectRef>
-          <a:fontRef idx="minor">
-            <a:schemeClr val="lt1"/>
-          </a:fontRef>
-        </p:style>
-        <p:txBody>
-          <a:bodyPr rtlCol="0" anchor="ctr"/>
-          <a:lstStyle/>
-          <a:p>
-            <a:pPr algn="ctr"/>
-            <a:endParaRPr lang="en-US">
-              <a:solidFill>
-                <a:schemeClr val="tx1"/>
-              </a:solidFill>
-            </a:endParaRPr>
-          </a:p>
-        </p:txBody>
-      </p:sp>
-      <p:sp>
-        <p:nvSpPr>
-          <p:cNvPr id="17" name="TextBox 16">
-            <a:extLst>
-              <a:ext uri="{FF2B5EF4-FFF2-40B4-BE49-F238E27FC236}">
-                <a16:creationId xmlns:a16="http://schemas.microsoft.com/office/drawing/2014/main" id="{1E29AF97-C8CF-374C-8C0C-815305074C77}"/>
+      <p:cxnSp>
+        <p:nvCxnSpPr>
+          <p:cNvPr id="3" name="Straight Connector 2">
+            <a:extLst>
+              <a:ext uri="{FF2B5EF4-FFF2-40B4-BE49-F238E27FC236}">
+                <a16:creationId xmlns:a16="http://schemas.microsoft.com/office/drawing/2014/main" id="{DF78B2C9-B06A-4141-92CB-F654B62298AB}"/>
+              </a:ext>
+            </a:extLst>
+          </p:cNvPr>
+          <p:cNvCxnSpPr>
+            <a:cxnSpLocks/>
+          </p:cNvCxnSpPr>
+          <p:nvPr/>
+        </p:nvCxnSpPr>
+        <p:spPr>
+          <a:xfrm flipH="1" flipV="1">
+            <a:off x="6954853" y="2600670"/>
+            <a:ext cx="70732" cy="3609630"/>
+          </a:xfrm>
+          <a:prstGeom prst="line">
+            <a:avLst/>
+          </a:prstGeom>
+          <a:ln>
+            <a:prstDash val="dash"/>
+          </a:ln>
+        </p:spPr>
+        <p:style>
+          <a:lnRef idx="1">
+            <a:schemeClr val="accent1"/>
+          </a:lnRef>
+          <a:fillRef idx="0">
+            <a:schemeClr val="accent1"/>
+          </a:fillRef>
+          <a:effectRef idx="0">
+            <a:schemeClr val="accent1"/>
+          </a:effectRef>
+          <a:fontRef idx="minor">
+            <a:schemeClr val="tx1"/>
+          </a:fontRef>
+        </p:style>
+      </p:cxnSp>
+      <p:cxnSp>
+        <p:nvCxnSpPr>
+          <p:cNvPr id="24" name="Straight Connector 23">
+            <a:extLst>
+              <a:ext uri="{FF2B5EF4-FFF2-40B4-BE49-F238E27FC236}">
+                <a16:creationId xmlns:a16="http://schemas.microsoft.com/office/drawing/2014/main" id="{6C3D62E1-71AD-491B-B46B-69C1BA562B00}"/>
+              </a:ext>
+            </a:extLst>
+          </p:cNvPr>
+          <p:cNvCxnSpPr>
+            <a:cxnSpLocks/>
+          </p:cNvCxnSpPr>
+          <p:nvPr/>
+        </p:nvCxnSpPr>
+        <p:spPr>
+          <a:xfrm flipV="1">
+            <a:off x="5399092" y="3625146"/>
+            <a:ext cx="1564486" cy="50247"/>
+          </a:xfrm>
+          <a:prstGeom prst="line">
+            <a:avLst/>
+          </a:prstGeom>
+          <a:ln>
+            <a:solidFill>
+              <a:schemeClr val="accent2">
+                <a:lumMod val="75000"/>
+              </a:schemeClr>
+            </a:solidFill>
+            <a:prstDash val="dash"/>
+          </a:ln>
+        </p:spPr>
+        <p:style>
+          <a:lnRef idx="1">
+            <a:schemeClr val="accent1"/>
+          </a:lnRef>
+          <a:fillRef idx="0">
+            <a:schemeClr val="accent1"/>
+          </a:fillRef>
+          <a:effectRef idx="0">
+            <a:schemeClr val="accent1"/>
+          </a:effectRef>
+          <a:fontRef idx="minor">
+            <a:schemeClr val="tx1"/>
+          </a:fontRef>
+        </p:style>
+      </p:cxnSp>
+      <p:cxnSp>
+        <p:nvCxnSpPr>
+          <p:cNvPr id="25" name="Straight Connector 24">
+            <a:extLst>
+              <a:ext uri="{FF2B5EF4-FFF2-40B4-BE49-F238E27FC236}">
+                <a16:creationId xmlns:a16="http://schemas.microsoft.com/office/drawing/2014/main" id="{3AD25637-740E-4874-B3CF-881176219B86}"/>
+              </a:ext>
+            </a:extLst>
+          </p:cNvPr>
+          <p:cNvCxnSpPr>
+            <a:cxnSpLocks/>
+          </p:cNvCxnSpPr>
+          <p:nvPr/>
+        </p:nvCxnSpPr>
+        <p:spPr>
+          <a:xfrm flipV="1">
+            <a:off x="4126831" y="2447478"/>
+            <a:ext cx="0" cy="3324535"/>
+          </a:xfrm>
+          <a:prstGeom prst="line">
+            <a:avLst/>
+          </a:prstGeom>
+          <a:ln>
+            <a:prstDash val="dash"/>
+          </a:ln>
+        </p:spPr>
+        <p:style>
+          <a:lnRef idx="1">
+            <a:schemeClr val="accent1"/>
+          </a:lnRef>
+          <a:fillRef idx="0">
+            <a:schemeClr val="accent1"/>
+          </a:fillRef>
+          <a:effectRef idx="0">
+            <a:schemeClr val="accent1"/>
+          </a:effectRef>
+          <a:fontRef idx="minor">
+            <a:schemeClr val="tx1"/>
+          </a:fontRef>
+        </p:style>
+      </p:cxnSp>
+      <p:cxnSp>
+        <p:nvCxnSpPr>
+          <p:cNvPr id="28" name="Straight Connector 27">
+            <a:extLst>
+              <a:ext uri="{FF2B5EF4-FFF2-40B4-BE49-F238E27FC236}">
+                <a16:creationId xmlns:a16="http://schemas.microsoft.com/office/drawing/2014/main" id="{41419497-9769-454E-9F62-D0B9E622875E}"/>
+              </a:ext>
+            </a:extLst>
+          </p:cNvPr>
+          <p:cNvCxnSpPr>
+            <a:cxnSpLocks/>
+          </p:cNvCxnSpPr>
+          <p:nvPr/>
+        </p:nvCxnSpPr>
+        <p:spPr>
+          <a:xfrm flipV="1">
+            <a:off x="4126831" y="3675394"/>
+            <a:ext cx="1182588" cy="51891"/>
+          </a:xfrm>
+          <a:prstGeom prst="line">
+            <a:avLst/>
+          </a:prstGeom>
+          <a:ln>
+            <a:solidFill>
+              <a:schemeClr val="accent2">
+                <a:lumMod val="75000"/>
+              </a:schemeClr>
+            </a:solidFill>
+            <a:prstDash val="dash"/>
+          </a:ln>
+        </p:spPr>
+        <p:style>
+          <a:lnRef idx="1">
+            <a:schemeClr val="accent1"/>
+          </a:lnRef>
+          <a:fillRef idx="0">
+            <a:schemeClr val="accent1"/>
+          </a:fillRef>
+          <a:effectRef idx="0">
+            <a:schemeClr val="accent1"/>
+          </a:effectRef>
+          <a:fontRef idx="minor">
+            <a:schemeClr val="tx1"/>
+          </a:fontRef>
+        </p:style>
+      </p:cxnSp>
+      <p:cxnSp>
+        <p:nvCxnSpPr>
+          <p:cNvPr id="30" name="Straight Connector 29">
+            <a:extLst>
+              <a:ext uri="{FF2B5EF4-FFF2-40B4-BE49-F238E27FC236}">
+                <a16:creationId xmlns:a16="http://schemas.microsoft.com/office/drawing/2014/main" id="{77B3E91E-70B6-4923-9608-205BB7AF5DAE}"/>
+              </a:ext>
+            </a:extLst>
+          </p:cNvPr>
+          <p:cNvCxnSpPr>
+            <a:cxnSpLocks/>
+          </p:cNvCxnSpPr>
+          <p:nvPr/>
+        </p:nvCxnSpPr>
+        <p:spPr>
+          <a:xfrm flipH="1">
+            <a:off x="4000333" y="3983957"/>
+            <a:ext cx="3793277" cy="372386"/>
+          </a:xfrm>
+          <a:prstGeom prst="line">
+            <a:avLst/>
+          </a:prstGeom>
+          <a:ln>
+            <a:prstDash val="dash"/>
+          </a:ln>
+        </p:spPr>
+        <p:style>
+          <a:lnRef idx="1">
+            <a:schemeClr val="accent1"/>
+          </a:lnRef>
+          <a:fillRef idx="0">
+            <a:schemeClr val="accent1"/>
+          </a:fillRef>
+          <a:effectRef idx="0">
+            <a:schemeClr val="accent1"/>
+          </a:effectRef>
+          <a:fontRef idx="minor">
+            <a:schemeClr val="tx1"/>
+          </a:fontRef>
+        </p:style>
+      </p:cxnSp>
+      <p:cxnSp>
+        <p:nvCxnSpPr>
+          <p:cNvPr id="35" name="Straight Connector 34">
+            <a:extLst>
+              <a:ext uri="{FF2B5EF4-FFF2-40B4-BE49-F238E27FC236}">
+                <a16:creationId xmlns:a16="http://schemas.microsoft.com/office/drawing/2014/main" id="{F1036C0B-901C-45EF-84F4-1DA6003BADAA}"/>
+              </a:ext>
+            </a:extLst>
+          </p:cNvPr>
+          <p:cNvCxnSpPr>
+            <a:cxnSpLocks/>
+          </p:cNvCxnSpPr>
+          <p:nvPr/>
+        </p:nvCxnSpPr>
+        <p:spPr>
+          <a:xfrm flipH="1">
+            <a:off x="3947055" y="4251646"/>
+            <a:ext cx="3793277" cy="372386"/>
+          </a:xfrm>
+          <a:prstGeom prst="line">
+            <a:avLst/>
+          </a:prstGeom>
+          <a:ln>
+            <a:prstDash val="dash"/>
+          </a:ln>
+        </p:spPr>
+        <p:style>
+          <a:lnRef idx="1">
+            <a:schemeClr val="accent1"/>
+          </a:lnRef>
+          <a:fillRef idx="0">
+            <a:schemeClr val="accent1"/>
+          </a:fillRef>
+          <a:effectRef idx="0">
+            <a:schemeClr val="accent1"/>
+          </a:effectRef>
+          <a:fontRef idx="minor">
+            <a:schemeClr val="tx1"/>
+          </a:fontRef>
+        </p:style>
+      </p:cxnSp>
+      <p:cxnSp>
+        <p:nvCxnSpPr>
+          <p:cNvPr id="36" name="Straight Connector 35">
+            <a:extLst>
+              <a:ext uri="{FF2B5EF4-FFF2-40B4-BE49-F238E27FC236}">
+                <a16:creationId xmlns:a16="http://schemas.microsoft.com/office/drawing/2014/main" id="{34168E4E-DE58-48E8-8E66-1654358BC7C2}"/>
+              </a:ext>
+            </a:extLst>
+          </p:cNvPr>
+          <p:cNvCxnSpPr>
+            <a:cxnSpLocks/>
+          </p:cNvCxnSpPr>
+          <p:nvPr/>
+        </p:nvCxnSpPr>
+        <p:spPr>
+          <a:xfrm>
+            <a:off x="5409163" y="3675393"/>
+            <a:ext cx="42884" cy="529142"/>
+          </a:xfrm>
+          <a:prstGeom prst="line">
+            <a:avLst/>
+          </a:prstGeom>
+          <a:ln>
+            <a:solidFill>
+              <a:schemeClr val="accent2">
+                <a:lumMod val="75000"/>
+              </a:schemeClr>
+            </a:solidFill>
+            <a:prstDash val="dash"/>
+          </a:ln>
+        </p:spPr>
+        <p:style>
+          <a:lnRef idx="1">
+            <a:schemeClr val="accent1"/>
+          </a:lnRef>
+          <a:fillRef idx="0">
+            <a:schemeClr val="accent1"/>
+          </a:fillRef>
+          <a:effectRef idx="0">
+            <a:schemeClr val="accent1"/>
+          </a:effectRef>
+          <a:fontRef idx="minor">
+            <a:schemeClr val="tx1"/>
+          </a:fontRef>
+        </p:style>
+      </p:cxnSp>
+      <p:cxnSp>
+        <p:nvCxnSpPr>
+          <p:cNvPr id="39" name="Straight Connector 38">
+            <a:extLst>
+              <a:ext uri="{FF2B5EF4-FFF2-40B4-BE49-F238E27FC236}">
+                <a16:creationId xmlns:a16="http://schemas.microsoft.com/office/drawing/2014/main" id="{BD68FF15-E722-4B49-A94D-7BF943E7DCE0}"/>
+              </a:ext>
+            </a:extLst>
+          </p:cNvPr>
+          <p:cNvCxnSpPr>
+            <a:cxnSpLocks/>
+          </p:cNvCxnSpPr>
+          <p:nvPr/>
+        </p:nvCxnSpPr>
+        <p:spPr>
+          <a:xfrm>
+            <a:off x="5381385" y="3632293"/>
+            <a:ext cx="44259" cy="805546"/>
+          </a:xfrm>
+          <a:prstGeom prst="line">
+            <a:avLst/>
+          </a:prstGeom>
+          <a:ln>
+            <a:solidFill>
+              <a:schemeClr val="accent2">
+                <a:lumMod val="75000"/>
+              </a:schemeClr>
+            </a:solidFill>
+            <a:prstDash val="dash"/>
+          </a:ln>
+        </p:spPr>
+        <p:style>
+          <a:lnRef idx="1">
+            <a:schemeClr val="accent1"/>
+          </a:lnRef>
+          <a:fillRef idx="0">
+            <a:schemeClr val="accent1"/>
+          </a:fillRef>
+          <a:effectRef idx="0">
+            <a:schemeClr val="accent1"/>
+          </a:effectRef>
+          <a:fontRef idx="minor">
+            <a:schemeClr val="tx1"/>
+          </a:fontRef>
+        </p:style>
+      </p:cxnSp>
+      <p:sp>
+        <p:nvSpPr>
+          <p:cNvPr id="23" name="TextBox 22">
+            <a:extLst>
+              <a:ext uri="{FF2B5EF4-FFF2-40B4-BE49-F238E27FC236}">
+                <a16:creationId xmlns:a16="http://schemas.microsoft.com/office/drawing/2014/main" id="{3338068C-1E0B-D148-A6E9-11D0345BE971}"/>
               </a:ext>
             </a:extLst>
           </p:cNvPr>
@@ -14554,8 +14209,159 @@
         </p:nvSpPr>
         <p:spPr>
           <a:xfrm>
-            <a:off x="1528324" y="1423801"/>
-            <a:ext cx="8423781" cy="923330"/>
+            <a:off x="217272" y="137492"/>
+            <a:ext cx="10249690" cy="3139321"/>
+          </a:xfrm>
+          <a:prstGeom prst="rect">
+            <a:avLst/>
+          </a:prstGeom>
+          <a:noFill/>
+        </p:spPr>
+        <p:txBody>
+          <a:bodyPr wrap="square" rtlCol="0">
+            <a:spAutoFit/>
+          </a:bodyPr>
+          <a:lstStyle/>
+          <a:p>
+            <a:r>
+              <a:rPr lang="en-US" dirty="0"/>
+              <a:t>14x = (</a:t>
+            </a:r>
+            <a:r>
+              <a:rPr lang="en-US" dirty="0" err="1"/>
+              <a:t>Fout</a:t>
+            </a:r>
+            <a:r>
+              <a:rPr lang="en-US" dirty="0"/>
+              <a:t> * sin (alpha-theta)* sin(alpha– theta) +  W1 * sin(alpha))	* cos(alpha)</a:t>
+            </a:r>
+          </a:p>
+          <a:p>
+            <a:r>
+              <a:rPr lang="en-US" dirty="0"/>
+              <a:t>15x = Max(0,(</a:t>
+            </a:r>
+            <a:r>
+              <a:rPr lang="en-US" dirty="0" err="1"/>
+              <a:t>Fout</a:t>
+            </a:r>
+            <a:r>
+              <a:rPr lang="en-US" dirty="0"/>
+              <a:t> * sin (alpha-theta)* cos(alpha – theta) + W1 * cos(alpha)),0) * sin(alpha)</a:t>
+            </a:r>
+          </a:p>
+          <a:p>
+            <a:r>
+              <a:rPr lang="en-US" dirty="0"/>
+              <a:t>16x = Max((</a:t>
+            </a:r>
+            <a:r>
+              <a:rPr lang="en-US" dirty="0" err="1"/>
+              <a:t>Fout</a:t>
+            </a:r>
+            <a:r>
+              <a:rPr lang="en-US" dirty="0"/>
+              <a:t> * cos(alpha-theta) * sin(90+beta-theta) + W2 * cos(beta)),0) * sin(beta)</a:t>
+            </a:r>
+          </a:p>
+          <a:p>
+            <a:r>
+              <a:rPr lang="en-US" dirty="0"/>
+              <a:t>17x = (</a:t>
+            </a:r>
+            <a:r>
+              <a:rPr lang="en-US" dirty="0" err="1"/>
+              <a:t>Fout</a:t>
+            </a:r>
+            <a:r>
+              <a:rPr lang="en-US" dirty="0"/>
+              <a:t> * cos (alpha-theta) * cos(beta-theta) + W2 * sin(beta)) * cos(beta)</a:t>
+            </a:r>
+          </a:p>
+          <a:p>
+            <a:endParaRPr lang="en-US" dirty="0"/>
+          </a:p>
+          <a:p>
+            <a:r>
+              <a:rPr lang="en-US" dirty="0"/>
+              <a:t>14y = (</a:t>
+            </a:r>
+            <a:r>
+              <a:rPr lang="en-US" dirty="0" err="1"/>
+              <a:t>Fout</a:t>
+            </a:r>
+            <a:r>
+              <a:rPr lang="en-US" dirty="0"/>
+              <a:t> * sin (alpha-theta)* sin(alpha– theta) +  W1 * sin(alpha)) 	* sin(alpha)</a:t>
+            </a:r>
+          </a:p>
+          <a:p>
+            <a:r>
+              <a:rPr lang="en-US" dirty="0"/>
+              <a:t>15y = Max((</a:t>
+            </a:r>
+            <a:r>
+              <a:rPr lang="en-US" dirty="0" err="1"/>
+              <a:t>Fout</a:t>
+            </a:r>
+            <a:r>
+              <a:rPr lang="en-US" dirty="0"/>
+              <a:t> * sin (alpha-theta)* cos(alpha – theta) + W1 * cos(alpha)),0) * cos(alpha)</a:t>
+            </a:r>
+          </a:p>
+          <a:p>
+            <a:r>
+              <a:rPr lang="en-US" dirty="0"/>
+              <a:t>16y = Max((</a:t>
+            </a:r>
+            <a:r>
+              <a:rPr lang="en-US" dirty="0" err="1"/>
+              <a:t>Fout</a:t>
+            </a:r>
+            <a:r>
+              <a:rPr lang="en-US" dirty="0"/>
+              <a:t> * cos(alpha-theta) * sin(90+beta-theta) + W2 * cos(beta)),0) * cos(beta)</a:t>
+            </a:r>
+          </a:p>
+          <a:p>
+            <a:r>
+              <a:rPr lang="en-US" dirty="0"/>
+              <a:t>17y = (</a:t>
+            </a:r>
+            <a:r>
+              <a:rPr lang="en-US" dirty="0" err="1"/>
+              <a:t>Fout</a:t>
+            </a:r>
+            <a:r>
+              <a:rPr lang="en-US" dirty="0"/>
+              <a:t> * cos (alpha-theta) * cos(beta-theta) + W2 * sin(beta)) * sin(beta)</a:t>
+            </a:r>
+            <a:endParaRPr lang="en-US" b="1" dirty="0"/>
+          </a:p>
+          <a:p>
+            <a:endParaRPr lang="en-US" dirty="0"/>
+          </a:p>
+          <a:p>
+            <a:endParaRPr lang="en-US" dirty="0"/>
+          </a:p>
+        </p:txBody>
+      </p:sp>
+      <p:sp>
+        <p:nvSpPr>
+          <p:cNvPr id="2" name="TextBox 1">
+            <a:extLst>
+              <a:ext uri="{FF2B5EF4-FFF2-40B4-BE49-F238E27FC236}">
+                <a16:creationId xmlns:a16="http://schemas.microsoft.com/office/drawing/2014/main" id="{798C3D4E-C712-A549-9D48-4427170FCB2B}"/>
+              </a:ext>
+            </a:extLst>
+          </p:cNvPr>
+          <p:cNvSpPr txBox="1"/>
+          <p:nvPr/>
+        </p:nvSpPr>
+        <p:spPr>
+          <a:xfrm>
+            <a:off x="8117746" y="5016428"/>
+            <a:ext cx="3471720" cy="1200329"/>
           </a:xfrm>
           <a:prstGeom prst="rect">
             <a:avLst/>
@@ -14570,27 +14376,25 @@
           <a:p>
             <a:r>
               <a:rPr lang="en-US" dirty="0"/>
-              <a:t>Use sum of X forces to calculate x component of linear acceleration</a:t>
-            </a:r>
-          </a:p>
-          <a:p>
-            <a:r>
-              <a:rPr lang="en-US" dirty="0"/>
-              <a:t>Use sum of Y forces to </a:t>
-            </a:r>
-            <a:r>
-              <a:rPr lang="en-US" dirty="0" err="1"/>
-              <a:t>calcualate</a:t>
-            </a:r>
-            <a:r>
-              <a:rPr lang="en-US" dirty="0"/>
-              <a:t> y components of linear acceleration</a:t>
-            </a:r>
-          </a:p>
-          <a:p>
-            <a:r>
-              <a:rPr lang="en-US" dirty="0"/>
-              <a:t>Use clockwise-counter clockwise torques to calculate the clockwise angular acceleration</a:t>
+              <a:t>Sum the X direction forces</a:t>
+            </a:r>
+          </a:p>
+          <a:p>
+            <a:r>
+              <a:rPr lang="en-US" dirty="0"/>
+              <a:t>Sum the Y direction forces</a:t>
+            </a:r>
+          </a:p>
+          <a:p>
+            <a:r>
+              <a:rPr lang="en-US" dirty="0"/>
+              <a:t>Sum the clockwise torques</a:t>
+            </a:r>
+          </a:p>
+          <a:p>
+            <a:r>
+              <a:rPr lang="en-US" dirty="0"/>
+              <a:t>Sum the counter clockwise torques</a:t>
             </a:r>
           </a:p>
         </p:txBody>
@@ -14598,7 +14402,7 @@
     </p:spTree>
     <p:extLst>
       <p:ext uri="{BB962C8B-B14F-4D97-AF65-F5344CB8AC3E}">
-        <p14:creationId xmlns:p14="http://schemas.microsoft.com/office/powerpoint/2010/main" val="2055049088"/>
+        <p14:creationId xmlns:p14="http://schemas.microsoft.com/office/powerpoint/2010/main" val="727431747"/>
       </p:ext>
     </p:extLst>
   </p:cSld>
@@ -15262,6 +15066,825 @@
     <p:extLst>
       <p:ext uri="{BB962C8B-B14F-4D97-AF65-F5344CB8AC3E}">
         <p14:creationId xmlns:p14="http://schemas.microsoft.com/office/powerpoint/2010/main" val="3265621994"/>
+      </p:ext>
+    </p:extLst>
+  </p:cSld>
+  <p:clrMapOvr>
+    <a:masterClrMapping/>
+  </p:clrMapOvr>
+</p:sld>
+</file>
+
+<file path=ppt/slides/slide20.xml><?xml version="1.0" encoding="utf-8"?>
+<p:sld xmlns:a="http://schemas.openxmlformats.org/drawingml/2006/main" xmlns:r="http://schemas.openxmlformats.org/officeDocument/2006/relationships" xmlns:p="http://schemas.openxmlformats.org/presentationml/2006/main">
+  <p:cSld>
+    <p:spTree>
+      <p:nvGrpSpPr>
+        <p:cNvPr id="1" name=""/>
+        <p:cNvGrpSpPr/>
+        <p:nvPr/>
+      </p:nvGrpSpPr>
+      <p:grpSpPr>
+        <a:xfrm>
+          <a:off x="0" y="0"/>
+          <a:ext cx="0" cy="0"/>
+          <a:chOff x="0" y="0"/>
+          <a:chExt cx="0" cy="0"/>
+        </a:xfrm>
+      </p:grpSpPr>
+      <p:sp>
+        <p:nvSpPr>
+          <p:cNvPr id="21" name="Isosceles Triangle 20">
+            <a:extLst>
+              <a:ext uri="{FF2B5EF4-FFF2-40B4-BE49-F238E27FC236}">
+                <a16:creationId xmlns:a16="http://schemas.microsoft.com/office/drawing/2014/main" id="{E2DD208B-9ED1-4F23-8A84-898A59AFE327}"/>
+              </a:ext>
+            </a:extLst>
+          </p:cNvPr>
+          <p:cNvSpPr/>
+          <p:nvPr/>
+        </p:nvSpPr>
+        <p:spPr>
+          <a:xfrm rot="20959425">
+            <a:off x="3959243" y="2748942"/>
+            <a:ext cx="2888975" cy="1615051"/>
+          </a:xfrm>
+          <a:prstGeom prst="triangle">
+            <a:avLst/>
+          </a:prstGeom>
+          <a:solidFill>
+            <a:schemeClr val="bg2">
+              <a:lumMod val="90000"/>
+            </a:schemeClr>
+          </a:solidFill>
+        </p:spPr>
+        <p:style>
+          <a:lnRef idx="2">
+            <a:schemeClr val="accent1">
+              <a:shade val="50000"/>
+            </a:schemeClr>
+          </a:lnRef>
+          <a:fillRef idx="1">
+            <a:schemeClr val="accent1"/>
+          </a:fillRef>
+          <a:effectRef idx="0">
+            <a:schemeClr val="accent1"/>
+          </a:effectRef>
+          <a:fontRef idx="minor">
+            <a:schemeClr val="lt1"/>
+          </a:fontRef>
+        </p:style>
+        <p:txBody>
+          <a:bodyPr rtlCol="0" anchor="ctr"/>
+          <a:lstStyle/>
+          <a:p>
+            <a:pPr algn="ctr"/>
+            <a:endParaRPr lang="en-US" dirty="0"/>
+          </a:p>
+        </p:txBody>
+      </p:sp>
+      <p:sp>
+        <p:nvSpPr>
+          <p:cNvPr id="4" name="Oval 3">
+            <a:extLst>
+              <a:ext uri="{FF2B5EF4-FFF2-40B4-BE49-F238E27FC236}">
+                <a16:creationId xmlns:a16="http://schemas.microsoft.com/office/drawing/2014/main" id="{314600A2-A1FF-492F-8609-34CAF5859A52}"/>
+              </a:ext>
+            </a:extLst>
+          </p:cNvPr>
+          <p:cNvSpPr/>
+          <p:nvPr/>
+        </p:nvSpPr>
+        <p:spPr>
+          <a:xfrm>
+            <a:off x="3561347" y="4050632"/>
+            <a:ext cx="1130968" cy="1130968"/>
+          </a:xfrm>
+          <a:prstGeom prst="ellipse">
+            <a:avLst/>
+          </a:prstGeom>
+        </p:spPr>
+        <p:style>
+          <a:lnRef idx="2">
+            <a:schemeClr val="accent1">
+              <a:shade val="50000"/>
+            </a:schemeClr>
+          </a:lnRef>
+          <a:fillRef idx="1">
+            <a:schemeClr val="accent1"/>
+          </a:fillRef>
+          <a:effectRef idx="0">
+            <a:schemeClr val="accent1"/>
+          </a:effectRef>
+          <a:fontRef idx="minor">
+            <a:schemeClr val="lt1"/>
+          </a:fontRef>
+        </p:style>
+        <p:txBody>
+          <a:bodyPr rtlCol="0" anchor="ctr"/>
+          <a:lstStyle/>
+          <a:p>
+            <a:pPr algn="ctr"/>
+            <a:endParaRPr lang="en-US"/>
+          </a:p>
+        </p:txBody>
+      </p:sp>
+      <p:sp>
+        <p:nvSpPr>
+          <p:cNvPr id="5" name="Oval 4">
+            <a:extLst>
+              <a:ext uri="{FF2B5EF4-FFF2-40B4-BE49-F238E27FC236}">
+                <a16:creationId xmlns:a16="http://schemas.microsoft.com/office/drawing/2014/main" id="{ED83B1C8-4E8A-443E-8022-B13B8E29A4AE}"/>
+              </a:ext>
+            </a:extLst>
+          </p:cNvPr>
+          <p:cNvSpPr/>
+          <p:nvPr/>
+        </p:nvSpPr>
+        <p:spPr>
+          <a:xfrm>
+            <a:off x="6406819" y="3513723"/>
+            <a:ext cx="1130968" cy="1130968"/>
+          </a:xfrm>
+          <a:prstGeom prst="ellipse">
+            <a:avLst/>
+          </a:prstGeom>
+        </p:spPr>
+        <p:style>
+          <a:lnRef idx="2">
+            <a:schemeClr val="accent1">
+              <a:shade val="50000"/>
+            </a:schemeClr>
+          </a:lnRef>
+          <a:fillRef idx="1">
+            <a:schemeClr val="accent1"/>
+          </a:fillRef>
+          <a:effectRef idx="0">
+            <a:schemeClr val="accent1"/>
+          </a:effectRef>
+          <a:fontRef idx="minor">
+            <a:schemeClr val="lt1"/>
+          </a:fontRef>
+        </p:style>
+        <p:txBody>
+          <a:bodyPr rtlCol="0" anchor="ctr"/>
+          <a:lstStyle/>
+          <a:p>
+            <a:pPr algn="ctr"/>
+            <a:endParaRPr lang="en-US"/>
+          </a:p>
+        </p:txBody>
+      </p:sp>
+      <p:cxnSp>
+        <p:nvCxnSpPr>
+          <p:cNvPr id="8" name="Straight Connector 7">
+            <a:extLst>
+              <a:ext uri="{FF2B5EF4-FFF2-40B4-BE49-F238E27FC236}">
+                <a16:creationId xmlns:a16="http://schemas.microsoft.com/office/drawing/2014/main" id="{5E9B6128-A755-4014-AD0B-AF4BCF9C3590}"/>
+              </a:ext>
+            </a:extLst>
+          </p:cNvPr>
+          <p:cNvCxnSpPr>
+            <a:cxnSpLocks/>
+          </p:cNvCxnSpPr>
+          <p:nvPr/>
+        </p:nvCxnSpPr>
+        <p:spPr>
+          <a:xfrm flipV="1">
+            <a:off x="3617494" y="4291265"/>
+            <a:ext cx="1620253" cy="1668378"/>
+          </a:xfrm>
+          <a:prstGeom prst="line">
+            <a:avLst/>
+          </a:prstGeom>
+        </p:spPr>
+        <p:style>
+          <a:lnRef idx="1">
+            <a:schemeClr val="accent1"/>
+          </a:lnRef>
+          <a:fillRef idx="0">
+            <a:schemeClr val="accent1"/>
+          </a:fillRef>
+          <a:effectRef idx="0">
+            <a:schemeClr val="accent1"/>
+          </a:effectRef>
+          <a:fontRef idx="minor">
+            <a:schemeClr val="tx1"/>
+          </a:fontRef>
+        </p:style>
+      </p:cxnSp>
+      <p:cxnSp>
+        <p:nvCxnSpPr>
+          <p:cNvPr id="11" name="Straight Connector 10">
+            <a:extLst>
+              <a:ext uri="{FF2B5EF4-FFF2-40B4-BE49-F238E27FC236}">
+                <a16:creationId xmlns:a16="http://schemas.microsoft.com/office/drawing/2014/main" id="{A4B179D8-2EB4-4B0C-AA1F-00B1C3644A3D}"/>
+              </a:ext>
+            </a:extLst>
+          </p:cNvPr>
+          <p:cNvCxnSpPr>
+            <a:cxnSpLocks/>
+          </p:cNvCxnSpPr>
+          <p:nvPr/>
+        </p:nvCxnSpPr>
+        <p:spPr>
+          <a:xfrm flipV="1">
+            <a:off x="6825329" y="3541797"/>
+            <a:ext cx="1155028" cy="1860884"/>
+          </a:xfrm>
+          <a:prstGeom prst="line">
+            <a:avLst/>
+          </a:prstGeom>
+        </p:spPr>
+        <p:style>
+          <a:lnRef idx="1">
+            <a:schemeClr val="accent1"/>
+          </a:lnRef>
+          <a:fillRef idx="0">
+            <a:schemeClr val="accent1"/>
+          </a:fillRef>
+          <a:effectRef idx="0">
+            <a:schemeClr val="accent1"/>
+          </a:effectRef>
+          <a:fontRef idx="minor">
+            <a:schemeClr val="tx1"/>
+          </a:fontRef>
+        </p:style>
+      </p:cxnSp>
+      <p:sp>
+        <p:nvSpPr>
+          <p:cNvPr id="14" name="Oval 13">
+            <a:extLst>
+              <a:ext uri="{FF2B5EF4-FFF2-40B4-BE49-F238E27FC236}">
+                <a16:creationId xmlns:a16="http://schemas.microsoft.com/office/drawing/2014/main" id="{A3FB30E0-CD29-4C5E-B40F-8C0976CAE2BB}"/>
+              </a:ext>
+            </a:extLst>
+          </p:cNvPr>
+          <p:cNvSpPr/>
+          <p:nvPr/>
+        </p:nvSpPr>
+        <p:spPr>
+          <a:xfrm>
+            <a:off x="4050631" y="4547937"/>
+            <a:ext cx="152400" cy="136358"/>
+          </a:xfrm>
+          <a:prstGeom prst="ellipse">
+            <a:avLst/>
+          </a:prstGeom>
+          <a:solidFill>
+            <a:srgbClr val="FF0000"/>
+          </a:solidFill>
+          <a:ln>
+            <a:solidFill>
+              <a:srgbClr val="FF0000"/>
+            </a:solidFill>
+          </a:ln>
+        </p:spPr>
+        <p:style>
+          <a:lnRef idx="2">
+            <a:schemeClr val="accent1">
+              <a:shade val="50000"/>
+            </a:schemeClr>
+          </a:lnRef>
+          <a:fillRef idx="1">
+            <a:schemeClr val="accent1"/>
+          </a:fillRef>
+          <a:effectRef idx="0">
+            <a:schemeClr val="accent1"/>
+          </a:effectRef>
+          <a:fontRef idx="minor">
+            <a:schemeClr val="lt1"/>
+          </a:fontRef>
+        </p:style>
+        <p:txBody>
+          <a:bodyPr rtlCol="0" anchor="ctr"/>
+          <a:lstStyle/>
+          <a:p>
+            <a:pPr algn="ctr"/>
+            <a:endParaRPr lang="en-US"/>
+          </a:p>
+        </p:txBody>
+      </p:sp>
+      <p:sp>
+        <p:nvSpPr>
+          <p:cNvPr id="15" name="Oval 14">
+            <a:extLst>
+              <a:ext uri="{FF2B5EF4-FFF2-40B4-BE49-F238E27FC236}">
+                <a16:creationId xmlns:a16="http://schemas.microsoft.com/office/drawing/2014/main" id="{4E009318-9624-43B1-AA16-858CE5B68F3B}"/>
+              </a:ext>
+            </a:extLst>
+          </p:cNvPr>
+          <p:cNvSpPr/>
+          <p:nvPr/>
+        </p:nvSpPr>
+        <p:spPr>
+          <a:xfrm>
+            <a:off x="6896103" y="4011028"/>
+            <a:ext cx="152400" cy="136358"/>
+          </a:xfrm>
+          <a:prstGeom prst="ellipse">
+            <a:avLst/>
+          </a:prstGeom>
+          <a:solidFill>
+            <a:srgbClr val="FF0000"/>
+          </a:solidFill>
+          <a:ln>
+            <a:solidFill>
+              <a:srgbClr val="FF0000"/>
+            </a:solidFill>
+          </a:ln>
+        </p:spPr>
+        <p:style>
+          <a:lnRef idx="2">
+            <a:schemeClr val="accent1">
+              <a:shade val="50000"/>
+            </a:schemeClr>
+          </a:lnRef>
+          <a:fillRef idx="1">
+            <a:schemeClr val="accent1"/>
+          </a:fillRef>
+          <a:effectRef idx="0">
+            <a:schemeClr val="accent1"/>
+          </a:effectRef>
+          <a:fontRef idx="minor">
+            <a:schemeClr val="lt1"/>
+          </a:fontRef>
+        </p:style>
+        <p:txBody>
+          <a:bodyPr rtlCol="0" anchor="ctr"/>
+          <a:lstStyle/>
+          <a:p>
+            <a:pPr algn="ctr"/>
+            <a:endParaRPr lang="en-US"/>
+          </a:p>
+        </p:txBody>
+      </p:sp>
+      <p:sp>
+        <p:nvSpPr>
+          <p:cNvPr id="18" name="TextBox 17">
+            <a:extLst>
+              <a:ext uri="{FF2B5EF4-FFF2-40B4-BE49-F238E27FC236}">
+                <a16:creationId xmlns:a16="http://schemas.microsoft.com/office/drawing/2014/main" id="{5DCF6378-8300-424B-8E82-E506650E4F8A}"/>
+              </a:ext>
+            </a:extLst>
+          </p:cNvPr>
+          <p:cNvSpPr txBox="1"/>
+          <p:nvPr/>
+        </p:nvSpPr>
+        <p:spPr>
+          <a:xfrm>
+            <a:off x="424250" y="392851"/>
+            <a:ext cx="9626994" cy="646331"/>
+          </a:xfrm>
+          <a:prstGeom prst="rect">
+            <a:avLst/>
+          </a:prstGeom>
+          <a:noFill/>
+        </p:spPr>
+        <p:txBody>
+          <a:bodyPr wrap="none" rtlCol="0">
+            <a:spAutoFit/>
+          </a:bodyPr>
+          <a:lstStyle/>
+          <a:p>
+            <a:r>
+              <a:rPr lang="en-US" dirty="0"/>
+              <a:t>We can now slide the object based on the remaining forces at the CG (a=f/m; v=</a:t>
+            </a:r>
+            <a:r>
+              <a:rPr lang="en-US" dirty="0" err="1"/>
+              <a:t>v+a</a:t>
+            </a:r>
+            <a:r>
+              <a:rPr lang="en-US" dirty="0"/>
+              <a:t>; p=</a:t>
+            </a:r>
+            <a:r>
+              <a:rPr lang="en-US" dirty="0" err="1"/>
+              <a:t>p+v</a:t>
+            </a:r>
+            <a:r>
+              <a:rPr lang="en-US" dirty="0"/>
+              <a:t>)</a:t>
+            </a:r>
+          </a:p>
+          <a:p>
+            <a:r>
+              <a:rPr lang="en-US" dirty="0"/>
+              <a:t>We can also rotate the object based on the total remaining moments/couples (w=m/j; o=</a:t>
+            </a:r>
+            <a:r>
+              <a:rPr lang="en-US" dirty="0" err="1"/>
+              <a:t>o+w</a:t>
+            </a:r>
+            <a:r>
+              <a:rPr lang="en-US" dirty="0"/>
+              <a:t>; a=</a:t>
+            </a:r>
+            <a:r>
+              <a:rPr lang="en-US" dirty="0" err="1"/>
+              <a:t>a+o</a:t>
+            </a:r>
+            <a:r>
+              <a:rPr lang="en-US" dirty="0"/>
+              <a:t>)</a:t>
+            </a:r>
+          </a:p>
+        </p:txBody>
+      </p:sp>
+      <p:sp>
+        <p:nvSpPr>
+          <p:cNvPr id="20" name="Oval 19">
+            <a:extLst>
+              <a:ext uri="{FF2B5EF4-FFF2-40B4-BE49-F238E27FC236}">
+                <a16:creationId xmlns:a16="http://schemas.microsoft.com/office/drawing/2014/main" id="{A7BC1359-684D-42A1-AAA4-E117CA39024F}"/>
+              </a:ext>
+            </a:extLst>
+          </p:cNvPr>
+          <p:cNvSpPr/>
+          <p:nvPr/>
+        </p:nvSpPr>
+        <p:spPr>
+          <a:xfrm>
+            <a:off x="5320967" y="3609975"/>
+            <a:ext cx="152400" cy="152400"/>
+          </a:xfrm>
+          <a:prstGeom prst="ellipse">
+            <a:avLst/>
+          </a:prstGeom>
+          <a:solidFill>
+            <a:schemeClr val="accent1">
+              <a:lumMod val="60000"/>
+              <a:lumOff val="40000"/>
+            </a:schemeClr>
+          </a:solidFill>
+        </p:spPr>
+        <p:style>
+          <a:lnRef idx="2">
+            <a:schemeClr val="accent1">
+              <a:shade val="50000"/>
+            </a:schemeClr>
+          </a:lnRef>
+          <a:fillRef idx="1">
+            <a:schemeClr val="accent1"/>
+          </a:fillRef>
+          <a:effectRef idx="0">
+            <a:schemeClr val="accent1"/>
+          </a:effectRef>
+          <a:fontRef idx="minor">
+            <a:schemeClr val="lt1"/>
+          </a:fontRef>
+        </p:style>
+        <p:txBody>
+          <a:bodyPr rtlCol="0" anchor="ctr"/>
+          <a:lstStyle/>
+          <a:p>
+            <a:pPr algn="ctr"/>
+            <a:endParaRPr lang="en-US"/>
+          </a:p>
+        </p:txBody>
+      </p:sp>
+      <p:cxnSp>
+        <p:nvCxnSpPr>
+          <p:cNvPr id="13" name="Straight Arrow Connector 12">
+            <a:extLst>
+              <a:ext uri="{FF2B5EF4-FFF2-40B4-BE49-F238E27FC236}">
+                <a16:creationId xmlns:a16="http://schemas.microsoft.com/office/drawing/2014/main" id="{428D3928-A9C7-416F-B8A8-380B17739028}"/>
+              </a:ext>
+            </a:extLst>
+          </p:cNvPr>
+          <p:cNvCxnSpPr>
+            <a:cxnSpLocks/>
+          </p:cNvCxnSpPr>
+          <p:nvPr/>
+        </p:nvCxnSpPr>
+        <p:spPr>
+          <a:xfrm flipH="1">
+            <a:off x="5172176" y="3670784"/>
+            <a:ext cx="227106" cy="0"/>
+          </a:xfrm>
+          <a:prstGeom prst="straightConnector1">
+            <a:avLst/>
+          </a:prstGeom>
+          <a:ln w="44450">
+            <a:solidFill>
+              <a:schemeClr val="accent2"/>
+            </a:solidFill>
+            <a:tailEnd type="triangle"/>
+          </a:ln>
+        </p:spPr>
+        <p:style>
+          <a:lnRef idx="1">
+            <a:schemeClr val="accent1"/>
+          </a:lnRef>
+          <a:fillRef idx="0">
+            <a:schemeClr val="accent1"/>
+          </a:fillRef>
+          <a:effectRef idx="0">
+            <a:schemeClr val="accent1"/>
+          </a:effectRef>
+          <a:fontRef idx="minor">
+            <a:schemeClr val="tx1"/>
+          </a:fontRef>
+        </p:style>
+      </p:cxnSp>
+      <p:cxnSp>
+        <p:nvCxnSpPr>
+          <p:cNvPr id="16" name="Straight Arrow Connector 15">
+            <a:extLst>
+              <a:ext uri="{FF2B5EF4-FFF2-40B4-BE49-F238E27FC236}">
+                <a16:creationId xmlns:a16="http://schemas.microsoft.com/office/drawing/2014/main" id="{F5C687FC-1CC5-48D1-896A-2D656D9D0EF0}"/>
+              </a:ext>
+            </a:extLst>
+          </p:cNvPr>
+          <p:cNvCxnSpPr>
+            <a:cxnSpLocks/>
+          </p:cNvCxnSpPr>
+          <p:nvPr/>
+        </p:nvCxnSpPr>
+        <p:spPr>
+          <a:xfrm>
+            <a:off x="5397167" y="3663465"/>
+            <a:ext cx="0" cy="197820"/>
+          </a:xfrm>
+          <a:prstGeom prst="straightConnector1">
+            <a:avLst/>
+          </a:prstGeom>
+          <a:ln w="44450">
+            <a:solidFill>
+              <a:schemeClr val="accent2"/>
+            </a:solidFill>
+            <a:tailEnd type="triangle"/>
+          </a:ln>
+        </p:spPr>
+        <p:style>
+          <a:lnRef idx="1">
+            <a:schemeClr val="accent1"/>
+          </a:lnRef>
+          <a:fillRef idx="0">
+            <a:schemeClr val="accent1"/>
+          </a:fillRef>
+          <a:effectRef idx="0">
+            <a:schemeClr val="accent1"/>
+          </a:effectRef>
+          <a:fontRef idx="minor">
+            <a:schemeClr val="tx1"/>
+          </a:fontRef>
+        </p:style>
+      </p:cxnSp>
+      <p:cxnSp>
+        <p:nvCxnSpPr>
+          <p:cNvPr id="19" name="Straight Arrow Connector 18">
+            <a:extLst>
+              <a:ext uri="{FF2B5EF4-FFF2-40B4-BE49-F238E27FC236}">
+                <a16:creationId xmlns:a16="http://schemas.microsoft.com/office/drawing/2014/main" id="{85431B5F-3E57-487F-B438-136975A018D4}"/>
+              </a:ext>
+            </a:extLst>
+          </p:cNvPr>
+          <p:cNvCxnSpPr>
+            <a:cxnSpLocks/>
+          </p:cNvCxnSpPr>
+          <p:nvPr/>
+        </p:nvCxnSpPr>
+        <p:spPr>
+          <a:xfrm flipH="1" flipV="1">
+            <a:off x="5411103" y="3382727"/>
+            <a:ext cx="1" cy="296450"/>
+          </a:xfrm>
+          <a:prstGeom prst="straightConnector1">
+            <a:avLst/>
+          </a:prstGeom>
+          <a:ln w="44450">
+            <a:solidFill>
+              <a:schemeClr val="accent6">
+                <a:lumMod val="60000"/>
+                <a:lumOff val="40000"/>
+              </a:schemeClr>
+            </a:solidFill>
+            <a:tailEnd type="triangle"/>
+          </a:ln>
+        </p:spPr>
+        <p:style>
+          <a:lnRef idx="1">
+            <a:schemeClr val="accent1"/>
+          </a:lnRef>
+          <a:fillRef idx="0">
+            <a:schemeClr val="accent1"/>
+          </a:fillRef>
+          <a:effectRef idx="0">
+            <a:schemeClr val="accent1"/>
+          </a:effectRef>
+          <a:fontRef idx="minor">
+            <a:schemeClr val="tx1"/>
+          </a:fontRef>
+        </p:style>
+      </p:cxnSp>
+      <p:cxnSp>
+        <p:nvCxnSpPr>
+          <p:cNvPr id="22" name="Straight Arrow Connector 21">
+            <a:extLst>
+              <a:ext uri="{FF2B5EF4-FFF2-40B4-BE49-F238E27FC236}">
+                <a16:creationId xmlns:a16="http://schemas.microsoft.com/office/drawing/2014/main" id="{1BDB0785-9AA5-4FFE-9FF3-ADFE93F4A0E5}"/>
+              </a:ext>
+            </a:extLst>
+          </p:cNvPr>
+          <p:cNvCxnSpPr>
+            <a:cxnSpLocks/>
+          </p:cNvCxnSpPr>
+          <p:nvPr/>
+        </p:nvCxnSpPr>
+        <p:spPr>
+          <a:xfrm flipV="1">
+            <a:off x="5393654" y="3627686"/>
+            <a:ext cx="235114" cy="29481"/>
+          </a:xfrm>
+          <a:prstGeom prst="straightConnector1">
+            <a:avLst/>
+          </a:prstGeom>
+          <a:ln w="44450">
+            <a:solidFill>
+              <a:schemeClr val="accent6">
+                <a:lumMod val="60000"/>
+                <a:lumOff val="40000"/>
+              </a:schemeClr>
+            </a:solidFill>
+            <a:tailEnd type="triangle"/>
+          </a:ln>
+        </p:spPr>
+        <p:style>
+          <a:lnRef idx="1">
+            <a:schemeClr val="accent1"/>
+          </a:lnRef>
+          <a:fillRef idx="0">
+            <a:schemeClr val="accent1"/>
+          </a:fillRef>
+          <a:effectRef idx="0">
+            <a:schemeClr val="accent1"/>
+          </a:effectRef>
+          <a:fontRef idx="minor">
+            <a:schemeClr val="tx1"/>
+          </a:fontRef>
+        </p:style>
+      </p:cxnSp>
+      <p:sp>
+        <p:nvSpPr>
+          <p:cNvPr id="2" name="Arrow: Curved Right 1">
+            <a:extLst>
+              <a:ext uri="{FF2B5EF4-FFF2-40B4-BE49-F238E27FC236}">
+                <a16:creationId xmlns:a16="http://schemas.microsoft.com/office/drawing/2014/main" id="{EABE806A-F88E-4736-A74E-A28E8054CE48}"/>
+              </a:ext>
+            </a:extLst>
+          </p:cNvPr>
+          <p:cNvSpPr/>
+          <p:nvPr/>
+        </p:nvSpPr>
+        <p:spPr>
+          <a:xfrm>
+            <a:off x="4921227" y="3443405"/>
+            <a:ext cx="228600" cy="485540"/>
+          </a:xfrm>
+          <a:prstGeom prst="curvedRightArrow">
+            <a:avLst/>
+          </a:prstGeom>
+        </p:spPr>
+        <p:style>
+          <a:lnRef idx="2">
+            <a:schemeClr val="accent1">
+              <a:shade val="50000"/>
+            </a:schemeClr>
+          </a:lnRef>
+          <a:fillRef idx="1">
+            <a:schemeClr val="accent1"/>
+          </a:fillRef>
+          <a:effectRef idx="0">
+            <a:schemeClr val="accent1"/>
+          </a:effectRef>
+          <a:fontRef idx="minor">
+            <a:schemeClr val="lt1"/>
+          </a:fontRef>
+        </p:style>
+        <p:txBody>
+          <a:bodyPr rtlCol="0" anchor="ctr"/>
+          <a:lstStyle/>
+          <a:p>
+            <a:pPr algn="ctr"/>
+            <a:endParaRPr lang="en-US">
+              <a:solidFill>
+                <a:schemeClr val="tx1"/>
+              </a:solidFill>
+            </a:endParaRPr>
+          </a:p>
+        </p:txBody>
+      </p:sp>
+      <p:sp>
+        <p:nvSpPr>
+          <p:cNvPr id="6" name="Arrow: Curved Left 5">
+            <a:extLst>
+              <a:ext uri="{FF2B5EF4-FFF2-40B4-BE49-F238E27FC236}">
+                <a16:creationId xmlns:a16="http://schemas.microsoft.com/office/drawing/2014/main" id="{29D4C0EF-A93B-42EE-8EDD-06271083FBFB}"/>
+              </a:ext>
+            </a:extLst>
+          </p:cNvPr>
+          <p:cNvSpPr/>
+          <p:nvPr/>
+        </p:nvSpPr>
+        <p:spPr>
+          <a:xfrm>
+            <a:off x="5614319" y="3366126"/>
+            <a:ext cx="251792" cy="523120"/>
+          </a:xfrm>
+          <a:prstGeom prst="curvedLeftArrow">
+            <a:avLst/>
+          </a:prstGeom>
+        </p:spPr>
+        <p:style>
+          <a:lnRef idx="2">
+            <a:schemeClr val="accent1">
+              <a:shade val="50000"/>
+            </a:schemeClr>
+          </a:lnRef>
+          <a:fillRef idx="1">
+            <a:schemeClr val="accent1"/>
+          </a:fillRef>
+          <a:effectRef idx="0">
+            <a:schemeClr val="accent1"/>
+          </a:effectRef>
+          <a:fontRef idx="minor">
+            <a:schemeClr val="lt1"/>
+          </a:fontRef>
+        </p:style>
+        <p:txBody>
+          <a:bodyPr rtlCol="0" anchor="ctr"/>
+          <a:lstStyle/>
+          <a:p>
+            <a:pPr algn="ctr"/>
+            <a:endParaRPr lang="en-US">
+              <a:solidFill>
+                <a:schemeClr val="tx1"/>
+              </a:solidFill>
+            </a:endParaRPr>
+          </a:p>
+        </p:txBody>
+      </p:sp>
+      <p:sp>
+        <p:nvSpPr>
+          <p:cNvPr id="17" name="TextBox 16">
+            <a:extLst>
+              <a:ext uri="{FF2B5EF4-FFF2-40B4-BE49-F238E27FC236}">
+                <a16:creationId xmlns:a16="http://schemas.microsoft.com/office/drawing/2014/main" id="{1E29AF97-C8CF-374C-8C0C-815305074C77}"/>
+              </a:ext>
+            </a:extLst>
+          </p:cNvPr>
+          <p:cNvSpPr txBox="1"/>
+          <p:nvPr/>
+        </p:nvSpPr>
+        <p:spPr>
+          <a:xfrm>
+            <a:off x="1528324" y="1423801"/>
+            <a:ext cx="8423781" cy="923330"/>
+          </a:xfrm>
+          <a:prstGeom prst="rect">
+            <a:avLst/>
+          </a:prstGeom>
+          <a:noFill/>
+        </p:spPr>
+        <p:txBody>
+          <a:bodyPr wrap="none" rtlCol="0">
+            <a:spAutoFit/>
+          </a:bodyPr>
+          <a:lstStyle/>
+          <a:p>
+            <a:r>
+              <a:rPr lang="en-US" dirty="0"/>
+              <a:t>Use sum of X forces to calculate x component of linear acceleration</a:t>
+            </a:r>
+          </a:p>
+          <a:p>
+            <a:r>
+              <a:rPr lang="en-US" dirty="0"/>
+              <a:t>Use sum of Y forces to </a:t>
+            </a:r>
+            <a:r>
+              <a:rPr lang="en-US" dirty="0" err="1"/>
+              <a:t>calcualate</a:t>
+            </a:r>
+            <a:r>
+              <a:rPr lang="en-US" dirty="0"/>
+              <a:t> y components of linear acceleration</a:t>
+            </a:r>
+          </a:p>
+          <a:p>
+            <a:r>
+              <a:rPr lang="en-US" dirty="0"/>
+              <a:t>Use clockwise-counter clockwise torques to calculate the clockwise angular acceleration</a:t>
+            </a:r>
+          </a:p>
+        </p:txBody>
+      </p:sp>
+    </p:spTree>
+    <p:extLst>
+      <p:ext uri="{BB962C8B-B14F-4D97-AF65-F5344CB8AC3E}">
+        <p14:creationId xmlns:p14="http://schemas.microsoft.com/office/powerpoint/2010/main" val="2055049088"/>
       </p:ext>
     </p:extLst>
   </p:cSld>
@@ -18996,8 +19619,8 @@
         </p:nvCxnSpPr>
         <p:spPr>
           <a:xfrm flipV="1">
-            <a:off x="3617494" y="4291265"/>
-            <a:ext cx="1620253" cy="1668378"/>
+            <a:off x="3599206" y="4625260"/>
+            <a:ext cx="1331201" cy="1343527"/>
           </a:xfrm>
           <a:prstGeom prst="line">
             <a:avLst/>
@@ -19164,99 +19787,12 @@
           </a:p>
         </p:txBody>
       </p:sp>
-      <p:cxnSp>
-        <p:nvCxnSpPr>
-          <p:cNvPr id="3" name="Straight Arrow Connector 2">
-            <a:extLst>
-              <a:ext uri="{FF2B5EF4-FFF2-40B4-BE49-F238E27FC236}">
-                <a16:creationId xmlns:a16="http://schemas.microsoft.com/office/drawing/2014/main" id="{F9313A95-B019-4CB3-A8E6-D58B2F6C8B42}"/>
-              </a:ext>
-            </a:extLst>
-          </p:cNvPr>
-          <p:cNvCxnSpPr>
-            <a:cxnSpLocks/>
-          </p:cNvCxnSpPr>
-          <p:nvPr/>
-        </p:nvCxnSpPr>
-        <p:spPr>
-          <a:xfrm flipV="1">
-            <a:off x="4126831" y="3764298"/>
-            <a:ext cx="847969" cy="853322"/>
-          </a:xfrm>
-          <a:prstGeom prst="straightConnector1">
-            <a:avLst/>
-          </a:prstGeom>
-          <a:ln w="50800">
-            <a:solidFill>
-              <a:schemeClr val="accent6">
-                <a:lumMod val="75000"/>
-              </a:schemeClr>
-            </a:solidFill>
-            <a:tailEnd type="triangle"/>
-          </a:ln>
-        </p:spPr>
-        <p:style>
-          <a:lnRef idx="1">
-            <a:schemeClr val="accent1"/>
-          </a:lnRef>
-          <a:fillRef idx="0">
-            <a:schemeClr val="accent1"/>
-          </a:fillRef>
-          <a:effectRef idx="0">
-            <a:schemeClr val="accent1"/>
-          </a:effectRef>
-          <a:fontRef idx="minor">
-            <a:schemeClr val="tx1"/>
-          </a:fontRef>
-        </p:style>
-      </p:cxnSp>
-      <p:sp>
-        <p:nvSpPr>
-          <p:cNvPr id="10" name="TextBox 9">
-            <a:extLst>
-              <a:ext uri="{FF2B5EF4-FFF2-40B4-BE49-F238E27FC236}">
-                <a16:creationId xmlns:a16="http://schemas.microsoft.com/office/drawing/2014/main" id="{451C141E-2478-496A-A547-8D9C4BB155C0}"/>
-              </a:ext>
-            </a:extLst>
-          </p:cNvPr>
-          <p:cNvSpPr txBox="1"/>
-          <p:nvPr/>
-        </p:nvSpPr>
-        <p:spPr>
-          <a:xfrm>
-            <a:off x="3459491" y="1862820"/>
-            <a:ext cx="8156592" cy="646331"/>
-          </a:xfrm>
-          <a:prstGeom prst="rect">
-            <a:avLst/>
-          </a:prstGeom>
-          <a:noFill/>
-        </p:spPr>
-        <p:txBody>
-          <a:bodyPr wrap="none" rtlCol="0">
-            <a:spAutoFit/>
-          </a:bodyPr>
-          <a:lstStyle/>
-          <a:p>
-            <a:r>
-              <a:rPr lang="en-US" dirty="0"/>
-              <a:t>The traction force from the wheel is applied to the axle</a:t>
-            </a:r>
-          </a:p>
-          <a:p>
-            <a:r>
-              <a:rPr lang="en-US" dirty="0"/>
-              <a:t>Parallel to the ground at the contact patch (+x axis in the alpha coordinate system)</a:t>
-            </a:r>
-          </a:p>
-        </p:txBody>
-      </p:sp>
-      <p:sp>
-        <p:nvSpPr>
-          <p:cNvPr id="16" name="Oval 15">
-            <a:extLst>
-              <a:ext uri="{FF2B5EF4-FFF2-40B4-BE49-F238E27FC236}">
-                <a16:creationId xmlns:a16="http://schemas.microsoft.com/office/drawing/2014/main" id="{6E7BCEC9-ACB6-46AF-B3B0-F06B74D4EF18}"/>
+      <p:sp>
+        <p:nvSpPr>
+          <p:cNvPr id="22" name="Oval 21">
+            <a:extLst>
+              <a:ext uri="{FF2B5EF4-FFF2-40B4-BE49-F238E27FC236}">
+                <a16:creationId xmlns:a16="http://schemas.microsoft.com/office/drawing/2014/main" id="{147A5F60-FE3B-45BE-B512-5A5EBD5B8D7E}"/>
               </a:ext>
             </a:extLst>
           </p:cNvPr>
@@ -19303,12 +19839,50 @@
           </a:p>
         </p:txBody>
       </p:sp>
-      <p:sp>
-        <p:nvSpPr>
-          <p:cNvPr id="2" name="TextBox 1">
-            <a:extLst>
-              <a:ext uri="{FF2B5EF4-FFF2-40B4-BE49-F238E27FC236}">
-                <a16:creationId xmlns:a16="http://schemas.microsoft.com/office/drawing/2014/main" id="{A5672370-AAD3-7B48-97F5-D960A7430A5F}"/>
+      <p:cxnSp>
+        <p:nvCxnSpPr>
+          <p:cNvPr id="3" name="Straight Connector 2">
+            <a:extLst>
+              <a:ext uri="{FF2B5EF4-FFF2-40B4-BE49-F238E27FC236}">
+                <a16:creationId xmlns:a16="http://schemas.microsoft.com/office/drawing/2014/main" id="{B4BB45DF-7912-CE4D-A71A-DBD95AB692A3}"/>
+              </a:ext>
+            </a:extLst>
+          </p:cNvPr>
+          <p:cNvCxnSpPr>
+            <a:cxnSpLocks/>
+          </p:cNvCxnSpPr>
+          <p:nvPr/>
+        </p:nvCxnSpPr>
+        <p:spPr>
+          <a:xfrm flipV="1">
+            <a:off x="4693636" y="4509048"/>
+            <a:ext cx="1637496" cy="38889"/>
+          </a:xfrm>
+          <a:prstGeom prst="line">
+            <a:avLst/>
+          </a:prstGeom>
+        </p:spPr>
+        <p:style>
+          <a:lnRef idx="1">
+            <a:schemeClr val="accent1"/>
+          </a:lnRef>
+          <a:fillRef idx="0">
+            <a:schemeClr val="accent1"/>
+          </a:fillRef>
+          <a:effectRef idx="0">
+            <a:schemeClr val="accent1"/>
+          </a:effectRef>
+          <a:fontRef idx="minor">
+            <a:schemeClr val="tx1"/>
+          </a:fontRef>
+        </p:style>
+      </p:cxnSp>
+      <p:sp>
+        <p:nvSpPr>
+          <p:cNvPr id="12" name="TextBox 11">
+            <a:extLst>
+              <a:ext uri="{FF2B5EF4-FFF2-40B4-BE49-F238E27FC236}">
+                <a16:creationId xmlns:a16="http://schemas.microsoft.com/office/drawing/2014/main" id="{C7180CAF-9067-6843-B7DC-F2212E5F0F0A}"/>
               </a:ext>
             </a:extLst>
           </p:cNvPr>
@@ -19317,8 +19891,8 @@
         </p:nvSpPr>
         <p:spPr>
           <a:xfrm>
-            <a:off x="4778925" y="3879388"/>
-            <a:ext cx="301686" cy="369332"/>
+            <a:off x="5719631" y="4271751"/>
+            <a:ext cx="489236" cy="261610"/>
           </a:xfrm>
           <a:prstGeom prst="rect">
             <a:avLst/>
@@ -19332,18 +19906,18 @@
           <a:lstStyle/>
           <a:p>
             <a:r>
-              <a:rPr lang="en-US" dirty="0"/>
-              <a:t>1</a:t>
-            </a:r>
-          </a:p>
-        </p:txBody>
-      </p:sp>
-      <p:sp>
-        <p:nvSpPr>
-          <p:cNvPr id="6" name="TextBox 5">
-            <a:extLst>
-              <a:ext uri="{FF2B5EF4-FFF2-40B4-BE49-F238E27FC236}">
-                <a16:creationId xmlns:a16="http://schemas.microsoft.com/office/drawing/2014/main" id="{1A46242E-54C8-8C4C-AD0E-020FACD6EACA}"/>
+              <a:rPr lang="en-US" sz="1100" dirty="0"/>
+              <a:t>theta</a:t>
+            </a:r>
+          </a:p>
+        </p:txBody>
+      </p:sp>
+      <p:sp>
+        <p:nvSpPr>
+          <p:cNvPr id="18" name="TextBox 17">
+            <a:extLst>
+              <a:ext uri="{FF2B5EF4-FFF2-40B4-BE49-F238E27FC236}">
+                <a16:creationId xmlns:a16="http://schemas.microsoft.com/office/drawing/2014/main" id="{DE541B45-E389-4141-996B-78217F94DFA2}"/>
               </a:ext>
             </a:extLst>
           </p:cNvPr>
@@ -19352,8 +19926,8 @@
         </p:nvSpPr>
         <p:spPr>
           <a:xfrm>
-            <a:off x="428017" y="846306"/>
-            <a:ext cx="4014753" cy="369332"/>
+            <a:off x="4052992" y="5625423"/>
+            <a:ext cx="498855" cy="261610"/>
           </a:xfrm>
           <a:prstGeom prst="rect">
             <a:avLst/>
@@ -19367,32 +19941,612 @@
           <a:lstStyle/>
           <a:p>
             <a:r>
-              <a:rPr lang="en-US" dirty="0"/>
-              <a:t>1 = </a:t>
-            </a:r>
-            <a:r>
-              <a:rPr lang="en-US" dirty="0" err="1"/>
-              <a:t>Fout</a:t>
-            </a:r>
-            <a:r>
-              <a:rPr lang="en-US" dirty="0"/>
-              <a:t>.  (along the positive </a:t>
-            </a:r>
-            <a:r>
-              <a:rPr lang="en-US" dirty="0" err="1"/>
-              <a:t>Xalpha</a:t>
-            </a:r>
-            <a:r>
-              <a:rPr lang="en-US" dirty="0"/>
-              <a:t> axis)</a:t>
-            </a:r>
-          </a:p>
-        </p:txBody>
-      </p:sp>
+              <a:rPr lang="en-US" sz="1100" dirty="0"/>
+              <a:t>alpha</a:t>
+            </a:r>
+          </a:p>
+        </p:txBody>
+      </p:sp>
+      <p:cxnSp>
+        <p:nvCxnSpPr>
+          <p:cNvPr id="19" name="Straight Connector 18">
+            <a:extLst>
+              <a:ext uri="{FF2B5EF4-FFF2-40B4-BE49-F238E27FC236}">
+                <a16:creationId xmlns:a16="http://schemas.microsoft.com/office/drawing/2014/main" id="{7EDD660B-19D1-D145-8F66-FDD0BD3E5044}"/>
+              </a:ext>
+            </a:extLst>
+          </p:cNvPr>
+          <p:cNvCxnSpPr>
+            <a:cxnSpLocks/>
+          </p:cNvCxnSpPr>
+          <p:nvPr/>
+        </p:nvCxnSpPr>
+        <p:spPr>
+          <a:xfrm flipV="1">
+            <a:off x="3612052" y="5927116"/>
+            <a:ext cx="1637496" cy="38889"/>
+          </a:xfrm>
+          <a:prstGeom prst="line">
+            <a:avLst/>
+          </a:prstGeom>
+        </p:spPr>
+        <p:style>
+          <a:lnRef idx="1">
+            <a:schemeClr val="accent1"/>
+          </a:lnRef>
+          <a:fillRef idx="0">
+            <a:schemeClr val="accent1"/>
+          </a:fillRef>
+          <a:effectRef idx="0">
+            <a:schemeClr val="accent1"/>
+          </a:effectRef>
+          <a:fontRef idx="minor">
+            <a:schemeClr val="tx1"/>
+          </a:fontRef>
+        </p:style>
+      </p:cxnSp>
+      <p:cxnSp>
+        <p:nvCxnSpPr>
+          <p:cNvPr id="20" name="Straight Connector 19">
+            <a:extLst>
+              <a:ext uri="{FF2B5EF4-FFF2-40B4-BE49-F238E27FC236}">
+                <a16:creationId xmlns:a16="http://schemas.microsoft.com/office/drawing/2014/main" id="{402A56C8-2164-CC49-86C1-A27BD6571931}"/>
+              </a:ext>
+            </a:extLst>
+          </p:cNvPr>
+          <p:cNvCxnSpPr>
+            <a:cxnSpLocks/>
+          </p:cNvCxnSpPr>
+          <p:nvPr/>
+        </p:nvCxnSpPr>
+        <p:spPr>
+          <a:xfrm flipV="1">
+            <a:off x="6825329" y="5361031"/>
+            <a:ext cx="1637496" cy="38889"/>
+          </a:xfrm>
+          <a:prstGeom prst="line">
+            <a:avLst/>
+          </a:prstGeom>
+        </p:spPr>
+        <p:style>
+          <a:lnRef idx="1">
+            <a:schemeClr val="accent1"/>
+          </a:lnRef>
+          <a:fillRef idx="0">
+            <a:schemeClr val="accent1"/>
+          </a:fillRef>
+          <a:effectRef idx="0">
+            <a:schemeClr val="accent1"/>
+          </a:effectRef>
+          <a:fontRef idx="minor">
+            <a:schemeClr val="tx1"/>
+          </a:fontRef>
+        </p:style>
+      </p:cxnSp>
+      <p:sp>
+        <p:nvSpPr>
+          <p:cNvPr id="23" name="TextBox 22">
+            <a:extLst>
+              <a:ext uri="{FF2B5EF4-FFF2-40B4-BE49-F238E27FC236}">
+                <a16:creationId xmlns:a16="http://schemas.microsoft.com/office/drawing/2014/main" id="{9E944F97-8EAE-8D47-8A8F-A0607D37071D}"/>
+              </a:ext>
+            </a:extLst>
+          </p:cNvPr>
+          <p:cNvSpPr txBox="1"/>
+          <p:nvPr/>
+        </p:nvSpPr>
+        <p:spPr>
+          <a:xfrm>
+            <a:off x="7048503" y="5100212"/>
+            <a:ext cx="442750" cy="261610"/>
+          </a:xfrm>
+          <a:prstGeom prst="rect">
+            <a:avLst/>
+          </a:prstGeom>
+          <a:noFill/>
+        </p:spPr>
+        <p:txBody>
+          <a:bodyPr wrap="none" rtlCol="0">
+            <a:spAutoFit/>
+          </a:bodyPr>
+          <a:lstStyle/>
+          <a:p>
+            <a:r>
+              <a:rPr lang="en-US" sz="1100" dirty="0"/>
+              <a:t>beta</a:t>
+            </a:r>
+          </a:p>
+        </p:txBody>
+      </p:sp>
+      <p:sp>
+        <p:nvSpPr>
+          <p:cNvPr id="17" name="TextBox 16">
+            <a:extLst>
+              <a:ext uri="{FF2B5EF4-FFF2-40B4-BE49-F238E27FC236}">
+                <a16:creationId xmlns:a16="http://schemas.microsoft.com/office/drawing/2014/main" id="{AC787FDB-2D6A-0946-AF3D-348952272B33}"/>
+              </a:ext>
+            </a:extLst>
+          </p:cNvPr>
+          <p:cNvSpPr txBox="1"/>
+          <p:nvPr/>
+        </p:nvSpPr>
+        <p:spPr>
+          <a:xfrm>
+            <a:off x="2474383" y="402336"/>
+            <a:ext cx="7515775" cy="1200329"/>
+          </a:xfrm>
+          <a:prstGeom prst="rect">
+            <a:avLst/>
+          </a:prstGeom>
+          <a:noFill/>
+        </p:spPr>
+        <p:txBody>
+          <a:bodyPr wrap="none" rtlCol="0">
+            <a:spAutoFit/>
+          </a:bodyPr>
+          <a:lstStyle/>
+          <a:p>
+            <a:pPr algn="ctr"/>
+            <a:r>
+              <a:rPr lang="en-US" i="1" dirty="0"/>
+              <a:t>For simplicity in understanding direction</a:t>
+            </a:r>
+          </a:p>
+          <a:p>
+            <a:pPr algn="ctr"/>
+            <a:r>
+              <a:rPr lang="en-US" i="1" dirty="0"/>
+              <a:t>All forces will be considered to be along one of these 8 axes.</a:t>
+            </a:r>
+          </a:p>
+          <a:p>
+            <a:pPr algn="ctr"/>
+            <a:r>
+              <a:rPr lang="en-US" i="1" dirty="0"/>
+              <a:t>All forces will also be considered to be in the POSITIVE direction along that axis</a:t>
+            </a:r>
+          </a:p>
+          <a:p>
+            <a:pPr algn="ctr"/>
+            <a:r>
+              <a:rPr lang="en-US" i="1" dirty="0"/>
+              <a:t>Forces in the negative direction will be accounted for by a negative magnitude</a:t>
+            </a:r>
+          </a:p>
+        </p:txBody>
+      </p:sp>
+      <p:cxnSp>
+        <p:nvCxnSpPr>
+          <p:cNvPr id="6" name="Straight Arrow Connector 5">
+            <a:extLst>
+              <a:ext uri="{FF2B5EF4-FFF2-40B4-BE49-F238E27FC236}">
+                <a16:creationId xmlns:a16="http://schemas.microsoft.com/office/drawing/2014/main" id="{072EED87-F1D3-E144-8974-EF4453F4299B}"/>
+              </a:ext>
+            </a:extLst>
+          </p:cNvPr>
+          <p:cNvCxnSpPr>
+            <a:cxnSpLocks/>
+          </p:cNvCxnSpPr>
+          <p:nvPr/>
+        </p:nvCxnSpPr>
+        <p:spPr>
+          <a:xfrm flipV="1">
+            <a:off x="684393" y="853059"/>
+            <a:ext cx="0" cy="5513832"/>
+          </a:xfrm>
+          <a:prstGeom prst="straightConnector1">
+            <a:avLst/>
+          </a:prstGeom>
+          <a:ln w="53975">
+            <a:tailEnd type="triangle"/>
+          </a:ln>
+        </p:spPr>
+        <p:style>
+          <a:lnRef idx="1">
+            <a:schemeClr val="accent1"/>
+          </a:lnRef>
+          <a:fillRef idx="0">
+            <a:schemeClr val="accent1"/>
+          </a:fillRef>
+          <a:effectRef idx="0">
+            <a:schemeClr val="accent1"/>
+          </a:effectRef>
+          <a:fontRef idx="minor">
+            <a:schemeClr val="tx1"/>
+          </a:fontRef>
+        </p:style>
+      </p:cxnSp>
+      <p:cxnSp>
+        <p:nvCxnSpPr>
+          <p:cNvPr id="24" name="Straight Arrow Connector 23">
+            <a:extLst>
+              <a:ext uri="{FF2B5EF4-FFF2-40B4-BE49-F238E27FC236}">
+                <a16:creationId xmlns:a16="http://schemas.microsoft.com/office/drawing/2014/main" id="{D8ECE6E0-224D-F544-A7D6-036A2512AD72}"/>
+              </a:ext>
+            </a:extLst>
+          </p:cNvPr>
+          <p:cNvCxnSpPr>
+            <a:cxnSpLocks/>
+          </p:cNvCxnSpPr>
+          <p:nvPr/>
+        </p:nvCxnSpPr>
+        <p:spPr>
+          <a:xfrm>
+            <a:off x="684393" y="6366891"/>
+            <a:ext cx="8869915" cy="0"/>
+          </a:xfrm>
+          <a:prstGeom prst="straightConnector1">
+            <a:avLst/>
+          </a:prstGeom>
+          <a:ln w="53975">
+            <a:tailEnd type="triangle"/>
+          </a:ln>
+        </p:spPr>
+        <p:style>
+          <a:lnRef idx="1">
+            <a:schemeClr val="accent1"/>
+          </a:lnRef>
+          <a:fillRef idx="0">
+            <a:schemeClr val="accent1"/>
+          </a:fillRef>
+          <a:effectRef idx="0">
+            <a:schemeClr val="accent1"/>
+          </a:effectRef>
+          <a:fontRef idx="minor">
+            <a:schemeClr val="tx1"/>
+          </a:fontRef>
+        </p:style>
+      </p:cxnSp>
+      <p:sp>
+        <p:nvSpPr>
+          <p:cNvPr id="16" name="TextBox 15">
+            <a:extLst>
+              <a:ext uri="{FF2B5EF4-FFF2-40B4-BE49-F238E27FC236}">
+                <a16:creationId xmlns:a16="http://schemas.microsoft.com/office/drawing/2014/main" id="{3A090001-E975-AE48-B7D3-42A2D4671484}"/>
+              </a:ext>
+            </a:extLst>
+          </p:cNvPr>
+          <p:cNvSpPr txBox="1"/>
+          <p:nvPr/>
+        </p:nvSpPr>
+        <p:spPr>
+          <a:xfrm>
+            <a:off x="5320967" y="3011435"/>
+            <a:ext cx="296876" cy="369332"/>
+          </a:xfrm>
+          <a:prstGeom prst="rect">
+            <a:avLst/>
+          </a:prstGeom>
+          <a:noFill/>
+        </p:spPr>
+        <p:txBody>
+          <a:bodyPr wrap="none" rtlCol="0">
+            <a:spAutoFit/>
+          </a:bodyPr>
+          <a:lstStyle/>
+          <a:p>
+            <a:r>
+              <a:rPr lang="en-US" dirty="0"/>
+              <a:t>Y</a:t>
+            </a:r>
+          </a:p>
+        </p:txBody>
+      </p:sp>
+      <p:sp>
+        <p:nvSpPr>
+          <p:cNvPr id="25" name="TextBox 24">
+            <a:extLst>
+              <a:ext uri="{FF2B5EF4-FFF2-40B4-BE49-F238E27FC236}">
+                <a16:creationId xmlns:a16="http://schemas.microsoft.com/office/drawing/2014/main" id="{5E0FD126-AE66-914B-94F2-A4CF9973D5B4}"/>
+              </a:ext>
+            </a:extLst>
+          </p:cNvPr>
+          <p:cNvSpPr txBox="1"/>
+          <p:nvPr/>
+        </p:nvSpPr>
+        <p:spPr>
+          <a:xfrm>
+            <a:off x="7451471" y="3541797"/>
+            <a:ext cx="304892" cy="369332"/>
+          </a:xfrm>
+          <a:prstGeom prst="rect">
+            <a:avLst/>
+          </a:prstGeom>
+          <a:noFill/>
+        </p:spPr>
+        <p:txBody>
+          <a:bodyPr wrap="none" rtlCol="0">
+            <a:spAutoFit/>
+          </a:bodyPr>
+          <a:lstStyle/>
+          <a:p>
+            <a:r>
+              <a:rPr lang="en-US" dirty="0"/>
+              <a:t>X</a:t>
+            </a:r>
+          </a:p>
+        </p:txBody>
+      </p:sp>
+      <p:cxnSp>
+        <p:nvCxnSpPr>
+          <p:cNvPr id="28" name="Straight Arrow Connector 27">
+            <a:extLst>
+              <a:ext uri="{FF2B5EF4-FFF2-40B4-BE49-F238E27FC236}">
+                <a16:creationId xmlns:a16="http://schemas.microsoft.com/office/drawing/2014/main" id="{FFD828F4-66B4-C74B-9E93-3C3B361F9798}"/>
+              </a:ext>
+            </a:extLst>
+          </p:cNvPr>
+          <p:cNvCxnSpPr>
+            <a:cxnSpLocks/>
+          </p:cNvCxnSpPr>
+          <p:nvPr/>
+        </p:nvCxnSpPr>
+        <p:spPr>
+          <a:xfrm flipH="1" flipV="1">
+            <a:off x="5292145" y="3225098"/>
+            <a:ext cx="445592" cy="1875114"/>
+          </a:xfrm>
+          <a:prstGeom prst="straightConnector1">
+            <a:avLst/>
+          </a:prstGeom>
+          <a:ln w="53975">
+            <a:solidFill>
+              <a:schemeClr val="accent2"/>
+            </a:solidFill>
+            <a:tailEnd type="triangle"/>
+          </a:ln>
+        </p:spPr>
+        <p:style>
+          <a:lnRef idx="1">
+            <a:schemeClr val="accent1"/>
+          </a:lnRef>
+          <a:fillRef idx="0">
+            <a:schemeClr val="accent1"/>
+          </a:fillRef>
+          <a:effectRef idx="0">
+            <a:schemeClr val="accent1"/>
+          </a:effectRef>
+          <a:fontRef idx="minor">
+            <a:schemeClr val="tx1"/>
+          </a:fontRef>
+        </p:style>
+      </p:cxnSp>
+      <p:cxnSp>
+        <p:nvCxnSpPr>
+          <p:cNvPr id="29" name="Straight Arrow Connector 28">
+            <a:extLst>
+              <a:ext uri="{FF2B5EF4-FFF2-40B4-BE49-F238E27FC236}">
+                <a16:creationId xmlns:a16="http://schemas.microsoft.com/office/drawing/2014/main" id="{8EC3AEB5-8C08-D241-B7C3-5CFAD8F1CC47}"/>
+              </a:ext>
+            </a:extLst>
+          </p:cNvPr>
+          <p:cNvCxnSpPr>
+            <a:cxnSpLocks/>
+          </p:cNvCxnSpPr>
+          <p:nvPr/>
+        </p:nvCxnSpPr>
+        <p:spPr>
+          <a:xfrm flipV="1">
+            <a:off x="3116738" y="3877902"/>
+            <a:ext cx="4720522" cy="901305"/>
+          </a:xfrm>
+          <a:prstGeom prst="straightConnector1">
+            <a:avLst/>
+          </a:prstGeom>
+          <a:ln w="53975">
+            <a:solidFill>
+              <a:schemeClr val="accent2"/>
+            </a:solidFill>
+            <a:tailEnd type="triangle"/>
+          </a:ln>
+        </p:spPr>
+        <p:style>
+          <a:lnRef idx="1">
+            <a:schemeClr val="accent1"/>
+          </a:lnRef>
+          <a:fillRef idx="0">
+            <a:schemeClr val="accent1"/>
+          </a:fillRef>
+          <a:effectRef idx="0">
+            <a:schemeClr val="accent1"/>
+          </a:effectRef>
+          <a:fontRef idx="minor">
+            <a:schemeClr val="tx1"/>
+          </a:fontRef>
+        </p:style>
+      </p:cxnSp>
+      <p:cxnSp>
+        <p:nvCxnSpPr>
+          <p:cNvPr id="26" name="Straight Arrow Connector 25">
+            <a:extLst>
+              <a:ext uri="{FF2B5EF4-FFF2-40B4-BE49-F238E27FC236}">
+                <a16:creationId xmlns:a16="http://schemas.microsoft.com/office/drawing/2014/main" id="{A56B8B94-AAC8-9D4C-9910-ABB39E94CF53}"/>
+              </a:ext>
+            </a:extLst>
+          </p:cNvPr>
+          <p:cNvCxnSpPr>
+            <a:cxnSpLocks/>
+          </p:cNvCxnSpPr>
+          <p:nvPr/>
+        </p:nvCxnSpPr>
+        <p:spPr>
+          <a:xfrm flipH="1" flipV="1">
+            <a:off x="5708420" y="3187000"/>
+            <a:ext cx="2058674" cy="1446018"/>
+          </a:xfrm>
+          <a:prstGeom prst="straightConnector1">
+            <a:avLst/>
+          </a:prstGeom>
+          <a:ln w="53975">
+            <a:solidFill>
+              <a:schemeClr val="accent2">
+                <a:lumMod val="40000"/>
+                <a:lumOff val="60000"/>
+              </a:schemeClr>
+            </a:solidFill>
+            <a:tailEnd type="triangle"/>
+          </a:ln>
+        </p:spPr>
+        <p:style>
+          <a:lnRef idx="1">
+            <a:schemeClr val="accent1"/>
+          </a:lnRef>
+          <a:fillRef idx="0">
+            <a:schemeClr val="accent1"/>
+          </a:fillRef>
+          <a:effectRef idx="0">
+            <a:schemeClr val="accent1"/>
+          </a:effectRef>
+          <a:fontRef idx="minor">
+            <a:schemeClr val="tx1"/>
+          </a:fontRef>
+        </p:style>
+      </p:cxnSp>
+      <p:cxnSp>
+        <p:nvCxnSpPr>
+          <p:cNvPr id="27" name="Straight Arrow Connector 26">
+            <a:extLst>
+              <a:ext uri="{FF2B5EF4-FFF2-40B4-BE49-F238E27FC236}">
+                <a16:creationId xmlns:a16="http://schemas.microsoft.com/office/drawing/2014/main" id="{18945378-9D41-874B-97A3-CD749CF68022}"/>
+              </a:ext>
+            </a:extLst>
+          </p:cNvPr>
+          <p:cNvCxnSpPr>
+            <a:cxnSpLocks/>
+          </p:cNvCxnSpPr>
+          <p:nvPr/>
+        </p:nvCxnSpPr>
+        <p:spPr>
+          <a:xfrm flipV="1">
+            <a:off x="6300076" y="3166979"/>
+            <a:ext cx="1300247" cy="1894470"/>
+          </a:xfrm>
+          <a:prstGeom prst="straightConnector1">
+            <a:avLst/>
+          </a:prstGeom>
+          <a:ln w="53975">
+            <a:solidFill>
+              <a:schemeClr val="accent2">
+                <a:lumMod val="40000"/>
+                <a:lumOff val="60000"/>
+              </a:schemeClr>
+            </a:solidFill>
+            <a:tailEnd type="triangle"/>
+          </a:ln>
+        </p:spPr>
+        <p:style>
+          <a:lnRef idx="1">
+            <a:schemeClr val="accent1"/>
+          </a:lnRef>
+          <a:fillRef idx="0">
+            <a:schemeClr val="accent1"/>
+          </a:fillRef>
+          <a:effectRef idx="0">
+            <a:schemeClr val="accent1"/>
+          </a:effectRef>
+          <a:fontRef idx="minor">
+            <a:schemeClr val="tx1"/>
+          </a:fontRef>
+        </p:style>
+      </p:cxnSp>
+      <p:cxnSp>
+        <p:nvCxnSpPr>
+          <p:cNvPr id="30" name="Straight Arrow Connector 29">
+            <a:extLst>
+              <a:ext uri="{FF2B5EF4-FFF2-40B4-BE49-F238E27FC236}">
+                <a16:creationId xmlns:a16="http://schemas.microsoft.com/office/drawing/2014/main" id="{D0794ED8-771A-4B4D-9056-2D0CA0505847}"/>
+              </a:ext>
+            </a:extLst>
+          </p:cNvPr>
+          <p:cNvCxnSpPr>
+            <a:cxnSpLocks/>
+          </p:cNvCxnSpPr>
+          <p:nvPr/>
+        </p:nvCxnSpPr>
+        <p:spPr>
+          <a:xfrm flipH="1" flipV="1">
+            <a:off x="2801815" y="3341077"/>
+            <a:ext cx="1724874" cy="1674897"/>
+          </a:xfrm>
+          <a:prstGeom prst="straightConnector1">
+            <a:avLst/>
+          </a:prstGeom>
+          <a:ln w="53975">
+            <a:solidFill>
+              <a:schemeClr val="accent2">
+                <a:lumMod val="60000"/>
+                <a:lumOff val="40000"/>
+              </a:schemeClr>
+            </a:solidFill>
+            <a:tailEnd type="triangle"/>
+          </a:ln>
+        </p:spPr>
+        <p:style>
+          <a:lnRef idx="1">
+            <a:schemeClr val="accent1"/>
+          </a:lnRef>
+          <a:fillRef idx="0">
+            <a:schemeClr val="accent1"/>
+          </a:fillRef>
+          <a:effectRef idx="0">
+            <a:schemeClr val="accent1"/>
+          </a:effectRef>
+          <a:fontRef idx="minor">
+            <a:schemeClr val="tx1"/>
+          </a:fontRef>
+        </p:style>
+      </p:cxnSp>
+      <p:cxnSp>
+        <p:nvCxnSpPr>
+          <p:cNvPr id="31" name="Straight Arrow Connector 30">
+            <a:extLst>
+              <a:ext uri="{FF2B5EF4-FFF2-40B4-BE49-F238E27FC236}">
+                <a16:creationId xmlns:a16="http://schemas.microsoft.com/office/drawing/2014/main" id="{15A37BDE-F99C-2C47-BD06-BD326D83A0ED}"/>
+              </a:ext>
+            </a:extLst>
+          </p:cNvPr>
+          <p:cNvCxnSpPr>
+            <a:cxnSpLocks/>
+          </p:cNvCxnSpPr>
+          <p:nvPr/>
+        </p:nvCxnSpPr>
+        <p:spPr>
+          <a:xfrm flipV="1">
+            <a:off x="3308198" y="3920248"/>
+            <a:ext cx="1480556" cy="1603241"/>
+          </a:xfrm>
+          <a:prstGeom prst="straightConnector1">
+            <a:avLst/>
+          </a:prstGeom>
+          <a:ln w="53975">
+            <a:solidFill>
+              <a:schemeClr val="accent2">
+                <a:lumMod val="60000"/>
+                <a:lumOff val="40000"/>
+              </a:schemeClr>
+            </a:solidFill>
+            <a:tailEnd type="triangle"/>
+          </a:ln>
+        </p:spPr>
+        <p:style>
+          <a:lnRef idx="1">
+            <a:schemeClr val="accent1"/>
+          </a:lnRef>
+          <a:fillRef idx="0">
+            <a:schemeClr val="accent1"/>
+          </a:fillRef>
+          <a:effectRef idx="0">
+            <a:schemeClr val="accent1"/>
+          </a:effectRef>
+          <a:fontRef idx="minor">
+            <a:schemeClr val="tx1"/>
+          </a:fontRef>
+        </p:style>
+      </p:cxnSp>
     </p:spTree>
     <p:extLst>
       <p:ext uri="{BB962C8B-B14F-4D97-AF65-F5344CB8AC3E}">
-        <p14:creationId xmlns:p14="http://schemas.microsoft.com/office/powerpoint/2010/main" val="330586788"/>
+        <p14:creationId xmlns:p14="http://schemas.microsoft.com/office/powerpoint/2010/main" val="4095565159"/>
       </p:ext>
     </p:extLst>
   </p:cSld>
@@ -19792,100 +20946,12 @@
           </a:fontRef>
         </p:style>
       </p:cxnSp>
-      <p:cxnSp>
-        <p:nvCxnSpPr>
-          <p:cNvPr id="6" name="Straight Arrow Connector 5">
-            <a:extLst>
-              <a:ext uri="{FF2B5EF4-FFF2-40B4-BE49-F238E27FC236}">
-                <a16:creationId xmlns:a16="http://schemas.microsoft.com/office/drawing/2014/main" id="{65A398B2-885E-423B-B222-F74D9E166BDA}"/>
-              </a:ext>
-            </a:extLst>
-          </p:cNvPr>
-          <p:cNvCxnSpPr>
-            <a:cxnSpLocks/>
-          </p:cNvCxnSpPr>
-          <p:nvPr/>
-        </p:nvCxnSpPr>
-        <p:spPr>
-          <a:xfrm flipH="1" flipV="1">
-            <a:off x="4050631" y="3914775"/>
-            <a:ext cx="76200" cy="693321"/>
-          </a:xfrm>
-          <a:prstGeom prst="straightConnector1">
-            <a:avLst/>
-          </a:prstGeom>
-          <a:ln w="41275">
-            <a:solidFill>
-              <a:srgbClr val="00B050"/>
-            </a:solidFill>
-            <a:tailEnd type="triangle"/>
-          </a:ln>
-        </p:spPr>
-        <p:style>
-          <a:lnRef idx="1">
-            <a:schemeClr val="accent1"/>
-          </a:lnRef>
-          <a:fillRef idx="0">
-            <a:schemeClr val="accent1"/>
-          </a:fillRef>
-          <a:effectRef idx="0">
-            <a:schemeClr val="accent1"/>
-          </a:effectRef>
-          <a:fontRef idx="minor">
-            <a:schemeClr val="tx1"/>
-          </a:fontRef>
-        </p:style>
-      </p:cxnSp>
-      <p:cxnSp>
-        <p:nvCxnSpPr>
-          <p:cNvPr id="16" name="Straight Arrow Connector 15">
-            <a:extLst>
-              <a:ext uri="{FF2B5EF4-FFF2-40B4-BE49-F238E27FC236}">
-                <a16:creationId xmlns:a16="http://schemas.microsoft.com/office/drawing/2014/main" id="{64188244-E086-4F34-86B3-90CE3D00D6C5}"/>
-              </a:ext>
-            </a:extLst>
-          </p:cNvPr>
-          <p:cNvCxnSpPr>
-            <a:cxnSpLocks/>
-          </p:cNvCxnSpPr>
-          <p:nvPr/>
-        </p:nvCxnSpPr>
-        <p:spPr>
-          <a:xfrm flipV="1">
-            <a:off x="4109498" y="4431591"/>
-            <a:ext cx="931232" cy="184525"/>
-          </a:xfrm>
-          <a:prstGeom prst="straightConnector1">
-            <a:avLst/>
-          </a:prstGeom>
-          <a:ln w="41275">
-            <a:solidFill>
-              <a:srgbClr val="00B050"/>
-            </a:solidFill>
-            <a:tailEnd type="triangle"/>
-          </a:ln>
-        </p:spPr>
-        <p:style>
-          <a:lnRef idx="1">
-            <a:schemeClr val="accent1"/>
-          </a:lnRef>
-          <a:fillRef idx="0">
-            <a:schemeClr val="accent1"/>
-          </a:fillRef>
-          <a:effectRef idx="0">
-            <a:schemeClr val="accent1"/>
-          </a:effectRef>
-          <a:fontRef idx="minor">
-            <a:schemeClr val="tx1"/>
-          </a:fontRef>
-        </p:style>
-      </p:cxnSp>
-      <p:sp>
-        <p:nvSpPr>
-          <p:cNvPr id="22" name="TextBox 21">
-            <a:extLst>
-              <a:ext uri="{FF2B5EF4-FFF2-40B4-BE49-F238E27FC236}">
-                <a16:creationId xmlns:a16="http://schemas.microsoft.com/office/drawing/2014/main" id="{E451AE19-3966-40F9-B2EA-A0E2DEFD7742}"/>
+      <p:sp>
+        <p:nvSpPr>
+          <p:cNvPr id="10" name="TextBox 9">
+            <a:extLst>
+              <a:ext uri="{FF2B5EF4-FFF2-40B4-BE49-F238E27FC236}">
+                <a16:creationId xmlns:a16="http://schemas.microsoft.com/office/drawing/2014/main" id="{451C141E-2478-496A-A547-8D9C4BB155C0}"/>
               </a:ext>
             </a:extLst>
           </p:cNvPr>
@@ -19894,8 +20960,8 @@
         </p:nvSpPr>
         <p:spPr>
           <a:xfrm>
-            <a:off x="4231346" y="1592156"/>
-            <a:ext cx="7267374" cy="923330"/>
+            <a:off x="3459491" y="1862820"/>
+            <a:ext cx="6653232" cy="646331"/>
           </a:xfrm>
           <a:prstGeom prst="rect">
             <a:avLst/>
@@ -19910,29 +20976,31 @@
           <a:p>
             <a:r>
               <a:rPr lang="en-US" dirty="0"/>
-              <a:t>This force can be broken into 2 components along the wheelbase axes.</a:t>
-            </a:r>
-          </a:p>
-          <a:p>
-            <a:r>
-              <a:rPr lang="en-US" dirty="0"/>
-              <a:t>1 pointing directly at the front axle (+x in the wheelbase coordinate system)</a:t>
-            </a:r>
-          </a:p>
-          <a:p>
-            <a:r>
-              <a:rPr lang="en-US" dirty="0"/>
-              <a:t>1 pointing 90 degree’s from the first (+/- y -&gt; depending on Alpha)</a:t>
-            </a:r>
-          </a:p>
-        </p:txBody>
-      </p:sp>
-      <p:sp>
-        <p:nvSpPr>
-          <p:cNvPr id="23" name="Oval 22">
-            <a:extLst>
-              <a:ext uri="{FF2B5EF4-FFF2-40B4-BE49-F238E27FC236}">
-                <a16:creationId xmlns:a16="http://schemas.microsoft.com/office/drawing/2014/main" id="{AB002E2E-43D6-4C19-91F6-7677DB372726}"/>
+              <a:t>The traction force from the wheel is applied to the axle</a:t>
+            </a:r>
+          </a:p>
+          <a:p>
+            <a:r>
+              <a:rPr lang="en-US" dirty="0"/>
+              <a:t>Parallel to the ground at the contact patch (positive </a:t>
+            </a:r>
+            <a:r>
+              <a:rPr lang="en-US" dirty="0" err="1"/>
+              <a:t>Xalpha</a:t>
+            </a:r>
+            <a:r>
+              <a:rPr lang="en-US" dirty="0"/>
+              <a:t> direction)</a:t>
+            </a:r>
+          </a:p>
+        </p:txBody>
+      </p:sp>
+      <p:sp>
+        <p:nvSpPr>
+          <p:cNvPr id="16" name="Oval 15">
+            <a:extLst>
+              <a:ext uri="{FF2B5EF4-FFF2-40B4-BE49-F238E27FC236}">
+                <a16:creationId xmlns:a16="http://schemas.microsoft.com/office/drawing/2014/main" id="{6E7BCEC9-ACB6-46AF-B3B0-F06B74D4EF18}"/>
               </a:ext>
             </a:extLst>
           </p:cNvPr>
@@ -19981,10 +21049,10 @@
       </p:sp>
       <p:sp>
         <p:nvSpPr>
-          <p:cNvPr id="7" name="TextBox 6">
-            <a:extLst>
-              <a:ext uri="{FF2B5EF4-FFF2-40B4-BE49-F238E27FC236}">
-                <a16:creationId xmlns:a16="http://schemas.microsoft.com/office/drawing/2014/main" id="{101C5EDC-DE00-524C-8E98-B27F4C94C073}"/>
+          <p:cNvPr id="2" name="TextBox 1">
+            <a:extLst>
+              <a:ext uri="{FF2B5EF4-FFF2-40B4-BE49-F238E27FC236}">
+                <a16:creationId xmlns:a16="http://schemas.microsoft.com/office/drawing/2014/main" id="{A5672370-AAD3-7B48-97F5-D960A7430A5F}"/>
               </a:ext>
             </a:extLst>
           </p:cNvPr>
@@ -19993,7 +21061,7 @@
         </p:nvSpPr>
         <p:spPr>
           <a:xfrm>
-            <a:off x="3834645" y="3609975"/>
+            <a:off x="4778925" y="3879388"/>
             <a:ext cx="301686" cy="369332"/>
           </a:xfrm>
           <a:prstGeom prst="rect">
@@ -20009,17 +21077,17 @@
           <a:p>
             <a:r>
               <a:rPr lang="en-US" dirty="0"/>
-              <a:t>2</a:t>
-            </a:r>
-          </a:p>
-        </p:txBody>
-      </p:sp>
-      <p:sp>
-        <p:nvSpPr>
-          <p:cNvPr id="9" name="TextBox 8">
-            <a:extLst>
-              <a:ext uri="{FF2B5EF4-FFF2-40B4-BE49-F238E27FC236}">
-                <a16:creationId xmlns:a16="http://schemas.microsoft.com/office/drawing/2014/main" id="{A684E71C-A5D9-4A47-B006-11F8CD351B9C}"/>
+              <a:t>1</a:t>
+            </a:r>
+          </a:p>
+        </p:txBody>
+      </p:sp>
+      <p:sp>
+        <p:nvSpPr>
+          <p:cNvPr id="6" name="TextBox 5">
+            <a:extLst>
+              <a:ext uri="{FF2B5EF4-FFF2-40B4-BE49-F238E27FC236}">
+                <a16:creationId xmlns:a16="http://schemas.microsoft.com/office/drawing/2014/main" id="{1A46242E-54C8-8C4C-AD0E-020FACD6EACA}"/>
               </a:ext>
             </a:extLst>
           </p:cNvPr>
@@ -20028,8 +21096,8 @@
         </p:nvSpPr>
         <p:spPr>
           <a:xfrm>
-            <a:off x="5040730" y="4547937"/>
-            <a:ext cx="301686" cy="369332"/>
+            <a:off x="428017" y="846306"/>
+            <a:ext cx="4014753" cy="369332"/>
           </a:xfrm>
           <a:prstGeom prst="rect">
             <a:avLst/>
@@ -20044,42 +21112,7 @@
           <a:p>
             <a:r>
               <a:rPr lang="en-US" dirty="0"/>
-              <a:t>3</a:t>
-            </a:r>
-          </a:p>
-        </p:txBody>
-      </p:sp>
-      <p:sp>
-        <p:nvSpPr>
-          <p:cNvPr id="10" name="TextBox 9">
-            <a:extLst>
-              <a:ext uri="{FF2B5EF4-FFF2-40B4-BE49-F238E27FC236}">
-                <a16:creationId xmlns:a16="http://schemas.microsoft.com/office/drawing/2014/main" id="{0DA48F12-4BD0-404C-AFCB-05712DA3E866}"/>
-              </a:ext>
-            </a:extLst>
-          </p:cNvPr>
-          <p:cNvSpPr txBox="1"/>
-          <p:nvPr/>
-        </p:nvSpPr>
-        <p:spPr>
-          <a:xfrm>
-            <a:off x="321013" y="544749"/>
-            <a:ext cx="9866740" cy="646331"/>
-          </a:xfrm>
-          <a:prstGeom prst="rect">
-            <a:avLst/>
-          </a:prstGeom>
-          <a:noFill/>
-        </p:spPr>
-        <p:txBody>
-          <a:bodyPr wrap="none" rtlCol="0">
-            <a:spAutoFit/>
-          </a:bodyPr>
-          <a:lstStyle/>
-          <a:p>
-            <a:r>
-              <a:rPr lang="en-US" dirty="0"/>
-              <a:t>2 = </a:t>
+              <a:t>1 = </a:t>
             </a:r>
             <a:r>
               <a:rPr lang="en-US" dirty="0" err="1"/>
@@ -20087,37 +21120,15 @@
             </a:r>
             <a:r>
               <a:rPr lang="en-US" dirty="0"/>
-              <a:t> * cos (alpha-theta)) 			– this result will be along the positive </a:t>
+              <a:t>.  (along the positive </a:t>
             </a:r>
             <a:r>
               <a:rPr lang="en-US" dirty="0" err="1"/>
-              <a:t>Ywheelbase</a:t>
-            </a:r>
-            <a:r>
-              <a:rPr lang="en-US" dirty="0"/>
-              <a:t> axis</a:t>
-            </a:r>
-          </a:p>
-          <a:p>
-            <a:r>
-              <a:rPr lang="en-US" dirty="0"/>
-              <a:t>3 = </a:t>
-            </a:r>
-            <a:r>
-              <a:rPr lang="en-US" dirty="0" err="1"/>
-              <a:t>Fout</a:t>
-            </a:r>
-            <a:r>
-              <a:rPr lang="en-US" dirty="0"/>
-              <a:t> * cos (alpha-theta) 			– this result will be along the positive </a:t>
-            </a:r>
-            <a:r>
-              <a:rPr lang="en-US" dirty="0" err="1"/>
-              <a:t>Xwheelbase</a:t>
-            </a:r>
-            <a:r>
-              <a:rPr lang="en-US" dirty="0"/>
-              <a:t> axis</a:t>
+              <a:t>Xalpha</a:t>
+            </a:r>
+            <a:r>
+              <a:rPr lang="en-US" dirty="0"/>
+              <a:t> axis)</a:t>
             </a:r>
           </a:p>
         </p:txBody>
@@ -20125,7 +21136,7 @@
     </p:spTree>
     <p:extLst>
       <p:ext uri="{BB962C8B-B14F-4D97-AF65-F5344CB8AC3E}">
-        <p14:creationId xmlns:p14="http://schemas.microsoft.com/office/powerpoint/2010/main" val="3290869131"/>
+        <p14:creationId xmlns:p14="http://schemas.microsoft.com/office/powerpoint/2010/main" val="330586788"/>
       </p:ext>
     </p:extLst>
   </p:cSld>
@@ -20481,6 +21492,52 @@
       </p:sp>
       <p:cxnSp>
         <p:nvCxnSpPr>
+          <p:cNvPr id="3" name="Straight Arrow Connector 2">
+            <a:extLst>
+              <a:ext uri="{FF2B5EF4-FFF2-40B4-BE49-F238E27FC236}">
+                <a16:creationId xmlns:a16="http://schemas.microsoft.com/office/drawing/2014/main" id="{F9313A95-B019-4CB3-A8E6-D58B2F6C8B42}"/>
+              </a:ext>
+            </a:extLst>
+          </p:cNvPr>
+          <p:cNvCxnSpPr>
+            <a:cxnSpLocks/>
+          </p:cNvCxnSpPr>
+          <p:nvPr/>
+        </p:nvCxnSpPr>
+        <p:spPr>
+          <a:xfrm flipV="1">
+            <a:off x="4126831" y="3764298"/>
+            <a:ext cx="847969" cy="853322"/>
+          </a:xfrm>
+          <a:prstGeom prst="straightConnector1">
+            <a:avLst/>
+          </a:prstGeom>
+          <a:ln w="50800">
+            <a:solidFill>
+              <a:schemeClr val="accent6">
+                <a:lumMod val="75000"/>
+              </a:schemeClr>
+            </a:solidFill>
+            <a:tailEnd type="triangle"/>
+          </a:ln>
+        </p:spPr>
+        <p:style>
+          <a:lnRef idx="1">
+            <a:schemeClr val="accent1"/>
+          </a:lnRef>
+          <a:fillRef idx="0">
+            <a:schemeClr val="accent1"/>
+          </a:fillRef>
+          <a:effectRef idx="0">
+            <a:schemeClr val="accent1"/>
+          </a:effectRef>
+          <a:fontRef idx="minor">
+            <a:schemeClr val="tx1"/>
+          </a:fontRef>
+        </p:style>
+      </p:cxnSp>
+      <p:cxnSp>
+        <p:nvCxnSpPr>
           <p:cNvPr id="6" name="Straight Arrow Connector 5">
             <a:extLst>
               <a:ext uri="{FF2B5EF4-FFF2-40B4-BE49-F238E27FC236}">
@@ -20539,7 +21596,7 @@
         </p:nvCxnSpPr>
         <p:spPr>
           <a:xfrm flipV="1">
-            <a:off x="6972303" y="3891694"/>
+            <a:off x="4109498" y="4431591"/>
             <a:ext cx="931232" cy="184525"/>
           </a:xfrm>
           <a:prstGeom prst="straightConnector1">
@@ -20581,8 +21638,8 @@
         </p:nvSpPr>
         <p:spPr>
           <a:xfrm>
-            <a:off x="3297491" y="1655749"/>
-            <a:ext cx="8480591" cy="369332"/>
+            <a:off x="4231346" y="1592156"/>
+            <a:ext cx="7267374" cy="923330"/>
           </a:xfrm>
           <a:prstGeom prst="rect">
             <a:avLst/>
@@ -20597,17 +21654,29 @@
           <a:p>
             <a:r>
               <a:rPr lang="en-US" dirty="0"/>
-              <a:t>The force pointing at the front axle can be relocated (along it’s line of action) to that axle</a:t>
-            </a:r>
-          </a:p>
-        </p:txBody>
-      </p:sp>
-      <p:sp>
-        <p:nvSpPr>
-          <p:cNvPr id="13" name="Oval 12">
-            <a:extLst>
-              <a:ext uri="{FF2B5EF4-FFF2-40B4-BE49-F238E27FC236}">
-                <a16:creationId xmlns:a16="http://schemas.microsoft.com/office/drawing/2014/main" id="{CA3FF197-3B69-4EAD-AA3F-1AE490DBFD1B}"/>
+              <a:t>This force can be broken into 2 components along the wheelbase axes.</a:t>
+            </a:r>
+          </a:p>
+          <a:p>
+            <a:r>
+              <a:rPr lang="en-US" dirty="0"/>
+              <a:t>1 pointing directly at the front axle (+x in the wheelbase coordinate system)</a:t>
+            </a:r>
+          </a:p>
+          <a:p>
+            <a:r>
+              <a:rPr lang="en-US" dirty="0"/>
+              <a:t>1 pointing 90 degree’s from the first (+/- y -&gt; depending on Alpha)</a:t>
+            </a:r>
+          </a:p>
+        </p:txBody>
+      </p:sp>
+      <p:sp>
+        <p:nvSpPr>
+          <p:cNvPr id="23" name="Oval 22">
+            <a:extLst>
+              <a:ext uri="{FF2B5EF4-FFF2-40B4-BE49-F238E27FC236}">
+                <a16:creationId xmlns:a16="http://schemas.microsoft.com/office/drawing/2014/main" id="{AB002E2E-43D6-4C19-91F6-7677DB372726}"/>
               </a:ext>
             </a:extLst>
           </p:cNvPr>
@@ -20656,10 +21725,10 @@
       </p:sp>
       <p:sp>
         <p:nvSpPr>
-          <p:cNvPr id="17" name="TextBox 16">
-            <a:extLst>
-              <a:ext uri="{FF2B5EF4-FFF2-40B4-BE49-F238E27FC236}">
-                <a16:creationId xmlns:a16="http://schemas.microsoft.com/office/drawing/2014/main" id="{74E50AFA-DD04-B64A-9EB2-FF4C4EEA3FA6}"/>
+          <p:cNvPr id="7" name="TextBox 6">
+            <a:extLst>
+              <a:ext uri="{FF2B5EF4-FFF2-40B4-BE49-F238E27FC236}">
+                <a16:creationId xmlns:a16="http://schemas.microsoft.com/office/drawing/2014/main" id="{101C5EDC-DE00-524C-8E98-B27F4C94C073}"/>
               </a:ext>
             </a:extLst>
           </p:cNvPr>
@@ -20668,8 +21737,8 @@
         </p:nvSpPr>
         <p:spPr>
           <a:xfrm>
-            <a:off x="321013" y="544749"/>
-            <a:ext cx="10010946" cy="646331"/>
+            <a:off x="3834645" y="3609975"/>
+            <a:ext cx="301686" cy="369332"/>
           </a:xfrm>
           <a:prstGeom prst="rect">
             <a:avLst/>
@@ -20684,55 +21753,17 @@
           <a:p>
             <a:r>
               <a:rPr lang="en-US" dirty="0"/>
-              <a:t>2 = </a:t>
-            </a:r>
-            <a:r>
-              <a:rPr lang="en-US" dirty="0" err="1"/>
-              <a:t>Fout</a:t>
-            </a:r>
-            <a:r>
-              <a:rPr lang="en-US" dirty="0"/>
-              <a:t> * sin (alpha-theta)					- along the positive </a:t>
-            </a:r>
-            <a:r>
-              <a:rPr lang="en-US" dirty="0" err="1"/>
-              <a:t>Ywheelbase</a:t>
-            </a:r>
-            <a:r>
-              <a:rPr lang="en-US" dirty="0"/>
-              <a:t> axis</a:t>
-            </a:r>
-          </a:p>
-          <a:p>
-            <a:r>
-              <a:rPr lang="en-US" dirty="0"/>
-              <a:t>3b = </a:t>
-            </a:r>
-            <a:r>
-              <a:rPr lang="en-US" dirty="0" err="1"/>
-              <a:t>Fout</a:t>
-            </a:r>
-            <a:r>
-              <a:rPr lang="en-US" dirty="0"/>
-              <a:t> * cos (alpha-theta)					- along the positive </a:t>
-            </a:r>
-            <a:r>
-              <a:rPr lang="en-US" dirty="0" err="1"/>
-              <a:t>Xwheelbase</a:t>
-            </a:r>
-            <a:r>
-              <a:rPr lang="en-US" dirty="0"/>
-              <a:t> axis</a:t>
-            </a:r>
-          </a:p>
-        </p:txBody>
-      </p:sp>
-      <p:sp>
-        <p:nvSpPr>
-          <p:cNvPr id="2" name="TextBox 1">
-            <a:extLst>
-              <a:ext uri="{FF2B5EF4-FFF2-40B4-BE49-F238E27FC236}">
-                <a16:creationId xmlns:a16="http://schemas.microsoft.com/office/drawing/2014/main" id="{D3468A0B-0F21-DE43-AFC3-2476DB3C160C}"/>
+              <a:t>2</a:t>
+            </a:r>
+          </a:p>
+        </p:txBody>
+      </p:sp>
+      <p:sp>
+        <p:nvSpPr>
+          <p:cNvPr id="9" name="TextBox 8">
+            <a:extLst>
+              <a:ext uri="{FF2B5EF4-FFF2-40B4-BE49-F238E27FC236}">
+                <a16:creationId xmlns:a16="http://schemas.microsoft.com/office/drawing/2014/main" id="{A684E71C-A5D9-4A47-B006-11F8CD351B9C}"/>
               </a:ext>
             </a:extLst>
           </p:cNvPr>
@@ -20741,7 +21772,7 @@
         </p:nvSpPr>
         <p:spPr>
           <a:xfrm>
-            <a:off x="3735421" y="3686175"/>
+            <a:off x="5040730" y="4547937"/>
             <a:ext cx="301686" cy="369332"/>
           </a:xfrm>
           <a:prstGeom prst="rect">
@@ -20757,17 +21788,17 @@
           <a:p>
             <a:r>
               <a:rPr lang="en-US" dirty="0"/>
-              <a:t>2</a:t>
-            </a:r>
-          </a:p>
-        </p:txBody>
-      </p:sp>
-      <p:sp>
-        <p:nvSpPr>
-          <p:cNvPr id="3" name="TextBox 2">
-            <a:extLst>
-              <a:ext uri="{FF2B5EF4-FFF2-40B4-BE49-F238E27FC236}">
-                <a16:creationId xmlns:a16="http://schemas.microsoft.com/office/drawing/2014/main" id="{E0D124FE-A325-7842-88E3-B9B5AF2CD302}"/>
+              <a:t>3</a:t>
+            </a:r>
+          </a:p>
+        </p:txBody>
+      </p:sp>
+      <p:sp>
+        <p:nvSpPr>
+          <p:cNvPr id="10" name="TextBox 9">
+            <a:extLst>
+              <a:ext uri="{FF2B5EF4-FFF2-40B4-BE49-F238E27FC236}">
+                <a16:creationId xmlns:a16="http://schemas.microsoft.com/office/drawing/2014/main" id="{0DA48F12-4BD0-404C-AFCB-05712DA3E866}"/>
               </a:ext>
             </a:extLst>
           </p:cNvPr>
@@ -20776,8 +21807,8 @@
         </p:nvSpPr>
         <p:spPr>
           <a:xfrm>
-            <a:off x="7980357" y="4011028"/>
-            <a:ext cx="423514" cy="369332"/>
+            <a:off x="321013" y="544749"/>
+            <a:ext cx="9866740" cy="646331"/>
           </a:xfrm>
           <a:prstGeom prst="rect">
             <a:avLst/>
@@ -20792,7 +21823,45 @@
           <a:p>
             <a:r>
               <a:rPr lang="en-US" dirty="0"/>
-              <a:t>3b</a:t>
+              <a:t>2 = </a:t>
+            </a:r>
+            <a:r>
+              <a:rPr lang="en-US" dirty="0" err="1"/>
+              <a:t>Fout</a:t>
+            </a:r>
+            <a:r>
+              <a:rPr lang="en-US" dirty="0"/>
+              <a:t> * cos (alpha-theta)) 			– this result will be along the positive </a:t>
+            </a:r>
+            <a:r>
+              <a:rPr lang="en-US" dirty="0" err="1"/>
+              <a:t>Ywheelbase</a:t>
+            </a:r>
+            <a:r>
+              <a:rPr lang="en-US" dirty="0"/>
+              <a:t> axis</a:t>
+            </a:r>
+          </a:p>
+          <a:p>
+            <a:r>
+              <a:rPr lang="en-US" dirty="0"/>
+              <a:t>3 = </a:t>
+            </a:r>
+            <a:r>
+              <a:rPr lang="en-US" dirty="0" err="1"/>
+              <a:t>Fout</a:t>
+            </a:r>
+            <a:r>
+              <a:rPr lang="en-US" dirty="0"/>
+              <a:t> * cos (alpha-theta) 			– this result will be along the positive </a:t>
+            </a:r>
+            <a:r>
+              <a:rPr lang="en-US" dirty="0" err="1"/>
+              <a:t>Xwheelbase</a:t>
+            </a:r>
+            <a:r>
+              <a:rPr lang="en-US" dirty="0"/>
+              <a:t> axis</a:t>
             </a:r>
           </a:p>
         </p:txBody>
@@ -20800,7 +21869,7 @@
     </p:spTree>
     <p:extLst>
       <p:ext uri="{BB962C8B-B14F-4D97-AF65-F5344CB8AC3E}">
-        <p14:creationId xmlns:p14="http://schemas.microsoft.com/office/powerpoint/2010/main" val="3352911079"/>
+        <p14:creationId xmlns:p14="http://schemas.microsoft.com/office/powerpoint/2010/main" val="3290869131"/>
       </p:ext>
     </p:extLst>
   </p:cSld>

--- a/vehicle forces.pptx
+++ b/vehicle forces.pptx
@@ -25,6 +25,10 @@
     <p:sldId id="283" r:id="rId19"/>
     <p:sldId id="272" r:id="rId20"/>
     <p:sldId id="273" r:id="rId21"/>
+    <p:sldId id="285" r:id="rId22"/>
+    <p:sldId id="287" r:id="rId23"/>
+    <p:sldId id="288" r:id="rId24"/>
+    <p:sldId id="289" r:id="rId25"/>
   </p:sldIdLst>
   <p:sldSz cx="12192000" cy="6858000"/>
   <p:notesSz cx="6858000" cy="9144000"/>
@@ -278,7 +282,7 @@
           <a:p>
             <a:fld id="{96DFC8BC-9833-445E-8087-9E2B159065C8}" type="datetimeFigureOut">
               <a:rPr lang="en-US" smtClean="0"/>
-              <a:t>2/7/19</a:t>
+              <a:t>2/10/19</a:t>
             </a:fld>
             <a:endParaRPr lang="en-US"/>
           </a:p>
@@ -476,7 +480,7 @@
           <a:p>
             <a:fld id="{96DFC8BC-9833-445E-8087-9E2B159065C8}" type="datetimeFigureOut">
               <a:rPr lang="en-US" smtClean="0"/>
-              <a:t>2/7/19</a:t>
+              <a:t>2/10/19</a:t>
             </a:fld>
             <a:endParaRPr lang="en-US"/>
           </a:p>
@@ -684,7 +688,7 @@
           <a:p>
             <a:fld id="{96DFC8BC-9833-445E-8087-9E2B159065C8}" type="datetimeFigureOut">
               <a:rPr lang="en-US" smtClean="0"/>
-              <a:t>2/7/19</a:t>
+              <a:t>2/10/19</a:t>
             </a:fld>
             <a:endParaRPr lang="en-US"/>
           </a:p>
@@ -882,7 +886,7 @@
           <a:p>
             <a:fld id="{96DFC8BC-9833-445E-8087-9E2B159065C8}" type="datetimeFigureOut">
               <a:rPr lang="en-US" smtClean="0"/>
-              <a:t>2/7/19</a:t>
+              <a:t>2/10/19</a:t>
             </a:fld>
             <a:endParaRPr lang="en-US"/>
           </a:p>
@@ -1157,7 +1161,7 @@
           <a:p>
             <a:fld id="{96DFC8BC-9833-445E-8087-9E2B159065C8}" type="datetimeFigureOut">
               <a:rPr lang="en-US" smtClean="0"/>
-              <a:t>2/7/19</a:t>
+              <a:t>2/10/19</a:t>
             </a:fld>
             <a:endParaRPr lang="en-US"/>
           </a:p>
@@ -1422,7 +1426,7 @@
           <a:p>
             <a:fld id="{96DFC8BC-9833-445E-8087-9E2B159065C8}" type="datetimeFigureOut">
               <a:rPr lang="en-US" smtClean="0"/>
-              <a:t>2/7/19</a:t>
+              <a:t>2/10/19</a:t>
             </a:fld>
             <a:endParaRPr lang="en-US"/>
           </a:p>
@@ -1834,7 +1838,7 @@
           <a:p>
             <a:fld id="{96DFC8BC-9833-445E-8087-9E2B159065C8}" type="datetimeFigureOut">
               <a:rPr lang="en-US" smtClean="0"/>
-              <a:t>2/7/19</a:t>
+              <a:t>2/10/19</a:t>
             </a:fld>
             <a:endParaRPr lang="en-US"/>
           </a:p>
@@ -1975,7 +1979,7 @@
           <a:p>
             <a:fld id="{96DFC8BC-9833-445E-8087-9E2B159065C8}" type="datetimeFigureOut">
               <a:rPr lang="en-US" smtClean="0"/>
-              <a:t>2/7/19</a:t>
+              <a:t>2/10/19</a:t>
             </a:fld>
             <a:endParaRPr lang="en-US"/>
           </a:p>
@@ -2088,7 +2092,7 @@
           <a:p>
             <a:fld id="{96DFC8BC-9833-445E-8087-9E2B159065C8}" type="datetimeFigureOut">
               <a:rPr lang="en-US" smtClean="0"/>
-              <a:t>2/7/19</a:t>
+              <a:t>2/10/19</a:t>
             </a:fld>
             <a:endParaRPr lang="en-US"/>
           </a:p>
@@ -2399,7 +2403,7 @@
           <a:p>
             <a:fld id="{96DFC8BC-9833-445E-8087-9E2B159065C8}" type="datetimeFigureOut">
               <a:rPr lang="en-US" smtClean="0"/>
-              <a:t>2/7/19</a:t>
+              <a:t>2/10/19</a:t>
             </a:fld>
             <a:endParaRPr lang="en-US"/>
           </a:p>
@@ -2687,7 +2691,7 @@
           <a:p>
             <a:fld id="{96DFC8BC-9833-445E-8087-9E2B159065C8}" type="datetimeFigureOut">
               <a:rPr lang="en-US" smtClean="0"/>
-              <a:t>2/7/19</a:t>
+              <a:t>2/10/19</a:t>
             </a:fld>
             <a:endParaRPr lang="en-US"/>
           </a:p>
@@ -2928,7 +2932,7 @@
           <a:p>
             <a:fld id="{96DFC8BC-9833-445E-8087-9E2B159065C8}" type="datetimeFigureOut">
               <a:rPr lang="en-US" smtClean="0"/>
-              <a:t>2/7/19</a:t>
+              <a:t>2/10/19</a:t>
             </a:fld>
             <a:endParaRPr lang="en-US"/>
           </a:p>
@@ -15894,6 +15898,2785 @@
 </p:sld>
 </file>
 
+<file path=ppt/slides/slide21.xml><?xml version="1.0" encoding="utf-8"?>
+<p:sld xmlns:a="http://schemas.openxmlformats.org/drawingml/2006/main" xmlns:r="http://schemas.openxmlformats.org/officeDocument/2006/relationships" xmlns:p="http://schemas.openxmlformats.org/presentationml/2006/main">
+  <p:cSld>
+    <p:spTree>
+      <p:nvGrpSpPr>
+        <p:cNvPr id="1" name=""/>
+        <p:cNvGrpSpPr/>
+        <p:nvPr/>
+      </p:nvGrpSpPr>
+      <p:grpSpPr>
+        <a:xfrm>
+          <a:off x="0" y="0"/>
+          <a:ext cx="0" cy="0"/>
+          <a:chOff x="0" y="0"/>
+          <a:chExt cx="0" cy="0"/>
+        </a:xfrm>
+      </p:grpSpPr>
+      <p:cxnSp>
+        <p:nvCxnSpPr>
+          <p:cNvPr id="5" name="Straight Connector 4">
+            <a:extLst>
+              <a:ext uri="{FF2B5EF4-FFF2-40B4-BE49-F238E27FC236}">
+                <a16:creationId xmlns:a16="http://schemas.microsoft.com/office/drawing/2014/main" id="{B055A77E-72CB-0946-BD9D-41439C76A4FB}"/>
+              </a:ext>
+            </a:extLst>
+          </p:cNvPr>
+          <p:cNvCxnSpPr/>
+          <p:nvPr/>
+        </p:nvCxnSpPr>
+        <p:spPr>
+          <a:xfrm>
+            <a:off x="1264596" y="612843"/>
+            <a:ext cx="0" cy="4902740"/>
+          </a:xfrm>
+          <a:prstGeom prst="line">
+            <a:avLst/>
+          </a:prstGeom>
+        </p:spPr>
+        <p:style>
+          <a:lnRef idx="1">
+            <a:schemeClr val="accent1"/>
+          </a:lnRef>
+          <a:fillRef idx="0">
+            <a:schemeClr val="accent1"/>
+          </a:fillRef>
+          <a:effectRef idx="0">
+            <a:schemeClr val="accent1"/>
+          </a:effectRef>
+          <a:fontRef idx="minor">
+            <a:schemeClr val="tx1"/>
+          </a:fontRef>
+        </p:style>
+      </p:cxnSp>
+      <p:sp>
+        <p:nvSpPr>
+          <p:cNvPr id="6" name="TextBox 5">
+            <a:extLst>
+              <a:ext uri="{FF2B5EF4-FFF2-40B4-BE49-F238E27FC236}">
+                <a16:creationId xmlns:a16="http://schemas.microsoft.com/office/drawing/2014/main" id="{32262AB3-2DC8-A84C-B28E-4C672ED88E12}"/>
+              </a:ext>
+            </a:extLst>
+          </p:cNvPr>
+          <p:cNvSpPr txBox="1"/>
+          <p:nvPr/>
+        </p:nvSpPr>
+        <p:spPr>
+          <a:xfrm>
+            <a:off x="1391055" y="428177"/>
+            <a:ext cx="301686" cy="369332"/>
+          </a:xfrm>
+          <a:prstGeom prst="rect">
+            <a:avLst/>
+          </a:prstGeom>
+          <a:noFill/>
+        </p:spPr>
+        <p:txBody>
+          <a:bodyPr wrap="none" rtlCol="0">
+            <a:spAutoFit/>
+          </a:bodyPr>
+          <a:lstStyle/>
+          <a:p>
+            <a:r>
+              <a:rPr lang="en-US" dirty="0"/>
+              <a:t>0</a:t>
+            </a:r>
+          </a:p>
+        </p:txBody>
+      </p:sp>
+      <p:sp>
+        <p:nvSpPr>
+          <p:cNvPr id="7" name="TextBox 6">
+            <a:extLst>
+              <a:ext uri="{FF2B5EF4-FFF2-40B4-BE49-F238E27FC236}">
+                <a16:creationId xmlns:a16="http://schemas.microsoft.com/office/drawing/2014/main" id="{B53452DE-5F6E-434F-8FEB-5EAD27E0463E}"/>
+              </a:ext>
+            </a:extLst>
+          </p:cNvPr>
+          <p:cNvSpPr txBox="1"/>
+          <p:nvPr/>
+        </p:nvSpPr>
+        <p:spPr>
+          <a:xfrm>
+            <a:off x="1391055" y="5330917"/>
+            <a:ext cx="535724" cy="369332"/>
+          </a:xfrm>
+          <a:prstGeom prst="rect">
+            <a:avLst/>
+          </a:prstGeom>
+          <a:noFill/>
+        </p:spPr>
+        <p:txBody>
+          <a:bodyPr wrap="none" rtlCol="0">
+            <a:spAutoFit/>
+          </a:bodyPr>
+          <a:lstStyle/>
+          <a:p>
+            <a:r>
+              <a:rPr lang="en-US" dirty="0"/>
+              <a:t>100</a:t>
+            </a:r>
+          </a:p>
+        </p:txBody>
+      </p:sp>
+      <p:cxnSp>
+        <p:nvCxnSpPr>
+          <p:cNvPr id="8" name="Straight Connector 7">
+            <a:extLst>
+              <a:ext uri="{FF2B5EF4-FFF2-40B4-BE49-F238E27FC236}">
+                <a16:creationId xmlns:a16="http://schemas.microsoft.com/office/drawing/2014/main" id="{4A918BAE-B5D3-4247-B1FE-8CBF9A024AEF}"/>
+              </a:ext>
+            </a:extLst>
+          </p:cNvPr>
+          <p:cNvCxnSpPr/>
+          <p:nvPr/>
+        </p:nvCxnSpPr>
+        <p:spPr>
+          <a:xfrm>
+            <a:off x="2053237" y="612843"/>
+            <a:ext cx="0" cy="4902740"/>
+          </a:xfrm>
+          <a:prstGeom prst="line">
+            <a:avLst/>
+          </a:prstGeom>
+        </p:spPr>
+        <p:style>
+          <a:lnRef idx="1">
+            <a:schemeClr val="accent1"/>
+          </a:lnRef>
+          <a:fillRef idx="0">
+            <a:schemeClr val="accent1"/>
+          </a:fillRef>
+          <a:effectRef idx="0">
+            <a:schemeClr val="accent1"/>
+          </a:effectRef>
+          <a:fontRef idx="minor">
+            <a:schemeClr val="tx1"/>
+          </a:fontRef>
+        </p:style>
+      </p:cxnSp>
+      <p:sp>
+        <p:nvSpPr>
+          <p:cNvPr id="9" name="TextBox 8">
+            <a:extLst>
+              <a:ext uri="{FF2B5EF4-FFF2-40B4-BE49-F238E27FC236}">
+                <a16:creationId xmlns:a16="http://schemas.microsoft.com/office/drawing/2014/main" id="{7F1B64DD-4DD6-594E-8FD1-A2E415DB85A2}"/>
+              </a:ext>
+            </a:extLst>
+          </p:cNvPr>
+          <p:cNvSpPr txBox="1"/>
+          <p:nvPr/>
+        </p:nvSpPr>
+        <p:spPr>
+          <a:xfrm>
+            <a:off x="2179696" y="428177"/>
+            <a:ext cx="535724" cy="369332"/>
+          </a:xfrm>
+          <a:prstGeom prst="rect">
+            <a:avLst/>
+          </a:prstGeom>
+          <a:noFill/>
+        </p:spPr>
+        <p:txBody>
+          <a:bodyPr wrap="none" rtlCol="0">
+            <a:spAutoFit/>
+          </a:bodyPr>
+          <a:lstStyle/>
+          <a:p>
+            <a:r>
+              <a:rPr lang="en-US" dirty="0"/>
+              <a:t>100</a:t>
+            </a:r>
+          </a:p>
+        </p:txBody>
+      </p:sp>
+      <p:sp>
+        <p:nvSpPr>
+          <p:cNvPr id="10" name="TextBox 9">
+            <a:extLst>
+              <a:ext uri="{FF2B5EF4-FFF2-40B4-BE49-F238E27FC236}">
+                <a16:creationId xmlns:a16="http://schemas.microsoft.com/office/drawing/2014/main" id="{5B7C8948-D76E-0345-8640-C1D2518393A9}"/>
+              </a:ext>
+            </a:extLst>
+          </p:cNvPr>
+          <p:cNvSpPr txBox="1"/>
+          <p:nvPr/>
+        </p:nvSpPr>
+        <p:spPr>
+          <a:xfrm>
+            <a:off x="2179696" y="5330917"/>
+            <a:ext cx="301686" cy="369332"/>
+          </a:xfrm>
+          <a:prstGeom prst="rect">
+            <a:avLst/>
+          </a:prstGeom>
+          <a:noFill/>
+        </p:spPr>
+        <p:txBody>
+          <a:bodyPr wrap="none" rtlCol="0">
+            <a:spAutoFit/>
+          </a:bodyPr>
+          <a:lstStyle/>
+          <a:p>
+            <a:r>
+              <a:rPr lang="en-US" dirty="0"/>
+              <a:t>0</a:t>
+            </a:r>
+          </a:p>
+        </p:txBody>
+      </p:sp>
+      <p:sp>
+        <p:nvSpPr>
+          <p:cNvPr id="11" name="TextBox 10">
+            <a:extLst>
+              <a:ext uri="{FF2B5EF4-FFF2-40B4-BE49-F238E27FC236}">
+                <a16:creationId xmlns:a16="http://schemas.microsoft.com/office/drawing/2014/main" id="{7B362D30-A29A-6444-A673-A1E97AC0149C}"/>
+              </a:ext>
+            </a:extLst>
+          </p:cNvPr>
+          <p:cNvSpPr txBox="1"/>
+          <p:nvPr/>
+        </p:nvSpPr>
+        <p:spPr>
+          <a:xfrm>
+            <a:off x="2204382" y="4250988"/>
+            <a:ext cx="418704" cy="369332"/>
+          </a:xfrm>
+          <a:prstGeom prst="rect">
+            <a:avLst/>
+          </a:prstGeom>
+          <a:noFill/>
+        </p:spPr>
+        <p:txBody>
+          <a:bodyPr wrap="none" rtlCol="0">
+            <a:spAutoFit/>
+          </a:bodyPr>
+          <a:lstStyle/>
+          <a:p>
+            <a:r>
+              <a:rPr lang="en-US" dirty="0"/>
+              <a:t>30</a:t>
+            </a:r>
+          </a:p>
+        </p:txBody>
+      </p:sp>
+      <p:sp>
+        <p:nvSpPr>
+          <p:cNvPr id="12" name="TextBox 11">
+            <a:extLst>
+              <a:ext uri="{FF2B5EF4-FFF2-40B4-BE49-F238E27FC236}">
+                <a16:creationId xmlns:a16="http://schemas.microsoft.com/office/drawing/2014/main" id="{9822E472-7B76-9446-98F4-F54B817A0547}"/>
+              </a:ext>
+            </a:extLst>
+          </p:cNvPr>
+          <p:cNvSpPr txBox="1"/>
+          <p:nvPr/>
+        </p:nvSpPr>
+        <p:spPr>
+          <a:xfrm>
+            <a:off x="1361952" y="4250988"/>
+            <a:ext cx="418704" cy="369332"/>
+          </a:xfrm>
+          <a:prstGeom prst="rect">
+            <a:avLst/>
+          </a:prstGeom>
+          <a:noFill/>
+        </p:spPr>
+        <p:txBody>
+          <a:bodyPr wrap="none" rtlCol="0">
+            <a:spAutoFit/>
+          </a:bodyPr>
+          <a:lstStyle/>
+          <a:p>
+            <a:r>
+              <a:rPr lang="en-US" dirty="0"/>
+              <a:t>70</a:t>
+            </a:r>
+          </a:p>
+        </p:txBody>
+      </p:sp>
+      <p:sp>
+        <p:nvSpPr>
+          <p:cNvPr id="13" name="TextBox 12">
+            <a:extLst>
+              <a:ext uri="{FF2B5EF4-FFF2-40B4-BE49-F238E27FC236}">
+                <a16:creationId xmlns:a16="http://schemas.microsoft.com/office/drawing/2014/main" id="{FBEE9191-2D2A-9B41-993E-506EEF1F27A6}"/>
+              </a:ext>
+            </a:extLst>
+          </p:cNvPr>
+          <p:cNvSpPr txBox="1"/>
+          <p:nvPr/>
+        </p:nvSpPr>
+        <p:spPr>
+          <a:xfrm>
+            <a:off x="1369967" y="58845"/>
+            <a:ext cx="402674" cy="369332"/>
+          </a:xfrm>
+          <a:prstGeom prst="rect">
+            <a:avLst/>
+          </a:prstGeom>
+          <a:noFill/>
+        </p:spPr>
+        <p:txBody>
+          <a:bodyPr wrap="none" rtlCol="0">
+            <a:spAutoFit/>
+          </a:bodyPr>
+          <a:lstStyle/>
+          <a:p>
+            <a:r>
+              <a:rPr lang="en-US" dirty="0" err="1"/>
+              <a:t>Xc</a:t>
+            </a:r>
+            <a:endParaRPr lang="en-US" dirty="0"/>
+          </a:p>
+        </p:txBody>
+      </p:sp>
+      <p:sp>
+        <p:nvSpPr>
+          <p:cNvPr id="14" name="TextBox 13">
+            <a:extLst>
+              <a:ext uri="{FF2B5EF4-FFF2-40B4-BE49-F238E27FC236}">
+                <a16:creationId xmlns:a16="http://schemas.microsoft.com/office/drawing/2014/main" id="{663A3FF9-861B-0240-8BEC-745CEF773B57}"/>
+              </a:ext>
+            </a:extLst>
+          </p:cNvPr>
+          <p:cNvSpPr txBox="1"/>
+          <p:nvPr/>
+        </p:nvSpPr>
+        <p:spPr>
+          <a:xfrm>
+            <a:off x="2185132" y="24877"/>
+            <a:ext cx="464486" cy="369332"/>
+          </a:xfrm>
+          <a:prstGeom prst="rect">
+            <a:avLst/>
+          </a:prstGeom>
+          <a:noFill/>
+        </p:spPr>
+        <p:txBody>
+          <a:bodyPr wrap="none" rtlCol="0">
+            <a:spAutoFit/>
+          </a:bodyPr>
+          <a:lstStyle/>
+          <a:p>
+            <a:r>
+              <a:rPr lang="en-US" dirty="0" err="1"/>
+              <a:t>Xw</a:t>
+            </a:r>
+            <a:endParaRPr lang="en-US" dirty="0"/>
+          </a:p>
+        </p:txBody>
+      </p:sp>
+      <p:sp>
+        <p:nvSpPr>
+          <p:cNvPr id="15" name="TextBox 14">
+            <a:extLst>
+              <a:ext uri="{FF2B5EF4-FFF2-40B4-BE49-F238E27FC236}">
+                <a16:creationId xmlns:a16="http://schemas.microsoft.com/office/drawing/2014/main" id="{D4CDB242-AB84-D241-B762-DB6AABAF9EEC}"/>
+              </a:ext>
+            </a:extLst>
+          </p:cNvPr>
+          <p:cNvSpPr txBox="1"/>
+          <p:nvPr/>
+        </p:nvSpPr>
+        <p:spPr>
+          <a:xfrm>
+            <a:off x="4533089" y="1848255"/>
+            <a:ext cx="1325299" cy="369332"/>
+          </a:xfrm>
+          <a:prstGeom prst="rect">
+            <a:avLst/>
+          </a:prstGeom>
+          <a:noFill/>
+        </p:spPr>
+        <p:txBody>
+          <a:bodyPr wrap="none" rtlCol="0">
+            <a:spAutoFit/>
+          </a:bodyPr>
+          <a:lstStyle/>
+          <a:p>
+            <a:r>
+              <a:rPr lang="en-US" dirty="0" err="1"/>
+              <a:t>Xw</a:t>
+            </a:r>
+            <a:r>
+              <a:rPr lang="en-US" dirty="0"/>
+              <a:t> = 100-Xc</a:t>
+            </a:r>
+          </a:p>
+        </p:txBody>
+      </p:sp>
+    </p:spTree>
+    <p:extLst>
+      <p:ext uri="{BB962C8B-B14F-4D97-AF65-F5344CB8AC3E}">
+        <p14:creationId xmlns:p14="http://schemas.microsoft.com/office/powerpoint/2010/main" val="2529946678"/>
+      </p:ext>
+    </p:extLst>
+  </p:cSld>
+  <p:clrMapOvr>
+    <a:masterClrMapping/>
+  </p:clrMapOvr>
+</p:sld>
+</file>
+
+<file path=ppt/slides/slide22.xml><?xml version="1.0" encoding="utf-8"?>
+<p:sld xmlns:a="http://schemas.openxmlformats.org/drawingml/2006/main" xmlns:r="http://schemas.openxmlformats.org/officeDocument/2006/relationships" xmlns:p="http://schemas.openxmlformats.org/presentationml/2006/main">
+  <p:cSld>
+    <p:spTree>
+      <p:nvGrpSpPr>
+        <p:cNvPr id="1" name=""/>
+        <p:cNvGrpSpPr/>
+        <p:nvPr/>
+      </p:nvGrpSpPr>
+      <p:grpSpPr>
+        <a:xfrm>
+          <a:off x="0" y="0"/>
+          <a:ext cx="0" cy="0"/>
+          <a:chOff x="0" y="0"/>
+          <a:chExt cx="0" cy="0"/>
+        </a:xfrm>
+      </p:grpSpPr>
+      <p:sp>
+        <p:nvSpPr>
+          <p:cNvPr id="21" name="Isosceles Triangle 20">
+            <a:extLst>
+              <a:ext uri="{FF2B5EF4-FFF2-40B4-BE49-F238E27FC236}">
+                <a16:creationId xmlns:a16="http://schemas.microsoft.com/office/drawing/2014/main" id="{E2DD208B-9ED1-4F23-8A84-898A59AFE327}"/>
+              </a:ext>
+            </a:extLst>
+          </p:cNvPr>
+          <p:cNvSpPr/>
+          <p:nvPr/>
+        </p:nvSpPr>
+        <p:spPr>
+          <a:xfrm rot="20959425">
+            <a:off x="3959243" y="2748942"/>
+            <a:ext cx="2888975" cy="1615051"/>
+          </a:xfrm>
+          <a:prstGeom prst="triangle">
+            <a:avLst/>
+          </a:prstGeom>
+          <a:solidFill>
+            <a:schemeClr val="bg2">
+              <a:lumMod val="90000"/>
+            </a:schemeClr>
+          </a:solidFill>
+        </p:spPr>
+        <p:style>
+          <a:lnRef idx="2">
+            <a:schemeClr val="accent1">
+              <a:shade val="50000"/>
+            </a:schemeClr>
+          </a:lnRef>
+          <a:fillRef idx="1">
+            <a:schemeClr val="accent1"/>
+          </a:fillRef>
+          <a:effectRef idx="0">
+            <a:schemeClr val="accent1"/>
+          </a:effectRef>
+          <a:fontRef idx="minor">
+            <a:schemeClr val="lt1"/>
+          </a:fontRef>
+        </p:style>
+        <p:txBody>
+          <a:bodyPr rtlCol="0" anchor="ctr"/>
+          <a:lstStyle/>
+          <a:p>
+            <a:pPr algn="ctr"/>
+            <a:endParaRPr lang="en-US" dirty="0"/>
+          </a:p>
+        </p:txBody>
+      </p:sp>
+      <p:sp>
+        <p:nvSpPr>
+          <p:cNvPr id="4" name="Oval 3">
+            <a:extLst>
+              <a:ext uri="{FF2B5EF4-FFF2-40B4-BE49-F238E27FC236}">
+                <a16:creationId xmlns:a16="http://schemas.microsoft.com/office/drawing/2014/main" id="{314600A2-A1FF-492F-8609-34CAF5859A52}"/>
+              </a:ext>
+            </a:extLst>
+          </p:cNvPr>
+          <p:cNvSpPr/>
+          <p:nvPr/>
+        </p:nvSpPr>
+        <p:spPr>
+          <a:xfrm>
+            <a:off x="3561347" y="4050632"/>
+            <a:ext cx="1130968" cy="1130968"/>
+          </a:xfrm>
+          <a:prstGeom prst="ellipse">
+            <a:avLst/>
+          </a:prstGeom>
+        </p:spPr>
+        <p:style>
+          <a:lnRef idx="2">
+            <a:schemeClr val="accent1">
+              <a:shade val="50000"/>
+            </a:schemeClr>
+          </a:lnRef>
+          <a:fillRef idx="1">
+            <a:schemeClr val="accent1"/>
+          </a:fillRef>
+          <a:effectRef idx="0">
+            <a:schemeClr val="accent1"/>
+          </a:effectRef>
+          <a:fontRef idx="minor">
+            <a:schemeClr val="lt1"/>
+          </a:fontRef>
+        </p:style>
+        <p:txBody>
+          <a:bodyPr rtlCol="0" anchor="ctr"/>
+          <a:lstStyle/>
+          <a:p>
+            <a:pPr algn="ctr"/>
+            <a:endParaRPr lang="en-US"/>
+          </a:p>
+        </p:txBody>
+      </p:sp>
+      <p:sp>
+        <p:nvSpPr>
+          <p:cNvPr id="5" name="Oval 4">
+            <a:extLst>
+              <a:ext uri="{FF2B5EF4-FFF2-40B4-BE49-F238E27FC236}">
+                <a16:creationId xmlns:a16="http://schemas.microsoft.com/office/drawing/2014/main" id="{ED83B1C8-4E8A-443E-8022-B13B8E29A4AE}"/>
+              </a:ext>
+            </a:extLst>
+          </p:cNvPr>
+          <p:cNvSpPr/>
+          <p:nvPr/>
+        </p:nvSpPr>
+        <p:spPr>
+          <a:xfrm>
+            <a:off x="6406819" y="3513723"/>
+            <a:ext cx="1130968" cy="1130968"/>
+          </a:xfrm>
+          <a:prstGeom prst="ellipse">
+            <a:avLst/>
+          </a:prstGeom>
+        </p:spPr>
+        <p:style>
+          <a:lnRef idx="2">
+            <a:schemeClr val="accent1">
+              <a:shade val="50000"/>
+            </a:schemeClr>
+          </a:lnRef>
+          <a:fillRef idx="1">
+            <a:schemeClr val="accent1"/>
+          </a:fillRef>
+          <a:effectRef idx="0">
+            <a:schemeClr val="accent1"/>
+          </a:effectRef>
+          <a:fontRef idx="minor">
+            <a:schemeClr val="lt1"/>
+          </a:fontRef>
+        </p:style>
+        <p:txBody>
+          <a:bodyPr rtlCol="0" anchor="ctr"/>
+          <a:lstStyle/>
+          <a:p>
+            <a:pPr algn="ctr"/>
+            <a:endParaRPr lang="en-US"/>
+          </a:p>
+        </p:txBody>
+      </p:sp>
+      <p:cxnSp>
+        <p:nvCxnSpPr>
+          <p:cNvPr id="8" name="Straight Connector 7">
+            <a:extLst>
+              <a:ext uri="{FF2B5EF4-FFF2-40B4-BE49-F238E27FC236}">
+                <a16:creationId xmlns:a16="http://schemas.microsoft.com/office/drawing/2014/main" id="{5E9B6128-A755-4014-AD0B-AF4BCF9C3590}"/>
+              </a:ext>
+            </a:extLst>
+          </p:cNvPr>
+          <p:cNvCxnSpPr>
+            <a:cxnSpLocks/>
+          </p:cNvCxnSpPr>
+          <p:nvPr/>
+        </p:nvCxnSpPr>
+        <p:spPr>
+          <a:xfrm flipV="1">
+            <a:off x="3617494" y="4291265"/>
+            <a:ext cx="1620253" cy="1668378"/>
+          </a:xfrm>
+          <a:prstGeom prst="line">
+            <a:avLst/>
+          </a:prstGeom>
+        </p:spPr>
+        <p:style>
+          <a:lnRef idx="1">
+            <a:schemeClr val="accent1"/>
+          </a:lnRef>
+          <a:fillRef idx="0">
+            <a:schemeClr val="accent1"/>
+          </a:fillRef>
+          <a:effectRef idx="0">
+            <a:schemeClr val="accent1"/>
+          </a:effectRef>
+          <a:fontRef idx="minor">
+            <a:schemeClr val="tx1"/>
+          </a:fontRef>
+        </p:style>
+      </p:cxnSp>
+      <p:cxnSp>
+        <p:nvCxnSpPr>
+          <p:cNvPr id="11" name="Straight Connector 10">
+            <a:extLst>
+              <a:ext uri="{FF2B5EF4-FFF2-40B4-BE49-F238E27FC236}">
+                <a16:creationId xmlns:a16="http://schemas.microsoft.com/office/drawing/2014/main" id="{A4B179D8-2EB4-4B0C-AA1F-00B1C3644A3D}"/>
+              </a:ext>
+            </a:extLst>
+          </p:cNvPr>
+          <p:cNvCxnSpPr>
+            <a:cxnSpLocks/>
+          </p:cNvCxnSpPr>
+          <p:nvPr/>
+        </p:nvCxnSpPr>
+        <p:spPr>
+          <a:xfrm flipV="1">
+            <a:off x="6825329" y="3541797"/>
+            <a:ext cx="1155028" cy="1860884"/>
+          </a:xfrm>
+          <a:prstGeom prst="line">
+            <a:avLst/>
+          </a:prstGeom>
+        </p:spPr>
+        <p:style>
+          <a:lnRef idx="1">
+            <a:schemeClr val="accent1"/>
+          </a:lnRef>
+          <a:fillRef idx="0">
+            <a:schemeClr val="accent1"/>
+          </a:fillRef>
+          <a:effectRef idx="0">
+            <a:schemeClr val="accent1"/>
+          </a:effectRef>
+          <a:fontRef idx="minor">
+            <a:schemeClr val="tx1"/>
+          </a:fontRef>
+        </p:style>
+      </p:cxnSp>
+      <p:sp>
+        <p:nvSpPr>
+          <p:cNvPr id="14" name="Oval 13">
+            <a:extLst>
+              <a:ext uri="{FF2B5EF4-FFF2-40B4-BE49-F238E27FC236}">
+                <a16:creationId xmlns:a16="http://schemas.microsoft.com/office/drawing/2014/main" id="{A3FB30E0-CD29-4C5E-B40F-8C0976CAE2BB}"/>
+              </a:ext>
+            </a:extLst>
+          </p:cNvPr>
+          <p:cNvSpPr/>
+          <p:nvPr/>
+        </p:nvSpPr>
+        <p:spPr>
+          <a:xfrm>
+            <a:off x="4050631" y="4547937"/>
+            <a:ext cx="152400" cy="136358"/>
+          </a:xfrm>
+          <a:prstGeom prst="ellipse">
+            <a:avLst/>
+          </a:prstGeom>
+          <a:solidFill>
+            <a:srgbClr val="FF0000"/>
+          </a:solidFill>
+          <a:ln>
+            <a:solidFill>
+              <a:srgbClr val="FF0000"/>
+            </a:solidFill>
+          </a:ln>
+        </p:spPr>
+        <p:style>
+          <a:lnRef idx="2">
+            <a:schemeClr val="accent1">
+              <a:shade val="50000"/>
+            </a:schemeClr>
+          </a:lnRef>
+          <a:fillRef idx="1">
+            <a:schemeClr val="accent1"/>
+          </a:fillRef>
+          <a:effectRef idx="0">
+            <a:schemeClr val="accent1"/>
+          </a:effectRef>
+          <a:fontRef idx="minor">
+            <a:schemeClr val="lt1"/>
+          </a:fontRef>
+        </p:style>
+        <p:txBody>
+          <a:bodyPr rtlCol="0" anchor="ctr"/>
+          <a:lstStyle/>
+          <a:p>
+            <a:pPr algn="ctr"/>
+            <a:endParaRPr lang="en-US"/>
+          </a:p>
+        </p:txBody>
+      </p:sp>
+      <p:sp>
+        <p:nvSpPr>
+          <p:cNvPr id="15" name="Oval 14">
+            <a:extLst>
+              <a:ext uri="{FF2B5EF4-FFF2-40B4-BE49-F238E27FC236}">
+                <a16:creationId xmlns:a16="http://schemas.microsoft.com/office/drawing/2014/main" id="{4E009318-9624-43B1-AA16-858CE5B68F3B}"/>
+              </a:ext>
+            </a:extLst>
+          </p:cNvPr>
+          <p:cNvSpPr/>
+          <p:nvPr/>
+        </p:nvSpPr>
+        <p:spPr>
+          <a:xfrm>
+            <a:off x="6896103" y="4011028"/>
+            <a:ext cx="152400" cy="136358"/>
+          </a:xfrm>
+          <a:prstGeom prst="ellipse">
+            <a:avLst/>
+          </a:prstGeom>
+          <a:solidFill>
+            <a:srgbClr val="FF0000"/>
+          </a:solidFill>
+          <a:ln>
+            <a:solidFill>
+              <a:srgbClr val="FF0000"/>
+            </a:solidFill>
+          </a:ln>
+        </p:spPr>
+        <p:style>
+          <a:lnRef idx="2">
+            <a:schemeClr val="accent1">
+              <a:shade val="50000"/>
+            </a:schemeClr>
+          </a:lnRef>
+          <a:fillRef idx="1">
+            <a:schemeClr val="accent1"/>
+          </a:fillRef>
+          <a:effectRef idx="0">
+            <a:schemeClr val="accent1"/>
+          </a:effectRef>
+          <a:fontRef idx="minor">
+            <a:schemeClr val="lt1"/>
+          </a:fontRef>
+        </p:style>
+        <p:txBody>
+          <a:bodyPr rtlCol="0" anchor="ctr"/>
+          <a:lstStyle/>
+          <a:p>
+            <a:pPr algn="ctr"/>
+            <a:endParaRPr lang="en-US"/>
+          </a:p>
+        </p:txBody>
+      </p:sp>
+      <p:cxnSp>
+        <p:nvCxnSpPr>
+          <p:cNvPr id="3" name="Straight Arrow Connector 2">
+            <a:extLst>
+              <a:ext uri="{FF2B5EF4-FFF2-40B4-BE49-F238E27FC236}">
+                <a16:creationId xmlns:a16="http://schemas.microsoft.com/office/drawing/2014/main" id="{F9313A95-B019-4CB3-A8E6-D58B2F6C8B42}"/>
+              </a:ext>
+            </a:extLst>
+          </p:cNvPr>
+          <p:cNvCxnSpPr>
+            <a:cxnSpLocks/>
+          </p:cNvCxnSpPr>
+          <p:nvPr/>
+        </p:nvCxnSpPr>
+        <p:spPr>
+          <a:xfrm flipV="1">
+            <a:off x="4126831" y="3764298"/>
+            <a:ext cx="847969" cy="853322"/>
+          </a:xfrm>
+          <a:prstGeom prst="straightConnector1">
+            <a:avLst/>
+          </a:prstGeom>
+          <a:ln w="50800">
+            <a:solidFill>
+              <a:schemeClr val="accent6">
+                <a:lumMod val="75000"/>
+              </a:schemeClr>
+            </a:solidFill>
+            <a:tailEnd type="triangle"/>
+          </a:ln>
+        </p:spPr>
+        <p:style>
+          <a:lnRef idx="1">
+            <a:schemeClr val="accent1"/>
+          </a:lnRef>
+          <a:fillRef idx="0">
+            <a:schemeClr val="accent1"/>
+          </a:fillRef>
+          <a:effectRef idx="0">
+            <a:schemeClr val="accent1"/>
+          </a:effectRef>
+          <a:fontRef idx="minor">
+            <a:schemeClr val="tx1"/>
+          </a:fontRef>
+        </p:style>
+      </p:cxnSp>
+      <p:sp>
+        <p:nvSpPr>
+          <p:cNvPr id="10" name="TextBox 9">
+            <a:extLst>
+              <a:ext uri="{FF2B5EF4-FFF2-40B4-BE49-F238E27FC236}">
+                <a16:creationId xmlns:a16="http://schemas.microsoft.com/office/drawing/2014/main" id="{451C141E-2478-496A-A547-8D9C4BB155C0}"/>
+              </a:ext>
+            </a:extLst>
+          </p:cNvPr>
+          <p:cNvSpPr txBox="1"/>
+          <p:nvPr/>
+        </p:nvSpPr>
+        <p:spPr>
+          <a:xfrm>
+            <a:off x="5237747" y="661640"/>
+            <a:ext cx="6653232" cy="646331"/>
+          </a:xfrm>
+          <a:prstGeom prst="rect">
+            <a:avLst/>
+          </a:prstGeom>
+          <a:noFill/>
+        </p:spPr>
+        <p:txBody>
+          <a:bodyPr wrap="none" rtlCol="0">
+            <a:spAutoFit/>
+          </a:bodyPr>
+          <a:lstStyle/>
+          <a:p>
+            <a:r>
+              <a:rPr lang="en-US" dirty="0"/>
+              <a:t>The traction force from the wheel is applied to the axle</a:t>
+            </a:r>
+          </a:p>
+          <a:p>
+            <a:r>
+              <a:rPr lang="en-US" dirty="0"/>
+              <a:t>Parallel to the ground at the contact patch (positive </a:t>
+            </a:r>
+            <a:r>
+              <a:rPr lang="en-US" dirty="0" err="1"/>
+              <a:t>Xalpha</a:t>
+            </a:r>
+            <a:r>
+              <a:rPr lang="en-US" dirty="0"/>
+              <a:t> direction)</a:t>
+            </a:r>
+          </a:p>
+        </p:txBody>
+      </p:sp>
+      <p:sp>
+        <p:nvSpPr>
+          <p:cNvPr id="16" name="Oval 15">
+            <a:extLst>
+              <a:ext uri="{FF2B5EF4-FFF2-40B4-BE49-F238E27FC236}">
+                <a16:creationId xmlns:a16="http://schemas.microsoft.com/office/drawing/2014/main" id="{6E7BCEC9-ACB6-46AF-B3B0-F06B74D4EF18}"/>
+              </a:ext>
+            </a:extLst>
+          </p:cNvPr>
+          <p:cNvSpPr/>
+          <p:nvPr/>
+        </p:nvSpPr>
+        <p:spPr>
+          <a:xfrm>
+            <a:off x="5320967" y="3609975"/>
+            <a:ext cx="152400" cy="152400"/>
+          </a:xfrm>
+          <a:prstGeom prst="ellipse">
+            <a:avLst/>
+          </a:prstGeom>
+          <a:solidFill>
+            <a:schemeClr val="accent1">
+              <a:lumMod val="60000"/>
+              <a:lumOff val="40000"/>
+            </a:schemeClr>
+          </a:solidFill>
+        </p:spPr>
+        <p:style>
+          <a:lnRef idx="2">
+            <a:schemeClr val="accent1">
+              <a:shade val="50000"/>
+            </a:schemeClr>
+          </a:lnRef>
+          <a:fillRef idx="1">
+            <a:schemeClr val="accent1"/>
+          </a:fillRef>
+          <a:effectRef idx="0">
+            <a:schemeClr val="accent1"/>
+          </a:effectRef>
+          <a:fontRef idx="minor">
+            <a:schemeClr val="lt1"/>
+          </a:fontRef>
+        </p:style>
+        <p:txBody>
+          <a:bodyPr rtlCol="0" anchor="ctr"/>
+          <a:lstStyle/>
+          <a:p>
+            <a:pPr algn="ctr"/>
+            <a:endParaRPr lang="en-US"/>
+          </a:p>
+        </p:txBody>
+      </p:sp>
+      <p:sp>
+        <p:nvSpPr>
+          <p:cNvPr id="2" name="TextBox 1">
+            <a:extLst>
+              <a:ext uri="{FF2B5EF4-FFF2-40B4-BE49-F238E27FC236}">
+                <a16:creationId xmlns:a16="http://schemas.microsoft.com/office/drawing/2014/main" id="{A5672370-AAD3-7B48-97F5-D960A7430A5F}"/>
+              </a:ext>
+            </a:extLst>
+          </p:cNvPr>
+          <p:cNvSpPr txBox="1"/>
+          <p:nvPr/>
+        </p:nvSpPr>
+        <p:spPr>
+          <a:xfrm>
+            <a:off x="4778925" y="3879388"/>
+            <a:ext cx="301686" cy="369332"/>
+          </a:xfrm>
+          <a:prstGeom prst="rect">
+            <a:avLst/>
+          </a:prstGeom>
+          <a:noFill/>
+        </p:spPr>
+        <p:txBody>
+          <a:bodyPr wrap="none" rtlCol="0">
+            <a:spAutoFit/>
+          </a:bodyPr>
+          <a:lstStyle/>
+          <a:p>
+            <a:r>
+              <a:rPr lang="en-US" dirty="0"/>
+              <a:t>1</a:t>
+            </a:r>
+          </a:p>
+        </p:txBody>
+      </p:sp>
+      <p:sp>
+        <p:nvSpPr>
+          <p:cNvPr id="6" name="TextBox 5">
+            <a:extLst>
+              <a:ext uri="{FF2B5EF4-FFF2-40B4-BE49-F238E27FC236}">
+                <a16:creationId xmlns:a16="http://schemas.microsoft.com/office/drawing/2014/main" id="{1A46242E-54C8-8C4C-AD0E-020FACD6EACA}"/>
+              </a:ext>
+            </a:extLst>
+          </p:cNvPr>
+          <p:cNvSpPr txBox="1"/>
+          <p:nvPr/>
+        </p:nvSpPr>
+        <p:spPr>
+          <a:xfrm>
+            <a:off x="428017" y="846306"/>
+            <a:ext cx="4014753" cy="923330"/>
+          </a:xfrm>
+          <a:prstGeom prst="rect">
+            <a:avLst/>
+          </a:prstGeom>
+          <a:noFill/>
+        </p:spPr>
+        <p:txBody>
+          <a:bodyPr wrap="none" rtlCol="0">
+            <a:spAutoFit/>
+          </a:bodyPr>
+          <a:lstStyle/>
+          <a:p>
+            <a:r>
+              <a:rPr lang="en-US" dirty="0"/>
+              <a:t>1 = </a:t>
+            </a:r>
+            <a:r>
+              <a:rPr lang="en-US" dirty="0" err="1"/>
+              <a:t>Fout</a:t>
+            </a:r>
+            <a:r>
+              <a:rPr lang="en-US" dirty="0"/>
+              <a:t>.  (along the positive </a:t>
+            </a:r>
+            <a:r>
+              <a:rPr lang="en-US" dirty="0" err="1"/>
+              <a:t>Xalpha</a:t>
+            </a:r>
+            <a:r>
+              <a:rPr lang="en-US" dirty="0"/>
+              <a:t> axis)</a:t>
+            </a:r>
+          </a:p>
+          <a:p>
+            <a:r>
+              <a:rPr lang="en-US" dirty="0"/>
+              <a:t>2 = </a:t>
+            </a:r>
+            <a:r>
+              <a:rPr lang="en-US" dirty="0" err="1"/>
+              <a:t>Fwr</a:t>
+            </a:r>
+            <a:r>
+              <a:rPr lang="en-US" dirty="0"/>
+              <a:t> 	(along the negative Y axis</a:t>
+            </a:r>
+          </a:p>
+          <a:p>
+            <a:r>
+              <a:rPr lang="en-US" dirty="0"/>
+              <a:t>3 = </a:t>
+            </a:r>
+            <a:r>
+              <a:rPr lang="en-US" dirty="0" err="1"/>
+              <a:t>Fwf</a:t>
+            </a:r>
+            <a:r>
+              <a:rPr lang="en-US" dirty="0"/>
+              <a:t>    (along the negative Y axis</a:t>
+            </a:r>
+          </a:p>
+        </p:txBody>
+      </p:sp>
+      <p:cxnSp>
+        <p:nvCxnSpPr>
+          <p:cNvPr id="17" name="Straight Arrow Connector 16">
+            <a:extLst>
+              <a:ext uri="{FF2B5EF4-FFF2-40B4-BE49-F238E27FC236}">
+                <a16:creationId xmlns:a16="http://schemas.microsoft.com/office/drawing/2014/main" id="{5D80920B-3102-884B-82BD-7BB4482CDB45}"/>
+              </a:ext>
+            </a:extLst>
+          </p:cNvPr>
+          <p:cNvCxnSpPr>
+            <a:cxnSpLocks/>
+          </p:cNvCxnSpPr>
+          <p:nvPr/>
+        </p:nvCxnSpPr>
+        <p:spPr>
+          <a:xfrm>
+            <a:off x="4137932" y="4616116"/>
+            <a:ext cx="10455" cy="991470"/>
+          </a:xfrm>
+          <a:prstGeom prst="straightConnector1">
+            <a:avLst/>
+          </a:prstGeom>
+          <a:ln w="53975">
+            <a:solidFill>
+              <a:schemeClr val="accent6">
+                <a:lumMod val="60000"/>
+                <a:lumOff val="40000"/>
+              </a:schemeClr>
+            </a:solidFill>
+            <a:tailEnd type="triangle"/>
+          </a:ln>
+        </p:spPr>
+        <p:style>
+          <a:lnRef idx="1">
+            <a:schemeClr val="accent1"/>
+          </a:lnRef>
+          <a:fillRef idx="0">
+            <a:schemeClr val="accent1"/>
+          </a:fillRef>
+          <a:effectRef idx="0">
+            <a:schemeClr val="accent1"/>
+          </a:effectRef>
+          <a:fontRef idx="minor">
+            <a:schemeClr val="tx1"/>
+          </a:fontRef>
+        </p:style>
+      </p:cxnSp>
+      <p:cxnSp>
+        <p:nvCxnSpPr>
+          <p:cNvPr id="18" name="Straight Arrow Connector 17">
+            <a:extLst>
+              <a:ext uri="{FF2B5EF4-FFF2-40B4-BE49-F238E27FC236}">
+                <a16:creationId xmlns:a16="http://schemas.microsoft.com/office/drawing/2014/main" id="{5AA50058-B8CA-A146-B1FC-BA692D3FF007}"/>
+              </a:ext>
+            </a:extLst>
+          </p:cNvPr>
+          <p:cNvCxnSpPr>
+            <a:cxnSpLocks/>
+          </p:cNvCxnSpPr>
+          <p:nvPr/>
+        </p:nvCxnSpPr>
+        <p:spPr>
+          <a:xfrm>
+            <a:off x="6971370" y="4085091"/>
+            <a:ext cx="6745" cy="559600"/>
+          </a:xfrm>
+          <a:prstGeom prst="straightConnector1">
+            <a:avLst/>
+          </a:prstGeom>
+          <a:ln w="53975">
+            <a:solidFill>
+              <a:schemeClr val="accent6">
+                <a:lumMod val="60000"/>
+                <a:lumOff val="40000"/>
+              </a:schemeClr>
+            </a:solidFill>
+            <a:tailEnd type="triangle"/>
+          </a:ln>
+        </p:spPr>
+        <p:style>
+          <a:lnRef idx="1">
+            <a:schemeClr val="accent1"/>
+          </a:lnRef>
+          <a:fillRef idx="0">
+            <a:schemeClr val="accent1"/>
+          </a:fillRef>
+          <a:effectRef idx="0">
+            <a:schemeClr val="accent1"/>
+          </a:effectRef>
+          <a:fontRef idx="minor">
+            <a:schemeClr val="tx1"/>
+          </a:fontRef>
+        </p:style>
+      </p:cxnSp>
+      <p:sp>
+        <p:nvSpPr>
+          <p:cNvPr id="19" name="TextBox 18">
+            <a:extLst>
+              <a:ext uri="{FF2B5EF4-FFF2-40B4-BE49-F238E27FC236}">
+                <a16:creationId xmlns:a16="http://schemas.microsoft.com/office/drawing/2014/main" id="{0194D5DA-4A91-B14D-B251-0455BD210213}"/>
+              </a:ext>
+            </a:extLst>
+          </p:cNvPr>
+          <p:cNvSpPr txBox="1"/>
+          <p:nvPr/>
+        </p:nvSpPr>
+        <p:spPr>
+          <a:xfrm>
+            <a:off x="4269508" y="5385955"/>
+            <a:ext cx="301686" cy="369332"/>
+          </a:xfrm>
+          <a:prstGeom prst="rect">
+            <a:avLst/>
+          </a:prstGeom>
+          <a:noFill/>
+        </p:spPr>
+        <p:txBody>
+          <a:bodyPr wrap="none" rtlCol="0">
+            <a:spAutoFit/>
+          </a:bodyPr>
+          <a:lstStyle/>
+          <a:p>
+            <a:r>
+              <a:rPr lang="en-US" dirty="0"/>
+              <a:t>2</a:t>
+            </a:r>
+          </a:p>
+        </p:txBody>
+      </p:sp>
+      <p:sp>
+        <p:nvSpPr>
+          <p:cNvPr id="20" name="TextBox 19">
+            <a:extLst>
+              <a:ext uri="{FF2B5EF4-FFF2-40B4-BE49-F238E27FC236}">
+                <a16:creationId xmlns:a16="http://schemas.microsoft.com/office/drawing/2014/main" id="{132B0433-627E-B746-8CE9-1D2943B39C8E}"/>
+              </a:ext>
+            </a:extLst>
+          </p:cNvPr>
+          <p:cNvSpPr txBox="1"/>
+          <p:nvPr/>
+        </p:nvSpPr>
+        <p:spPr>
+          <a:xfrm>
+            <a:off x="6644084" y="4672525"/>
+            <a:ext cx="301686" cy="369332"/>
+          </a:xfrm>
+          <a:prstGeom prst="rect">
+            <a:avLst/>
+          </a:prstGeom>
+          <a:noFill/>
+        </p:spPr>
+        <p:txBody>
+          <a:bodyPr wrap="none" rtlCol="0">
+            <a:spAutoFit/>
+          </a:bodyPr>
+          <a:lstStyle/>
+          <a:p>
+            <a:r>
+              <a:rPr lang="en-US" dirty="0"/>
+              <a:t>3</a:t>
+            </a:r>
+          </a:p>
+        </p:txBody>
+      </p:sp>
+    </p:spTree>
+    <p:extLst>
+      <p:ext uri="{BB962C8B-B14F-4D97-AF65-F5344CB8AC3E}">
+        <p14:creationId xmlns:p14="http://schemas.microsoft.com/office/powerpoint/2010/main" val="1071421982"/>
+      </p:ext>
+    </p:extLst>
+  </p:cSld>
+  <p:clrMapOvr>
+    <a:masterClrMapping/>
+  </p:clrMapOvr>
+</p:sld>
+</file>
+
+<file path=ppt/slides/slide23.xml><?xml version="1.0" encoding="utf-8"?>
+<p:sld xmlns:a="http://schemas.openxmlformats.org/drawingml/2006/main" xmlns:r="http://schemas.openxmlformats.org/officeDocument/2006/relationships" xmlns:p="http://schemas.openxmlformats.org/presentationml/2006/main">
+  <p:cSld>
+    <p:spTree>
+      <p:nvGrpSpPr>
+        <p:cNvPr id="1" name=""/>
+        <p:cNvGrpSpPr/>
+        <p:nvPr/>
+      </p:nvGrpSpPr>
+      <p:grpSpPr>
+        <a:xfrm>
+          <a:off x="0" y="0"/>
+          <a:ext cx="0" cy="0"/>
+          <a:chOff x="0" y="0"/>
+          <a:chExt cx="0" cy="0"/>
+        </a:xfrm>
+      </p:grpSpPr>
+      <p:sp>
+        <p:nvSpPr>
+          <p:cNvPr id="21" name="Isosceles Triangle 20">
+            <a:extLst>
+              <a:ext uri="{FF2B5EF4-FFF2-40B4-BE49-F238E27FC236}">
+                <a16:creationId xmlns:a16="http://schemas.microsoft.com/office/drawing/2014/main" id="{E2DD208B-9ED1-4F23-8A84-898A59AFE327}"/>
+              </a:ext>
+            </a:extLst>
+          </p:cNvPr>
+          <p:cNvSpPr/>
+          <p:nvPr/>
+        </p:nvSpPr>
+        <p:spPr>
+          <a:xfrm rot="20959425">
+            <a:off x="3959243" y="2748942"/>
+            <a:ext cx="2888975" cy="1615051"/>
+          </a:xfrm>
+          <a:prstGeom prst="triangle">
+            <a:avLst/>
+          </a:prstGeom>
+          <a:solidFill>
+            <a:schemeClr val="bg2">
+              <a:lumMod val="90000"/>
+            </a:schemeClr>
+          </a:solidFill>
+        </p:spPr>
+        <p:style>
+          <a:lnRef idx="2">
+            <a:schemeClr val="accent1">
+              <a:shade val="50000"/>
+            </a:schemeClr>
+          </a:lnRef>
+          <a:fillRef idx="1">
+            <a:schemeClr val="accent1"/>
+          </a:fillRef>
+          <a:effectRef idx="0">
+            <a:schemeClr val="accent1"/>
+          </a:effectRef>
+          <a:fontRef idx="minor">
+            <a:schemeClr val="lt1"/>
+          </a:fontRef>
+        </p:style>
+        <p:txBody>
+          <a:bodyPr rtlCol="0" anchor="ctr"/>
+          <a:lstStyle/>
+          <a:p>
+            <a:pPr algn="ctr"/>
+            <a:endParaRPr lang="en-US" dirty="0"/>
+          </a:p>
+        </p:txBody>
+      </p:sp>
+      <p:sp>
+        <p:nvSpPr>
+          <p:cNvPr id="4" name="Oval 3">
+            <a:extLst>
+              <a:ext uri="{FF2B5EF4-FFF2-40B4-BE49-F238E27FC236}">
+                <a16:creationId xmlns:a16="http://schemas.microsoft.com/office/drawing/2014/main" id="{314600A2-A1FF-492F-8609-34CAF5859A52}"/>
+              </a:ext>
+            </a:extLst>
+          </p:cNvPr>
+          <p:cNvSpPr/>
+          <p:nvPr/>
+        </p:nvSpPr>
+        <p:spPr>
+          <a:xfrm>
+            <a:off x="3561347" y="4050632"/>
+            <a:ext cx="1130968" cy="1130968"/>
+          </a:xfrm>
+          <a:prstGeom prst="ellipse">
+            <a:avLst/>
+          </a:prstGeom>
+        </p:spPr>
+        <p:style>
+          <a:lnRef idx="2">
+            <a:schemeClr val="accent1">
+              <a:shade val="50000"/>
+            </a:schemeClr>
+          </a:lnRef>
+          <a:fillRef idx="1">
+            <a:schemeClr val="accent1"/>
+          </a:fillRef>
+          <a:effectRef idx="0">
+            <a:schemeClr val="accent1"/>
+          </a:effectRef>
+          <a:fontRef idx="minor">
+            <a:schemeClr val="lt1"/>
+          </a:fontRef>
+        </p:style>
+        <p:txBody>
+          <a:bodyPr rtlCol="0" anchor="ctr"/>
+          <a:lstStyle/>
+          <a:p>
+            <a:pPr algn="ctr"/>
+            <a:endParaRPr lang="en-US"/>
+          </a:p>
+        </p:txBody>
+      </p:sp>
+      <p:sp>
+        <p:nvSpPr>
+          <p:cNvPr id="5" name="Oval 4">
+            <a:extLst>
+              <a:ext uri="{FF2B5EF4-FFF2-40B4-BE49-F238E27FC236}">
+                <a16:creationId xmlns:a16="http://schemas.microsoft.com/office/drawing/2014/main" id="{ED83B1C8-4E8A-443E-8022-B13B8E29A4AE}"/>
+              </a:ext>
+            </a:extLst>
+          </p:cNvPr>
+          <p:cNvSpPr/>
+          <p:nvPr/>
+        </p:nvSpPr>
+        <p:spPr>
+          <a:xfrm>
+            <a:off x="6406819" y="3513723"/>
+            <a:ext cx="1130968" cy="1130968"/>
+          </a:xfrm>
+          <a:prstGeom prst="ellipse">
+            <a:avLst/>
+          </a:prstGeom>
+        </p:spPr>
+        <p:style>
+          <a:lnRef idx="2">
+            <a:schemeClr val="accent1">
+              <a:shade val="50000"/>
+            </a:schemeClr>
+          </a:lnRef>
+          <a:fillRef idx="1">
+            <a:schemeClr val="accent1"/>
+          </a:fillRef>
+          <a:effectRef idx="0">
+            <a:schemeClr val="accent1"/>
+          </a:effectRef>
+          <a:fontRef idx="minor">
+            <a:schemeClr val="lt1"/>
+          </a:fontRef>
+        </p:style>
+        <p:txBody>
+          <a:bodyPr rtlCol="0" anchor="ctr"/>
+          <a:lstStyle/>
+          <a:p>
+            <a:pPr algn="ctr"/>
+            <a:endParaRPr lang="en-US"/>
+          </a:p>
+        </p:txBody>
+      </p:sp>
+      <p:cxnSp>
+        <p:nvCxnSpPr>
+          <p:cNvPr id="8" name="Straight Connector 7">
+            <a:extLst>
+              <a:ext uri="{FF2B5EF4-FFF2-40B4-BE49-F238E27FC236}">
+                <a16:creationId xmlns:a16="http://schemas.microsoft.com/office/drawing/2014/main" id="{5E9B6128-A755-4014-AD0B-AF4BCF9C3590}"/>
+              </a:ext>
+            </a:extLst>
+          </p:cNvPr>
+          <p:cNvCxnSpPr>
+            <a:cxnSpLocks/>
+          </p:cNvCxnSpPr>
+          <p:nvPr/>
+        </p:nvCxnSpPr>
+        <p:spPr>
+          <a:xfrm flipV="1">
+            <a:off x="3617494" y="4291265"/>
+            <a:ext cx="1620253" cy="1668378"/>
+          </a:xfrm>
+          <a:prstGeom prst="line">
+            <a:avLst/>
+          </a:prstGeom>
+        </p:spPr>
+        <p:style>
+          <a:lnRef idx="1">
+            <a:schemeClr val="accent1"/>
+          </a:lnRef>
+          <a:fillRef idx="0">
+            <a:schemeClr val="accent1"/>
+          </a:fillRef>
+          <a:effectRef idx="0">
+            <a:schemeClr val="accent1"/>
+          </a:effectRef>
+          <a:fontRef idx="minor">
+            <a:schemeClr val="tx1"/>
+          </a:fontRef>
+        </p:style>
+      </p:cxnSp>
+      <p:cxnSp>
+        <p:nvCxnSpPr>
+          <p:cNvPr id="11" name="Straight Connector 10">
+            <a:extLst>
+              <a:ext uri="{FF2B5EF4-FFF2-40B4-BE49-F238E27FC236}">
+                <a16:creationId xmlns:a16="http://schemas.microsoft.com/office/drawing/2014/main" id="{A4B179D8-2EB4-4B0C-AA1F-00B1C3644A3D}"/>
+              </a:ext>
+            </a:extLst>
+          </p:cNvPr>
+          <p:cNvCxnSpPr>
+            <a:cxnSpLocks/>
+          </p:cNvCxnSpPr>
+          <p:nvPr/>
+        </p:nvCxnSpPr>
+        <p:spPr>
+          <a:xfrm flipV="1">
+            <a:off x="6825329" y="3541797"/>
+            <a:ext cx="1155028" cy="1860884"/>
+          </a:xfrm>
+          <a:prstGeom prst="line">
+            <a:avLst/>
+          </a:prstGeom>
+        </p:spPr>
+        <p:style>
+          <a:lnRef idx="1">
+            <a:schemeClr val="accent1"/>
+          </a:lnRef>
+          <a:fillRef idx="0">
+            <a:schemeClr val="accent1"/>
+          </a:fillRef>
+          <a:effectRef idx="0">
+            <a:schemeClr val="accent1"/>
+          </a:effectRef>
+          <a:fontRef idx="minor">
+            <a:schemeClr val="tx1"/>
+          </a:fontRef>
+        </p:style>
+      </p:cxnSp>
+      <p:sp>
+        <p:nvSpPr>
+          <p:cNvPr id="14" name="Oval 13">
+            <a:extLst>
+              <a:ext uri="{FF2B5EF4-FFF2-40B4-BE49-F238E27FC236}">
+                <a16:creationId xmlns:a16="http://schemas.microsoft.com/office/drawing/2014/main" id="{A3FB30E0-CD29-4C5E-B40F-8C0976CAE2BB}"/>
+              </a:ext>
+            </a:extLst>
+          </p:cNvPr>
+          <p:cNvSpPr/>
+          <p:nvPr/>
+        </p:nvSpPr>
+        <p:spPr>
+          <a:xfrm>
+            <a:off x="4050631" y="4547937"/>
+            <a:ext cx="152400" cy="136358"/>
+          </a:xfrm>
+          <a:prstGeom prst="ellipse">
+            <a:avLst/>
+          </a:prstGeom>
+          <a:solidFill>
+            <a:srgbClr val="FF0000"/>
+          </a:solidFill>
+          <a:ln>
+            <a:solidFill>
+              <a:srgbClr val="FF0000"/>
+            </a:solidFill>
+          </a:ln>
+        </p:spPr>
+        <p:style>
+          <a:lnRef idx="2">
+            <a:schemeClr val="accent1">
+              <a:shade val="50000"/>
+            </a:schemeClr>
+          </a:lnRef>
+          <a:fillRef idx="1">
+            <a:schemeClr val="accent1"/>
+          </a:fillRef>
+          <a:effectRef idx="0">
+            <a:schemeClr val="accent1"/>
+          </a:effectRef>
+          <a:fontRef idx="minor">
+            <a:schemeClr val="lt1"/>
+          </a:fontRef>
+        </p:style>
+        <p:txBody>
+          <a:bodyPr rtlCol="0" anchor="ctr"/>
+          <a:lstStyle/>
+          <a:p>
+            <a:pPr algn="ctr"/>
+            <a:endParaRPr lang="en-US"/>
+          </a:p>
+        </p:txBody>
+      </p:sp>
+      <p:sp>
+        <p:nvSpPr>
+          <p:cNvPr id="15" name="Oval 14">
+            <a:extLst>
+              <a:ext uri="{FF2B5EF4-FFF2-40B4-BE49-F238E27FC236}">
+                <a16:creationId xmlns:a16="http://schemas.microsoft.com/office/drawing/2014/main" id="{4E009318-9624-43B1-AA16-858CE5B68F3B}"/>
+              </a:ext>
+            </a:extLst>
+          </p:cNvPr>
+          <p:cNvSpPr/>
+          <p:nvPr/>
+        </p:nvSpPr>
+        <p:spPr>
+          <a:xfrm>
+            <a:off x="6896103" y="4011028"/>
+            <a:ext cx="152400" cy="136358"/>
+          </a:xfrm>
+          <a:prstGeom prst="ellipse">
+            <a:avLst/>
+          </a:prstGeom>
+          <a:solidFill>
+            <a:srgbClr val="FF0000"/>
+          </a:solidFill>
+          <a:ln>
+            <a:solidFill>
+              <a:srgbClr val="FF0000"/>
+            </a:solidFill>
+          </a:ln>
+        </p:spPr>
+        <p:style>
+          <a:lnRef idx="2">
+            <a:schemeClr val="accent1">
+              <a:shade val="50000"/>
+            </a:schemeClr>
+          </a:lnRef>
+          <a:fillRef idx="1">
+            <a:schemeClr val="accent1"/>
+          </a:fillRef>
+          <a:effectRef idx="0">
+            <a:schemeClr val="accent1"/>
+          </a:effectRef>
+          <a:fontRef idx="minor">
+            <a:schemeClr val="lt1"/>
+          </a:fontRef>
+        </p:style>
+        <p:txBody>
+          <a:bodyPr rtlCol="0" anchor="ctr"/>
+          <a:lstStyle/>
+          <a:p>
+            <a:pPr algn="ctr"/>
+            <a:endParaRPr lang="en-US"/>
+          </a:p>
+        </p:txBody>
+      </p:sp>
+      <p:sp>
+        <p:nvSpPr>
+          <p:cNvPr id="10" name="TextBox 9">
+            <a:extLst>
+              <a:ext uri="{FF2B5EF4-FFF2-40B4-BE49-F238E27FC236}">
+                <a16:creationId xmlns:a16="http://schemas.microsoft.com/office/drawing/2014/main" id="{451C141E-2478-496A-A547-8D9C4BB155C0}"/>
+              </a:ext>
+            </a:extLst>
+          </p:cNvPr>
+          <p:cNvSpPr txBox="1"/>
+          <p:nvPr/>
+        </p:nvSpPr>
+        <p:spPr>
+          <a:xfrm>
+            <a:off x="5237747" y="661640"/>
+            <a:ext cx="6254726" cy="646331"/>
+          </a:xfrm>
+          <a:prstGeom prst="rect">
+            <a:avLst/>
+          </a:prstGeom>
+          <a:noFill/>
+        </p:spPr>
+        <p:txBody>
+          <a:bodyPr wrap="none" rtlCol="0">
+            <a:spAutoFit/>
+          </a:bodyPr>
+          <a:lstStyle/>
+          <a:p>
+            <a:r>
+              <a:rPr lang="en-US" dirty="0"/>
+              <a:t>MOVE ALL FORCE TO THE CG AND TRACK THE MOMENTS</a:t>
+            </a:r>
+          </a:p>
+          <a:p>
+            <a:r>
+              <a:rPr lang="en-US" dirty="0"/>
+              <a:t>RESOLVE ALL FORCES TO X and Y components to make this easier</a:t>
+            </a:r>
+          </a:p>
+        </p:txBody>
+      </p:sp>
+      <p:sp>
+        <p:nvSpPr>
+          <p:cNvPr id="16" name="Oval 15">
+            <a:extLst>
+              <a:ext uri="{FF2B5EF4-FFF2-40B4-BE49-F238E27FC236}">
+                <a16:creationId xmlns:a16="http://schemas.microsoft.com/office/drawing/2014/main" id="{6E7BCEC9-ACB6-46AF-B3B0-F06B74D4EF18}"/>
+              </a:ext>
+            </a:extLst>
+          </p:cNvPr>
+          <p:cNvSpPr/>
+          <p:nvPr/>
+        </p:nvSpPr>
+        <p:spPr>
+          <a:xfrm>
+            <a:off x="5320967" y="3609975"/>
+            <a:ext cx="152400" cy="152400"/>
+          </a:xfrm>
+          <a:prstGeom prst="ellipse">
+            <a:avLst/>
+          </a:prstGeom>
+          <a:solidFill>
+            <a:schemeClr val="accent1">
+              <a:lumMod val="60000"/>
+              <a:lumOff val="40000"/>
+            </a:schemeClr>
+          </a:solidFill>
+        </p:spPr>
+        <p:style>
+          <a:lnRef idx="2">
+            <a:schemeClr val="accent1">
+              <a:shade val="50000"/>
+            </a:schemeClr>
+          </a:lnRef>
+          <a:fillRef idx="1">
+            <a:schemeClr val="accent1"/>
+          </a:fillRef>
+          <a:effectRef idx="0">
+            <a:schemeClr val="accent1"/>
+          </a:effectRef>
+          <a:fontRef idx="minor">
+            <a:schemeClr val="lt1"/>
+          </a:fontRef>
+        </p:style>
+        <p:txBody>
+          <a:bodyPr rtlCol="0" anchor="ctr"/>
+          <a:lstStyle/>
+          <a:p>
+            <a:pPr algn="ctr"/>
+            <a:endParaRPr lang="en-US"/>
+          </a:p>
+        </p:txBody>
+      </p:sp>
+      <p:sp>
+        <p:nvSpPr>
+          <p:cNvPr id="6" name="TextBox 5">
+            <a:extLst>
+              <a:ext uri="{FF2B5EF4-FFF2-40B4-BE49-F238E27FC236}">
+                <a16:creationId xmlns:a16="http://schemas.microsoft.com/office/drawing/2014/main" id="{1A46242E-54C8-8C4C-AD0E-020FACD6EACA}"/>
+              </a:ext>
+            </a:extLst>
+          </p:cNvPr>
+          <p:cNvSpPr txBox="1"/>
+          <p:nvPr/>
+        </p:nvSpPr>
+        <p:spPr>
+          <a:xfrm>
+            <a:off x="428017" y="846306"/>
+            <a:ext cx="4014753" cy="923330"/>
+          </a:xfrm>
+          <a:prstGeom prst="rect">
+            <a:avLst/>
+          </a:prstGeom>
+          <a:noFill/>
+        </p:spPr>
+        <p:txBody>
+          <a:bodyPr wrap="none" rtlCol="0">
+            <a:spAutoFit/>
+          </a:bodyPr>
+          <a:lstStyle/>
+          <a:p>
+            <a:r>
+              <a:rPr lang="en-US" dirty="0"/>
+              <a:t>1 = </a:t>
+            </a:r>
+            <a:r>
+              <a:rPr lang="en-US" dirty="0" err="1"/>
+              <a:t>Fout</a:t>
+            </a:r>
+            <a:r>
+              <a:rPr lang="en-US" dirty="0"/>
+              <a:t>.  (along the positive </a:t>
+            </a:r>
+            <a:r>
+              <a:rPr lang="en-US" dirty="0" err="1"/>
+              <a:t>Xalpha</a:t>
+            </a:r>
+            <a:r>
+              <a:rPr lang="en-US" dirty="0"/>
+              <a:t> axis)</a:t>
+            </a:r>
+          </a:p>
+          <a:p>
+            <a:r>
+              <a:rPr lang="en-US" dirty="0"/>
+              <a:t>2 = </a:t>
+            </a:r>
+            <a:r>
+              <a:rPr lang="en-US" dirty="0" err="1"/>
+              <a:t>Fwr</a:t>
+            </a:r>
+            <a:r>
+              <a:rPr lang="en-US" dirty="0"/>
+              <a:t> 	(along the negative Y axis</a:t>
+            </a:r>
+          </a:p>
+          <a:p>
+            <a:r>
+              <a:rPr lang="en-US" dirty="0"/>
+              <a:t>3 = </a:t>
+            </a:r>
+            <a:r>
+              <a:rPr lang="en-US" dirty="0" err="1"/>
+              <a:t>Fwf</a:t>
+            </a:r>
+            <a:r>
+              <a:rPr lang="en-US" dirty="0"/>
+              <a:t>    (along the negative Y axis</a:t>
+            </a:r>
+          </a:p>
+        </p:txBody>
+      </p:sp>
+      <p:cxnSp>
+        <p:nvCxnSpPr>
+          <p:cNvPr id="17" name="Straight Arrow Connector 16">
+            <a:extLst>
+              <a:ext uri="{FF2B5EF4-FFF2-40B4-BE49-F238E27FC236}">
+                <a16:creationId xmlns:a16="http://schemas.microsoft.com/office/drawing/2014/main" id="{5D80920B-3102-884B-82BD-7BB4482CDB45}"/>
+              </a:ext>
+            </a:extLst>
+          </p:cNvPr>
+          <p:cNvCxnSpPr>
+            <a:cxnSpLocks/>
+          </p:cNvCxnSpPr>
+          <p:nvPr/>
+        </p:nvCxnSpPr>
+        <p:spPr>
+          <a:xfrm>
+            <a:off x="4137932" y="4616116"/>
+            <a:ext cx="10455" cy="991470"/>
+          </a:xfrm>
+          <a:prstGeom prst="straightConnector1">
+            <a:avLst/>
+          </a:prstGeom>
+          <a:ln w="53975">
+            <a:solidFill>
+              <a:schemeClr val="accent6">
+                <a:lumMod val="60000"/>
+                <a:lumOff val="40000"/>
+              </a:schemeClr>
+            </a:solidFill>
+            <a:tailEnd type="triangle"/>
+          </a:ln>
+        </p:spPr>
+        <p:style>
+          <a:lnRef idx="1">
+            <a:schemeClr val="accent1"/>
+          </a:lnRef>
+          <a:fillRef idx="0">
+            <a:schemeClr val="accent1"/>
+          </a:fillRef>
+          <a:effectRef idx="0">
+            <a:schemeClr val="accent1"/>
+          </a:effectRef>
+          <a:fontRef idx="minor">
+            <a:schemeClr val="tx1"/>
+          </a:fontRef>
+        </p:style>
+      </p:cxnSp>
+      <p:cxnSp>
+        <p:nvCxnSpPr>
+          <p:cNvPr id="18" name="Straight Arrow Connector 17">
+            <a:extLst>
+              <a:ext uri="{FF2B5EF4-FFF2-40B4-BE49-F238E27FC236}">
+                <a16:creationId xmlns:a16="http://schemas.microsoft.com/office/drawing/2014/main" id="{5AA50058-B8CA-A146-B1FC-BA692D3FF007}"/>
+              </a:ext>
+            </a:extLst>
+          </p:cNvPr>
+          <p:cNvCxnSpPr>
+            <a:cxnSpLocks/>
+          </p:cNvCxnSpPr>
+          <p:nvPr/>
+        </p:nvCxnSpPr>
+        <p:spPr>
+          <a:xfrm>
+            <a:off x="6971370" y="4085091"/>
+            <a:ext cx="6745" cy="559600"/>
+          </a:xfrm>
+          <a:prstGeom prst="straightConnector1">
+            <a:avLst/>
+          </a:prstGeom>
+          <a:ln w="53975">
+            <a:solidFill>
+              <a:schemeClr val="accent6">
+                <a:lumMod val="60000"/>
+                <a:lumOff val="40000"/>
+              </a:schemeClr>
+            </a:solidFill>
+            <a:tailEnd type="triangle"/>
+          </a:ln>
+        </p:spPr>
+        <p:style>
+          <a:lnRef idx="1">
+            <a:schemeClr val="accent1"/>
+          </a:lnRef>
+          <a:fillRef idx="0">
+            <a:schemeClr val="accent1"/>
+          </a:fillRef>
+          <a:effectRef idx="0">
+            <a:schemeClr val="accent1"/>
+          </a:effectRef>
+          <a:fontRef idx="minor">
+            <a:schemeClr val="tx1"/>
+          </a:fontRef>
+        </p:style>
+      </p:cxnSp>
+      <p:sp>
+        <p:nvSpPr>
+          <p:cNvPr id="19" name="TextBox 18">
+            <a:extLst>
+              <a:ext uri="{FF2B5EF4-FFF2-40B4-BE49-F238E27FC236}">
+                <a16:creationId xmlns:a16="http://schemas.microsoft.com/office/drawing/2014/main" id="{0194D5DA-4A91-B14D-B251-0455BD210213}"/>
+              </a:ext>
+            </a:extLst>
+          </p:cNvPr>
+          <p:cNvSpPr txBox="1"/>
+          <p:nvPr/>
+        </p:nvSpPr>
+        <p:spPr>
+          <a:xfrm>
+            <a:off x="4269508" y="5385955"/>
+            <a:ext cx="301686" cy="369332"/>
+          </a:xfrm>
+          <a:prstGeom prst="rect">
+            <a:avLst/>
+          </a:prstGeom>
+          <a:noFill/>
+        </p:spPr>
+        <p:txBody>
+          <a:bodyPr wrap="none" rtlCol="0">
+            <a:spAutoFit/>
+          </a:bodyPr>
+          <a:lstStyle/>
+          <a:p>
+            <a:r>
+              <a:rPr lang="en-US" dirty="0"/>
+              <a:t>2</a:t>
+            </a:r>
+          </a:p>
+        </p:txBody>
+      </p:sp>
+      <p:sp>
+        <p:nvSpPr>
+          <p:cNvPr id="20" name="TextBox 19">
+            <a:extLst>
+              <a:ext uri="{FF2B5EF4-FFF2-40B4-BE49-F238E27FC236}">
+                <a16:creationId xmlns:a16="http://schemas.microsoft.com/office/drawing/2014/main" id="{132B0433-627E-B746-8CE9-1D2943B39C8E}"/>
+              </a:ext>
+            </a:extLst>
+          </p:cNvPr>
+          <p:cNvSpPr txBox="1"/>
+          <p:nvPr/>
+        </p:nvSpPr>
+        <p:spPr>
+          <a:xfrm>
+            <a:off x="6644084" y="4672525"/>
+            <a:ext cx="301686" cy="369332"/>
+          </a:xfrm>
+          <a:prstGeom prst="rect">
+            <a:avLst/>
+          </a:prstGeom>
+          <a:noFill/>
+        </p:spPr>
+        <p:txBody>
+          <a:bodyPr wrap="none" rtlCol="0">
+            <a:spAutoFit/>
+          </a:bodyPr>
+          <a:lstStyle/>
+          <a:p>
+            <a:r>
+              <a:rPr lang="en-US" dirty="0"/>
+              <a:t>3</a:t>
+            </a:r>
+          </a:p>
+        </p:txBody>
+      </p:sp>
+      <p:cxnSp>
+        <p:nvCxnSpPr>
+          <p:cNvPr id="22" name="Straight Arrow Connector 21">
+            <a:extLst>
+              <a:ext uri="{FF2B5EF4-FFF2-40B4-BE49-F238E27FC236}">
+                <a16:creationId xmlns:a16="http://schemas.microsoft.com/office/drawing/2014/main" id="{ED2361C9-14A3-C241-B8A2-8FE7AB9641E2}"/>
+              </a:ext>
+            </a:extLst>
+          </p:cNvPr>
+          <p:cNvCxnSpPr>
+            <a:cxnSpLocks/>
+            <a:stCxn id="14" idx="6"/>
+          </p:cNvCxnSpPr>
+          <p:nvPr/>
+        </p:nvCxnSpPr>
+        <p:spPr>
+          <a:xfrm flipV="1">
+            <a:off x="4203031" y="4547937"/>
+            <a:ext cx="771769" cy="68179"/>
+          </a:xfrm>
+          <a:prstGeom prst="straightConnector1">
+            <a:avLst/>
+          </a:prstGeom>
+          <a:ln w="50800">
+            <a:solidFill>
+              <a:schemeClr val="accent6">
+                <a:lumMod val="75000"/>
+              </a:schemeClr>
+            </a:solidFill>
+            <a:tailEnd type="triangle"/>
+          </a:ln>
+        </p:spPr>
+        <p:style>
+          <a:lnRef idx="1">
+            <a:schemeClr val="accent1"/>
+          </a:lnRef>
+          <a:fillRef idx="0">
+            <a:schemeClr val="accent1"/>
+          </a:fillRef>
+          <a:effectRef idx="0">
+            <a:schemeClr val="accent1"/>
+          </a:effectRef>
+          <a:fontRef idx="minor">
+            <a:schemeClr val="tx1"/>
+          </a:fontRef>
+        </p:style>
+      </p:cxnSp>
+      <p:cxnSp>
+        <p:nvCxnSpPr>
+          <p:cNvPr id="23" name="Straight Arrow Connector 22">
+            <a:extLst>
+              <a:ext uri="{FF2B5EF4-FFF2-40B4-BE49-F238E27FC236}">
+                <a16:creationId xmlns:a16="http://schemas.microsoft.com/office/drawing/2014/main" id="{7872B4F3-3EEA-ED40-A736-1F5FA75DBA05}"/>
+              </a:ext>
+            </a:extLst>
+          </p:cNvPr>
+          <p:cNvCxnSpPr>
+            <a:cxnSpLocks/>
+            <a:stCxn id="14" idx="7"/>
+          </p:cNvCxnSpPr>
+          <p:nvPr/>
+        </p:nvCxnSpPr>
+        <p:spPr>
+          <a:xfrm flipH="1" flipV="1">
+            <a:off x="4148387" y="3762375"/>
+            <a:ext cx="32326" cy="805531"/>
+          </a:xfrm>
+          <a:prstGeom prst="straightConnector1">
+            <a:avLst/>
+          </a:prstGeom>
+          <a:ln w="50800">
+            <a:solidFill>
+              <a:schemeClr val="accent6">
+                <a:lumMod val="75000"/>
+              </a:schemeClr>
+            </a:solidFill>
+            <a:tailEnd type="triangle"/>
+          </a:ln>
+        </p:spPr>
+        <p:style>
+          <a:lnRef idx="1">
+            <a:schemeClr val="accent1"/>
+          </a:lnRef>
+          <a:fillRef idx="0">
+            <a:schemeClr val="accent1"/>
+          </a:fillRef>
+          <a:effectRef idx="0">
+            <a:schemeClr val="accent1"/>
+          </a:effectRef>
+          <a:fontRef idx="minor">
+            <a:schemeClr val="tx1"/>
+          </a:fontRef>
+        </p:style>
+      </p:cxnSp>
+    </p:spTree>
+    <p:extLst>
+      <p:ext uri="{BB962C8B-B14F-4D97-AF65-F5344CB8AC3E}">
+        <p14:creationId xmlns:p14="http://schemas.microsoft.com/office/powerpoint/2010/main" val="2725840247"/>
+      </p:ext>
+    </p:extLst>
+  </p:cSld>
+  <p:clrMapOvr>
+    <a:masterClrMapping/>
+  </p:clrMapOvr>
+</p:sld>
+</file>
+
+<file path=ppt/slides/slide24.xml><?xml version="1.0" encoding="utf-8"?>
+<p:sld xmlns:a="http://schemas.openxmlformats.org/drawingml/2006/main" xmlns:r="http://schemas.openxmlformats.org/officeDocument/2006/relationships" xmlns:p="http://schemas.openxmlformats.org/presentationml/2006/main">
+  <p:cSld>
+    <p:spTree>
+      <p:nvGrpSpPr>
+        <p:cNvPr id="1" name=""/>
+        <p:cNvGrpSpPr/>
+        <p:nvPr/>
+      </p:nvGrpSpPr>
+      <p:grpSpPr>
+        <a:xfrm>
+          <a:off x="0" y="0"/>
+          <a:ext cx="0" cy="0"/>
+          <a:chOff x="0" y="0"/>
+          <a:chExt cx="0" cy="0"/>
+        </a:xfrm>
+      </p:grpSpPr>
+      <p:sp>
+        <p:nvSpPr>
+          <p:cNvPr id="21" name="Isosceles Triangle 20">
+            <a:extLst>
+              <a:ext uri="{FF2B5EF4-FFF2-40B4-BE49-F238E27FC236}">
+                <a16:creationId xmlns:a16="http://schemas.microsoft.com/office/drawing/2014/main" id="{E2DD208B-9ED1-4F23-8A84-898A59AFE327}"/>
+              </a:ext>
+            </a:extLst>
+          </p:cNvPr>
+          <p:cNvSpPr/>
+          <p:nvPr/>
+        </p:nvSpPr>
+        <p:spPr>
+          <a:xfrm rot="20959425">
+            <a:off x="3959243" y="2748942"/>
+            <a:ext cx="2888975" cy="1615051"/>
+          </a:xfrm>
+          <a:prstGeom prst="triangle">
+            <a:avLst/>
+          </a:prstGeom>
+          <a:solidFill>
+            <a:schemeClr val="bg2">
+              <a:lumMod val="90000"/>
+            </a:schemeClr>
+          </a:solidFill>
+        </p:spPr>
+        <p:style>
+          <a:lnRef idx="2">
+            <a:schemeClr val="accent1">
+              <a:shade val="50000"/>
+            </a:schemeClr>
+          </a:lnRef>
+          <a:fillRef idx="1">
+            <a:schemeClr val="accent1"/>
+          </a:fillRef>
+          <a:effectRef idx="0">
+            <a:schemeClr val="accent1"/>
+          </a:effectRef>
+          <a:fontRef idx="minor">
+            <a:schemeClr val="lt1"/>
+          </a:fontRef>
+        </p:style>
+        <p:txBody>
+          <a:bodyPr rtlCol="0" anchor="ctr"/>
+          <a:lstStyle/>
+          <a:p>
+            <a:pPr algn="ctr"/>
+            <a:endParaRPr lang="en-US" dirty="0"/>
+          </a:p>
+        </p:txBody>
+      </p:sp>
+      <p:sp>
+        <p:nvSpPr>
+          <p:cNvPr id="4" name="Oval 3">
+            <a:extLst>
+              <a:ext uri="{FF2B5EF4-FFF2-40B4-BE49-F238E27FC236}">
+                <a16:creationId xmlns:a16="http://schemas.microsoft.com/office/drawing/2014/main" id="{314600A2-A1FF-492F-8609-34CAF5859A52}"/>
+              </a:ext>
+            </a:extLst>
+          </p:cNvPr>
+          <p:cNvSpPr/>
+          <p:nvPr/>
+        </p:nvSpPr>
+        <p:spPr>
+          <a:xfrm>
+            <a:off x="3561347" y="4050632"/>
+            <a:ext cx="1130968" cy="1130968"/>
+          </a:xfrm>
+          <a:prstGeom prst="ellipse">
+            <a:avLst/>
+          </a:prstGeom>
+        </p:spPr>
+        <p:style>
+          <a:lnRef idx="2">
+            <a:schemeClr val="accent1">
+              <a:shade val="50000"/>
+            </a:schemeClr>
+          </a:lnRef>
+          <a:fillRef idx="1">
+            <a:schemeClr val="accent1"/>
+          </a:fillRef>
+          <a:effectRef idx="0">
+            <a:schemeClr val="accent1"/>
+          </a:effectRef>
+          <a:fontRef idx="minor">
+            <a:schemeClr val="lt1"/>
+          </a:fontRef>
+        </p:style>
+        <p:txBody>
+          <a:bodyPr rtlCol="0" anchor="ctr"/>
+          <a:lstStyle/>
+          <a:p>
+            <a:pPr algn="ctr"/>
+            <a:endParaRPr lang="en-US"/>
+          </a:p>
+        </p:txBody>
+      </p:sp>
+      <p:sp>
+        <p:nvSpPr>
+          <p:cNvPr id="5" name="Oval 4">
+            <a:extLst>
+              <a:ext uri="{FF2B5EF4-FFF2-40B4-BE49-F238E27FC236}">
+                <a16:creationId xmlns:a16="http://schemas.microsoft.com/office/drawing/2014/main" id="{ED83B1C8-4E8A-443E-8022-B13B8E29A4AE}"/>
+              </a:ext>
+            </a:extLst>
+          </p:cNvPr>
+          <p:cNvSpPr/>
+          <p:nvPr/>
+        </p:nvSpPr>
+        <p:spPr>
+          <a:xfrm>
+            <a:off x="6406819" y="3513723"/>
+            <a:ext cx="1130968" cy="1130968"/>
+          </a:xfrm>
+          <a:prstGeom prst="ellipse">
+            <a:avLst/>
+          </a:prstGeom>
+        </p:spPr>
+        <p:style>
+          <a:lnRef idx="2">
+            <a:schemeClr val="accent1">
+              <a:shade val="50000"/>
+            </a:schemeClr>
+          </a:lnRef>
+          <a:fillRef idx="1">
+            <a:schemeClr val="accent1"/>
+          </a:fillRef>
+          <a:effectRef idx="0">
+            <a:schemeClr val="accent1"/>
+          </a:effectRef>
+          <a:fontRef idx="minor">
+            <a:schemeClr val="lt1"/>
+          </a:fontRef>
+        </p:style>
+        <p:txBody>
+          <a:bodyPr rtlCol="0" anchor="ctr"/>
+          <a:lstStyle/>
+          <a:p>
+            <a:pPr algn="ctr"/>
+            <a:endParaRPr lang="en-US"/>
+          </a:p>
+        </p:txBody>
+      </p:sp>
+      <p:cxnSp>
+        <p:nvCxnSpPr>
+          <p:cNvPr id="8" name="Straight Connector 7">
+            <a:extLst>
+              <a:ext uri="{FF2B5EF4-FFF2-40B4-BE49-F238E27FC236}">
+                <a16:creationId xmlns:a16="http://schemas.microsoft.com/office/drawing/2014/main" id="{5E9B6128-A755-4014-AD0B-AF4BCF9C3590}"/>
+              </a:ext>
+            </a:extLst>
+          </p:cNvPr>
+          <p:cNvCxnSpPr>
+            <a:cxnSpLocks/>
+          </p:cNvCxnSpPr>
+          <p:nvPr/>
+        </p:nvCxnSpPr>
+        <p:spPr>
+          <a:xfrm flipV="1">
+            <a:off x="3617494" y="4291265"/>
+            <a:ext cx="1620253" cy="1668378"/>
+          </a:xfrm>
+          <a:prstGeom prst="line">
+            <a:avLst/>
+          </a:prstGeom>
+        </p:spPr>
+        <p:style>
+          <a:lnRef idx="1">
+            <a:schemeClr val="accent1"/>
+          </a:lnRef>
+          <a:fillRef idx="0">
+            <a:schemeClr val="accent1"/>
+          </a:fillRef>
+          <a:effectRef idx="0">
+            <a:schemeClr val="accent1"/>
+          </a:effectRef>
+          <a:fontRef idx="minor">
+            <a:schemeClr val="tx1"/>
+          </a:fontRef>
+        </p:style>
+      </p:cxnSp>
+      <p:cxnSp>
+        <p:nvCxnSpPr>
+          <p:cNvPr id="11" name="Straight Connector 10">
+            <a:extLst>
+              <a:ext uri="{FF2B5EF4-FFF2-40B4-BE49-F238E27FC236}">
+                <a16:creationId xmlns:a16="http://schemas.microsoft.com/office/drawing/2014/main" id="{A4B179D8-2EB4-4B0C-AA1F-00B1C3644A3D}"/>
+              </a:ext>
+            </a:extLst>
+          </p:cNvPr>
+          <p:cNvCxnSpPr>
+            <a:cxnSpLocks/>
+          </p:cNvCxnSpPr>
+          <p:nvPr/>
+        </p:nvCxnSpPr>
+        <p:spPr>
+          <a:xfrm flipV="1">
+            <a:off x="6825329" y="3541797"/>
+            <a:ext cx="1155028" cy="1860884"/>
+          </a:xfrm>
+          <a:prstGeom prst="line">
+            <a:avLst/>
+          </a:prstGeom>
+        </p:spPr>
+        <p:style>
+          <a:lnRef idx="1">
+            <a:schemeClr val="accent1"/>
+          </a:lnRef>
+          <a:fillRef idx="0">
+            <a:schemeClr val="accent1"/>
+          </a:fillRef>
+          <a:effectRef idx="0">
+            <a:schemeClr val="accent1"/>
+          </a:effectRef>
+          <a:fontRef idx="minor">
+            <a:schemeClr val="tx1"/>
+          </a:fontRef>
+        </p:style>
+      </p:cxnSp>
+      <p:sp>
+        <p:nvSpPr>
+          <p:cNvPr id="14" name="Oval 13">
+            <a:extLst>
+              <a:ext uri="{FF2B5EF4-FFF2-40B4-BE49-F238E27FC236}">
+                <a16:creationId xmlns:a16="http://schemas.microsoft.com/office/drawing/2014/main" id="{A3FB30E0-CD29-4C5E-B40F-8C0976CAE2BB}"/>
+              </a:ext>
+            </a:extLst>
+          </p:cNvPr>
+          <p:cNvSpPr/>
+          <p:nvPr/>
+        </p:nvSpPr>
+        <p:spPr>
+          <a:xfrm>
+            <a:off x="4050631" y="4547937"/>
+            <a:ext cx="152400" cy="136358"/>
+          </a:xfrm>
+          <a:prstGeom prst="ellipse">
+            <a:avLst/>
+          </a:prstGeom>
+          <a:solidFill>
+            <a:srgbClr val="FF0000"/>
+          </a:solidFill>
+          <a:ln>
+            <a:solidFill>
+              <a:srgbClr val="FF0000"/>
+            </a:solidFill>
+          </a:ln>
+        </p:spPr>
+        <p:style>
+          <a:lnRef idx="2">
+            <a:schemeClr val="accent1">
+              <a:shade val="50000"/>
+            </a:schemeClr>
+          </a:lnRef>
+          <a:fillRef idx="1">
+            <a:schemeClr val="accent1"/>
+          </a:fillRef>
+          <a:effectRef idx="0">
+            <a:schemeClr val="accent1"/>
+          </a:effectRef>
+          <a:fontRef idx="minor">
+            <a:schemeClr val="lt1"/>
+          </a:fontRef>
+        </p:style>
+        <p:txBody>
+          <a:bodyPr rtlCol="0" anchor="ctr"/>
+          <a:lstStyle/>
+          <a:p>
+            <a:pPr algn="ctr"/>
+            <a:endParaRPr lang="en-US"/>
+          </a:p>
+        </p:txBody>
+      </p:sp>
+      <p:sp>
+        <p:nvSpPr>
+          <p:cNvPr id="15" name="Oval 14">
+            <a:extLst>
+              <a:ext uri="{FF2B5EF4-FFF2-40B4-BE49-F238E27FC236}">
+                <a16:creationId xmlns:a16="http://schemas.microsoft.com/office/drawing/2014/main" id="{4E009318-9624-43B1-AA16-858CE5B68F3B}"/>
+              </a:ext>
+            </a:extLst>
+          </p:cNvPr>
+          <p:cNvSpPr/>
+          <p:nvPr/>
+        </p:nvSpPr>
+        <p:spPr>
+          <a:xfrm>
+            <a:off x="6896103" y="4011028"/>
+            <a:ext cx="152400" cy="136358"/>
+          </a:xfrm>
+          <a:prstGeom prst="ellipse">
+            <a:avLst/>
+          </a:prstGeom>
+          <a:solidFill>
+            <a:srgbClr val="FF0000"/>
+          </a:solidFill>
+          <a:ln>
+            <a:solidFill>
+              <a:srgbClr val="FF0000"/>
+            </a:solidFill>
+          </a:ln>
+        </p:spPr>
+        <p:style>
+          <a:lnRef idx="2">
+            <a:schemeClr val="accent1">
+              <a:shade val="50000"/>
+            </a:schemeClr>
+          </a:lnRef>
+          <a:fillRef idx="1">
+            <a:schemeClr val="accent1"/>
+          </a:fillRef>
+          <a:effectRef idx="0">
+            <a:schemeClr val="accent1"/>
+          </a:effectRef>
+          <a:fontRef idx="minor">
+            <a:schemeClr val="lt1"/>
+          </a:fontRef>
+        </p:style>
+        <p:txBody>
+          <a:bodyPr rtlCol="0" anchor="ctr"/>
+          <a:lstStyle/>
+          <a:p>
+            <a:pPr algn="ctr"/>
+            <a:endParaRPr lang="en-US"/>
+          </a:p>
+        </p:txBody>
+      </p:sp>
+      <p:sp>
+        <p:nvSpPr>
+          <p:cNvPr id="10" name="TextBox 9">
+            <a:extLst>
+              <a:ext uri="{FF2B5EF4-FFF2-40B4-BE49-F238E27FC236}">
+                <a16:creationId xmlns:a16="http://schemas.microsoft.com/office/drawing/2014/main" id="{451C141E-2478-496A-A547-8D9C4BB155C0}"/>
+              </a:ext>
+            </a:extLst>
+          </p:cNvPr>
+          <p:cNvSpPr txBox="1"/>
+          <p:nvPr/>
+        </p:nvSpPr>
+        <p:spPr>
+          <a:xfrm>
+            <a:off x="5237747" y="661640"/>
+            <a:ext cx="6254726" cy="646331"/>
+          </a:xfrm>
+          <a:prstGeom prst="rect">
+            <a:avLst/>
+          </a:prstGeom>
+          <a:noFill/>
+        </p:spPr>
+        <p:txBody>
+          <a:bodyPr wrap="none" rtlCol="0">
+            <a:spAutoFit/>
+          </a:bodyPr>
+          <a:lstStyle/>
+          <a:p>
+            <a:r>
+              <a:rPr lang="en-US" dirty="0"/>
+              <a:t>MOVE ALL FORCE TO THE CG AND TRACK THE MOMENTS</a:t>
+            </a:r>
+          </a:p>
+          <a:p>
+            <a:r>
+              <a:rPr lang="en-US" dirty="0"/>
+              <a:t>RESOLVE ALL FORCES TO X and Y components to make this easier</a:t>
+            </a:r>
+          </a:p>
+        </p:txBody>
+      </p:sp>
+      <p:sp>
+        <p:nvSpPr>
+          <p:cNvPr id="16" name="Oval 15">
+            <a:extLst>
+              <a:ext uri="{FF2B5EF4-FFF2-40B4-BE49-F238E27FC236}">
+                <a16:creationId xmlns:a16="http://schemas.microsoft.com/office/drawing/2014/main" id="{6E7BCEC9-ACB6-46AF-B3B0-F06B74D4EF18}"/>
+              </a:ext>
+            </a:extLst>
+          </p:cNvPr>
+          <p:cNvSpPr/>
+          <p:nvPr/>
+        </p:nvSpPr>
+        <p:spPr>
+          <a:xfrm>
+            <a:off x="5320967" y="3609975"/>
+            <a:ext cx="152400" cy="152400"/>
+          </a:xfrm>
+          <a:prstGeom prst="ellipse">
+            <a:avLst/>
+          </a:prstGeom>
+          <a:solidFill>
+            <a:schemeClr val="accent1">
+              <a:lumMod val="60000"/>
+              <a:lumOff val="40000"/>
+            </a:schemeClr>
+          </a:solidFill>
+        </p:spPr>
+        <p:style>
+          <a:lnRef idx="2">
+            <a:schemeClr val="accent1">
+              <a:shade val="50000"/>
+            </a:schemeClr>
+          </a:lnRef>
+          <a:fillRef idx="1">
+            <a:schemeClr val="accent1"/>
+          </a:fillRef>
+          <a:effectRef idx="0">
+            <a:schemeClr val="accent1"/>
+          </a:effectRef>
+          <a:fontRef idx="minor">
+            <a:schemeClr val="lt1"/>
+          </a:fontRef>
+        </p:style>
+        <p:txBody>
+          <a:bodyPr rtlCol="0" anchor="ctr"/>
+          <a:lstStyle/>
+          <a:p>
+            <a:pPr algn="ctr"/>
+            <a:endParaRPr lang="en-US"/>
+          </a:p>
+        </p:txBody>
+      </p:sp>
+      <p:sp>
+        <p:nvSpPr>
+          <p:cNvPr id="6" name="TextBox 5">
+            <a:extLst>
+              <a:ext uri="{FF2B5EF4-FFF2-40B4-BE49-F238E27FC236}">
+                <a16:creationId xmlns:a16="http://schemas.microsoft.com/office/drawing/2014/main" id="{1A46242E-54C8-8C4C-AD0E-020FACD6EACA}"/>
+              </a:ext>
+            </a:extLst>
+          </p:cNvPr>
+          <p:cNvSpPr txBox="1"/>
+          <p:nvPr/>
+        </p:nvSpPr>
+        <p:spPr>
+          <a:xfrm>
+            <a:off x="428017" y="846306"/>
+            <a:ext cx="4014753" cy="923330"/>
+          </a:xfrm>
+          <a:prstGeom prst="rect">
+            <a:avLst/>
+          </a:prstGeom>
+          <a:noFill/>
+        </p:spPr>
+        <p:txBody>
+          <a:bodyPr wrap="none" rtlCol="0">
+            <a:spAutoFit/>
+          </a:bodyPr>
+          <a:lstStyle/>
+          <a:p>
+            <a:r>
+              <a:rPr lang="en-US" dirty="0"/>
+              <a:t>1 = </a:t>
+            </a:r>
+            <a:r>
+              <a:rPr lang="en-US" dirty="0" err="1"/>
+              <a:t>Fout</a:t>
+            </a:r>
+            <a:r>
+              <a:rPr lang="en-US" dirty="0"/>
+              <a:t>.  (along the positive </a:t>
+            </a:r>
+            <a:r>
+              <a:rPr lang="en-US" dirty="0" err="1"/>
+              <a:t>Xalpha</a:t>
+            </a:r>
+            <a:r>
+              <a:rPr lang="en-US" dirty="0"/>
+              <a:t> axis)</a:t>
+            </a:r>
+          </a:p>
+          <a:p>
+            <a:r>
+              <a:rPr lang="en-US" dirty="0"/>
+              <a:t>2 = </a:t>
+            </a:r>
+            <a:r>
+              <a:rPr lang="en-US" dirty="0" err="1"/>
+              <a:t>Fwr</a:t>
+            </a:r>
+            <a:r>
+              <a:rPr lang="en-US" dirty="0"/>
+              <a:t> 	(along the negative Y axis</a:t>
+            </a:r>
+          </a:p>
+          <a:p>
+            <a:r>
+              <a:rPr lang="en-US" dirty="0"/>
+              <a:t>3 = </a:t>
+            </a:r>
+            <a:r>
+              <a:rPr lang="en-US" dirty="0" err="1"/>
+              <a:t>Fwf</a:t>
+            </a:r>
+            <a:r>
+              <a:rPr lang="en-US" dirty="0"/>
+              <a:t>    (along the negative Y axis</a:t>
+            </a:r>
+          </a:p>
+        </p:txBody>
+      </p:sp>
+      <p:cxnSp>
+        <p:nvCxnSpPr>
+          <p:cNvPr id="17" name="Straight Arrow Connector 16">
+            <a:extLst>
+              <a:ext uri="{FF2B5EF4-FFF2-40B4-BE49-F238E27FC236}">
+                <a16:creationId xmlns:a16="http://schemas.microsoft.com/office/drawing/2014/main" id="{5D80920B-3102-884B-82BD-7BB4482CDB45}"/>
+              </a:ext>
+            </a:extLst>
+          </p:cNvPr>
+          <p:cNvCxnSpPr>
+            <a:cxnSpLocks/>
+          </p:cNvCxnSpPr>
+          <p:nvPr/>
+        </p:nvCxnSpPr>
+        <p:spPr>
+          <a:xfrm>
+            <a:off x="4137932" y="4616116"/>
+            <a:ext cx="10455" cy="991470"/>
+          </a:xfrm>
+          <a:prstGeom prst="straightConnector1">
+            <a:avLst/>
+          </a:prstGeom>
+          <a:ln w="53975">
+            <a:solidFill>
+              <a:schemeClr val="accent6">
+                <a:lumMod val="60000"/>
+                <a:lumOff val="40000"/>
+              </a:schemeClr>
+            </a:solidFill>
+            <a:tailEnd type="triangle"/>
+          </a:ln>
+        </p:spPr>
+        <p:style>
+          <a:lnRef idx="1">
+            <a:schemeClr val="accent1"/>
+          </a:lnRef>
+          <a:fillRef idx="0">
+            <a:schemeClr val="accent1"/>
+          </a:fillRef>
+          <a:effectRef idx="0">
+            <a:schemeClr val="accent1"/>
+          </a:effectRef>
+          <a:fontRef idx="minor">
+            <a:schemeClr val="tx1"/>
+          </a:fontRef>
+        </p:style>
+      </p:cxnSp>
+      <p:cxnSp>
+        <p:nvCxnSpPr>
+          <p:cNvPr id="18" name="Straight Arrow Connector 17">
+            <a:extLst>
+              <a:ext uri="{FF2B5EF4-FFF2-40B4-BE49-F238E27FC236}">
+                <a16:creationId xmlns:a16="http://schemas.microsoft.com/office/drawing/2014/main" id="{5AA50058-B8CA-A146-B1FC-BA692D3FF007}"/>
+              </a:ext>
+            </a:extLst>
+          </p:cNvPr>
+          <p:cNvCxnSpPr>
+            <a:cxnSpLocks/>
+          </p:cNvCxnSpPr>
+          <p:nvPr/>
+        </p:nvCxnSpPr>
+        <p:spPr>
+          <a:xfrm>
+            <a:off x="6971370" y="4085091"/>
+            <a:ext cx="6745" cy="559600"/>
+          </a:xfrm>
+          <a:prstGeom prst="straightConnector1">
+            <a:avLst/>
+          </a:prstGeom>
+          <a:ln w="53975">
+            <a:solidFill>
+              <a:schemeClr val="accent6">
+                <a:lumMod val="60000"/>
+                <a:lumOff val="40000"/>
+              </a:schemeClr>
+            </a:solidFill>
+            <a:tailEnd type="triangle"/>
+          </a:ln>
+        </p:spPr>
+        <p:style>
+          <a:lnRef idx="1">
+            <a:schemeClr val="accent1"/>
+          </a:lnRef>
+          <a:fillRef idx="0">
+            <a:schemeClr val="accent1"/>
+          </a:fillRef>
+          <a:effectRef idx="0">
+            <a:schemeClr val="accent1"/>
+          </a:effectRef>
+          <a:fontRef idx="minor">
+            <a:schemeClr val="tx1"/>
+          </a:fontRef>
+        </p:style>
+      </p:cxnSp>
+      <p:sp>
+        <p:nvSpPr>
+          <p:cNvPr id="19" name="TextBox 18">
+            <a:extLst>
+              <a:ext uri="{FF2B5EF4-FFF2-40B4-BE49-F238E27FC236}">
+                <a16:creationId xmlns:a16="http://schemas.microsoft.com/office/drawing/2014/main" id="{0194D5DA-4A91-B14D-B251-0455BD210213}"/>
+              </a:ext>
+            </a:extLst>
+          </p:cNvPr>
+          <p:cNvSpPr txBox="1"/>
+          <p:nvPr/>
+        </p:nvSpPr>
+        <p:spPr>
+          <a:xfrm>
+            <a:off x="4269508" y="5385955"/>
+            <a:ext cx="301686" cy="369332"/>
+          </a:xfrm>
+          <a:prstGeom prst="rect">
+            <a:avLst/>
+          </a:prstGeom>
+          <a:noFill/>
+        </p:spPr>
+        <p:txBody>
+          <a:bodyPr wrap="none" rtlCol="0">
+            <a:spAutoFit/>
+          </a:bodyPr>
+          <a:lstStyle/>
+          <a:p>
+            <a:r>
+              <a:rPr lang="en-US" dirty="0"/>
+              <a:t>2</a:t>
+            </a:r>
+          </a:p>
+        </p:txBody>
+      </p:sp>
+      <p:sp>
+        <p:nvSpPr>
+          <p:cNvPr id="20" name="TextBox 19">
+            <a:extLst>
+              <a:ext uri="{FF2B5EF4-FFF2-40B4-BE49-F238E27FC236}">
+                <a16:creationId xmlns:a16="http://schemas.microsoft.com/office/drawing/2014/main" id="{132B0433-627E-B746-8CE9-1D2943B39C8E}"/>
+              </a:ext>
+            </a:extLst>
+          </p:cNvPr>
+          <p:cNvSpPr txBox="1"/>
+          <p:nvPr/>
+        </p:nvSpPr>
+        <p:spPr>
+          <a:xfrm>
+            <a:off x="6644084" y="4672525"/>
+            <a:ext cx="301686" cy="369332"/>
+          </a:xfrm>
+          <a:prstGeom prst="rect">
+            <a:avLst/>
+          </a:prstGeom>
+          <a:noFill/>
+        </p:spPr>
+        <p:txBody>
+          <a:bodyPr wrap="none" rtlCol="0">
+            <a:spAutoFit/>
+          </a:bodyPr>
+          <a:lstStyle/>
+          <a:p>
+            <a:r>
+              <a:rPr lang="en-US" dirty="0"/>
+              <a:t>3</a:t>
+            </a:r>
+          </a:p>
+        </p:txBody>
+      </p:sp>
+      <p:cxnSp>
+        <p:nvCxnSpPr>
+          <p:cNvPr id="22" name="Straight Arrow Connector 21">
+            <a:extLst>
+              <a:ext uri="{FF2B5EF4-FFF2-40B4-BE49-F238E27FC236}">
+                <a16:creationId xmlns:a16="http://schemas.microsoft.com/office/drawing/2014/main" id="{ED2361C9-14A3-C241-B8A2-8FE7AB9641E2}"/>
+              </a:ext>
+            </a:extLst>
+          </p:cNvPr>
+          <p:cNvCxnSpPr>
+            <a:cxnSpLocks/>
+            <a:stCxn id="14" idx="6"/>
+          </p:cNvCxnSpPr>
+          <p:nvPr/>
+        </p:nvCxnSpPr>
+        <p:spPr>
+          <a:xfrm flipV="1">
+            <a:off x="4203031" y="4547937"/>
+            <a:ext cx="771769" cy="68179"/>
+          </a:xfrm>
+          <a:prstGeom prst="straightConnector1">
+            <a:avLst/>
+          </a:prstGeom>
+          <a:ln w="50800">
+            <a:solidFill>
+              <a:schemeClr val="accent6">
+                <a:lumMod val="75000"/>
+              </a:schemeClr>
+            </a:solidFill>
+            <a:tailEnd type="triangle"/>
+          </a:ln>
+        </p:spPr>
+        <p:style>
+          <a:lnRef idx="1">
+            <a:schemeClr val="accent1"/>
+          </a:lnRef>
+          <a:fillRef idx="0">
+            <a:schemeClr val="accent1"/>
+          </a:fillRef>
+          <a:effectRef idx="0">
+            <a:schemeClr val="accent1"/>
+          </a:effectRef>
+          <a:fontRef idx="minor">
+            <a:schemeClr val="tx1"/>
+          </a:fontRef>
+        </p:style>
+      </p:cxnSp>
+      <p:cxnSp>
+        <p:nvCxnSpPr>
+          <p:cNvPr id="23" name="Straight Arrow Connector 22">
+            <a:extLst>
+              <a:ext uri="{FF2B5EF4-FFF2-40B4-BE49-F238E27FC236}">
+                <a16:creationId xmlns:a16="http://schemas.microsoft.com/office/drawing/2014/main" id="{7872B4F3-3EEA-ED40-A736-1F5FA75DBA05}"/>
+              </a:ext>
+            </a:extLst>
+          </p:cNvPr>
+          <p:cNvCxnSpPr>
+            <a:cxnSpLocks/>
+            <a:stCxn id="14" idx="7"/>
+          </p:cNvCxnSpPr>
+          <p:nvPr/>
+        </p:nvCxnSpPr>
+        <p:spPr>
+          <a:xfrm flipH="1" flipV="1">
+            <a:off x="4148387" y="3762375"/>
+            <a:ext cx="32326" cy="805531"/>
+          </a:xfrm>
+          <a:prstGeom prst="straightConnector1">
+            <a:avLst/>
+          </a:prstGeom>
+          <a:ln w="50800">
+            <a:solidFill>
+              <a:schemeClr val="accent6">
+                <a:lumMod val="75000"/>
+              </a:schemeClr>
+            </a:solidFill>
+            <a:tailEnd type="triangle"/>
+          </a:ln>
+        </p:spPr>
+        <p:style>
+          <a:lnRef idx="1">
+            <a:schemeClr val="accent1"/>
+          </a:lnRef>
+          <a:fillRef idx="0">
+            <a:schemeClr val="accent1"/>
+          </a:fillRef>
+          <a:effectRef idx="0">
+            <a:schemeClr val="accent1"/>
+          </a:effectRef>
+          <a:fontRef idx="minor">
+            <a:schemeClr val="tx1"/>
+          </a:fontRef>
+        </p:style>
+      </p:cxnSp>
+    </p:spTree>
+    <p:extLst>
+      <p:ext uri="{BB962C8B-B14F-4D97-AF65-F5344CB8AC3E}">
+        <p14:creationId xmlns:p14="http://schemas.microsoft.com/office/powerpoint/2010/main" val="3618021007"/>
+      </p:ext>
+    </p:extLst>
+  </p:cSld>
+  <p:clrMapOvr>
+    <a:masterClrMapping/>
+  </p:clrMapOvr>
+</p:sld>
+</file>
+
 <file path=ppt/slides/slide3.xml><?xml version="1.0" encoding="utf-8"?>
 <p:sld xmlns:a="http://schemas.openxmlformats.org/drawingml/2006/main" xmlns:r="http://schemas.openxmlformats.org/officeDocument/2006/relationships" xmlns:p="http://schemas.openxmlformats.org/presentationml/2006/main">
   <p:cSld>
